--- a/optimization/4 семестр/РПЗ/Презентация_v2.0.pptx
+++ b/optimization/4 семестр/РПЗ/Презентация_v2.0.pptx
@@ -5,7 +5,7 @@
     <p:sldMasterId id="2147483648" r:id="rId1"/>
   </p:sldMasterIdLst>
   <p:notesMasterIdLst>
-    <p:notesMasterId r:id="rId28"/>
+    <p:notesMasterId r:id="rId27"/>
   </p:notesMasterIdLst>
   <p:sldIdLst>
     <p:sldId id="256" r:id="rId2"/>
@@ -13,8 +13,8 @@
     <p:sldId id="301" r:id="rId4"/>
     <p:sldId id="302" r:id="rId5"/>
     <p:sldId id="276" r:id="rId6"/>
-    <p:sldId id="303" r:id="rId7"/>
-    <p:sldId id="279" r:id="rId8"/>
+    <p:sldId id="279" r:id="rId7"/>
+    <p:sldId id="303" r:id="rId8"/>
     <p:sldId id="284" r:id="rId9"/>
     <p:sldId id="258" r:id="rId10"/>
     <p:sldId id="280" r:id="rId11"/>
@@ -22,18 +22,17 @@
     <p:sldId id="289" r:id="rId13"/>
     <p:sldId id="288" r:id="rId14"/>
     <p:sldId id="281" r:id="rId15"/>
-    <p:sldId id="285" r:id="rId16"/>
-    <p:sldId id="286" r:id="rId17"/>
-    <p:sldId id="283" r:id="rId18"/>
-    <p:sldId id="291" r:id="rId19"/>
-    <p:sldId id="292" r:id="rId20"/>
-    <p:sldId id="293" r:id="rId21"/>
-    <p:sldId id="295" r:id="rId22"/>
-    <p:sldId id="294" r:id="rId23"/>
-    <p:sldId id="296" r:id="rId24"/>
-    <p:sldId id="299" r:id="rId25"/>
-    <p:sldId id="300" r:id="rId26"/>
-    <p:sldId id="273" r:id="rId27"/>
+    <p:sldId id="286" r:id="rId16"/>
+    <p:sldId id="283" r:id="rId17"/>
+    <p:sldId id="293" r:id="rId18"/>
+    <p:sldId id="295" r:id="rId19"/>
+    <p:sldId id="294" r:id="rId20"/>
+    <p:sldId id="291" r:id="rId21"/>
+    <p:sldId id="292" r:id="rId22"/>
+    <p:sldId id="296" r:id="rId23"/>
+    <p:sldId id="299" r:id="rId24"/>
+    <p:sldId id="300" r:id="rId25"/>
+    <p:sldId id="273" r:id="rId26"/>
   </p:sldIdLst>
   <p:sldSz cx="9144000" cy="6858000" type="screen4x3"/>
   <p:notesSz cx="6797675" cy="9874250"/>
@@ -133,6 +132,12 @@
     </a:lvl9pPr>
   </p:defaultTextStyle>
 </p:presentation>
+</file>
+
+<file path=ppt/commentAuthors.xml><?xml version="1.0" encoding="utf-8"?>
+<p:cmAuthorLst xmlns:a="http://schemas.openxmlformats.org/drawingml/2006/main" xmlns:r="http://schemas.openxmlformats.org/officeDocument/2006/relationships" xmlns:p="http://schemas.openxmlformats.org/presentationml/2006/main">
+  <p:cmAuthor id="0" name="ArKuzmin" initials="A" lastIdx="1" clrIdx="0"/>
+</p:cmAuthorLst>
 </file>
 
 <file path=ppt/charts/chart1.xml><?xml version="1.0" encoding="utf-8"?>
@@ -297,11 +302,11 @@
           <c:showPercent val="0"/>
           <c:showBubbleSize val="0"/>
         </c:dLbls>
-        <c:axId val="152717952"/>
-        <c:axId val="153694976"/>
+        <c:axId val="85929984"/>
+        <c:axId val="85931904"/>
       </c:scatterChart>
       <c:valAx>
-        <c:axId val="152717952"/>
+        <c:axId val="85929984"/>
         <c:scaling>
           <c:orientation val="minMax"/>
           <c:max val="201"/>
@@ -337,13 +342,13 @@
         <c:majorTickMark val="out"/>
         <c:minorTickMark val="none"/>
         <c:tickLblPos val="nextTo"/>
-        <c:crossAx val="153694976"/>
+        <c:crossAx val="85931904"/>
         <c:crosses val="autoZero"/>
         <c:crossBetween val="midCat"/>
         <c:majorUnit val="5"/>
       </c:valAx>
       <c:valAx>
-        <c:axId val="153694976"/>
+        <c:axId val="85931904"/>
         <c:scaling>
           <c:orientation val="minMax"/>
           <c:max val="17"/>
@@ -398,7 +403,7 @@
         <c:majorTickMark val="out"/>
         <c:minorTickMark val="none"/>
         <c:tickLblPos val="nextTo"/>
-        <c:crossAx val="152717952"/>
+        <c:crossAx val="85929984"/>
         <c:crosses val="autoZero"/>
         <c:crossBetween val="midCat"/>
         <c:majorUnit val="0.8"/>
@@ -629,11 +634,11 @@
           <c:showPercent val="0"/>
           <c:showBubbleSize val="0"/>
         </c:dLbls>
-        <c:axId val="153714048"/>
-        <c:axId val="155125248"/>
+        <c:axId val="85987328"/>
+        <c:axId val="85989248"/>
       </c:scatterChart>
       <c:valAx>
-        <c:axId val="153714048"/>
+        <c:axId val="85987328"/>
         <c:scaling>
           <c:orientation val="minMax"/>
         </c:scaling>
@@ -671,12 +676,12 @@
         <c:majorTickMark val="out"/>
         <c:minorTickMark val="none"/>
         <c:tickLblPos val="nextTo"/>
-        <c:crossAx val="155125248"/>
+        <c:crossAx val="85989248"/>
         <c:crosses val="autoZero"/>
         <c:crossBetween val="midCat"/>
       </c:valAx>
       <c:valAx>
-        <c:axId val="155125248"/>
+        <c:axId val="85989248"/>
         <c:scaling>
           <c:orientation val="minMax"/>
         </c:scaling>
@@ -687,7 +692,7 @@
         <c:majorTickMark val="out"/>
         <c:minorTickMark val="none"/>
         <c:tickLblPos val="nextTo"/>
-        <c:crossAx val="153714048"/>
+        <c:crossAx val="85987328"/>
         <c:crosses val="autoZero"/>
         <c:crossBetween val="midCat"/>
       </c:valAx>
@@ -826,11 +831,11 @@
           <c:showPercent val="0"/>
           <c:showBubbleSize val="0"/>
         </c:dLbls>
-        <c:axId val="155159936"/>
-        <c:axId val="155166208"/>
+        <c:axId val="86028288"/>
+        <c:axId val="86030208"/>
       </c:scatterChart>
       <c:valAx>
-        <c:axId val="155159936"/>
+        <c:axId val="86028288"/>
         <c:scaling>
           <c:orientation val="minMax"/>
         </c:scaling>
@@ -870,13 +875,13 @@
         <c:majorTickMark val="out"/>
         <c:minorTickMark val="none"/>
         <c:tickLblPos val="nextTo"/>
-        <c:crossAx val="155166208"/>
+        <c:crossAx val="86030208"/>
         <c:crosses val="autoZero"/>
         <c:crossBetween val="midCat"/>
         <c:majorUnit val="10"/>
       </c:valAx>
       <c:valAx>
-        <c:axId val="155166208"/>
+        <c:axId val="86030208"/>
         <c:scaling>
           <c:orientation val="minMax"/>
           <c:max val="255"/>
@@ -921,7 +926,7 @@
         <c:majorTickMark val="out"/>
         <c:minorTickMark val="none"/>
         <c:tickLblPos val="nextTo"/>
-        <c:crossAx val="155159936"/>
+        <c:crossAx val="86028288"/>
         <c:crosses val="autoZero"/>
         <c:crossBetween val="midCat"/>
         <c:majorUnit val="5"/>
@@ -1061,11 +1066,11 @@
           <c:showPercent val="0"/>
           <c:showBubbleSize val="0"/>
         </c:dLbls>
-        <c:axId val="155261952"/>
-        <c:axId val="155264128"/>
+        <c:axId val="86060416"/>
+        <c:axId val="86066688"/>
       </c:scatterChart>
       <c:valAx>
-        <c:axId val="155261952"/>
+        <c:axId val="86060416"/>
         <c:scaling>
           <c:orientation val="minMax"/>
         </c:scaling>
@@ -1105,13 +1110,13 @@
         <c:majorTickMark val="out"/>
         <c:minorTickMark val="none"/>
         <c:tickLblPos val="nextTo"/>
-        <c:crossAx val="155264128"/>
+        <c:crossAx val="86066688"/>
         <c:crosses val="autoZero"/>
         <c:crossBetween val="midCat"/>
         <c:majorUnit val="10"/>
       </c:valAx>
       <c:valAx>
-        <c:axId val="155264128"/>
+        <c:axId val="86066688"/>
         <c:scaling>
           <c:orientation val="minMax"/>
         </c:scaling>
@@ -1146,7 +1151,7 @@
         <c:majorTickMark val="out"/>
         <c:minorTickMark val="none"/>
         <c:tickLblPos val="nextTo"/>
-        <c:crossAx val="155261952"/>
+        <c:crossAx val="86060416"/>
         <c:crosses val="autoZero"/>
         <c:crossBetween val="midCat"/>
         <c:majorUnit val="0.1"/>
@@ -1249,7 +1254,7 @@
           <a:p>
             <a:fld id="{95ACA5E4-C60C-4A7B-B1C7-EF596B204FB3}" type="datetimeFigureOut">
               <a:rPr lang="ru-RU" smtClean="0"/>
-              <a:t>02.06.2014</a:t>
+              <a:t>04.06.2014</a:t>
             </a:fld>
             <a:endParaRPr lang="ru-RU"/>
           </a:p>
@@ -1866,7 +1871,7 @@
           <a:p>
             <a:fld id="{06F7CBC4-6160-4ACE-94FC-D265CA80188A}" type="datetime1">
               <a:rPr lang="ru-RU" smtClean="0"/>
-              <a:t>02.06.2014</a:t>
+              <a:t>04.06.2014</a:t>
             </a:fld>
             <a:endParaRPr lang="ru-RU"/>
           </a:p>
@@ -2031,7 +2036,7 @@
           <a:p>
             <a:fld id="{D43E915A-5CDD-431B-BA11-0DBEECFE994F}" type="datetime1">
               <a:rPr lang="ru-RU" smtClean="0"/>
-              <a:t>02.06.2014</a:t>
+              <a:t>04.06.2014</a:t>
             </a:fld>
             <a:endParaRPr lang="ru-RU"/>
           </a:p>
@@ -2206,7 +2211,7 @@
           <a:p>
             <a:fld id="{296481E4-49FF-46CA-A038-A8AC2972DB08}" type="datetime1">
               <a:rPr lang="ru-RU" smtClean="0"/>
-              <a:t>02.06.2014</a:t>
+              <a:t>04.06.2014</a:t>
             </a:fld>
             <a:endParaRPr lang="ru-RU"/>
           </a:p>
@@ -2371,7 +2376,7 @@
           <a:p>
             <a:fld id="{E3A89903-AC49-48D7-AA10-EA452314E98A}" type="datetime1">
               <a:rPr lang="ru-RU" smtClean="0"/>
-              <a:t>02.06.2014</a:t>
+              <a:t>04.06.2014</a:t>
             </a:fld>
             <a:endParaRPr lang="ru-RU"/>
           </a:p>
@@ -2612,7 +2617,7 @@
           <a:p>
             <a:fld id="{BE23C5B6-D14B-4EBD-A52F-6448B029B55C}" type="datetime1">
               <a:rPr lang="ru-RU" smtClean="0"/>
-              <a:t>02.06.2014</a:t>
+              <a:t>04.06.2014</a:t>
             </a:fld>
             <a:endParaRPr lang="ru-RU"/>
           </a:p>
@@ -2895,7 +2900,7 @@
           <a:p>
             <a:fld id="{B8CFB27C-38D5-43D1-B5DB-06EBBC630148}" type="datetime1">
               <a:rPr lang="ru-RU" smtClean="0"/>
-              <a:t>02.06.2014</a:t>
+              <a:t>04.06.2014</a:t>
             </a:fld>
             <a:endParaRPr lang="ru-RU"/>
           </a:p>
@@ -3312,7 +3317,7 @@
           <a:p>
             <a:fld id="{3916D400-181D-483E-94E8-AE09EE671C14}" type="datetime1">
               <a:rPr lang="ru-RU" smtClean="0"/>
-              <a:t>02.06.2014</a:t>
+              <a:t>04.06.2014</a:t>
             </a:fld>
             <a:endParaRPr lang="ru-RU"/>
           </a:p>
@@ -3425,7 +3430,7 @@
           <a:p>
             <a:fld id="{AD8C02BF-C236-4D2E-A75E-F383CF2C8B9C}" type="datetime1">
               <a:rPr lang="ru-RU" smtClean="0"/>
-              <a:t>02.06.2014</a:t>
+              <a:t>04.06.2014</a:t>
             </a:fld>
             <a:endParaRPr lang="ru-RU"/>
           </a:p>
@@ -3515,7 +3520,7 @@
           <a:p>
             <a:fld id="{3F340F6A-0346-4A3C-9FE5-EBBB3FA3B92E}" type="datetime1">
               <a:rPr lang="ru-RU" smtClean="0"/>
-              <a:t>02.06.2014</a:t>
+              <a:t>04.06.2014</a:t>
             </a:fld>
             <a:endParaRPr lang="ru-RU"/>
           </a:p>
@@ -3787,7 +3792,7 @@
           <a:p>
             <a:fld id="{B648D99B-F875-42A5-9E81-1FAECAACF186}" type="datetime1">
               <a:rPr lang="ru-RU" smtClean="0"/>
-              <a:t>02.06.2014</a:t>
+              <a:t>04.06.2014</a:t>
             </a:fld>
             <a:endParaRPr lang="ru-RU"/>
           </a:p>
@@ -4035,7 +4040,7 @@
           <a:p>
             <a:fld id="{7555B2BF-D491-4203-A4FD-42ECEEE9EBEE}" type="datetime1">
               <a:rPr lang="ru-RU" smtClean="0"/>
-              <a:t>02.06.2014</a:t>
+              <a:t>04.06.2014</a:t>
             </a:fld>
             <a:endParaRPr lang="ru-RU"/>
           </a:p>
@@ -4243,7 +4248,7 @@
           <a:p>
             <a:fld id="{511554AD-5137-4093-BDBE-C5873B765BC9}" type="datetime1">
               <a:rPr lang="ru-RU" smtClean="0"/>
-              <a:t>02.06.2014</a:t>
+              <a:t>04.06.2014</a:t>
             </a:fld>
             <a:endParaRPr lang="ru-RU"/>
           </a:p>
@@ -4626,21 +4631,21 @@
         </p:nvSpPr>
         <p:spPr>
           <a:xfrm>
-            <a:off x="642842" y="1628800"/>
-            <a:ext cx="7772400" cy="1470025"/>
+            <a:off x="163882" y="1772816"/>
+            <a:ext cx="8800606" cy="1470025"/>
           </a:xfrm>
         </p:spPr>
         <p:txBody>
           <a:bodyPr>
-            <a:normAutofit fontScale="90000"/>
+            <a:noAutofit/>
           </a:bodyPr>
           <a:lstStyle/>
           <a:p>
             <a:r>
-              <a:rPr lang="ru-RU" dirty="0" smtClean="0"/>
+              <a:rPr lang="ru-RU" sz="3600" dirty="0" smtClean="0"/>
               <a:t>Многокритериальная оптимизация режимов работы котельного отделения электростанции</a:t>
             </a:r>
-            <a:endParaRPr lang="ru-RU" dirty="0"/>
+            <a:endParaRPr lang="ru-RU" sz="3600" dirty="0"/>
           </a:p>
         </p:txBody>
       </p:sp>
@@ -4652,8 +4657,8 @@
         </p:nvSpPr>
         <p:spPr>
           <a:xfrm>
-            <a:off x="1386093" y="5211197"/>
-            <a:ext cx="6801414" cy="954107"/>
+            <a:off x="1918817" y="4426367"/>
+            <a:ext cx="7278275" cy="1446550"/>
           </a:xfrm>
           <a:prstGeom prst="rect">
             <a:avLst/>
@@ -4666,27 +4671,198 @@
           </a:bodyPr>
           <a:lstStyle/>
           <a:p>
-            <a:pPr algn="r"/>
+            <a:pPr algn="just"/>
+            <a:r>
+              <a:rPr lang="ru-RU" sz="2000" dirty="0" smtClean="0"/>
+              <a:t>		Автор: </a:t>
+            </a:r>
+            <a:r>
+              <a:rPr lang="ru-RU" sz="2400" b="1" dirty="0" smtClean="0"/>
+              <a:t>Кузьмин </a:t>
+            </a:r>
+            <a:r>
+              <a:rPr lang="ru-RU" sz="2400" b="1" dirty="0" smtClean="0"/>
+              <a:t>Артем </a:t>
+            </a:r>
+            <a:r>
+              <a:rPr lang="ru-RU" sz="2400" b="1" dirty="0" smtClean="0"/>
+              <a:t>Юрьевич,</a:t>
+            </a:r>
+          </a:p>
+          <a:p>
+            <a:pPr algn="just"/>
+            <a:r>
+              <a:rPr lang="ru-RU" sz="2000" dirty="0" smtClean="0"/>
+              <a:t>		</a:t>
+            </a:r>
+            <a:r>
+              <a:rPr lang="ru-RU" sz="2000" dirty="0"/>
+              <a:t> </a:t>
+            </a:r>
+            <a:r>
+              <a:rPr lang="ru-RU" sz="2000" dirty="0" smtClean="0"/>
+              <a:t>             </a:t>
+            </a:r>
+            <a:r>
+              <a:rPr lang="ru-RU" sz="2000" dirty="0" smtClean="0"/>
+              <a:t>студент группы ИУ7-49</a:t>
+            </a:r>
+            <a:endParaRPr lang="ru-RU" sz="2000" b="1" dirty="0" smtClean="0"/>
+          </a:p>
+          <a:p>
+            <a:pPr algn="just"/>
+            <a:r>
+              <a:rPr lang="ru-RU" sz="2000" dirty="0" smtClean="0"/>
+              <a:t>Научный руководитель: </a:t>
+            </a:r>
+            <a:r>
+              <a:rPr lang="ru-RU" sz="2400" b="1" dirty="0" smtClean="0"/>
+              <a:t>Романова </a:t>
+            </a:r>
+            <a:r>
+              <a:rPr lang="ru-RU" sz="2400" b="1" dirty="0" smtClean="0"/>
+              <a:t>Татьяна </a:t>
+            </a:r>
+            <a:r>
+              <a:rPr lang="ru-RU" sz="2400" b="1" dirty="0" smtClean="0"/>
+              <a:t>Николаевна</a:t>
+            </a:r>
+            <a:r>
+              <a:rPr lang="en-US" sz="2400" dirty="0" smtClean="0"/>
+              <a:t>,</a:t>
+            </a:r>
             <a:r>
               <a:rPr lang="ru-RU" sz="2400" dirty="0" smtClean="0"/>
-              <a:t>Студент: </a:t>
-            </a:r>
-            <a:r>
-              <a:rPr lang="ru-RU" sz="2800" dirty="0" smtClean="0"/>
-              <a:t>Кузьмин Артем Юрьевич</a:t>
-            </a:r>
-          </a:p>
-          <a:p>
-            <a:pPr algn="r"/>
-            <a:r>
-              <a:rPr lang="ru-RU" sz="2400" dirty="0" smtClean="0"/>
-              <a:t>Руководитель: </a:t>
-            </a:r>
-            <a:r>
-              <a:rPr lang="ru-RU" sz="2800" dirty="0" smtClean="0"/>
-              <a:t>Романова Татьяна Николаевна</a:t>
-            </a:r>
-            <a:endParaRPr lang="ru-RU" sz="2800" dirty="0"/>
+              <a:t> </a:t>
+            </a:r>
+          </a:p>
+          <a:p>
+            <a:pPr algn="just"/>
+            <a:r>
+              <a:rPr lang="ru-RU" sz="2000" dirty="0" smtClean="0"/>
+              <a:t>		              доцент каф. ИУ-7, к.ф.-м.н.</a:t>
+            </a:r>
+            <a:endParaRPr lang="ru-RU" sz="2000" dirty="0"/>
+          </a:p>
+        </p:txBody>
+      </p:sp>
+      <p:pic>
+        <p:nvPicPr>
+          <p:cNvPr id="3074" name="Picture 2"/>
+          <p:cNvPicPr>
+            <a:picLocks noChangeAspect="1" noChangeArrowheads="1"/>
+          </p:cNvPicPr>
+          <p:nvPr/>
+        </p:nvPicPr>
+        <p:blipFill>
+          <a:blip r:embed="rId3">
+            <a:extLst>
+              <a:ext uri="{28A0092B-C50C-407E-A947-70E740481C1C}">
+                <a14:useLocalDpi xmlns:a14="http://schemas.microsoft.com/office/drawing/2010/main" val="0"/>
+              </a:ext>
+            </a:extLst>
+          </a:blip>
+          <a:srcRect/>
+          <a:stretch>
+            <a:fillRect/>
+          </a:stretch>
+        </p:blipFill>
+        <p:spPr bwMode="auto">
+          <a:xfrm>
+            <a:off x="323528" y="188641"/>
+            <a:ext cx="838200" cy="947738"/>
+          </a:xfrm>
+          <a:prstGeom prst="rect">
+            <a:avLst/>
+          </a:prstGeom>
+          <a:noFill/>
+          <a:ln>
+            <a:noFill/>
+          </a:ln>
+          <a:extLst>
+            <a:ext uri="{909E8E84-426E-40DD-AFC4-6F175D3DCCD1}">
+              <a14:hiddenFill xmlns:a14="http://schemas.microsoft.com/office/drawing/2010/main">
+                <a:solidFill>
+                  <a:schemeClr val="accent1"/>
+                </a:solidFill>
+              </a14:hiddenFill>
+            </a:ext>
+            <a:ext uri="{91240B29-F687-4F45-9708-019B960494DF}">
+              <a14:hiddenLine xmlns:a14="http://schemas.microsoft.com/office/drawing/2010/main" w="9525">
+                <a:solidFill>
+                  <a:schemeClr val="tx1"/>
+                </a:solidFill>
+                <a:miter lim="800000"/>
+                <a:headEnd/>
+                <a:tailEnd/>
+              </a14:hiddenLine>
+            </a:ext>
+          </a:extLst>
+        </p:spPr>
+      </p:pic>
+      <p:sp>
+        <p:nvSpPr>
+          <p:cNvPr id="3" name="Прямоугольник 2"/>
+          <p:cNvSpPr/>
+          <p:nvPr/>
+        </p:nvSpPr>
+        <p:spPr>
+          <a:xfrm>
+            <a:off x="1192014" y="213049"/>
+            <a:ext cx="7951986" cy="646331"/>
+          </a:xfrm>
+          <a:prstGeom prst="rect">
+            <a:avLst/>
+          </a:prstGeom>
+        </p:spPr>
+        <p:txBody>
+          <a:bodyPr wrap="square">
+            <a:spAutoFit/>
+          </a:bodyPr>
+          <a:lstStyle/>
+          <a:p>
+            <a:endParaRPr lang="ru-RU" dirty="0"/>
+          </a:p>
+          <a:p>
+            <a:r>
+              <a:rPr lang="ru-RU" dirty="0"/>
+              <a:t> Московский Государственный Технический Университет имени Н.Э. Баумана</a:t>
+            </a:r>
+            <a:endParaRPr lang="ru-RU" dirty="0"/>
+          </a:p>
+        </p:txBody>
+      </p:sp>
+      <p:sp>
+        <p:nvSpPr>
+          <p:cNvPr id="5" name="Прямоугольник 4"/>
+          <p:cNvSpPr/>
+          <p:nvPr/>
+        </p:nvSpPr>
+        <p:spPr>
+          <a:xfrm>
+            <a:off x="2348607" y="6080979"/>
+            <a:ext cx="4572000" cy="677108"/>
+          </a:xfrm>
+          <a:prstGeom prst="rect">
+            <a:avLst/>
+          </a:prstGeom>
+        </p:spPr>
+        <p:txBody>
+          <a:bodyPr>
+            <a:spAutoFit/>
+          </a:bodyPr>
+          <a:lstStyle/>
+          <a:p>
+            <a:pPr algn="ctr"/>
+            <a:endParaRPr lang="ru-RU" dirty="0"/>
+          </a:p>
+          <a:p>
+            <a:pPr algn="ctr"/>
+            <a:r>
+              <a:rPr lang="ru-RU" sz="2000" dirty="0"/>
+              <a:t> Москва, 2014</a:t>
+            </a:r>
+            <a:endParaRPr lang="ru-RU" sz="2000" dirty="0"/>
           </a:p>
         </p:txBody>
       </p:sp>
@@ -5266,8 +5442,13 @@
           <a:p>
             <a:r>
               <a:rPr lang="ru-RU" dirty="0"/>
-              <a:t>Формирование множества возможных векторных критериев</a:t>
-            </a:r>
+              <a:t>Формирование множества возможных </a:t>
+            </a:r>
+            <a:r>
+              <a:rPr lang="ru-RU" dirty="0" smtClean="0"/>
+              <a:t>решений</a:t>
+            </a:r>
+            <a:endParaRPr lang="ru-RU" dirty="0"/>
           </a:p>
         </p:txBody>
       </p:sp>
@@ -5347,8 +5528,8 @@
           </a:p>
         </p:txBody>
       </p:sp>
-      <mc:AlternateContent xmlns:mc="http://schemas.openxmlformats.org/markup-compatibility/2006" xmlns:a14="http://schemas.microsoft.com/office/drawing/2010/main">
-        <mc:Choice Requires="a14">
+      <mc:AlternateContent xmlns:mc="http://schemas.openxmlformats.org/markup-compatibility/2006">
+        <mc:Choice xmlns:a14="http://schemas.microsoft.com/office/drawing/2010/main" Requires="a14">
           <p:sp>
             <p:nvSpPr>
               <p:cNvPr id="5" name="TextBox 4"/>
@@ -5377,7 +5558,7 @@
                   <a:t>	</a:t>
                 </a:r>
                 <a:r>
-                  <a:rPr lang="ru-RU" sz="2000" dirty="0" smtClean="0"/>
+                  <a:rPr lang="ru-RU" sz="2000" b="1" dirty="0" smtClean="0"/>
                   <a:t>Оптимизация с помощью метода прямых выборочных процедур с уменьшением интервала поиска.</a:t>
                 </a:r>
               </a:p>
@@ -5688,7 +5869,7 @@
             </p:txBody>
           </p:sp>
         </mc:Choice>
-        <mc:Fallback xmlns="">
+        <mc:Fallback>
           <p:sp>
             <p:nvSpPr>
               <p:cNvPr id="5" name="TextBox 4"/>
@@ -5815,8 +5996,8 @@
           </a:p>
         </p:txBody>
       </p:sp>
-      <mc:AlternateContent xmlns:mc="http://schemas.openxmlformats.org/markup-compatibility/2006" xmlns:a14="http://schemas.microsoft.com/office/drawing/2010/main">
-        <mc:Choice Requires="a14">
+      <mc:AlternateContent xmlns:mc="http://schemas.openxmlformats.org/markup-compatibility/2006">
+        <mc:Choice xmlns:a14="http://schemas.microsoft.com/office/drawing/2010/main" Requires="a14">
           <p:sp>
             <p:nvSpPr>
               <p:cNvPr id="6" name="TextBox 5"/>
@@ -5826,7 +6007,7 @@
             <p:spPr>
               <a:xfrm>
                 <a:off x="395536" y="1556792"/>
-                <a:ext cx="8280920" cy="3022174"/>
+                <a:ext cx="8280920" cy="3668505"/>
               </a:xfrm>
               <a:prstGeom prst="rect">
                 <a:avLst/>
@@ -6043,8 +6224,21 @@
                 </a:r>
                 <a:r>
                   <a:rPr lang="ru-RU" sz="2000" b="1" dirty="0" smtClean="0"/>
-                  <a:t>не подходит. </a:t>
+                  <a:t>не подходит</a:t>
                 </a:r>
+                <a:r>
+                  <a:rPr lang="ru-RU" sz="2000" b="1" dirty="0" smtClean="0"/>
+                  <a:t>. </a:t>
+                </a:r>
+                <a:r>
+                  <a:rPr lang="ru-RU" sz="2000" dirty="0" smtClean="0"/>
+                  <a:t>В работе приведен пример, обосновывающий данный вывод.</a:t>
+                </a:r>
+                <a:r>
+                  <a:rPr lang="ru-RU" sz="2000" b="1" dirty="0" smtClean="0"/>
+                  <a:t> </a:t>
+                </a:r>
+                <a:endParaRPr lang="ru-RU" sz="2000" b="1" dirty="0" smtClean="0"/>
               </a:p>
               <a:p>
                 <a:pPr algn="just"/>
@@ -6054,22 +6248,30 @@
                 <a:pPr algn="just"/>
                 <a:r>
                   <a:rPr lang="ru-RU" sz="2200" dirty="0" smtClean="0"/>
-                  <a:t>Необходимо разработать </a:t>
+                  <a:t>	Предложен </a:t>
                 </a:r>
                 <a:r>
                   <a:rPr lang="ru-RU" sz="2200" b="1" dirty="0" smtClean="0"/>
-                  <a:t>иной</a:t>
+                  <a:t>модифицированный</a:t>
                 </a:r>
                 <a:r>
                   <a:rPr lang="ru-RU" sz="2200" dirty="0" smtClean="0"/>
-                  <a:t> алгоритм выбора начальных решений.</a:t>
+                  <a:t> алгоритм выбора начальных решений, </a:t>
+                </a:r>
+                <a:r>
+                  <a:rPr lang="ru-RU" sz="2200" b="1" dirty="0" smtClean="0"/>
+                  <a:t>удовлетворяющий всем заданным ограничениям</a:t>
+                </a:r>
+                <a:r>
+                  <a:rPr lang="ru-RU" sz="2200" dirty="0" smtClean="0"/>
+                  <a:t>.</a:t>
                 </a:r>
                 <a:endParaRPr lang="ru-RU" sz="2400" dirty="0"/>
               </a:p>
             </p:txBody>
           </p:sp>
         </mc:Choice>
-        <mc:Fallback xmlns="">
+        <mc:Fallback>
           <p:sp>
             <p:nvSpPr>
               <p:cNvPr id="6" name="TextBox 5"/>
@@ -6081,7 +6283,7 @@
             <p:spPr>
               <a:xfrm>
                 <a:off x="395536" y="1556792"/>
-                <a:ext cx="8280920" cy="3022174"/>
+                <a:ext cx="8280920" cy="3668505"/>
               </a:xfrm>
               <a:prstGeom prst="rect">
                 <a:avLst/>
@@ -6089,7 +6291,7 @@
               <a:blipFill rotWithShape="1">
                 <a:blip r:embed="rId2"/>
                 <a:stretch>
-                  <a:fillRect l="-957" r="-957" b="-3024"/>
+                  <a:fillRect l="-957" r="-957" b="-2326"/>
                 </a:stretch>
               </a:blipFill>
             </p:spPr>
@@ -6169,7 +6371,7 @@
         </p:nvSpPr>
         <p:spPr>
           <a:xfrm>
-            <a:off x="4427984" y="6284357"/>
+            <a:off x="683568" y="6115080"/>
             <a:ext cx="4176464" cy="338554"/>
           </a:xfrm>
           <a:prstGeom prst="rect">
@@ -6262,20 +6464,20 @@
           <p:nvPr>
             <p:extLst>
               <p:ext uri="{D42A27DB-BD31-4B8C-83A1-F6EECF244321}">
-                <p14:modId xmlns:p14="http://schemas.microsoft.com/office/powerpoint/2010/main" val="1100492603"/>
+                <p14:modId xmlns:p14="http://schemas.microsoft.com/office/powerpoint/2010/main" val="3904304185"/>
               </p:ext>
             </p:extLst>
           </p:nvPr>
         </p:nvGraphicFramePr>
         <p:xfrm>
-          <a:off x="971600" y="0"/>
+          <a:off x="1979712" y="0"/>
           <a:ext cx="6336704" cy="6858000"/>
         </p:xfrm>
         <a:graphic>
           <a:graphicData uri="http://schemas.openxmlformats.org/presentationml/2006/ole">
             <mc:AlternateContent xmlns:mc="http://schemas.openxmlformats.org/markup-compatibility/2006">
               <mc:Choice xmlns:v="urn:schemas-microsoft-com:vml" Requires="v">
-                <p:oleObj spid="_x0000_s1133" name="Visio" r:id="rId3" imgW="6853259" imgH="8759885" progId="Visio.Drawing.11">
+                <p:oleObj spid="_x0000_s1155" name="Visio" r:id="rId3" imgW="6853259" imgH="8759885" progId="Visio.Drawing.11">
                   <p:embed/>
                 </p:oleObj>
               </mc:Choice>
@@ -6305,7 +6507,7 @@
                     </p:blipFill>
                     <p:spPr bwMode="auto">
                       <a:xfrm>
-                        <a:off x="971600" y="0"/>
+                        <a:off x="1979712" y="0"/>
                         <a:ext cx="6336704" cy="6858000"/>
                       </a:xfrm>
                       <a:prstGeom prst="rect">
@@ -6398,19 +6600,20 @@
         </p:spPr>
         <p:txBody>
           <a:bodyPr>
-            <a:normAutofit fontScale="90000"/>
+            <a:normAutofit/>
           </a:bodyPr>
           <a:lstStyle/>
           <a:p>
             <a:r>
-              <a:rPr lang="ru-RU" dirty="0"/>
-              <a:t>Формирование множества возможных векторных критериев</a:t>
-            </a:r>
+              <a:rPr lang="ru-RU" dirty="0" smtClean="0"/>
+              <a:t>Выбор наилучшего решения </a:t>
+            </a:r>
+            <a:endParaRPr lang="ru-RU" dirty="0"/>
           </a:p>
         </p:txBody>
       </p:sp>
-      <mc:AlternateContent xmlns:mc="http://schemas.openxmlformats.org/markup-compatibility/2006" xmlns:a14="http://schemas.microsoft.com/office/drawing/2010/main">
-        <mc:Choice Requires="a14">
+      <mc:AlternateContent xmlns:mc="http://schemas.openxmlformats.org/markup-compatibility/2006">
+        <mc:Choice xmlns:a14="http://schemas.microsoft.com/office/drawing/2010/main" Requires="a14">
           <p:sp>
             <p:nvSpPr>
               <p:cNvPr id="2" name="Прямоугольник 1"/>
@@ -6419,8 +6622,8 @@
             </p:nvSpPr>
             <p:spPr>
               <a:xfrm>
-                <a:off x="633264" y="2132856"/>
-                <a:ext cx="8064896" cy="3159391"/>
+                <a:off x="633264" y="1340768"/>
+                <a:ext cx="8064896" cy="2485104"/>
               </a:xfrm>
               <a:prstGeom prst="rect">
                 <a:avLst/>
@@ -6433,8 +6636,12 @@
               <a:lstStyle/>
               <a:p>
                 <a:r>
-                  <a:rPr lang="ru-RU" sz="2200" dirty="0" smtClean="0"/>
-                  <a:t>После расчета всех комбинаций, получим множество возможных решений:</a:t>
+                  <a:rPr lang="ru-RU" dirty="0" smtClean="0"/>
+                  <a:t>	После </a:t>
+                </a:r>
+                <a:r>
+                  <a:rPr lang="ru-RU" dirty="0" smtClean="0"/>
+                  <a:t>расчета всех комбинаций, получим множество возможных решений:</a:t>
                 </a:r>
               </a:p>
               <a:p>
@@ -6449,13 +6656,13 @@
                     </m:oMathParaPr>
                     <m:oMath xmlns:m="http://schemas.openxmlformats.org/officeDocument/2006/math">
                       <m:r>
-                        <a:rPr lang="en-US" sz="2400" i="1">
+                        <a:rPr lang="en-US" i="1">
                           <a:latin typeface="Cambria Math"/>
                         </a:rPr>
                         <m:t>𝑈</m:t>
                       </m:r>
                       <m:r>
-                        <a:rPr lang="en-US" sz="2400" i="1">
+                        <a:rPr lang="en-US" i="1">
                           <a:latin typeface="Cambria Math"/>
                         </a:rPr>
                         <m:t>=</m:t>
@@ -6465,7 +6672,7 @@
                           <m:begChr m:val="{"/>
                           <m:endChr m:val=""/>
                           <m:ctrlPr>
-                            <a:rPr lang="ru-RU" sz="2400" i="1">
+                            <a:rPr lang="ru-RU" i="1">
                               <a:latin typeface="Cambria Math"/>
                             </a:rPr>
                           </m:ctrlPr>
@@ -6474,7 +6681,7 @@
                           <m:eqArr>
                             <m:eqArrPr>
                               <m:ctrlPr>
-                                <a:rPr lang="ru-RU" sz="2400" i="1">
+                                <a:rPr lang="ru-RU" i="1">
                                   <a:latin typeface="Cambria Math"/>
                                 </a:rPr>
                               </m:ctrlPr>
@@ -6483,14 +6690,14 @@
                               <m:sSub>
                                 <m:sSubPr>
                                   <m:ctrlPr>
-                                    <a:rPr lang="ru-RU" sz="2400" i="1">
+                                    <a:rPr lang="ru-RU" i="1">
                                       <a:latin typeface="Cambria Math"/>
                                     </a:rPr>
                                   </m:ctrlPr>
                                 </m:sSubPr>
                                 <m:e>
                                   <m:r>
-                                    <a:rPr lang="en-US" sz="2400" i="1">
+                                    <a:rPr lang="en-US" i="1">
                                       <a:latin typeface="Cambria Math"/>
                                     </a:rPr>
                                     <m:t>𝑓</m:t>
@@ -6498,7 +6705,7 @@
                                 </m:e>
                                 <m:sub>
                                   <m:r>
-                                    <a:rPr lang="en-US" sz="2400" i="1">
+                                    <a:rPr lang="en-US" i="1">
                                       <a:latin typeface="Cambria Math"/>
                                     </a:rPr>
                                     <m:t>1</m:t>
@@ -6506,7 +6713,7 @@
                                 </m:sub>
                               </m:sSub>
                               <m:r>
-                                <a:rPr lang="en-US" sz="2400" i="1">
+                                <a:rPr lang="en-US" i="1">
                                   <a:latin typeface="Cambria Math"/>
                                 </a:rPr>
                                 <m:t>= </m:t>
@@ -6514,7 +6721,7 @@
                               <m:d>
                                 <m:dPr>
                                   <m:ctrlPr>
-                                    <a:rPr lang="ru-RU" sz="2400" i="1">
+                                    <a:rPr lang="ru-RU" i="1">
                                       <a:latin typeface="Cambria Math"/>
                                     </a:rPr>
                                   </m:ctrlPr>
@@ -6523,7 +6730,7 @@
                                   <m:sSub>
                                     <m:sSubPr>
                                       <m:ctrlPr>
-                                        <a:rPr lang="ru-RU" sz="2400" i="1">
+                                        <a:rPr lang="ru-RU" i="1">
                                           <a:latin typeface="Cambria Math"/>
                                         </a:rPr>
                                       </m:ctrlPr>
@@ -6532,14 +6739,14 @@
                                       <m:sSup>
                                         <m:sSupPr>
                                           <m:ctrlPr>
-                                            <a:rPr lang="ru-RU" sz="2400" i="1">
+                                            <a:rPr lang="ru-RU" i="1">
                                               <a:latin typeface="Cambria Math"/>
                                             </a:rPr>
                                           </m:ctrlPr>
                                         </m:sSupPr>
                                         <m:e>
                                           <m:r>
-                                            <a:rPr lang="ru-RU" sz="2400" i="1">
+                                            <a:rPr lang="ru-RU" i="1">
                                               <a:latin typeface="Cambria Math"/>
                                             </a:rPr>
                                             <m:t>𝐵</m:t>
@@ -6547,7 +6754,7 @@
                                         </m:e>
                                         <m:sup>
                                           <m:r>
-                                            <a:rPr lang="ru-RU" sz="2400" i="1">
+                                            <a:rPr lang="ru-RU" i="1">
                                               <a:latin typeface="Cambria Math"/>
                                             </a:rPr>
                                             <m:t>г</m:t>
@@ -6557,7 +6764,7 @@
                                       <m:d>
                                         <m:dPr>
                                           <m:ctrlPr>
-                                            <a:rPr lang="ru-RU" sz="2400" i="1">
+                                            <a:rPr lang="ru-RU" i="1">
                                               <a:latin typeface="Cambria Math"/>
                                             </a:rPr>
                                           </m:ctrlPr>
@@ -6568,7 +6775,7 @@
                                               <m:begChr m:val="{"/>
                                               <m:endChr m:val="}"/>
                                               <m:ctrlPr>
-                                                <a:rPr lang="ru-RU" sz="2400" i="1">
+                                                <a:rPr lang="ru-RU" i="1">
                                                   <a:latin typeface="Cambria Math"/>
                                                 </a:rPr>
                                               </m:ctrlPr>
@@ -6577,14 +6784,14 @@
                                               <m:sSub>
                                                 <m:sSubPr>
                                                   <m:ctrlPr>
-                                                    <a:rPr lang="ru-RU" sz="2400" i="1">
+                                                    <a:rPr lang="ru-RU" i="1">
                                                       <a:latin typeface="Cambria Math"/>
                                                     </a:rPr>
                                                   </m:ctrlPr>
                                                 </m:sSubPr>
                                                 <m:e>
                                                   <m:r>
-                                                    <a:rPr lang="ru-RU" sz="2400" i="1">
+                                                    <a:rPr lang="ru-RU" i="1">
                                                       <a:latin typeface="Cambria Math"/>
                                                     </a:rPr>
                                                     <m:t>𝐷</m:t>
@@ -6592,7 +6799,7 @@
                                                 </m:e>
                                                 <m:sub>
                                                   <m:r>
-                                                    <a:rPr lang="ru-RU" sz="2400" i="1">
+                                                    <a:rPr lang="ru-RU" i="1">
                                                       <a:latin typeface="Cambria Math"/>
                                                     </a:rPr>
                                                     <m:t>𝑘</m:t>
@@ -6606,7 +6813,7 @@
                                     </m:e>
                                     <m:sub>
                                       <m:r>
-                                        <a:rPr lang="ru-RU" sz="2400" i="1">
+                                        <a:rPr lang="ru-RU" i="1">
                                           <a:latin typeface="Cambria Math"/>
                                         </a:rPr>
                                         <m:t>1</m:t>
@@ -6614,7 +6821,7 @@
                                     </m:sub>
                                   </m:sSub>
                                   <m:r>
-                                    <a:rPr lang="ru-RU" sz="2400" i="1">
+                                    <a:rPr lang="ru-RU" i="1">
                                       <a:latin typeface="Cambria Math"/>
                                     </a:rPr>
                                     <m:t> , </m:t>
@@ -6622,7 +6829,7 @@
                                   <m:sSub>
                                     <m:sSubPr>
                                       <m:ctrlPr>
-                                        <a:rPr lang="ru-RU" sz="2400" i="1">
+                                        <a:rPr lang="ru-RU" i="1">
                                           <a:latin typeface="Cambria Math"/>
                                         </a:rPr>
                                       </m:ctrlPr>
@@ -6631,14 +6838,14 @@
                                       <m:sSup>
                                         <m:sSupPr>
                                           <m:ctrlPr>
-                                            <a:rPr lang="ru-RU" sz="2400" i="1">
+                                            <a:rPr lang="ru-RU" i="1">
                                               <a:latin typeface="Cambria Math"/>
                                             </a:rPr>
                                           </m:ctrlPr>
                                         </m:sSupPr>
                                         <m:e>
                                           <m:r>
-                                            <a:rPr lang="ru-RU" sz="2400" i="1">
+                                            <a:rPr lang="ru-RU" i="1">
                                               <a:latin typeface="Cambria Math"/>
                                             </a:rPr>
                                             <m:t>𝐵</m:t>
@@ -6646,7 +6853,7 @@
                                         </m:e>
                                         <m:sup>
                                           <m:r>
-                                            <a:rPr lang="ru-RU" sz="2400" i="1">
+                                            <a:rPr lang="ru-RU" i="1">
                                               <a:latin typeface="Cambria Math"/>
                                             </a:rPr>
                                             <m:t>м</m:t>
@@ -6656,7 +6863,7 @@
                                       <m:d>
                                         <m:dPr>
                                           <m:ctrlPr>
-                                            <a:rPr lang="ru-RU" sz="2400" i="1">
+                                            <a:rPr lang="ru-RU" i="1">
                                               <a:latin typeface="Cambria Math"/>
                                             </a:rPr>
                                           </m:ctrlPr>
@@ -6667,7 +6874,7 @@
                                               <m:begChr m:val="{"/>
                                               <m:endChr m:val="}"/>
                                               <m:ctrlPr>
-                                                <a:rPr lang="ru-RU" sz="2400" i="1">
+                                                <a:rPr lang="ru-RU" i="1">
                                                   <a:latin typeface="Cambria Math"/>
                                                 </a:rPr>
                                               </m:ctrlPr>
@@ -6676,14 +6883,14 @@
                                               <m:sSub>
                                                 <m:sSubPr>
                                                   <m:ctrlPr>
-                                                    <a:rPr lang="ru-RU" sz="2400" i="1">
+                                                    <a:rPr lang="ru-RU" i="1">
                                                       <a:latin typeface="Cambria Math"/>
                                                     </a:rPr>
                                                   </m:ctrlPr>
                                                 </m:sSubPr>
                                                 <m:e>
                                                   <m:r>
-                                                    <a:rPr lang="ru-RU" sz="2400" i="1">
+                                                    <a:rPr lang="ru-RU" i="1">
                                                       <a:latin typeface="Cambria Math"/>
                                                     </a:rPr>
                                                     <m:t>𝐷</m:t>
@@ -6691,7 +6898,7 @@
                                                 </m:e>
                                                 <m:sub>
                                                   <m:r>
-                                                    <a:rPr lang="ru-RU" sz="2400" i="1">
+                                                    <a:rPr lang="ru-RU" i="1">
                                                       <a:latin typeface="Cambria Math"/>
                                                     </a:rPr>
                                                     <m:t>𝑘</m:t>
@@ -6705,7 +6912,7 @@
                                     </m:e>
                                     <m:sub>
                                       <m:r>
-                                        <a:rPr lang="ru-RU" sz="2400" i="1">
+                                        <a:rPr lang="ru-RU" i="1">
                                           <a:latin typeface="Cambria Math"/>
                                         </a:rPr>
                                         <m:t>1</m:t>
@@ -6713,7 +6920,7 @@
                                     </m:sub>
                                   </m:sSub>
                                   <m:r>
-                                    <a:rPr lang="ru-RU" sz="2400" i="1">
+                                    <a:rPr lang="ru-RU" i="1">
                                       <a:latin typeface="Cambria Math"/>
                                     </a:rPr>
                                     <m:t> , </m:t>
@@ -6721,7 +6928,7 @@
                                   <m:sSub>
                                     <m:sSubPr>
                                       <m:ctrlPr>
-                                        <a:rPr lang="ru-RU" sz="2400" i="1">
+                                        <a:rPr lang="ru-RU" i="1">
                                           <a:latin typeface="Cambria Math"/>
                                         </a:rPr>
                                       </m:ctrlPr>
@@ -6730,14 +6937,14 @@
                                       <m:sSub>
                                         <m:sSubPr>
                                           <m:ctrlPr>
-                                            <a:rPr lang="ru-RU" sz="2400" i="1">
+                                            <a:rPr lang="ru-RU" i="1">
                                               <a:latin typeface="Cambria Math"/>
                                             </a:rPr>
                                           </m:ctrlPr>
                                         </m:sSubPr>
                                         <m:e>
                                           <m:r>
-                                            <a:rPr lang="ru-RU" sz="2400" i="1">
+                                            <a:rPr lang="ru-RU" i="1">
                                               <a:latin typeface="Cambria Math"/>
                                             </a:rPr>
                                             <m:t>𝐹</m:t>
@@ -6745,7 +6952,7 @@
                                         </m:e>
                                         <m:sub>
                                           <m:r>
-                                            <a:rPr lang="ru-RU" sz="2400" i="1">
+                                            <a:rPr lang="ru-RU" i="1">
                                               <a:latin typeface="Cambria Math"/>
                                             </a:rPr>
                                             <m:t>м+г</m:t>
@@ -6755,7 +6962,7 @@
                                       <m:d>
                                         <m:dPr>
                                           <m:ctrlPr>
-                                            <a:rPr lang="ru-RU" sz="2400" i="1">
+                                            <a:rPr lang="ru-RU" i="1">
                                               <a:latin typeface="Cambria Math"/>
                                             </a:rPr>
                                           </m:ctrlPr>
@@ -6766,14 +6973,14 @@
                                               <m:begChr m:val="{"/>
                                               <m:endChr m:val="}"/>
                                               <m:ctrlPr>
-                                                <a:rPr lang="ru-RU" sz="2400" i="1">
+                                                <a:rPr lang="ru-RU" i="1">
                                                   <a:latin typeface="Cambria Math"/>
                                                 </a:rPr>
                                               </m:ctrlPr>
                                             </m:dPr>
                                             <m:e>
                                               <m:r>
-                                                <a:rPr lang="ru-RU" sz="2400" i="1">
+                                                <a:rPr lang="ru-RU" i="1">
                                                   <a:latin typeface="Cambria Math"/>
                                                 </a:rPr>
                                                 <m:t>𝐷𝑘</m:t>
@@ -6785,7 +6992,7 @@
                                     </m:e>
                                     <m:sub>
                                       <m:r>
-                                        <a:rPr lang="en-US" sz="2400" i="1">
+                                        <a:rPr lang="en-US" i="1">
                                           <a:latin typeface="Cambria Math"/>
                                         </a:rPr>
                                         <m:t>1</m:t>
@@ -6793,7 +7000,7 @@
                                     </m:sub>
                                   </m:sSub>
                                   <m:r>
-                                    <a:rPr lang="ru-RU" sz="2400" i="1">
+                                    <a:rPr lang="ru-RU" i="1">
                                       <a:latin typeface="Cambria Math"/>
                                     </a:rPr>
                                     <m:t> , </m:t>
@@ -6801,7 +7008,7 @@
                                   <m:sSub>
                                     <m:sSubPr>
                                       <m:ctrlPr>
-                                        <a:rPr lang="ru-RU" sz="2400" i="1">
+                                        <a:rPr lang="ru-RU" i="1">
                                           <a:latin typeface="Cambria Math"/>
                                         </a:rPr>
                                       </m:ctrlPr>
@@ -6810,14 +7017,14 @@
                                       <m:sSub>
                                         <m:sSubPr>
                                           <m:ctrlPr>
-                                            <a:rPr lang="ru-RU" sz="2400" i="1">
+                                            <a:rPr lang="ru-RU" i="1">
                                               <a:latin typeface="Cambria Math"/>
                                             </a:rPr>
                                           </m:ctrlPr>
                                         </m:sSubPr>
                                         <m:e>
                                           <m:r>
-                                            <a:rPr lang="ru-RU" sz="2400" i="1">
+                                            <a:rPr lang="ru-RU" i="1">
                                               <a:latin typeface="Cambria Math"/>
                                             </a:rPr>
                                             <m:t>𝜂</m:t>
@@ -6825,7 +7032,7 @@
                                         </m:e>
                                         <m:sub>
                                           <m:r>
-                                            <a:rPr lang="ru-RU" sz="2400" i="1">
+                                            <a:rPr lang="ru-RU" i="1">
                                               <a:latin typeface="Cambria Math"/>
                                             </a:rPr>
                                             <m:t>𝐾</m:t>
@@ -6835,7 +7042,7 @@
                                     </m:e>
                                     <m:sub>
                                       <m:r>
-                                        <a:rPr lang="en-US" sz="2400" i="1">
+                                        <a:rPr lang="en-US" i="1">
                                           <a:latin typeface="Cambria Math"/>
                                         </a:rPr>
                                         <m:t>1</m:t>
@@ -6845,7 +7052,7 @@
                                 </m:e>
                               </m:d>
                               <m:r>
-                                <a:rPr lang="ru-RU" sz="2400" i="1">
+                                <a:rPr lang="ru-RU" i="1">
                                   <a:latin typeface="Cambria Math"/>
                                 </a:rPr>
                                 <m:t> </m:t>
@@ -6855,14 +7062,14 @@
                               <m:sSub>
                                 <m:sSubPr>
                                   <m:ctrlPr>
-                                    <a:rPr lang="ru-RU" sz="2400" i="1">
+                                    <a:rPr lang="ru-RU" i="1">
                                       <a:latin typeface="Cambria Math"/>
                                     </a:rPr>
                                   </m:ctrlPr>
                                 </m:sSubPr>
                                 <m:e>
                                   <m:r>
-                                    <a:rPr lang="en-US" sz="2400" i="1">
+                                    <a:rPr lang="en-US" i="1">
                                       <a:latin typeface="Cambria Math"/>
                                     </a:rPr>
                                     <m:t>𝑓</m:t>
@@ -6870,7 +7077,7 @@
                                 </m:e>
                                 <m:sub>
                                   <m:r>
-                                    <a:rPr lang="en-US" sz="2400" i="1">
+                                    <a:rPr lang="en-US" i="1">
                                       <a:latin typeface="Cambria Math"/>
                                     </a:rPr>
                                     <m:t>2</m:t>
@@ -6878,7 +7085,7 @@
                                 </m:sub>
                               </m:sSub>
                               <m:r>
-                                <a:rPr lang="en-US" sz="2400" i="1">
+                                <a:rPr lang="en-US" i="1">
                                   <a:latin typeface="Cambria Math"/>
                                 </a:rPr>
                                 <m:t>= </m:t>
@@ -6886,7 +7093,7 @@
                               <m:d>
                                 <m:dPr>
                                   <m:ctrlPr>
-                                    <a:rPr lang="ru-RU" sz="2400" i="1">
+                                    <a:rPr lang="ru-RU" i="1">
                                       <a:latin typeface="Cambria Math"/>
                                     </a:rPr>
                                   </m:ctrlPr>
@@ -6895,7 +7102,7 @@
                                   <m:sSub>
                                     <m:sSubPr>
                                       <m:ctrlPr>
-                                        <a:rPr lang="ru-RU" sz="2400" i="1">
+                                        <a:rPr lang="ru-RU" i="1">
                                           <a:latin typeface="Cambria Math"/>
                                         </a:rPr>
                                       </m:ctrlPr>
@@ -6904,14 +7111,14 @@
                                       <m:sSup>
                                         <m:sSupPr>
                                           <m:ctrlPr>
-                                            <a:rPr lang="ru-RU" sz="2400" i="1">
+                                            <a:rPr lang="ru-RU" i="1">
                                               <a:latin typeface="Cambria Math"/>
                                             </a:rPr>
                                           </m:ctrlPr>
                                         </m:sSupPr>
                                         <m:e>
                                           <m:r>
-                                            <a:rPr lang="ru-RU" sz="2400" i="1">
+                                            <a:rPr lang="ru-RU" i="1">
                                               <a:latin typeface="Cambria Math"/>
                                             </a:rPr>
                                             <m:t>𝐵</m:t>
@@ -6919,7 +7126,7 @@
                                         </m:e>
                                         <m:sup>
                                           <m:r>
-                                            <a:rPr lang="ru-RU" sz="2400" i="1">
+                                            <a:rPr lang="ru-RU" i="1">
                                               <a:latin typeface="Cambria Math"/>
                                             </a:rPr>
                                             <m:t>г</m:t>
@@ -6929,7 +7136,7 @@
                                       <m:d>
                                         <m:dPr>
                                           <m:ctrlPr>
-                                            <a:rPr lang="ru-RU" sz="2400" i="1">
+                                            <a:rPr lang="ru-RU" i="1">
                                               <a:latin typeface="Cambria Math"/>
                                             </a:rPr>
                                           </m:ctrlPr>
@@ -6940,7 +7147,7 @@
                                               <m:begChr m:val="{"/>
                                               <m:endChr m:val="}"/>
                                               <m:ctrlPr>
-                                                <a:rPr lang="ru-RU" sz="2400" i="1">
+                                                <a:rPr lang="ru-RU" i="1">
                                                   <a:latin typeface="Cambria Math"/>
                                                 </a:rPr>
                                               </m:ctrlPr>
@@ -6949,14 +7156,14 @@
                                               <m:sSub>
                                                 <m:sSubPr>
                                                   <m:ctrlPr>
-                                                    <a:rPr lang="ru-RU" sz="2400" i="1">
+                                                    <a:rPr lang="ru-RU" i="1">
                                                       <a:latin typeface="Cambria Math"/>
                                                     </a:rPr>
                                                   </m:ctrlPr>
                                                 </m:sSubPr>
                                                 <m:e>
                                                   <m:r>
-                                                    <a:rPr lang="ru-RU" sz="2400" i="1">
+                                                    <a:rPr lang="ru-RU" i="1">
                                                       <a:latin typeface="Cambria Math"/>
                                                     </a:rPr>
                                                     <m:t>𝐷</m:t>
@@ -6964,7 +7171,7 @@
                                                 </m:e>
                                                 <m:sub>
                                                   <m:r>
-                                                    <a:rPr lang="ru-RU" sz="2400" i="1">
+                                                    <a:rPr lang="ru-RU" i="1">
                                                       <a:latin typeface="Cambria Math"/>
                                                     </a:rPr>
                                                     <m:t>𝑘</m:t>
@@ -6978,7 +7185,7 @@
                                     </m:e>
                                     <m:sub>
                                       <m:r>
-                                        <a:rPr lang="ru-RU" sz="2400" i="1">
+                                        <a:rPr lang="ru-RU" i="1">
                                           <a:latin typeface="Cambria Math"/>
                                         </a:rPr>
                                         <m:t>2</m:t>
@@ -6986,7 +7193,7 @@
                                     </m:sub>
                                   </m:sSub>
                                   <m:r>
-                                    <a:rPr lang="ru-RU" sz="2400" i="1">
+                                    <a:rPr lang="ru-RU" i="1">
                                       <a:latin typeface="Cambria Math"/>
                                     </a:rPr>
                                     <m:t> , </m:t>
@@ -6994,7 +7201,7 @@
                                   <m:sSub>
                                     <m:sSubPr>
                                       <m:ctrlPr>
-                                        <a:rPr lang="ru-RU" sz="2400" i="1">
+                                        <a:rPr lang="ru-RU" i="1">
                                           <a:latin typeface="Cambria Math"/>
                                         </a:rPr>
                                       </m:ctrlPr>
@@ -7003,14 +7210,14 @@
                                       <m:sSup>
                                         <m:sSupPr>
                                           <m:ctrlPr>
-                                            <a:rPr lang="ru-RU" sz="2400" i="1">
+                                            <a:rPr lang="ru-RU" i="1">
                                               <a:latin typeface="Cambria Math"/>
                                             </a:rPr>
                                           </m:ctrlPr>
                                         </m:sSupPr>
                                         <m:e>
                                           <m:r>
-                                            <a:rPr lang="ru-RU" sz="2400" i="1">
+                                            <a:rPr lang="ru-RU" i="1">
                                               <a:latin typeface="Cambria Math"/>
                                             </a:rPr>
                                             <m:t>𝐵</m:t>
@@ -7018,7 +7225,7 @@
                                         </m:e>
                                         <m:sup>
                                           <m:r>
-                                            <a:rPr lang="ru-RU" sz="2400" i="1">
+                                            <a:rPr lang="ru-RU" i="1">
                                               <a:latin typeface="Cambria Math"/>
                                             </a:rPr>
                                             <m:t>м</m:t>
@@ -7028,7 +7235,7 @@
                                       <m:d>
                                         <m:dPr>
                                           <m:ctrlPr>
-                                            <a:rPr lang="ru-RU" sz="2400" i="1">
+                                            <a:rPr lang="ru-RU" i="1">
                                               <a:latin typeface="Cambria Math"/>
                                             </a:rPr>
                                           </m:ctrlPr>
@@ -7039,7 +7246,7 @@
                                               <m:begChr m:val="{"/>
                                               <m:endChr m:val="}"/>
                                               <m:ctrlPr>
-                                                <a:rPr lang="ru-RU" sz="2400" i="1">
+                                                <a:rPr lang="ru-RU" i="1">
                                                   <a:latin typeface="Cambria Math"/>
                                                 </a:rPr>
                                               </m:ctrlPr>
@@ -7048,14 +7255,14 @@
                                               <m:sSub>
                                                 <m:sSubPr>
                                                   <m:ctrlPr>
-                                                    <a:rPr lang="ru-RU" sz="2400" i="1">
+                                                    <a:rPr lang="ru-RU" i="1">
                                                       <a:latin typeface="Cambria Math"/>
                                                     </a:rPr>
                                                   </m:ctrlPr>
                                                 </m:sSubPr>
                                                 <m:e>
                                                   <m:r>
-                                                    <a:rPr lang="ru-RU" sz="2400" i="1">
+                                                    <a:rPr lang="ru-RU" i="1">
                                                       <a:latin typeface="Cambria Math"/>
                                                     </a:rPr>
                                                     <m:t>𝐷</m:t>
@@ -7063,7 +7270,7 @@
                                                 </m:e>
                                                 <m:sub>
                                                   <m:r>
-                                                    <a:rPr lang="ru-RU" sz="2400" i="1">
+                                                    <a:rPr lang="ru-RU" i="1">
                                                       <a:latin typeface="Cambria Math"/>
                                                     </a:rPr>
                                                     <m:t>𝑘</m:t>
@@ -7077,7 +7284,7 @@
                                     </m:e>
                                     <m:sub>
                                       <m:r>
-                                        <a:rPr lang="ru-RU" sz="2400" i="1">
+                                        <a:rPr lang="ru-RU" i="1">
                                           <a:latin typeface="Cambria Math"/>
                                         </a:rPr>
                                         <m:t>2</m:t>
@@ -7085,7 +7292,7 @@
                                     </m:sub>
                                   </m:sSub>
                                   <m:r>
-                                    <a:rPr lang="ru-RU" sz="2400" i="1">
+                                    <a:rPr lang="ru-RU" i="1">
                                       <a:latin typeface="Cambria Math"/>
                                     </a:rPr>
                                     <m:t> , </m:t>
@@ -7093,7 +7300,7 @@
                                   <m:sSub>
                                     <m:sSubPr>
                                       <m:ctrlPr>
-                                        <a:rPr lang="ru-RU" sz="2400" i="1">
+                                        <a:rPr lang="ru-RU" i="1">
                                           <a:latin typeface="Cambria Math"/>
                                         </a:rPr>
                                       </m:ctrlPr>
@@ -7102,14 +7309,14 @@
                                       <m:sSub>
                                         <m:sSubPr>
                                           <m:ctrlPr>
-                                            <a:rPr lang="ru-RU" sz="2400" i="1">
+                                            <a:rPr lang="ru-RU" i="1">
                                               <a:latin typeface="Cambria Math"/>
                                             </a:rPr>
                                           </m:ctrlPr>
                                         </m:sSubPr>
                                         <m:e>
                                           <m:r>
-                                            <a:rPr lang="ru-RU" sz="2400" i="1">
+                                            <a:rPr lang="ru-RU" i="1">
                                               <a:latin typeface="Cambria Math"/>
                                             </a:rPr>
                                             <m:t>𝐹</m:t>
@@ -7117,7 +7324,7 @@
                                         </m:e>
                                         <m:sub>
                                           <m:r>
-                                            <a:rPr lang="ru-RU" sz="2400" i="1">
+                                            <a:rPr lang="ru-RU" i="1">
                                               <a:latin typeface="Cambria Math"/>
                                             </a:rPr>
                                             <m:t>м+г</m:t>
@@ -7127,7 +7334,7 @@
                                       <m:d>
                                         <m:dPr>
                                           <m:ctrlPr>
-                                            <a:rPr lang="ru-RU" sz="2400" i="1">
+                                            <a:rPr lang="ru-RU" i="1">
                                               <a:latin typeface="Cambria Math"/>
                                             </a:rPr>
                                           </m:ctrlPr>
@@ -7138,14 +7345,14 @@
                                               <m:begChr m:val="{"/>
                                               <m:endChr m:val="}"/>
                                               <m:ctrlPr>
-                                                <a:rPr lang="ru-RU" sz="2400" i="1">
+                                                <a:rPr lang="ru-RU" i="1">
                                                   <a:latin typeface="Cambria Math"/>
                                                 </a:rPr>
                                               </m:ctrlPr>
                                             </m:dPr>
                                             <m:e>
                                               <m:r>
-                                                <a:rPr lang="ru-RU" sz="2400" i="1">
+                                                <a:rPr lang="ru-RU" i="1">
                                                   <a:latin typeface="Cambria Math"/>
                                                 </a:rPr>
                                                 <m:t>𝐷𝑘</m:t>
@@ -7157,7 +7364,7 @@
                                     </m:e>
                                     <m:sub>
                                       <m:r>
-                                        <a:rPr lang="en-US" sz="2400" i="1">
+                                        <a:rPr lang="en-US" i="1">
                                           <a:latin typeface="Cambria Math"/>
                                         </a:rPr>
                                         <m:t>2</m:t>
@@ -7165,7 +7372,7 @@
                                     </m:sub>
                                   </m:sSub>
                                   <m:r>
-                                    <a:rPr lang="ru-RU" sz="2400" i="1">
+                                    <a:rPr lang="ru-RU" i="1">
                                       <a:latin typeface="Cambria Math"/>
                                     </a:rPr>
                                     <m:t> , </m:t>
@@ -7173,7 +7380,7 @@
                                   <m:sSub>
                                     <m:sSubPr>
                                       <m:ctrlPr>
-                                        <a:rPr lang="ru-RU" sz="2400" i="1">
+                                        <a:rPr lang="ru-RU" i="1">
                                           <a:latin typeface="Cambria Math"/>
                                         </a:rPr>
                                       </m:ctrlPr>
@@ -7182,14 +7389,14 @@
                                       <m:sSub>
                                         <m:sSubPr>
                                           <m:ctrlPr>
-                                            <a:rPr lang="ru-RU" sz="2400" i="1">
+                                            <a:rPr lang="ru-RU" i="1">
                                               <a:latin typeface="Cambria Math"/>
                                             </a:rPr>
                                           </m:ctrlPr>
                                         </m:sSubPr>
                                         <m:e>
                                           <m:r>
-                                            <a:rPr lang="ru-RU" sz="2400" i="1">
+                                            <a:rPr lang="ru-RU" i="1">
                                               <a:latin typeface="Cambria Math"/>
                                             </a:rPr>
                                             <m:t>𝜂</m:t>
@@ -7197,7 +7404,7 @@
                                         </m:e>
                                         <m:sub>
                                           <m:r>
-                                            <a:rPr lang="ru-RU" sz="2400" i="1">
+                                            <a:rPr lang="ru-RU" i="1">
                                               <a:latin typeface="Cambria Math"/>
                                             </a:rPr>
                                             <m:t>𝐾</m:t>
@@ -7207,7 +7414,7 @@
                                     </m:e>
                                     <m:sub>
                                       <m:r>
-                                        <a:rPr lang="en-US" sz="2400" i="1">
+                                        <a:rPr lang="en-US" i="1">
                                           <a:latin typeface="Cambria Math"/>
                                         </a:rPr>
                                         <m:t>2</m:t>
@@ -7217,7 +7424,7 @@
                                 </m:e>
                               </m:d>
                               <m:r>
-                                <a:rPr lang="ru-RU" sz="2400" i="1">
+                                <a:rPr lang="ru-RU" i="1">
                                   <a:latin typeface="Cambria Math"/>
                                 </a:rPr>
                                 <m:t> </m:t>
@@ -7225,7 +7432,7 @@
                             </m:e>
                             <m:e>
                               <m:r>
-                                <a:rPr lang="en-US" sz="2400" i="1">
+                                <a:rPr lang="en-US" i="1">
                                   <a:latin typeface="Cambria Math"/>
                                 </a:rPr>
                                 <m:t>…</m:t>
@@ -7235,14 +7442,14 @@
                               <m:sSub>
                                 <m:sSubPr>
                                   <m:ctrlPr>
-                                    <a:rPr lang="ru-RU" sz="2400" i="1">
+                                    <a:rPr lang="ru-RU" i="1">
                                       <a:latin typeface="Cambria Math"/>
                                     </a:rPr>
                                   </m:ctrlPr>
                                 </m:sSubPr>
                                 <m:e>
                                   <m:r>
-                                    <a:rPr lang="en-US" sz="2400" i="1">
+                                    <a:rPr lang="en-US" i="1">
                                       <a:latin typeface="Cambria Math"/>
                                     </a:rPr>
                                     <m:t>𝑓</m:t>
@@ -7250,7 +7457,7 @@
                                 </m:e>
                                 <m:sub>
                                   <m:r>
-                                    <a:rPr lang="en-US" sz="2400" i="1">
+                                    <a:rPr lang="en-US" i="1">
                                       <a:latin typeface="Cambria Math"/>
                                     </a:rPr>
                                     <m:t>𝑛</m:t>
@@ -7258,7 +7465,7 @@
                                 </m:sub>
                               </m:sSub>
                               <m:r>
-                                <a:rPr lang="en-US" sz="2400" i="1">
+                                <a:rPr lang="en-US" i="1">
                                   <a:latin typeface="Cambria Math"/>
                                 </a:rPr>
                                 <m:t>= </m:t>
@@ -7266,7 +7473,7 @@
                               <m:d>
                                 <m:dPr>
                                   <m:ctrlPr>
-                                    <a:rPr lang="ru-RU" sz="2400" i="1">
+                                    <a:rPr lang="ru-RU" i="1">
                                       <a:latin typeface="Cambria Math"/>
                                     </a:rPr>
                                   </m:ctrlPr>
@@ -7275,7 +7482,7 @@
                                   <m:sSub>
                                     <m:sSubPr>
                                       <m:ctrlPr>
-                                        <a:rPr lang="ru-RU" sz="2400" i="1">
+                                        <a:rPr lang="ru-RU" i="1">
                                           <a:latin typeface="Cambria Math"/>
                                         </a:rPr>
                                       </m:ctrlPr>
@@ -7284,14 +7491,14 @@
                                       <m:sSup>
                                         <m:sSupPr>
                                           <m:ctrlPr>
-                                            <a:rPr lang="ru-RU" sz="2400" i="1">
+                                            <a:rPr lang="ru-RU" i="1">
                                               <a:latin typeface="Cambria Math"/>
                                             </a:rPr>
                                           </m:ctrlPr>
                                         </m:sSupPr>
                                         <m:e>
                                           <m:r>
-                                            <a:rPr lang="ru-RU" sz="2400" i="1">
+                                            <a:rPr lang="ru-RU" i="1">
                                               <a:latin typeface="Cambria Math"/>
                                             </a:rPr>
                                             <m:t>𝐵</m:t>
@@ -7299,7 +7506,7 @@
                                         </m:e>
                                         <m:sup>
                                           <m:r>
-                                            <a:rPr lang="ru-RU" sz="2400" i="1">
+                                            <a:rPr lang="ru-RU" i="1">
                                               <a:latin typeface="Cambria Math"/>
                                             </a:rPr>
                                             <m:t>г</m:t>
@@ -7309,7 +7516,7 @@
                                       <m:d>
                                         <m:dPr>
                                           <m:ctrlPr>
-                                            <a:rPr lang="ru-RU" sz="2400" i="1">
+                                            <a:rPr lang="ru-RU" i="1">
                                               <a:latin typeface="Cambria Math"/>
                                             </a:rPr>
                                           </m:ctrlPr>
@@ -7320,7 +7527,7 @@
                                               <m:begChr m:val="{"/>
                                               <m:endChr m:val="}"/>
                                               <m:ctrlPr>
-                                                <a:rPr lang="ru-RU" sz="2400" i="1">
+                                                <a:rPr lang="ru-RU" i="1">
                                                   <a:latin typeface="Cambria Math"/>
                                                 </a:rPr>
                                               </m:ctrlPr>
@@ -7329,14 +7536,14 @@
                                               <m:sSub>
                                                 <m:sSubPr>
                                                   <m:ctrlPr>
-                                                    <a:rPr lang="ru-RU" sz="2400" i="1">
+                                                    <a:rPr lang="ru-RU" i="1">
                                                       <a:latin typeface="Cambria Math"/>
                                                     </a:rPr>
                                                   </m:ctrlPr>
                                                 </m:sSubPr>
                                                 <m:e>
                                                   <m:r>
-                                                    <a:rPr lang="ru-RU" sz="2400" i="1">
+                                                    <a:rPr lang="ru-RU" i="1">
                                                       <a:latin typeface="Cambria Math"/>
                                                     </a:rPr>
                                                     <m:t>𝐷</m:t>
@@ -7344,7 +7551,7 @@
                                                 </m:e>
                                                 <m:sub>
                                                   <m:r>
-                                                    <a:rPr lang="ru-RU" sz="2400" i="1">
+                                                    <a:rPr lang="ru-RU" i="1">
                                                       <a:latin typeface="Cambria Math"/>
                                                     </a:rPr>
                                                     <m:t>𝑘</m:t>
@@ -7358,7 +7565,7 @@
                                     </m:e>
                                     <m:sub>
                                       <m:r>
-                                        <a:rPr lang="ru-RU" sz="2400" i="1">
+                                        <a:rPr lang="ru-RU" i="1">
                                           <a:latin typeface="Cambria Math"/>
                                         </a:rPr>
                                         <m:t>𝑛</m:t>
@@ -7366,7 +7573,7 @@
                                     </m:sub>
                                   </m:sSub>
                                   <m:r>
-                                    <a:rPr lang="ru-RU" sz="2400" i="1">
+                                    <a:rPr lang="ru-RU" i="1">
                                       <a:latin typeface="Cambria Math"/>
                                     </a:rPr>
                                     <m:t> , </m:t>
@@ -7374,7 +7581,7 @@
                                   <m:sSub>
                                     <m:sSubPr>
                                       <m:ctrlPr>
-                                        <a:rPr lang="ru-RU" sz="2400" i="1">
+                                        <a:rPr lang="ru-RU" i="1">
                                           <a:latin typeface="Cambria Math"/>
                                         </a:rPr>
                                       </m:ctrlPr>
@@ -7383,14 +7590,14 @@
                                       <m:sSup>
                                         <m:sSupPr>
                                           <m:ctrlPr>
-                                            <a:rPr lang="ru-RU" sz="2400" i="1">
+                                            <a:rPr lang="ru-RU" i="1">
                                               <a:latin typeface="Cambria Math"/>
                                             </a:rPr>
                                           </m:ctrlPr>
                                         </m:sSupPr>
                                         <m:e>
                                           <m:r>
-                                            <a:rPr lang="ru-RU" sz="2400" i="1">
+                                            <a:rPr lang="ru-RU" i="1">
                                               <a:latin typeface="Cambria Math"/>
                                             </a:rPr>
                                             <m:t>𝐵</m:t>
@@ -7398,7 +7605,7 @@
                                         </m:e>
                                         <m:sup>
                                           <m:r>
-                                            <a:rPr lang="ru-RU" sz="2400" i="1">
+                                            <a:rPr lang="ru-RU" i="1">
                                               <a:latin typeface="Cambria Math"/>
                                             </a:rPr>
                                             <m:t>м</m:t>
@@ -7408,7 +7615,7 @@
                                       <m:d>
                                         <m:dPr>
                                           <m:ctrlPr>
-                                            <a:rPr lang="ru-RU" sz="2400" i="1">
+                                            <a:rPr lang="ru-RU" i="1">
                                               <a:latin typeface="Cambria Math"/>
                                             </a:rPr>
                                           </m:ctrlPr>
@@ -7419,7 +7626,7 @@
                                               <m:begChr m:val="{"/>
                                               <m:endChr m:val="}"/>
                                               <m:ctrlPr>
-                                                <a:rPr lang="ru-RU" sz="2400" i="1">
+                                                <a:rPr lang="ru-RU" i="1">
                                                   <a:latin typeface="Cambria Math"/>
                                                 </a:rPr>
                                               </m:ctrlPr>
@@ -7428,14 +7635,14 @@
                                               <m:sSub>
                                                 <m:sSubPr>
                                                   <m:ctrlPr>
-                                                    <a:rPr lang="ru-RU" sz="2400" i="1">
+                                                    <a:rPr lang="ru-RU" i="1">
                                                       <a:latin typeface="Cambria Math"/>
                                                     </a:rPr>
                                                   </m:ctrlPr>
                                                 </m:sSubPr>
                                                 <m:e>
                                                   <m:r>
-                                                    <a:rPr lang="ru-RU" sz="2400" i="1">
+                                                    <a:rPr lang="ru-RU" i="1">
                                                       <a:latin typeface="Cambria Math"/>
                                                     </a:rPr>
                                                     <m:t>𝐷</m:t>
@@ -7443,7 +7650,7 @@
                                                 </m:e>
                                                 <m:sub>
                                                   <m:r>
-                                                    <a:rPr lang="ru-RU" sz="2400" i="1">
+                                                    <a:rPr lang="ru-RU" i="1">
                                                       <a:latin typeface="Cambria Math"/>
                                                     </a:rPr>
                                                     <m:t>𝑘</m:t>
@@ -7457,7 +7664,7 @@
                                     </m:e>
                                     <m:sub>
                                       <m:r>
-                                        <a:rPr lang="ru-RU" sz="2400" i="1">
+                                        <a:rPr lang="ru-RU" i="1">
                                           <a:latin typeface="Cambria Math"/>
                                         </a:rPr>
                                         <m:t>𝑛</m:t>
@@ -7465,7 +7672,7 @@
                                     </m:sub>
                                   </m:sSub>
                                   <m:r>
-                                    <a:rPr lang="ru-RU" sz="2400" i="1">
+                                    <a:rPr lang="ru-RU" i="1">
                                       <a:latin typeface="Cambria Math"/>
                                     </a:rPr>
                                     <m:t> , </m:t>
@@ -7473,7 +7680,7 @@
                                   <m:sSub>
                                     <m:sSubPr>
                                       <m:ctrlPr>
-                                        <a:rPr lang="ru-RU" sz="2400" i="1">
+                                        <a:rPr lang="ru-RU" i="1">
                                           <a:latin typeface="Cambria Math"/>
                                         </a:rPr>
                                       </m:ctrlPr>
@@ -7482,14 +7689,14 @@
                                       <m:sSub>
                                         <m:sSubPr>
                                           <m:ctrlPr>
-                                            <a:rPr lang="ru-RU" sz="2400" i="1">
+                                            <a:rPr lang="ru-RU" i="1">
                                               <a:latin typeface="Cambria Math"/>
                                             </a:rPr>
                                           </m:ctrlPr>
                                         </m:sSubPr>
                                         <m:e>
                                           <m:r>
-                                            <a:rPr lang="ru-RU" sz="2400" i="1">
+                                            <a:rPr lang="ru-RU" i="1">
                                               <a:latin typeface="Cambria Math"/>
                                             </a:rPr>
                                             <m:t>𝐹</m:t>
@@ -7497,7 +7704,7 @@
                                         </m:e>
                                         <m:sub>
                                           <m:r>
-                                            <a:rPr lang="ru-RU" sz="2400" i="1">
+                                            <a:rPr lang="ru-RU" i="1">
                                               <a:latin typeface="Cambria Math"/>
                                             </a:rPr>
                                             <m:t>м+г</m:t>
@@ -7507,7 +7714,7 @@
                                       <m:d>
                                         <m:dPr>
                                           <m:ctrlPr>
-                                            <a:rPr lang="ru-RU" sz="2400" i="1">
+                                            <a:rPr lang="ru-RU" i="1">
                                               <a:latin typeface="Cambria Math"/>
                                             </a:rPr>
                                           </m:ctrlPr>
@@ -7518,14 +7725,14 @@
                                               <m:begChr m:val="{"/>
                                               <m:endChr m:val="}"/>
                                               <m:ctrlPr>
-                                                <a:rPr lang="ru-RU" sz="2400" i="1">
+                                                <a:rPr lang="ru-RU" i="1">
                                                   <a:latin typeface="Cambria Math"/>
                                                 </a:rPr>
                                               </m:ctrlPr>
                                             </m:dPr>
                                             <m:e>
                                               <m:r>
-                                                <a:rPr lang="ru-RU" sz="2400" i="1">
+                                                <a:rPr lang="ru-RU" i="1">
                                                   <a:latin typeface="Cambria Math"/>
                                                 </a:rPr>
                                                 <m:t>𝐷𝑘</m:t>
@@ -7537,7 +7744,7 @@
                                     </m:e>
                                     <m:sub>
                                       <m:r>
-                                        <a:rPr lang="en-US" sz="2400" i="1">
+                                        <a:rPr lang="en-US" i="1">
                                           <a:latin typeface="Cambria Math"/>
                                         </a:rPr>
                                         <m:t>𝑛</m:t>
@@ -7545,7 +7752,7 @@
                                     </m:sub>
                                   </m:sSub>
                                   <m:r>
-                                    <a:rPr lang="ru-RU" sz="2400" i="1">
+                                    <a:rPr lang="ru-RU" i="1">
                                       <a:latin typeface="Cambria Math"/>
                                     </a:rPr>
                                     <m:t> , </m:t>
@@ -7553,7 +7760,7 @@
                                   <m:sSub>
                                     <m:sSubPr>
                                       <m:ctrlPr>
-                                        <a:rPr lang="ru-RU" sz="2400" i="1">
+                                        <a:rPr lang="ru-RU" i="1">
                                           <a:latin typeface="Cambria Math"/>
                                         </a:rPr>
                                       </m:ctrlPr>
@@ -7562,14 +7769,14 @@
                                       <m:sSub>
                                         <m:sSubPr>
                                           <m:ctrlPr>
-                                            <a:rPr lang="ru-RU" sz="2400" i="1">
+                                            <a:rPr lang="ru-RU" i="1">
                                               <a:latin typeface="Cambria Math"/>
                                             </a:rPr>
                                           </m:ctrlPr>
                                         </m:sSubPr>
                                         <m:e>
                                           <m:r>
-                                            <a:rPr lang="ru-RU" sz="2400" i="1">
+                                            <a:rPr lang="ru-RU" i="1">
                                               <a:latin typeface="Cambria Math"/>
                                             </a:rPr>
                                             <m:t>𝜂</m:t>
@@ -7577,7 +7784,7 @@
                                         </m:e>
                                         <m:sub>
                                           <m:r>
-                                            <a:rPr lang="ru-RU" sz="2400" i="1">
+                                            <a:rPr lang="ru-RU" i="1">
                                               <a:latin typeface="Cambria Math"/>
                                             </a:rPr>
                                             <m:t>𝐾</m:t>
@@ -7587,7 +7794,7 @@
                                     </m:e>
                                     <m:sub>
                                       <m:r>
-                                        <a:rPr lang="en-US" sz="2400" i="1">
+                                        <a:rPr lang="en-US" i="1">
                                           <a:latin typeface="Cambria Math"/>
                                         </a:rPr>
                                         <m:t>𝑛</m:t>
@@ -7597,7 +7804,7 @@
                                 </m:e>
                               </m:d>
                               <m:r>
-                                <a:rPr lang="ru-RU" sz="2400" i="1">
+                                <a:rPr lang="ru-RU" i="1">
                                   <a:latin typeface="Cambria Math"/>
                                 </a:rPr>
                                 <m:t> </m:t>
@@ -7609,12 +7816,12 @@
                     </m:oMath>
                   </m:oMathPara>
                 </a14:m>
-                <a:endParaRPr lang="ru-RU" dirty="0"/>
+                <a:endParaRPr lang="ru-RU" sz="1400" dirty="0"/>
               </a:p>
             </p:txBody>
           </p:sp>
         </mc:Choice>
-        <mc:Fallback xmlns="">
+        <mc:Fallback>
           <p:sp>
             <p:nvSpPr>
               <p:cNvPr id="2" name="Прямоугольник 1"/>
@@ -7625,8 +7832,8 @@
             </p:nvSpPr>
             <p:spPr>
               <a:xfrm>
-                <a:off x="633264" y="2132856"/>
-                <a:ext cx="8064896" cy="3159391"/>
+                <a:off x="633264" y="1340768"/>
+                <a:ext cx="8064896" cy="2485104"/>
               </a:xfrm>
               <a:prstGeom prst="rect">
                 <a:avLst/>
@@ -7634,7 +7841,7 @@
               <a:blipFill rotWithShape="1">
                 <a:blip r:embed="rId2"/>
                 <a:stretch>
-                  <a:fillRect l="-983" t="-1158" r="-983"/>
+                  <a:fillRect l="-680" t="-1225"/>
                 </a:stretch>
               </a:blipFill>
             </p:spPr>
@@ -7653,6 +7860,71 @@
           </p:sp>
         </mc:Fallback>
       </mc:AlternateContent>
+      <p:sp>
+        <p:nvSpPr>
+          <p:cNvPr id="3" name="Прямоугольник 2"/>
+          <p:cNvSpPr/>
+          <p:nvPr/>
+        </p:nvSpPr>
+        <p:spPr>
+          <a:xfrm>
+            <a:off x="633264" y="4149080"/>
+            <a:ext cx="8187208" cy="1477328"/>
+          </a:xfrm>
+          <a:prstGeom prst="rect">
+            <a:avLst/>
+          </a:prstGeom>
+        </p:spPr>
+        <p:txBody>
+          <a:bodyPr wrap="square">
+            <a:spAutoFit/>
+          </a:bodyPr>
+          <a:lstStyle/>
+          <a:p>
+            <a:pPr marL="285750" lvl="0" indent="-285750">
+              <a:buFont typeface="Arial" panose="020B0604020202020204" pitchFamily="34" charset="0"/>
+              <a:buChar char="•"/>
+            </a:pPr>
+            <a:r>
+              <a:rPr lang="ru-RU" dirty="0"/>
+              <a:t>построение множества Парето;</a:t>
+            </a:r>
+          </a:p>
+          <a:p>
+            <a:pPr marL="285750" lvl="0" indent="-285750">
+              <a:buFont typeface="Arial" panose="020B0604020202020204" pitchFamily="34" charset="0"/>
+              <a:buChar char="•"/>
+            </a:pPr>
+            <a:r>
+              <a:rPr lang="ru-RU" dirty="0"/>
+              <a:t>сужение множества Парето на основе информации о коэффициентах относительной важности критериев;</a:t>
+            </a:r>
+          </a:p>
+          <a:p>
+            <a:pPr marL="285750" lvl="0" indent="-285750">
+              <a:buFont typeface="Arial" panose="020B0604020202020204" pitchFamily="34" charset="0"/>
+              <a:buChar char="•"/>
+            </a:pPr>
+            <a:r>
+              <a:rPr lang="ru-RU" dirty="0"/>
+              <a:t>применение метода целевого программирования для </a:t>
+            </a:r>
+            <a:r>
+              <a:rPr lang="ru-RU" dirty="0" smtClean="0"/>
+              <a:t>окончательного выбора </a:t>
+            </a:r>
+            <a:r>
+              <a:rPr lang="ru-RU" dirty="0"/>
+              <a:t>оптимального </a:t>
+            </a:r>
+            <a:r>
+              <a:rPr lang="ru-RU" dirty="0" smtClean="0"/>
+              <a:t>решения.</a:t>
+            </a:r>
+            <a:endParaRPr lang="ru-RU" dirty="0"/>
+          </a:p>
+        </p:txBody>
+      </p:sp>
     </p:spTree>
     <p:extLst>
       <p:ext uri="{BB962C8B-B14F-4D97-AF65-F5344CB8AC3E}">
@@ -7708,197 +7980,6 @@
             <a:fld id="{B19B0651-EE4F-4900-A07F-96A6BFA9D0F0}" type="slidenum">
               <a:rPr lang="ru-RU" smtClean="0"/>
               <a:t>15</a:t>
-            </a:fld>
-            <a:endParaRPr lang="ru-RU"/>
-          </a:p>
-        </p:txBody>
-      </p:sp>
-      <p:sp>
-        <p:nvSpPr>
-          <p:cNvPr id="6" name="Заголовок 1"/>
-          <p:cNvSpPr>
-            <a:spLocks noGrp="1"/>
-          </p:cNvSpPr>
-          <p:nvPr>
-            <p:ph type="title"/>
-          </p:nvPr>
-        </p:nvSpPr>
-        <p:spPr>
-          <a:xfrm>
-            <a:off x="457200" y="274638"/>
-            <a:ext cx="8229600" cy="1143000"/>
-          </a:xfrm>
-        </p:spPr>
-        <p:txBody>
-          <a:bodyPr>
-            <a:normAutofit fontScale="90000"/>
-          </a:bodyPr>
-          <a:lstStyle/>
-          <a:p>
-            <a:r>
-              <a:rPr lang="ru-RU" dirty="0"/>
-              <a:t>Выбор наилучшего векторного критерия</a:t>
-            </a:r>
-          </a:p>
-        </p:txBody>
-      </p:sp>
-      <p:sp>
-        <p:nvSpPr>
-          <p:cNvPr id="11" name="TextBox 10"/>
-          <p:cNvSpPr txBox="1"/>
-          <p:nvPr/>
-        </p:nvSpPr>
-        <p:spPr>
-          <a:xfrm>
-            <a:off x="395536" y="2166764"/>
-            <a:ext cx="8280920" cy="3139321"/>
-          </a:xfrm>
-          <a:prstGeom prst="rect">
-            <a:avLst/>
-          </a:prstGeom>
-          <a:noFill/>
-        </p:spPr>
-        <p:txBody>
-          <a:bodyPr wrap="square" rtlCol="0">
-            <a:spAutoFit/>
-          </a:bodyPr>
-          <a:lstStyle/>
-          <a:p>
-            <a:r>
-              <a:rPr lang="ru-RU" sz="2400" dirty="0" smtClean="0"/>
-              <a:t>	</a:t>
-            </a:r>
-            <a:r>
-              <a:rPr lang="ru-RU" sz="2200" dirty="0" smtClean="0"/>
-              <a:t>Выбор </a:t>
-            </a:r>
-            <a:r>
-              <a:rPr lang="ru-RU" sz="2200" dirty="0"/>
-              <a:t>наиболее подходящего векторного критерия из множества </a:t>
-            </a:r>
-            <a:r>
-              <a:rPr lang="ru-RU" sz="2200" dirty="0" smtClean="0"/>
-              <a:t> </a:t>
-            </a:r>
-            <a:r>
-              <a:rPr lang="ru-RU" sz="2200" dirty="0"/>
-              <a:t>состоит из </a:t>
-            </a:r>
-            <a:r>
-              <a:rPr lang="ru-RU" sz="2200" dirty="0" smtClean="0"/>
-              <a:t>трех этапов:</a:t>
-            </a:r>
-          </a:p>
-          <a:p>
-            <a:endParaRPr lang="ru-RU" sz="2400" dirty="0"/>
-          </a:p>
-          <a:p>
-            <a:pPr marL="285750" lvl="0" indent="-285750">
-              <a:buFont typeface="Arial" panose="020B0604020202020204" pitchFamily="34" charset="0"/>
-              <a:buChar char="•"/>
-            </a:pPr>
-            <a:r>
-              <a:rPr lang="ru-RU" sz="2200" dirty="0"/>
-              <a:t>построение множества </a:t>
-            </a:r>
-            <a:r>
-              <a:rPr lang="ru-RU" sz="2200" dirty="0" smtClean="0"/>
-              <a:t>Парето;</a:t>
-            </a:r>
-          </a:p>
-          <a:p>
-            <a:pPr marL="285750" lvl="0" indent="-285750">
-              <a:buFont typeface="Arial" panose="020B0604020202020204" pitchFamily="34" charset="0"/>
-              <a:buChar char="•"/>
-            </a:pPr>
-            <a:r>
-              <a:rPr lang="ru-RU" sz="2200" dirty="0" smtClean="0"/>
-              <a:t>сужение множества Парето на основе информации о коэффициентах относительной важности критериев;</a:t>
-            </a:r>
-            <a:endParaRPr lang="ru-RU" sz="2200" dirty="0"/>
-          </a:p>
-          <a:p>
-            <a:pPr marL="285750" lvl="0" indent="-285750">
-              <a:buFont typeface="Arial" panose="020B0604020202020204" pitchFamily="34" charset="0"/>
-              <a:buChar char="•"/>
-            </a:pPr>
-            <a:r>
-              <a:rPr lang="ru-RU" sz="2200" dirty="0" smtClean="0"/>
-              <a:t>применение </a:t>
-            </a:r>
-            <a:r>
-              <a:rPr lang="ru-RU" sz="2200" dirty="0"/>
-              <a:t>метода целевого программирования </a:t>
-            </a:r>
-            <a:r>
-              <a:rPr lang="ru-RU" sz="2200" dirty="0" smtClean="0"/>
-              <a:t>для </a:t>
-            </a:r>
-            <a:r>
-              <a:rPr lang="ru-RU" sz="2200" dirty="0"/>
-              <a:t>выбора оптимального векторного критерия.</a:t>
-            </a:r>
-          </a:p>
-          <a:p>
-            <a:endParaRPr lang="ru-RU" dirty="0"/>
-          </a:p>
-        </p:txBody>
-      </p:sp>
-    </p:spTree>
-    <p:extLst>
-      <p:ext uri="{BB962C8B-B14F-4D97-AF65-F5344CB8AC3E}">
-        <p14:creationId xmlns:p14="http://schemas.microsoft.com/office/powerpoint/2010/main" val="37916270"/>
-      </p:ext>
-    </p:extLst>
-  </p:cSld>
-  <p:clrMapOvr>
-    <a:masterClrMapping/>
-  </p:clrMapOvr>
-  <p:timing>
-    <p:tnLst>
-      <p:par>
-        <p:cTn id="1" dur="indefinite" restart="never" nodeType="tmRoot"/>
-      </p:par>
-    </p:tnLst>
-  </p:timing>
-</p:sld>
-</file>
-
-<file path=ppt/slides/slide16.xml><?xml version="1.0" encoding="utf-8"?>
-<p:sld xmlns:a="http://schemas.openxmlformats.org/drawingml/2006/main" xmlns:r="http://schemas.openxmlformats.org/officeDocument/2006/relationships" xmlns:p="http://schemas.openxmlformats.org/presentationml/2006/main">
-  <p:cSld>
-    <p:spTree>
-      <p:nvGrpSpPr>
-        <p:cNvPr id="1" name=""/>
-        <p:cNvGrpSpPr/>
-        <p:nvPr/>
-      </p:nvGrpSpPr>
-      <p:grpSpPr>
-        <a:xfrm>
-          <a:off x="0" y="0"/>
-          <a:ext cx="0" cy="0"/>
-          <a:chOff x="0" y="0"/>
-          <a:chExt cx="0" cy="0"/>
-        </a:xfrm>
-      </p:grpSpPr>
-      <p:sp>
-        <p:nvSpPr>
-          <p:cNvPr id="4" name="Номер слайда 3"/>
-          <p:cNvSpPr>
-            <a:spLocks noGrp="1"/>
-          </p:cNvSpPr>
-          <p:nvPr>
-            <p:ph type="sldNum" sz="quarter" idx="12"/>
-          </p:nvPr>
-        </p:nvSpPr>
-        <p:spPr/>
-        <p:txBody>
-          <a:bodyPr/>
-          <a:lstStyle/>
-          <a:p>
-            <a:fld id="{B19B0651-EE4F-4900-A07F-96A6BFA9D0F0}" type="slidenum">
-              <a:rPr lang="ru-RU" smtClean="0"/>
-              <a:t>16</a:t>
             </a:fld>
             <a:endParaRPr lang="ru-RU" dirty="0"/>
           </a:p>
@@ -8730,7 +8811,7 @@
           <a:graphicData uri="http://schemas.openxmlformats.org/presentationml/2006/ole">
             <mc:AlternateContent xmlns:mc="http://schemas.openxmlformats.org/markup-compatibility/2006">
               <mc:Choice xmlns:v="urn:schemas-microsoft-com:vml" Requires="v">
-                <p:oleObj spid="_x0000_s2146" name="Visio" r:id="rId6" imgW="3802117" imgH="4529755" progId="Visio.Drawing.11">
+                <p:oleObj spid="_x0000_s2168" name="Visio" r:id="rId6" imgW="3802117" imgH="4529755" progId="Visio.Drawing.11">
                   <p:embed/>
                 </p:oleObj>
               </mc:Choice>
@@ -8804,8 +8885,8 @@
           </a:p>
         </p:txBody>
       </p:sp>
-      <mc:AlternateContent xmlns:mc="http://schemas.openxmlformats.org/markup-compatibility/2006" xmlns:a14="http://schemas.microsoft.com/office/drawing/2010/main">
-        <mc:Choice Requires="a14">
+      <mc:AlternateContent xmlns:mc="http://schemas.openxmlformats.org/markup-compatibility/2006">
+        <mc:Choice xmlns:a14="http://schemas.microsoft.com/office/drawing/2010/main" Requires="a14">
           <p:sp>
             <p:nvSpPr>
               <p:cNvPr id="13" name="Прямоугольник 12"/>
@@ -8815,7 +8896,7 @@
             <p:spPr>
               <a:xfrm>
                 <a:off x="395536" y="4994187"/>
-                <a:ext cx="3852428" cy="955133"/>
+                <a:ext cx="3852428" cy="1105495"/>
               </a:xfrm>
               <a:prstGeom prst="rect">
                 <a:avLst/>
@@ -8828,22 +8909,26 @@
               <a:lstStyle/>
               <a:p>
                 <a:r>
-                  <a:rPr lang="ru-RU" dirty="0" smtClean="0"/>
-                  <a:t>Где </a:t>
+                  <a:rPr lang="ru-RU" sz="1600" dirty="0" smtClean="0"/>
+                  <a:t>	г</a:t>
+                </a:r>
+                <a:r>
+                  <a:rPr lang="ru-RU" sz="1600" dirty="0" smtClean="0"/>
+                  <a:t>де </a:t>
                 </a:r>
                 <a14:m>
                   <m:oMath xmlns:m="http://schemas.openxmlformats.org/officeDocument/2006/math">
                     <m:sSubSup>
                       <m:sSubSupPr>
                         <m:ctrlPr>
-                          <a:rPr lang="ru-RU" i="1">
+                          <a:rPr lang="ru-RU" sz="1600" i="1">
                             <a:latin typeface="Cambria Math"/>
                           </a:rPr>
                         </m:ctrlPr>
                       </m:sSubSupPr>
                       <m:e>
                         <m:r>
-                          <a:rPr lang="ru-RU" i="1">
+                          <a:rPr lang="ru-RU" sz="1600" i="1">
                             <a:latin typeface="Cambria Math"/>
                           </a:rPr>
                           <m:t>𝑤</m:t>
@@ -8851,7 +8936,7 @@
                       </m:e>
                       <m:sub>
                         <m:r>
-                          <a:rPr lang="ru-RU" i="1">
+                          <a:rPr lang="ru-RU" sz="1600" i="1">
                             <a:latin typeface="Cambria Math"/>
                           </a:rPr>
                           <m:t>𝑗</m:t>
@@ -8859,7 +8944,7 @@
                       </m:sub>
                       <m:sup>
                         <m:r>
-                          <a:rPr lang="ru-RU" i="1">
+                          <a:rPr lang="ru-RU" sz="1600" i="1">
                             <a:latin typeface="Cambria Math"/>
                           </a:rPr>
                           <m:t>∗</m:t>
@@ -8869,7 +8954,7 @@
                   </m:oMath>
                 </a14:m>
                 <a:r>
-                  <a:rPr lang="ru-RU" dirty="0" smtClean="0"/>
+                  <a:rPr lang="ru-RU" sz="1600" dirty="0" smtClean="0"/>
                   <a:t> - количество единиц по менее важному критерию, </a:t>
                 </a:r>
                 <a14:m>
@@ -8877,14 +8962,14 @@
                     <m:sSubSup>
                       <m:sSubSupPr>
                         <m:ctrlPr>
-                          <a:rPr lang="ru-RU" i="1">
+                          <a:rPr lang="ru-RU" sz="1600" i="1">
                             <a:latin typeface="Cambria Math"/>
                           </a:rPr>
                         </m:ctrlPr>
                       </m:sSubSupPr>
                       <m:e>
                         <m:r>
-                          <a:rPr lang="ru-RU" i="1">
+                          <a:rPr lang="ru-RU" sz="1600" i="1">
                             <a:latin typeface="Cambria Math"/>
                           </a:rPr>
                           <m:t>𝑤</m:t>
@@ -8892,7 +8977,7 @@
                       </m:e>
                       <m:sub>
                         <m:r>
-                          <a:rPr lang="ru-RU" i="1">
+                          <a:rPr lang="ru-RU" sz="1600" i="1">
                             <a:latin typeface="Cambria Math"/>
                           </a:rPr>
                           <m:t>𝑖</m:t>
@@ -8900,7 +8985,7 @@
                       </m:sub>
                       <m:sup>
                         <m:r>
-                          <a:rPr lang="ru-RU" i="1">
+                          <a:rPr lang="ru-RU" sz="1600" i="1">
                             <a:latin typeface="Cambria Math"/>
                           </a:rPr>
                           <m:t>∗</m:t>
@@ -8910,15 +8995,15 @@
                   </m:oMath>
                 </a14:m>
                 <a:r>
-                  <a:rPr lang="ru-RU" dirty="0" smtClean="0"/>
+                  <a:rPr lang="ru-RU" sz="1600" dirty="0" smtClean="0"/>
                   <a:t> - количество единиц по более важному критерию</a:t>
                 </a:r>
-                <a:endParaRPr lang="ru-RU" dirty="0"/>
+                <a:endParaRPr lang="ru-RU" sz="1600" dirty="0"/>
               </a:p>
             </p:txBody>
           </p:sp>
         </mc:Choice>
-        <mc:Fallback xmlns="">
+        <mc:Fallback>
           <p:sp>
             <p:nvSpPr>
               <p:cNvPr id="13" name="Прямоугольник 12"/>
@@ -8930,7 +9015,7 @@
             <p:spPr>
               <a:xfrm>
                 <a:off x="395536" y="4994187"/>
-                <a:ext cx="3852428" cy="955133"/>
+                <a:ext cx="3852428" cy="1105495"/>
               </a:xfrm>
               <a:prstGeom prst="rect">
                 <a:avLst/>
@@ -8938,7 +9023,7 @@
               <a:blipFill rotWithShape="1">
                 <a:blip r:embed="rId8"/>
                 <a:stretch>
-                  <a:fillRect l="-1424" t="-2548" r="-2373" b="-8917"/>
+                  <a:fillRect l="-949" t="-1099" b="-6044"/>
                 </a:stretch>
               </a:blipFill>
             </p:spPr>
@@ -8970,7 +9055,7 @@
 </p:sld>
 </file>
 
-<file path=ppt/slides/slide17.xml><?xml version="1.0" encoding="utf-8"?>
+<file path=ppt/slides/slide16.xml><?xml version="1.0" encoding="utf-8"?>
 <p:sld xmlns:a="http://schemas.openxmlformats.org/drawingml/2006/main" xmlns:r="http://schemas.openxmlformats.org/officeDocument/2006/relationships" xmlns:p="http://schemas.openxmlformats.org/presentationml/2006/main">
   <p:cSld>
     <p:spTree>
@@ -9004,7 +9089,7 @@
           <a:p>
             <a:fld id="{B19B0651-EE4F-4900-A07F-96A6BFA9D0F0}" type="slidenum">
               <a:rPr lang="ru-RU" smtClean="0"/>
-              <a:t>17</a:t>
+              <a:t>16</a:t>
             </a:fld>
             <a:endParaRPr lang="ru-RU"/>
           </a:p>
@@ -9897,7 +9982,7 @@
 </p:sld>
 </file>
 
-<file path=ppt/slides/slide18.xml><?xml version="1.0" encoding="utf-8"?>
+<file path=ppt/slides/slide17.xml><?xml version="1.0" encoding="utf-8"?>
 <p:sld xmlns:a="http://schemas.openxmlformats.org/drawingml/2006/main" xmlns:r="http://schemas.openxmlformats.org/officeDocument/2006/relationships" xmlns:p="http://schemas.openxmlformats.org/presentationml/2006/main">
   <p:cSld>
     <p:spTree>
@@ -9931,787 +10016,14 @@
           <a:p>
             <a:fld id="{B19B0651-EE4F-4900-A07F-96A6BFA9D0F0}" type="slidenum">
               <a:rPr lang="ru-RU" smtClean="0"/>
-              <a:t>18</a:t>
+              <a:t>17</a:t>
             </a:fld>
             <a:endParaRPr lang="ru-RU"/>
           </a:p>
         </p:txBody>
       </p:sp>
-      <p:sp>
-        <p:nvSpPr>
-          <p:cNvPr id="5" name="Заголовок 1"/>
-          <p:cNvSpPr>
-            <a:spLocks noGrp="1"/>
-          </p:cNvSpPr>
-          <p:nvPr>
-            <p:ph type="title"/>
-          </p:nvPr>
-        </p:nvSpPr>
-        <p:spPr>
-          <a:xfrm>
-            <a:off x="457200" y="274638"/>
-            <a:ext cx="8229600" cy="1143000"/>
-          </a:xfrm>
-        </p:spPr>
-        <p:txBody>
-          <a:bodyPr>
-            <a:normAutofit/>
-          </a:bodyPr>
-          <a:lstStyle/>
-          <a:p>
-            <a:r>
-              <a:rPr lang="ru-RU" dirty="0" smtClean="0"/>
-              <a:t>Исследование</a:t>
-            </a:r>
-            <a:endParaRPr lang="ru-RU" dirty="0"/>
-          </a:p>
-        </p:txBody>
-      </p:sp>
-      <p:graphicFrame>
-        <p:nvGraphicFramePr>
-          <p:cNvPr id="6" name="Диаграмма 5"/>
-          <p:cNvGraphicFramePr/>
-          <p:nvPr>
-            <p:extLst>
-              <p:ext uri="{D42A27DB-BD31-4B8C-83A1-F6EECF244321}">
-                <p14:modId xmlns:p14="http://schemas.microsoft.com/office/powerpoint/2010/main" val="1056781502"/>
-              </p:ext>
-            </p:extLst>
-          </p:nvPr>
-        </p:nvGraphicFramePr>
-        <p:xfrm>
-          <a:off x="899592" y="1772816"/>
-          <a:ext cx="7272808" cy="3168352"/>
-        </p:xfrm>
-        <a:graphic>
-          <a:graphicData uri="http://schemas.openxmlformats.org/drawingml/2006/chart">
-            <c:chart xmlns:c="http://schemas.openxmlformats.org/drawingml/2006/chart" xmlns:r="http://schemas.openxmlformats.org/officeDocument/2006/relationships" r:id="rId2"/>
-          </a:graphicData>
-        </a:graphic>
-      </p:graphicFrame>
-      <p:sp>
-        <p:nvSpPr>
-          <p:cNvPr id="8" name="Прямоугольник 7"/>
-          <p:cNvSpPr/>
-          <p:nvPr/>
-        </p:nvSpPr>
-        <p:spPr>
-          <a:xfrm>
-            <a:off x="1137063" y="5013176"/>
-            <a:ext cx="6840760" cy="369332"/>
-          </a:xfrm>
-          <a:prstGeom prst="rect">
-            <a:avLst/>
-          </a:prstGeom>
-        </p:spPr>
-        <p:txBody>
-          <a:bodyPr wrap="square">
-            <a:spAutoFit/>
-          </a:bodyPr>
-          <a:lstStyle/>
-          <a:p>
-            <a:r>
-              <a:rPr lang="ru-RU" dirty="0" smtClean="0"/>
-              <a:t>Рис. 3. Зависимости </a:t>
-            </a:r>
-            <a:r>
-              <a:rPr lang="ru-RU" dirty="0"/>
-              <a:t>расхода газа котлом «К4» от паровой нагрузки.</a:t>
-            </a:r>
-          </a:p>
-        </p:txBody>
-      </p:sp>
-      <p:sp>
-        <p:nvSpPr>
-          <p:cNvPr id="7" name="Прямоугольник 6"/>
-          <p:cNvSpPr/>
-          <p:nvPr/>
-        </p:nvSpPr>
-        <p:spPr>
-          <a:xfrm>
-            <a:off x="1153269" y="5511399"/>
-            <a:ext cx="6840760" cy="369332"/>
-          </a:xfrm>
-          <a:prstGeom prst="rect">
-            <a:avLst/>
-          </a:prstGeom>
-        </p:spPr>
-        <p:txBody>
-          <a:bodyPr wrap="square">
-            <a:spAutoFit/>
-          </a:bodyPr>
-          <a:lstStyle/>
-          <a:p>
-            <a:r>
-              <a:rPr lang="ru-RU" b="1" dirty="0" smtClean="0"/>
-              <a:t>Средний процент расхождения: 1.7%</a:t>
-            </a:r>
-            <a:endParaRPr lang="ru-RU" b="1" dirty="0"/>
-          </a:p>
-        </p:txBody>
-      </p:sp>
-    </p:spTree>
-    <p:extLst>
-      <p:ext uri="{BB962C8B-B14F-4D97-AF65-F5344CB8AC3E}">
-        <p14:creationId xmlns:p14="http://schemas.microsoft.com/office/powerpoint/2010/main" val="4006677646"/>
-      </p:ext>
-    </p:extLst>
-  </p:cSld>
-  <p:clrMapOvr>
-    <a:masterClrMapping/>
-  </p:clrMapOvr>
-</p:sld>
-</file>
-
-<file path=ppt/slides/slide19.xml><?xml version="1.0" encoding="utf-8"?>
-<p:sld xmlns:a="http://schemas.openxmlformats.org/drawingml/2006/main" xmlns:r="http://schemas.openxmlformats.org/officeDocument/2006/relationships" xmlns:p="http://schemas.openxmlformats.org/presentationml/2006/main">
-  <p:cSld>
-    <p:spTree>
-      <p:nvGrpSpPr>
-        <p:cNvPr id="1" name=""/>
-        <p:cNvGrpSpPr/>
-        <p:nvPr/>
-      </p:nvGrpSpPr>
-      <p:grpSpPr>
-        <a:xfrm>
-          <a:off x="0" y="0"/>
-          <a:ext cx="0" cy="0"/>
-          <a:chOff x="0" y="0"/>
-          <a:chExt cx="0" cy="0"/>
-        </a:xfrm>
-      </p:grpSpPr>
-      <p:sp>
-        <p:nvSpPr>
-          <p:cNvPr id="4" name="Номер слайда 3"/>
-          <p:cNvSpPr>
-            <a:spLocks noGrp="1"/>
-          </p:cNvSpPr>
-          <p:nvPr>
-            <p:ph type="sldNum" sz="quarter" idx="12"/>
-          </p:nvPr>
-        </p:nvSpPr>
-        <p:spPr/>
-        <p:txBody>
-          <a:bodyPr/>
-          <a:lstStyle/>
-          <a:p>
-            <a:fld id="{B19B0651-EE4F-4900-A07F-96A6BFA9D0F0}" type="slidenum">
-              <a:rPr lang="ru-RU" smtClean="0"/>
-              <a:t>19</a:t>
-            </a:fld>
-            <a:endParaRPr lang="ru-RU"/>
-          </a:p>
-        </p:txBody>
-      </p:sp>
-      <p:sp>
-        <p:nvSpPr>
-          <p:cNvPr id="5" name="Заголовок 1"/>
-          <p:cNvSpPr>
-            <a:spLocks noGrp="1"/>
-          </p:cNvSpPr>
-          <p:nvPr>
-            <p:ph type="title"/>
-          </p:nvPr>
-        </p:nvSpPr>
-        <p:spPr>
-          <a:xfrm>
-            <a:off x="457200" y="274638"/>
-            <a:ext cx="8229600" cy="1143000"/>
-          </a:xfrm>
-        </p:spPr>
-        <p:txBody>
-          <a:bodyPr>
-            <a:normAutofit/>
-          </a:bodyPr>
-          <a:lstStyle/>
-          <a:p>
-            <a:r>
-              <a:rPr lang="ru-RU" dirty="0" smtClean="0"/>
-              <a:t>Исследование</a:t>
-            </a:r>
-            <a:endParaRPr lang="ru-RU" dirty="0"/>
-          </a:p>
-        </p:txBody>
-      </p:sp>
-      <p:pic>
-        <p:nvPicPr>
-          <p:cNvPr id="6" name="Рисунок 5" descr="C:\Users\ArKuzmin\Desktop\Снимок.PNG"/>
-          <p:cNvPicPr/>
-          <p:nvPr/>
-        </p:nvPicPr>
-        <p:blipFill>
-          <a:blip r:embed="rId2">
-            <a:extLst>
-              <a:ext uri="{28A0092B-C50C-407E-A947-70E740481C1C}">
-                <a14:useLocalDpi xmlns:a14="http://schemas.microsoft.com/office/drawing/2010/main" val="0"/>
-              </a:ext>
-            </a:extLst>
-          </a:blip>
-          <a:srcRect/>
-          <a:stretch>
-            <a:fillRect/>
-          </a:stretch>
-        </p:blipFill>
-        <p:spPr bwMode="auto">
-          <a:xfrm>
-            <a:off x="1043608" y="1700808"/>
-            <a:ext cx="7416824" cy="4464496"/>
-          </a:xfrm>
-          <a:prstGeom prst="rect">
-            <a:avLst/>
-          </a:prstGeom>
-          <a:noFill/>
-          <a:ln>
-            <a:noFill/>
-          </a:ln>
-        </p:spPr>
-      </p:pic>
-      <p:sp>
-        <p:nvSpPr>
-          <p:cNvPr id="7" name="Rectangle 6"/>
-          <p:cNvSpPr/>
-          <p:nvPr/>
-        </p:nvSpPr>
-        <p:spPr>
-          <a:xfrm>
-            <a:off x="1259632" y="6165304"/>
-            <a:ext cx="4176464" cy="338554"/>
-          </a:xfrm>
-          <a:prstGeom prst="rect">
-            <a:avLst/>
-          </a:prstGeom>
-        </p:spPr>
-        <p:txBody>
-          <a:bodyPr wrap="square">
-            <a:spAutoFit/>
-          </a:bodyPr>
-          <a:lstStyle/>
-          <a:p>
-            <a:r>
-              <a:rPr lang="ru-RU" sz="1600" dirty="0" smtClean="0"/>
-              <a:t>Рис.4. Схема сравнения средних</a:t>
-            </a:r>
-            <a:endParaRPr lang="ru-RU" sz="1600" dirty="0"/>
-          </a:p>
-        </p:txBody>
-      </p:sp>
-      <p:sp>
-        <p:nvSpPr>
-          <p:cNvPr id="8" name="Прямоугольник 5"/>
-          <p:cNvSpPr/>
-          <p:nvPr/>
-        </p:nvSpPr>
-        <p:spPr>
-          <a:xfrm>
-            <a:off x="467544" y="1356197"/>
-            <a:ext cx="8136904" cy="338554"/>
-          </a:xfrm>
-          <a:prstGeom prst="rect">
-            <a:avLst/>
-          </a:prstGeom>
-        </p:spPr>
-        <p:txBody>
-          <a:bodyPr wrap="square">
-            <a:spAutoFit/>
-          </a:bodyPr>
-          <a:lstStyle/>
-          <a:p>
-            <a:pPr algn="just"/>
-            <a:r>
-              <a:rPr lang="ru-RU" sz="1600" b="1" dirty="0" smtClean="0"/>
-              <a:t>Дисперсионный анализ – исследование значимости различий в средних значениях.</a:t>
-            </a:r>
-            <a:endParaRPr lang="ru-RU" sz="1600" b="1" dirty="0"/>
-          </a:p>
-        </p:txBody>
-      </p:sp>
-    </p:spTree>
-    <p:extLst>
-      <p:ext uri="{BB962C8B-B14F-4D97-AF65-F5344CB8AC3E}">
-        <p14:creationId xmlns:p14="http://schemas.microsoft.com/office/powerpoint/2010/main" val="4008201987"/>
-      </p:ext>
-    </p:extLst>
-  </p:cSld>
-  <p:clrMapOvr>
-    <a:masterClrMapping/>
-  </p:clrMapOvr>
-</p:sld>
-</file>
-
-<file path=ppt/slides/slide2.xml><?xml version="1.0" encoding="utf-8"?>
-<p:sld xmlns:a="http://schemas.openxmlformats.org/drawingml/2006/main" xmlns:r="http://schemas.openxmlformats.org/officeDocument/2006/relationships" xmlns:p="http://schemas.openxmlformats.org/presentationml/2006/main">
-  <p:cSld>
-    <p:spTree>
-      <p:nvGrpSpPr>
-        <p:cNvPr id="1" name=""/>
-        <p:cNvGrpSpPr/>
-        <p:nvPr/>
-      </p:nvGrpSpPr>
-      <p:grpSpPr>
-        <a:xfrm>
-          <a:off x="0" y="0"/>
-          <a:ext cx="0" cy="0"/>
-          <a:chOff x="0" y="0"/>
-          <a:chExt cx="0" cy="0"/>
-        </a:xfrm>
-      </p:grpSpPr>
-      <p:sp>
-        <p:nvSpPr>
-          <p:cNvPr id="4" name="Заголовок 1"/>
-          <p:cNvSpPr>
-            <a:spLocks noGrp="1"/>
-          </p:cNvSpPr>
-          <p:nvPr>
-            <p:ph type="title"/>
-          </p:nvPr>
-        </p:nvSpPr>
-        <p:spPr>
-          <a:xfrm>
-            <a:off x="457200" y="274638"/>
-            <a:ext cx="8229600" cy="1143000"/>
-          </a:xfrm>
-        </p:spPr>
-        <p:txBody>
-          <a:bodyPr>
-            <a:normAutofit/>
-          </a:bodyPr>
-          <a:lstStyle/>
-          <a:p>
-            <a:r>
-              <a:rPr lang="ru-RU" dirty="0" smtClean="0"/>
-              <a:t>Цель и задачи работы</a:t>
-            </a:r>
-            <a:endParaRPr lang="ru-RU" dirty="0"/>
-          </a:p>
-        </p:txBody>
-      </p:sp>
-      <p:sp>
-        <p:nvSpPr>
-          <p:cNvPr id="6" name="Объект 2"/>
-          <p:cNvSpPr txBox="1">
-            <a:spLocks/>
-          </p:cNvSpPr>
-          <p:nvPr/>
-        </p:nvSpPr>
-        <p:spPr>
-          <a:xfrm>
-            <a:off x="609600" y="1412776"/>
-            <a:ext cx="8229600" cy="5112568"/>
-          </a:xfrm>
-          <a:prstGeom prst="rect">
-            <a:avLst/>
-          </a:prstGeom>
-        </p:spPr>
-        <p:txBody>
-          <a:bodyPr vert="horz" lIns="91440" tIns="45720" rIns="91440" bIns="45720" rtlCol="0">
-            <a:normAutofit fontScale="55000" lnSpcReduction="20000"/>
-          </a:bodyPr>
-          <a:lstStyle>
-            <a:lvl1pPr marL="342900" indent="-342900" algn="l" defTabSz="914400" rtl="0" eaLnBrk="1" latinLnBrk="0" hangingPunct="1">
-              <a:spcBef>
-                <a:spcPct val="20000"/>
-              </a:spcBef>
-              <a:buFont typeface="Arial" pitchFamily="34" charset="0"/>
-              <a:buChar char="•"/>
-              <a:defRPr sz="3200" kern="1200">
-                <a:solidFill>
-                  <a:schemeClr val="tx1"/>
-                </a:solidFill>
-                <a:latin typeface="+mn-lt"/>
-                <a:ea typeface="+mn-ea"/>
-                <a:cs typeface="+mn-cs"/>
-              </a:defRPr>
-            </a:lvl1pPr>
-            <a:lvl2pPr marL="742950" indent="-285750" algn="l" defTabSz="914400" rtl="0" eaLnBrk="1" latinLnBrk="0" hangingPunct="1">
-              <a:spcBef>
-                <a:spcPct val="20000"/>
-              </a:spcBef>
-              <a:buFont typeface="Arial" pitchFamily="34" charset="0"/>
-              <a:buChar char="–"/>
-              <a:defRPr sz="2800" kern="1200">
-                <a:solidFill>
-                  <a:schemeClr val="tx1"/>
-                </a:solidFill>
-                <a:latin typeface="+mn-lt"/>
-                <a:ea typeface="+mn-ea"/>
-                <a:cs typeface="+mn-cs"/>
-              </a:defRPr>
-            </a:lvl2pPr>
-            <a:lvl3pPr marL="1143000" indent="-228600" algn="l" defTabSz="914400" rtl="0" eaLnBrk="1" latinLnBrk="0" hangingPunct="1">
-              <a:spcBef>
-                <a:spcPct val="20000"/>
-              </a:spcBef>
-              <a:buFont typeface="Arial" pitchFamily="34" charset="0"/>
-              <a:buChar char="•"/>
-              <a:defRPr sz="2400" kern="1200">
-                <a:solidFill>
-                  <a:schemeClr val="tx1"/>
-                </a:solidFill>
-                <a:latin typeface="+mn-lt"/>
-                <a:ea typeface="+mn-ea"/>
-                <a:cs typeface="+mn-cs"/>
-              </a:defRPr>
-            </a:lvl3pPr>
-            <a:lvl4pPr marL="1600200" indent="-228600" algn="l" defTabSz="914400" rtl="0" eaLnBrk="1" latinLnBrk="0" hangingPunct="1">
-              <a:spcBef>
-                <a:spcPct val="20000"/>
-              </a:spcBef>
-              <a:buFont typeface="Arial" pitchFamily="34" charset="0"/>
-              <a:buChar char="–"/>
-              <a:defRPr sz="2000" kern="1200">
-                <a:solidFill>
-                  <a:schemeClr val="tx1"/>
-                </a:solidFill>
-                <a:latin typeface="+mn-lt"/>
-                <a:ea typeface="+mn-ea"/>
-                <a:cs typeface="+mn-cs"/>
-              </a:defRPr>
-            </a:lvl4pPr>
-            <a:lvl5pPr marL="2057400" indent="-228600" algn="l" defTabSz="914400" rtl="0" eaLnBrk="1" latinLnBrk="0" hangingPunct="1">
-              <a:spcBef>
-                <a:spcPct val="20000"/>
-              </a:spcBef>
-              <a:buFont typeface="Arial" pitchFamily="34" charset="0"/>
-              <a:buChar char="»"/>
-              <a:defRPr sz="2000" kern="1200">
-                <a:solidFill>
-                  <a:schemeClr val="tx1"/>
-                </a:solidFill>
-                <a:latin typeface="+mn-lt"/>
-                <a:ea typeface="+mn-ea"/>
-                <a:cs typeface="+mn-cs"/>
-              </a:defRPr>
-            </a:lvl5pPr>
-            <a:lvl6pPr marL="2514600" indent="-228600" algn="l" defTabSz="914400" rtl="0" eaLnBrk="1" latinLnBrk="0" hangingPunct="1">
-              <a:spcBef>
-                <a:spcPct val="20000"/>
-              </a:spcBef>
-              <a:buFont typeface="Arial" pitchFamily="34" charset="0"/>
-              <a:buChar char="•"/>
-              <a:defRPr sz="2000" kern="1200">
-                <a:solidFill>
-                  <a:schemeClr val="tx1"/>
-                </a:solidFill>
-                <a:latin typeface="+mn-lt"/>
-                <a:ea typeface="+mn-ea"/>
-                <a:cs typeface="+mn-cs"/>
-              </a:defRPr>
-            </a:lvl6pPr>
-            <a:lvl7pPr marL="2971800" indent="-228600" algn="l" defTabSz="914400" rtl="0" eaLnBrk="1" latinLnBrk="0" hangingPunct="1">
-              <a:spcBef>
-                <a:spcPct val="20000"/>
-              </a:spcBef>
-              <a:buFont typeface="Arial" pitchFamily="34" charset="0"/>
-              <a:buChar char="•"/>
-              <a:defRPr sz="2000" kern="1200">
-                <a:solidFill>
-                  <a:schemeClr val="tx1"/>
-                </a:solidFill>
-                <a:latin typeface="+mn-lt"/>
-                <a:ea typeface="+mn-ea"/>
-                <a:cs typeface="+mn-cs"/>
-              </a:defRPr>
-            </a:lvl7pPr>
-            <a:lvl8pPr marL="3429000" indent="-228600" algn="l" defTabSz="914400" rtl="0" eaLnBrk="1" latinLnBrk="0" hangingPunct="1">
-              <a:spcBef>
-                <a:spcPct val="20000"/>
-              </a:spcBef>
-              <a:buFont typeface="Arial" pitchFamily="34" charset="0"/>
-              <a:buChar char="•"/>
-              <a:defRPr sz="2000" kern="1200">
-                <a:solidFill>
-                  <a:schemeClr val="tx1"/>
-                </a:solidFill>
-                <a:latin typeface="+mn-lt"/>
-                <a:ea typeface="+mn-ea"/>
-                <a:cs typeface="+mn-cs"/>
-              </a:defRPr>
-            </a:lvl8pPr>
-            <a:lvl9pPr marL="3886200" indent="-228600" algn="l" defTabSz="914400" rtl="0" eaLnBrk="1" latinLnBrk="0" hangingPunct="1">
-              <a:spcBef>
-                <a:spcPct val="20000"/>
-              </a:spcBef>
-              <a:buFont typeface="Arial" pitchFamily="34" charset="0"/>
-              <a:buChar char="•"/>
-              <a:defRPr sz="2000" kern="1200">
-                <a:solidFill>
-                  <a:schemeClr val="tx1"/>
-                </a:solidFill>
-                <a:latin typeface="+mn-lt"/>
-                <a:ea typeface="+mn-ea"/>
-                <a:cs typeface="+mn-cs"/>
-              </a:defRPr>
-            </a:lvl9pPr>
-          </a:lstStyle>
-          <a:p>
-            <a:pPr marL="0" indent="0" algn="just">
-              <a:buNone/>
-            </a:pPr>
-            <a:r>
-              <a:rPr lang="ru-RU" sz="3400" b="1" dirty="0" smtClean="0"/>
-              <a:t>Цель работы – </a:t>
-            </a:r>
-            <a:r>
-              <a:rPr lang="ru-RU" sz="3400" dirty="0" smtClean="0"/>
-              <a:t>разработка метода многокритериальной оптимизации режимов работы котельного отделения электростанции и его исследование на примере котельного отделения ТЭЦ-20 Мосэнерго .</a:t>
-            </a:r>
-            <a:endParaRPr lang="ru-RU" sz="3400" dirty="0" smtClean="0">
-              <a:solidFill>
-                <a:srgbClr val="FF0000"/>
-              </a:solidFill>
-            </a:endParaRPr>
-          </a:p>
-          <a:p>
-            <a:pPr marL="0" indent="0">
-              <a:buFont typeface="Arial" pitchFamily="34" charset="0"/>
-              <a:buNone/>
-            </a:pPr>
-            <a:endParaRPr lang="ru-RU" sz="3400" b="1" dirty="0" smtClean="0"/>
-          </a:p>
-          <a:p>
-            <a:pPr marL="0" indent="0">
-              <a:buFont typeface="Arial" pitchFamily="34" charset="0"/>
-              <a:buNone/>
-            </a:pPr>
-            <a:r>
-              <a:rPr lang="ru-RU" sz="3400" b="1" dirty="0" smtClean="0"/>
-              <a:t>Решаемые задачи:</a:t>
-            </a:r>
-          </a:p>
-          <a:p>
-            <a:pPr marL="514350" indent="-514350" algn="just">
-              <a:buFont typeface="+mj-lt"/>
-              <a:buAutoNum type="arabicPeriod"/>
-            </a:pPr>
-            <a:r>
-              <a:rPr lang="ru-RU" sz="3400" dirty="0" smtClean="0"/>
-              <a:t>Анализ существующих оптимизационных продуктов и решений;</a:t>
-            </a:r>
-          </a:p>
-          <a:p>
-            <a:pPr marL="514350" indent="-514350" algn="just">
-              <a:buFont typeface="+mj-lt"/>
-              <a:buAutoNum type="arabicPeriod"/>
-            </a:pPr>
-            <a:r>
-              <a:rPr lang="ru-RU" sz="3400" dirty="0" smtClean="0"/>
-              <a:t>Анализ существующих алгоритмов оптимизации и выбор одного из них для реализации;</a:t>
-            </a:r>
-          </a:p>
-          <a:p>
-            <a:pPr marL="514350" indent="-514350" algn="just">
-              <a:buFont typeface="+mj-lt"/>
-              <a:buAutoNum type="arabicPeriod"/>
-            </a:pPr>
-            <a:r>
-              <a:rPr lang="ru-RU" sz="3400" dirty="0" smtClean="0"/>
-              <a:t>Выделение параметров и ограничений, необходимых для построения математической модели;</a:t>
-            </a:r>
-          </a:p>
-          <a:p>
-            <a:pPr marL="514350" indent="-514350" algn="just">
-              <a:buFont typeface="+mj-lt"/>
-              <a:buAutoNum type="arabicPeriod"/>
-            </a:pPr>
-            <a:r>
-              <a:rPr lang="ru-RU" sz="3400" dirty="0" smtClean="0"/>
-              <a:t>Формулирование используемых критериев оптимизации;</a:t>
-            </a:r>
-          </a:p>
-          <a:p>
-            <a:pPr marL="514350" indent="-514350" algn="just">
-              <a:buFont typeface="+mj-lt"/>
-              <a:buAutoNum type="arabicPeriod"/>
-            </a:pPr>
-            <a:r>
-              <a:rPr lang="ru-RU" sz="3400" dirty="0" smtClean="0"/>
-              <a:t>Формулирование целевой функции многокритериальной оптимизации;</a:t>
-            </a:r>
-          </a:p>
-          <a:p>
-            <a:pPr marL="514350" indent="-514350" algn="just">
-              <a:buFont typeface="+mj-lt"/>
-              <a:buAutoNum type="arabicPeriod"/>
-            </a:pPr>
-            <a:r>
-              <a:rPr lang="ru-RU" sz="3400" dirty="0" smtClean="0"/>
-              <a:t>Построение математической модели;</a:t>
-            </a:r>
-          </a:p>
-          <a:p>
-            <a:pPr marL="514350" indent="-514350" algn="just">
-              <a:buFont typeface="+mj-lt"/>
-              <a:buAutoNum type="arabicPeriod"/>
-            </a:pPr>
-            <a:r>
-              <a:rPr lang="ru-RU" sz="3400" dirty="0" smtClean="0"/>
-              <a:t>Разработка метода многокритериальной оптимизации;</a:t>
-            </a:r>
-          </a:p>
-          <a:p>
-            <a:pPr marL="514350" indent="-514350" algn="just">
-              <a:buFont typeface="+mj-lt"/>
-              <a:buAutoNum type="arabicPeriod"/>
-            </a:pPr>
-            <a:r>
-              <a:rPr lang="ru-RU" sz="3400" dirty="0" smtClean="0"/>
-              <a:t>Разработка программного продукта на основе данного метода;</a:t>
-            </a:r>
-            <a:endParaRPr lang="en-US" sz="3400" dirty="0" smtClean="0"/>
-          </a:p>
-          <a:p>
-            <a:pPr marL="514350" indent="-514350" algn="just">
-              <a:buFont typeface="+mj-lt"/>
-              <a:buAutoNum type="arabicPeriod"/>
-            </a:pPr>
-            <a:r>
-              <a:rPr lang="ru-RU" sz="3400" dirty="0" smtClean="0"/>
-              <a:t>Исследование разработанного метода и сравнение полученных результатов с другими известными результатами</a:t>
-            </a:r>
-          </a:p>
-          <a:p>
-            <a:pPr marL="514350" indent="-514350" algn="just">
-              <a:buFont typeface="+mj-lt"/>
-              <a:buAutoNum type="arabicPeriod"/>
-            </a:pPr>
-            <a:endParaRPr lang="ru-RU" sz="3400" dirty="0" smtClean="0"/>
-          </a:p>
-          <a:p>
-            <a:pPr marL="514350" indent="-514350" algn="just">
-              <a:buFont typeface="+mj-lt"/>
-              <a:buAutoNum type="arabicPeriod"/>
-            </a:pPr>
-            <a:endParaRPr lang="ru-RU" b="1" dirty="0" smtClean="0"/>
-          </a:p>
-          <a:p>
-            <a:pPr marL="0" indent="0">
-              <a:buFont typeface="Arial" pitchFamily="34" charset="0"/>
-              <a:buNone/>
-            </a:pPr>
-            <a:endParaRPr lang="ru-RU" b="1" dirty="0"/>
-          </a:p>
-        </p:txBody>
-      </p:sp>
-      <p:sp>
-        <p:nvSpPr>
-          <p:cNvPr id="5" name="Номер слайда 3"/>
-          <p:cNvSpPr>
-            <a:spLocks noGrp="1"/>
-          </p:cNvSpPr>
-          <p:nvPr>
-            <p:ph type="sldNum" sz="quarter" idx="12"/>
-          </p:nvPr>
-        </p:nvSpPr>
-        <p:spPr>
-          <a:xfrm>
-            <a:off x="6553200" y="6356350"/>
-            <a:ext cx="2133600" cy="365125"/>
-          </a:xfrm>
-        </p:spPr>
-        <p:txBody>
-          <a:bodyPr/>
-          <a:lstStyle/>
-          <a:p>
-            <a:fld id="{B19B0651-EE4F-4900-A07F-96A6BFA9D0F0}" type="slidenum">
-              <a:rPr lang="ru-RU" smtClean="0"/>
-              <a:t>2</a:t>
-            </a:fld>
-            <a:endParaRPr lang="ru-RU" dirty="0"/>
-          </a:p>
-        </p:txBody>
-      </p:sp>
-    </p:spTree>
-    <p:extLst>
-      <p:ext uri="{BB962C8B-B14F-4D97-AF65-F5344CB8AC3E}">
-        <p14:creationId xmlns:p14="http://schemas.microsoft.com/office/powerpoint/2010/main" val="1596185814"/>
-      </p:ext>
-    </p:extLst>
-  </p:cSld>
-  <p:clrMapOvr>
-    <a:masterClrMapping/>
-  </p:clrMapOvr>
-  <p:timing>
-    <p:tnLst>
-      <p:par>
-        <p:cTn id="1" dur="indefinite" restart="never" nodeType="tmRoot"/>
-      </p:par>
-    </p:tnLst>
-  </p:timing>
-</p:sld>
-</file>
-
-<file path=ppt/slides/slide20.xml><?xml version="1.0" encoding="utf-8"?>
-<p:sld xmlns:a="http://schemas.openxmlformats.org/drawingml/2006/main" xmlns:r="http://schemas.openxmlformats.org/officeDocument/2006/relationships" xmlns:p="http://schemas.openxmlformats.org/presentationml/2006/main">
-  <p:cSld>
-    <p:spTree>
-      <p:nvGrpSpPr>
-        <p:cNvPr id="1" name=""/>
-        <p:cNvGrpSpPr/>
-        <p:nvPr/>
-      </p:nvGrpSpPr>
-      <p:grpSpPr>
-        <a:xfrm>
-          <a:off x="0" y="0"/>
-          <a:ext cx="0" cy="0"/>
-          <a:chOff x="0" y="0"/>
-          <a:chExt cx="0" cy="0"/>
-        </a:xfrm>
-      </p:grpSpPr>
-      <p:sp>
-        <p:nvSpPr>
-          <p:cNvPr id="4" name="Номер слайда 3"/>
-          <p:cNvSpPr>
-            <a:spLocks noGrp="1"/>
-          </p:cNvSpPr>
-          <p:nvPr>
-            <p:ph type="sldNum" sz="quarter" idx="12"/>
-          </p:nvPr>
-        </p:nvSpPr>
-        <p:spPr/>
-        <p:txBody>
-          <a:bodyPr/>
-          <a:lstStyle/>
-          <a:p>
-            <a:fld id="{B19B0651-EE4F-4900-A07F-96A6BFA9D0F0}" type="slidenum">
-              <a:rPr lang="ru-RU" smtClean="0"/>
-              <a:t>20</a:t>
-            </a:fld>
-            <a:endParaRPr lang="ru-RU"/>
-          </a:p>
-        </p:txBody>
-      </p:sp>
-      <p:sp>
-        <p:nvSpPr>
-          <p:cNvPr id="5" name="Заголовок 1"/>
-          <p:cNvSpPr>
-            <a:spLocks noGrp="1"/>
-          </p:cNvSpPr>
-          <p:nvPr>
-            <p:ph type="title"/>
-          </p:nvPr>
-        </p:nvSpPr>
-        <p:spPr>
-          <a:xfrm>
-            <a:off x="457200" y="274638"/>
-            <a:ext cx="8229600" cy="1143000"/>
-          </a:xfrm>
-        </p:spPr>
-        <p:txBody>
-          <a:bodyPr>
-            <a:normAutofit/>
-          </a:bodyPr>
-          <a:lstStyle/>
-          <a:p>
-            <a:r>
-              <a:rPr lang="ru-RU" dirty="0" smtClean="0"/>
-              <a:t>Исследование</a:t>
-            </a:r>
-            <a:endParaRPr lang="ru-RU" dirty="0"/>
-          </a:p>
-        </p:txBody>
-      </p:sp>
-      <mc:AlternateContent xmlns:mc="http://schemas.openxmlformats.org/markup-compatibility/2006" xmlns:a14="http://schemas.microsoft.com/office/drawing/2010/main">
-        <mc:Choice Requires="a14">
+      <mc:AlternateContent xmlns:mc="http://schemas.openxmlformats.org/markup-compatibility/2006">
+        <mc:Choice xmlns:a14="http://schemas.microsoft.com/office/drawing/2010/main" Requires="a14">
           <p:sp>
             <p:nvSpPr>
               <p:cNvPr id="7" name="Прямоугольник 6"/>
@@ -10720,7 +10032,7 @@
             </p:nvSpPr>
             <p:spPr>
               <a:xfrm>
-                <a:off x="251520" y="1340768"/>
+                <a:off x="406470" y="2348880"/>
                 <a:ext cx="8568952" cy="905056"/>
               </a:xfrm>
               <a:prstGeom prst="rect">
@@ -10961,7 +10273,7 @@
             </p:txBody>
           </p:sp>
         </mc:Choice>
-        <mc:Fallback xmlns="">
+        <mc:Fallback>
           <p:sp>
             <p:nvSpPr>
               <p:cNvPr id="7" name="Прямоугольник 6"/>
@@ -10972,7 +10284,7 @@
             </p:nvSpPr>
             <p:spPr>
               <a:xfrm>
-                <a:off x="251520" y="1340768"/>
+                <a:off x="406470" y="2348880"/>
                 <a:ext cx="8568952" cy="905056"/>
               </a:xfrm>
               <a:prstGeom prst="rect">
@@ -10981,7 +10293,7 @@
               <a:blipFill rotWithShape="1">
                 <a:blip r:embed="rId2"/>
                 <a:stretch>
-                  <a:fillRect l="-569" t="-3378"/>
+                  <a:fillRect l="-641" t="-3356"/>
                 </a:stretch>
               </a:blipFill>
             </p:spPr>
@@ -11000,2365 +10312,8 @@
           </p:sp>
         </mc:Fallback>
       </mc:AlternateContent>
-      <p:graphicFrame>
-        <p:nvGraphicFramePr>
-          <p:cNvPr id="10" name="Таблица 9"/>
-          <p:cNvGraphicFramePr>
-            <a:graphicFrameLocks noGrp="1"/>
-          </p:cNvGraphicFramePr>
-          <p:nvPr>
-            <p:extLst>
-              <p:ext uri="{D42A27DB-BD31-4B8C-83A1-F6EECF244321}">
-                <p14:modId xmlns:p14="http://schemas.microsoft.com/office/powerpoint/2010/main" val="2428967967"/>
-              </p:ext>
-            </p:extLst>
-          </p:nvPr>
-        </p:nvGraphicFramePr>
-        <p:xfrm>
-          <a:off x="467545" y="2612286"/>
-          <a:ext cx="8352927" cy="3017520"/>
-        </p:xfrm>
-        <a:graphic>
-          <a:graphicData uri="http://schemas.openxmlformats.org/drawingml/2006/table">
-            <a:tbl>
-              <a:tblPr firstRow="1" firstCol="1" bandRow="1"/>
-              <a:tblGrid>
-                <a:gridCol w="1702702"/>
-                <a:gridCol w="1595356"/>
-                <a:gridCol w="1640738"/>
-                <a:gridCol w="1746339"/>
-                <a:gridCol w="1667792"/>
-              </a:tblGrid>
-              <a:tr h="0">
-                <a:tc>
-                  <a:txBody>
-                    <a:bodyPr/>
-                    <a:lstStyle/>
-                    <a:p>
-                      <a:pPr indent="457200" algn="just">
-                        <a:lnSpc>
-                          <a:spcPct val="150000"/>
-                        </a:lnSpc>
-                        <a:spcAft>
-                          <a:spcPts val="600"/>
-                        </a:spcAft>
-                      </a:pPr>
-                      <a:r>
-                        <a:rPr lang="ru-RU" sz="1200" b="1" dirty="0">
-                          <a:effectLst/>
-                          <a:latin typeface="Times New Roman"/>
-                          <a:ea typeface="Times New Roman"/>
-                        </a:rPr>
-                        <a:t>№</a:t>
-                      </a:r>
-                      <a:endParaRPr lang="ru-RU" sz="1400" dirty="0">
-                        <a:effectLst/>
-                        <a:latin typeface="Times New Roman"/>
-                        <a:ea typeface="Times New Roman"/>
-                      </a:endParaRPr>
-                    </a:p>
-                  </a:txBody>
-                  <a:tcPr marL="68580" marR="68580" marT="0" marB="0">
-                    <a:lnL w="12700" cap="flat" cmpd="sng" algn="ctr">
-                      <a:solidFill>
-                        <a:srgbClr val="000000"/>
-                      </a:solidFill>
-                      <a:prstDash val="solid"/>
-                      <a:round/>
-                      <a:headEnd type="none" w="med" len="med"/>
-                      <a:tailEnd type="none" w="med" len="med"/>
-                    </a:lnL>
-                    <a:lnR w="12700" cap="flat" cmpd="sng" algn="ctr">
-                      <a:solidFill>
-                        <a:srgbClr val="000000"/>
-                      </a:solidFill>
-                      <a:prstDash val="solid"/>
-                      <a:round/>
-                      <a:headEnd type="none" w="med" len="med"/>
-                      <a:tailEnd type="none" w="med" len="med"/>
-                    </a:lnR>
-                    <a:lnT w="12700" cap="flat" cmpd="sng" algn="ctr">
-                      <a:solidFill>
-                        <a:srgbClr val="000000"/>
-                      </a:solidFill>
-                      <a:prstDash val="solid"/>
-                      <a:round/>
-                      <a:headEnd type="none" w="med" len="med"/>
-                      <a:tailEnd type="none" w="med" len="med"/>
-                    </a:lnT>
-                    <a:lnB w="12700" cap="flat" cmpd="sng" algn="ctr">
-                      <a:solidFill>
-                        <a:srgbClr val="000000"/>
-                      </a:solidFill>
-                      <a:prstDash val="solid"/>
-                      <a:round/>
-                      <a:headEnd type="none" w="med" len="med"/>
-                      <a:tailEnd type="none" w="med" len="med"/>
-                    </a:lnB>
-                  </a:tcPr>
-                </a:tc>
-                <a:tc>
-                  <a:txBody>
-                    <a:bodyPr/>
-                    <a:lstStyle/>
-                    <a:p>
-                      <a:pPr indent="457200" algn="just">
-                        <a:lnSpc>
-                          <a:spcPct val="150000"/>
-                        </a:lnSpc>
-                        <a:spcAft>
-                          <a:spcPts val="600"/>
-                        </a:spcAft>
-                      </a:pPr>
-                      <a:r>
-                        <a:rPr lang="ru-RU" sz="1200" b="1" dirty="0">
-                          <a:effectLst/>
-                          <a:latin typeface="Times New Roman"/>
-                          <a:ea typeface="Times New Roman"/>
-                        </a:rPr>
-                        <a:t>Расход газа («</a:t>
-                      </a:r>
-                      <a:r>
-                        <a:rPr lang="en-US" sz="1200" b="1" dirty="0">
-                          <a:effectLst/>
-                          <a:latin typeface="Times New Roman"/>
-                          <a:ea typeface="Times New Roman"/>
-                        </a:rPr>
-                        <a:t>I</a:t>
-                      </a:r>
-                      <a:r>
-                        <a:rPr lang="ru-RU" sz="1200" b="1" dirty="0">
-                          <a:effectLst/>
-                          <a:latin typeface="Times New Roman"/>
-                          <a:ea typeface="Times New Roman"/>
-                        </a:rPr>
-                        <a:t>4</a:t>
-                      </a:r>
-                      <a:r>
-                        <a:rPr lang="en-US" sz="1200" b="1" dirty="0">
-                          <a:effectLst/>
-                          <a:latin typeface="Times New Roman"/>
-                          <a:ea typeface="Times New Roman"/>
-                        </a:rPr>
-                        <a:t>Plan</a:t>
-                      </a:r>
-                      <a:r>
-                        <a:rPr lang="ru-RU" sz="1200" b="1" dirty="0">
-                          <a:effectLst/>
-                          <a:latin typeface="Times New Roman"/>
-                          <a:ea typeface="Times New Roman"/>
-                        </a:rPr>
-                        <a:t>»), [тыс.нм</a:t>
-                      </a:r>
-                      <a:r>
-                        <a:rPr lang="ru-RU" sz="1200" b="1" baseline="30000" dirty="0">
-                          <a:effectLst/>
-                          <a:latin typeface="Times New Roman"/>
-                          <a:ea typeface="Times New Roman"/>
-                        </a:rPr>
-                        <a:t>3</a:t>
-                      </a:r>
-                      <a:r>
-                        <a:rPr lang="ru-RU" sz="1200" b="1" dirty="0">
-                          <a:effectLst/>
-                          <a:latin typeface="Times New Roman"/>
-                          <a:ea typeface="Times New Roman"/>
-                        </a:rPr>
-                        <a:t>/час]</a:t>
-                      </a:r>
-                      <a:endParaRPr lang="ru-RU" sz="1400" dirty="0">
-                        <a:effectLst/>
-                        <a:latin typeface="Times New Roman"/>
-                        <a:ea typeface="Times New Roman"/>
-                      </a:endParaRPr>
-                    </a:p>
-                  </a:txBody>
-                  <a:tcPr marL="68580" marR="68580" marT="0" marB="0">
-                    <a:lnL w="12700" cap="flat" cmpd="sng" algn="ctr">
-                      <a:solidFill>
-                        <a:srgbClr val="000000"/>
-                      </a:solidFill>
-                      <a:prstDash val="solid"/>
-                      <a:round/>
-                      <a:headEnd type="none" w="med" len="med"/>
-                      <a:tailEnd type="none" w="med" len="med"/>
-                    </a:lnL>
-                    <a:lnR w="12700" cap="flat" cmpd="sng" algn="ctr">
-                      <a:solidFill>
-                        <a:srgbClr val="000000"/>
-                      </a:solidFill>
-                      <a:prstDash val="solid"/>
-                      <a:round/>
-                      <a:headEnd type="none" w="med" len="med"/>
-                      <a:tailEnd type="none" w="med" len="med"/>
-                    </a:lnR>
-                    <a:lnT w="12700" cap="flat" cmpd="sng" algn="ctr">
-                      <a:solidFill>
-                        <a:srgbClr val="000000"/>
-                      </a:solidFill>
-                      <a:prstDash val="solid"/>
-                      <a:round/>
-                      <a:headEnd type="none" w="med" len="med"/>
-                      <a:tailEnd type="none" w="med" len="med"/>
-                    </a:lnT>
-                    <a:lnB w="12700" cap="flat" cmpd="sng" algn="ctr">
-                      <a:solidFill>
-                        <a:srgbClr val="000000"/>
-                      </a:solidFill>
-                      <a:prstDash val="solid"/>
-                      <a:round/>
-                      <a:headEnd type="none" w="med" len="med"/>
-                      <a:tailEnd type="none" w="med" len="med"/>
-                    </a:lnB>
-                  </a:tcPr>
-                </a:tc>
-                <a:tc>
-                  <a:txBody>
-                    <a:bodyPr/>
-                    <a:lstStyle/>
-                    <a:p>
-                      <a:pPr indent="457200" algn="just">
-                        <a:lnSpc>
-                          <a:spcPct val="150000"/>
-                        </a:lnSpc>
-                        <a:spcAft>
-                          <a:spcPts val="600"/>
-                        </a:spcAft>
-                      </a:pPr>
-                      <a:r>
-                        <a:rPr lang="ru-RU" sz="1200" b="1">
-                          <a:effectLst/>
-                          <a:latin typeface="Times New Roman"/>
-                          <a:ea typeface="Times New Roman"/>
-                        </a:rPr>
-                        <a:t>Ранг «</a:t>
-                      </a:r>
-                      <a:r>
-                        <a:rPr lang="en-US" sz="1200" b="1">
-                          <a:effectLst/>
-                          <a:latin typeface="Times New Roman"/>
-                          <a:ea typeface="Times New Roman"/>
-                        </a:rPr>
-                        <a:t>I4Plan</a:t>
-                      </a:r>
-                      <a:r>
-                        <a:rPr lang="ru-RU" sz="1200" b="1">
-                          <a:effectLst/>
-                          <a:latin typeface="Times New Roman"/>
-                          <a:ea typeface="Times New Roman"/>
-                        </a:rPr>
-                        <a:t>»</a:t>
-                      </a:r>
-                      <a:endParaRPr lang="ru-RU" sz="1400">
-                        <a:effectLst/>
-                        <a:latin typeface="Times New Roman"/>
-                        <a:ea typeface="Times New Roman"/>
-                      </a:endParaRPr>
-                    </a:p>
-                  </a:txBody>
-                  <a:tcPr marL="68580" marR="68580" marT="0" marB="0">
-                    <a:lnL w="12700" cap="flat" cmpd="sng" algn="ctr">
-                      <a:solidFill>
-                        <a:srgbClr val="000000"/>
-                      </a:solidFill>
-                      <a:prstDash val="solid"/>
-                      <a:round/>
-                      <a:headEnd type="none" w="med" len="med"/>
-                      <a:tailEnd type="none" w="med" len="med"/>
-                    </a:lnL>
-                    <a:lnR w="12700" cap="flat" cmpd="sng" algn="ctr">
-                      <a:solidFill>
-                        <a:srgbClr val="000000"/>
-                      </a:solidFill>
-                      <a:prstDash val="solid"/>
-                      <a:round/>
-                      <a:headEnd type="none" w="med" len="med"/>
-                      <a:tailEnd type="none" w="med" len="med"/>
-                    </a:lnR>
-                    <a:lnT w="12700" cap="flat" cmpd="sng" algn="ctr">
-                      <a:solidFill>
-                        <a:srgbClr val="000000"/>
-                      </a:solidFill>
-                      <a:prstDash val="solid"/>
-                      <a:round/>
-                      <a:headEnd type="none" w="med" len="med"/>
-                      <a:tailEnd type="none" w="med" len="med"/>
-                    </a:lnT>
-                    <a:lnB w="12700" cap="flat" cmpd="sng" algn="ctr">
-                      <a:solidFill>
-                        <a:srgbClr val="000000"/>
-                      </a:solidFill>
-                      <a:prstDash val="solid"/>
-                      <a:round/>
-                      <a:headEnd type="none" w="med" len="med"/>
-                      <a:tailEnd type="none" w="med" len="med"/>
-                    </a:lnB>
-                  </a:tcPr>
-                </a:tc>
-                <a:tc>
-                  <a:txBody>
-                    <a:bodyPr/>
-                    <a:lstStyle/>
-                    <a:p>
-                      <a:pPr indent="457200" algn="just">
-                        <a:lnSpc>
-                          <a:spcPct val="150000"/>
-                        </a:lnSpc>
-                        <a:spcAft>
-                          <a:spcPts val="600"/>
-                        </a:spcAft>
-                      </a:pPr>
-                      <a:r>
-                        <a:rPr lang="ru-RU" sz="1200" b="1">
-                          <a:effectLst/>
-                          <a:latin typeface="Times New Roman"/>
-                          <a:ea typeface="Times New Roman"/>
-                        </a:rPr>
-                        <a:t>Расход газа (разработанный программный продукт), [тыс.нм</a:t>
-                      </a:r>
-                      <a:r>
-                        <a:rPr lang="ru-RU" sz="1200" b="1" baseline="30000">
-                          <a:effectLst/>
-                          <a:latin typeface="Times New Roman"/>
-                          <a:ea typeface="Times New Roman"/>
-                        </a:rPr>
-                        <a:t>3</a:t>
-                      </a:r>
-                      <a:r>
-                        <a:rPr lang="ru-RU" sz="1200" b="1">
-                          <a:effectLst/>
-                          <a:latin typeface="Times New Roman"/>
-                          <a:ea typeface="Times New Roman"/>
-                        </a:rPr>
-                        <a:t>/час]</a:t>
-                      </a:r>
-                      <a:endParaRPr lang="ru-RU" sz="1400">
-                        <a:effectLst/>
-                        <a:latin typeface="Times New Roman"/>
-                        <a:ea typeface="Times New Roman"/>
-                      </a:endParaRPr>
-                    </a:p>
-                  </a:txBody>
-                  <a:tcPr marL="68580" marR="68580" marT="0" marB="0">
-                    <a:lnL w="12700" cap="flat" cmpd="sng" algn="ctr">
-                      <a:solidFill>
-                        <a:srgbClr val="000000"/>
-                      </a:solidFill>
-                      <a:prstDash val="solid"/>
-                      <a:round/>
-                      <a:headEnd type="none" w="med" len="med"/>
-                      <a:tailEnd type="none" w="med" len="med"/>
-                    </a:lnL>
-                    <a:lnR w="12700" cap="flat" cmpd="sng" algn="ctr">
-                      <a:solidFill>
-                        <a:srgbClr val="000000"/>
-                      </a:solidFill>
-                      <a:prstDash val="solid"/>
-                      <a:round/>
-                      <a:headEnd type="none" w="med" len="med"/>
-                      <a:tailEnd type="none" w="med" len="med"/>
-                    </a:lnR>
-                    <a:lnT w="12700" cap="flat" cmpd="sng" algn="ctr">
-                      <a:solidFill>
-                        <a:srgbClr val="000000"/>
-                      </a:solidFill>
-                      <a:prstDash val="solid"/>
-                      <a:round/>
-                      <a:headEnd type="none" w="med" len="med"/>
-                      <a:tailEnd type="none" w="med" len="med"/>
-                    </a:lnT>
-                    <a:lnB w="12700" cap="flat" cmpd="sng" algn="ctr">
-                      <a:solidFill>
-                        <a:srgbClr val="000000"/>
-                      </a:solidFill>
-                      <a:prstDash val="solid"/>
-                      <a:round/>
-                      <a:headEnd type="none" w="med" len="med"/>
-                      <a:tailEnd type="none" w="med" len="med"/>
-                    </a:lnB>
-                  </a:tcPr>
-                </a:tc>
-                <a:tc>
-                  <a:txBody>
-                    <a:bodyPr/>
-                    <a:lstStyle/>
-                    <a:p>
-                      <a:pPr indent="457200" algn="just">
-                        <a:lnSpc>
-                          <a:spcPct val="150000"/>
-                        </a:lnSpc>
-                        <a:spcAft>
-                          <a:spcPts val="600"/>
-                        </a:spcAft>
-                      </a:pPr>
-                      <a:r>
-                        <a:rPr lang="ru-RU" sz="1200" b="1">
-                          <a:effectLst/>
-                          <a:latin typeface="Times New Roman"/>
-                          <a:ea typeface="Times New Roman"/>
-                        </a:rPr>
-                        <a:t>Ранг значений разработанного программного продукта</a:t>
-                      </a:r>
-                      <a:endParaRPr lang="ru-RU" sz="1400">
-                        <a:effectLst/>
-                        <a:latin typeface="Times New Roman"/>
-                        <a:ea typeface="Times New Roman"/>
-                      </a:endParaRPr>
-                    </a:p>
-                  </a:txBody>
-                  <a:tcPr marL="68580" marR="68580" marT="0" marB="0">
-                    <a:lnL w="12700" cap="flat" cmpd="sng" algn="ctr">
-                      <a:solidFill>
-                        <a:srgbClr val="000000"/>
-                      </a:solidFill>
-                      <a:prstDash val="solid"/>
-                      <a:round/>
-                      <a:headEnd type="none" w="med" len="med"/>
-                      <a:tailEnd type="none" w="med" len="med"/>
-                    </a:lnL>
-                    <a:lnR w="12700" cap="flat" cmpd="sng" algn="ctr">
-                      <a:solidFill>
-                        <a:srgbClr val="000000"/>
-                      </a:solidFill>
-                      <a:prstDash val="solid"/>
-                      <a:round/>
-                      <a:headEnd type="none" w="med" len="med"/>
-                      <a:tailEnd type="none" w="med" len="med"/>
-                    </a:lnR>
-                    <a:lnT w="12700" cap="flat" cmpd="sng" algn="ctr">
-                      <a:solidFill>
-                        <a:srgbClr val="000000"/>
-                      </a:solidFill>
-                      <a:prstDash val="solid"/>
-                      <a:round/>
-                      <a:headEnd type="none" w="med" len="med"/>
-                      <a:tailEnd type="none" w="med" len="med"/>
-                    </a:lnT>
-                    <a:lnB w="12700" cap="flat" cmpd="sng" algn="ctr">
-                      <a:solidFill>
-                        <a:srgbClr val="000000"/>
-                      </a:solidFill>
-                      <a:prstDash val="solid"/>
-                      <a:round/>
-                      <a:headEnd type="none" w="med" len="med"/>
-                      <a:tailEnd type="none" w="med" len="med"/>
-                    </a:lnB>
-                  </a:tcPr>
-                </a:tc>
-              </a:tr>
-              <a:tr h="0">
-                <a:tc>
-                  <a:txBody>
-                    <a:bodyPr/>
-                    <a:lstStyle/>
-                    <a:p>
-                      <a:pPr indent="457200" algn="ctr">
-                        <a:lnSpc>
-                          <a:spcPct val="150000"/>
-                        </a:lnSpc>
-                        <a:spcAft>
-                          <a:spcPts val="600"/>
-                        </a:spcAft>
-                      </a:pPr>
-                      <a:r>
-                        <a:rPr lang="ru-RU" sz="1400">
-                          <a:effectLst/>
-                          <a:latin typeface="Times New Roman"/>
-                          <a:ea typeface="Times New Roman"/>
-                        </a:rPr>
-                        <a:t>1</a:t>
-                      </a:r>
-                    </a:p>
-                  </a:txBody>
-                  <a:tcPr marL="68580" marR="68580" marT="0" marB="0">
-                    <a:lnL w="12700" cap="flat" cmpd="sng" algn="ctr">
-                      <a:solidFill>
-                        <a:srgbClr val="000000"/>
-                      </a:solidFill>
-                      <a:prstDash val="solid"/>
-                      <a:round/>
-                      <a:headEnd type="none" w="med" len="med"/>
-                      <a:tailEnd type="none" w="med" len="med"/>
-                    </a:lnL>
-                    <a:lnR w="12700" cap="flat" cmpd="sng" algn="ctr">
-                      <a:solidFill>
-                        <a:srgbClr val="000000"/>
-                      </a:solidFill>
-                      <a:prstDash val="solid"/>
-                      <a:round/>
-                      <a:headEnd type="none" w="med" len="med"/>
-                      <a:tailEnd type="none" w="med" len="med"/>
-                    </a:lnR>
-                    <a:lnT w="12700" cap="flat" cmpd="sng" algn="ctr">
-                      <a:solidFill>
-                        <a:srgbClr val="000000"/>
-                      </a:solidFill>
-                      <a:prstDash val="solid"/>
-                      <a:round/>
-                      <a:headEnd type="none" w="med" len="med"/>
-                      <a:tailEnd type="none" w="med" len="med"/>
-                    </a:lnT>
-                    <a:lnB w="12700" cap="flat" cmpd="sng" algn="ctr">
-                      <a:solidFill>
-                        <a:srgbClr val="000000"/>
-                      </a:solidFill>
-                      <a:prstDash val="solid"/>
-                      <a:round/>
-                      <a:headEnd type="none" w="med" len="med"/>
-                      <a:tailEnd type="none" w="med" len="med"/>
-                    </a:lnB>
-                  </a:tcPr>
-                </a:tc>
-                <a:tc>
-                  <a:txBody>
-                    <a:bodyPr/>
-                    <a:lstStyle/>
-                    <a:p>
-                      <a:pPr indent="457200" algn="ctr">
-                        <a:lnSpc>
-                          <a:spcPct val="150000"/>
-                        </a:lnSpc>
-                        <a:spcAft>
-                          <a:spcPts val="600"/>
-                        </a:spcAft>
-                      </a:pPr>
-                      <a:r>
-                        <a:rPr lang="ru-RU" sz="1400">
-                          <a:effectLst/>
-                          <a:latin typeface="Times New Roman"/>
-                          <a:ea typeface="Times New Roman"/>
-                        </a:rPr>
-                        <a:t>10,42</a:t>
-                      </a:r>
-                    </a:p>
-                  </a:txBody>
-                  <a:tcPr marL="68580" marR="68580" marT="0" marB="0">
-                    <a:lnL w="12700" cap="flat" cmpd="sng" algn="ctr">
-                      <a:solidFill>
-                        <a:srgbClr val="000000"/>
-                      </a:solidFill>
-                      <a:prstDash val="solid"/>
-                      <a:round/>
-                      <a:headEnd type="none" w="med" len="med"/>
-                      <a:tailEnd type="none" w="med" len="med"/>
-                    </a:lnL>
-                    <a:lnR w="12700" cap="flat" cmpd="sng" algn="ctr">
-                      <a:solidFill>
-                        <a:srgbClr val="000000"/>
-                      </a:solidFill>
-                      <a:prstDash val="solid"/>
-                      <a:round/>
-                      <a:headEnd type="none" w="med" len="med"/>
-                      <a:tailEnd type="none" w="med" len="med"/>
-                    </a:lnR>
-                    <a:lnT w="12700" cap="flat" cmpd="sng" algn="ctr">
-                      <a:solidFill>
-                        <a:srgbClr val="000000"/>
-                      </a:solidFill>
-                      <a:prstDash val="solid"/>
-                      <a:round/>
-                      <a:headEnd type="none" w="med" len="med"/>
-                      <a:tailEnd type="none" w="med" len="med"/>
-                    </a:lnT>
-                    <a:lnB w="12700" cap="flat" cmpd="sng" algn="ctr">
-                      <a:solidFill>
-                        <a:srgbClr val="000000"/>
-                      </a:solidFill>
-                      <a:prstDash val="solid"/>
-                      <a:round/>
-                      <a:headEnd type="none" w="med" len="med"/>
-                      <a:tailEnd type="none" w="med" len="med"/>
-                    </a:lnB>
-                  </a:tcPr>
-                </a:tc>
-                <a:tc>
-                  <a:txBody>
-                    <a:bodyPr/>
-                    <a:lstStyle/>
-                    <a:p>
-                      <a:pPr indent="457200" algn="ctr">
-                        <a:lnSpc>
-                          <a:spcPct val="150000"/>
-                        </a:lnSpc>
-                        <a:spcAft>
-                          <a:spcPts val="600"/>
-                        </a:spcAft>
-                      </a:pPr>
-                      <a:r>
-                        <a:rPr lang="ru-RU" sz="1400">
-                          <a:effectLst/>
-                          <a:latin typeface="Times New Roman"/>
-                          <a:ea typeface="Times New Roman"/>
-                        </a:rPr>
-                        <a:t>2</a:t>
-                      </a:r>
-                    </a:p>
-                  </a:txBody>
-                  <a:tcPr marL="68580" marR="68580" marT="0" marB="0">
-                    <a:lnL w="12700" cap="flat" cmpd="sng" algn="ctr">
-                      <a:solidFill>
-                        <a:srgbClr val="000000"/>
-                      </a:solidFill>
-                      <a:prstDash val="solid"/>
-                      <a:round/>
-                      <a:headEnd type="none" w="med" len="med"/>
-                      <a:tailEnd type="none" w="med" len="med"/>
-                    </a:lnL>
-                    <a:lnR w="12700" cap="flat" cmpd="sng" algn="ctr">
-                      <a:solidFill>
-                        <a:srgbClr val="000000"/>
-                      </a:solidFill>
-                      <a:prstDash val="solid"/>
-                      <a:round/>
-                      <a:headEnd type="none" w="med" len="med"/>
-                      <a:tailEnd type="none" w="med" len="med"/>
-                    </a:lnR>
-                    <a:lnT w="12700" cap="flat" cmpd="sng" algn="ctr">
-                      <a:solidFill>
-                        <a:srgbClr val="000000"/>
-                      </a:solidFill>
-                      <a:prstDash val="solid"/>
-                      <a:round/>
-                      <a:headEnd type="none" w="med" len="med"/>
-                      <a:tailEnd type="none" w="med" len="med"/>
-                    </a:lnT>
-                    <a:lnB w="12700" cap="flat" cmpd="sng" algn="ctr">
-                      <a:solidFill>
-                        <a:srgbClr val="000000"/>
-                      </a:solidFill>
-                      <a:prstDash val="solid"/>
-                      <a:round/>
-                      <a:headEnd type="none" w="med" len="med"/>
-                      <a:tailEnd type="none" w="med" len="med"/>
-                    </a:lnB>
-                  </a:tcPr>
-                </a:tc>
-                <a:tc>
-                  <a:txBody>
-                    <a:bodyPr/>
-                    <a:lstStyle/>
-                    <a:p>
-                      <a:pPr indent="457200" algn="ctr">
-                        <a:lnSpc>
-                          <a:spcPct val="150000"/>
-                        </a:lnSpc>
-                        <a:spcAft>
-                          <a:spcPts val="600"/>
-                        </a:spcAft>
-                      </a:pPr>
-                      <a:r>
-                        <a:rPr lang="en-US" sz="1400">
-                          <a:effectLst/>
-                          <a:latin typeface="Times New Roman"/>
-                          <a:ea typeface="Times New Roman"/>
-                        </a:rPr>
-                        <a:t>10,24</a:t>
-                      </a:r>
-                      <a:endParaRPr lang="ru-RU" sz="1400">
-                        <a:effectLst/>
-                        <a:latin typeface="Times New Roman"/>
-                        <a:ea typeface="Times New Roman"/>
-                      </a:endParaRPr>
-                    </a:p>
-                  </a:txBody>
-                  <a:tcPr marL="68580" marR="68580" marT="0" marB="0">
-                    <a:lnL w="12700" cap="flat" cmpd="sng" algn="ctr">
-                      <a:solidFill>
-                        <a:srgbClr val="000000"/>
-                      </a:solidFill>
-                      <a:prstDash val="solid"/>
-                      <a:round/>
-                      <a:headEnd type="none" w="med" len="med"/>
-                      <a:tailEnd type="none" w="med" len="med"/>
-                    </a:lnL>
-                    <a:lnR w="12700" cap="flat" cmpd="sng" algn="ctr">
-                      <a:solidFill>
-                        <a:srgbClr val="000000"/>
-                      </a:solidFill>
-                      <a:prstDash val="solid"/>
-                      <a:round/>
-                      <a:headEnd type="none" w="med" len="med"/>
-                      <a:tailEnd type="none" w="med" len="med"/>
-                    </a:lnR>
-                    <a:lnT w="12700" cap="flat" cmpd="sng" algn="ctr">
-                      <a:solidFill>
-                        <a:srgbClr val="000000"/>
-                      </a:solidFill>
-                      <a:prstDash val="solid"/>
-                      <a:round/>
-                      <a:headEnd type="none" w="med" len="med"/>
-                      <a:tailEnd type="none" w="med" len="med"/>
-                    </a:lnT>
-                    <a:lnB w="12700" cap="flat" cmpd="sng" algn="ctr">
-                      <a:solidFill>
-                        <a:srgbClr val="000000"/>
-                      </a:solidFill>
-                      <a:prstDash val="solid"/>
-                      <a:round/>
-                      <a:headEnd type="none" w="med" len="med"/>
-                      <a:tailEnd type="none" w="med" len="med"/>
-                    </a:lnB>
-                  </a:tcPr>
-                </a:tc>
-                <a:tc>
-                  <a:txBody>
-                    <a:bodyPr/>
-                    <a:lstStyle/>
-                    <a:p>
-                      <a:pPr indent="457200" algn="ctr">
-                        <a:lnSpc>
-                          <a:spcPct val="150000"/>
-                        </a:lnSpc>
-                        <a:spcAft>
-                          <a:spcPts val="600"/>
-                        </a:spcAft>
-                      </a:pPr>
-                      <a:r>
-                        <a:rPr lang="ru-RU" sz="1400">
-                          <a:effectLst/>
-                          <a:latin typeface="Times New Roman"/>
-                          <a:ea typeface="Times New Roman"/>
-                        </a:rPr>
-                        <a:t>1</a:t>
-                      </a:r>
-                    </a:p>
-                  </a:txBody>
-                  <a:tcPr marL="68580" marR="68580" marT="0" marB="0">
-                    <a:lnL w="12700" cap="flat" cmpd="sng" algn="ctr">
-                      <a:solidFill>
-                        <a:srgbClr val="000000"/>
-                      </a:solidFill>
-                      <a:prstDash val="solid"/>
-                      <a:round/>
-                      <a:headEnd type="none" w="med" len="med"/>
-                      <a:tailEnd type="none" w="med" len="med"/>
-                    </a:lnL>
-                    <a:lnR w="12700" cap="flat" cmpd="sng" algn="ctr">
-                      <a:solidFill>
-                        <a:srgbClr val="000000"/>
-                      </a:solidFill>
-                      <a:prstDash val="solid"/>
-                      <a:round/>
-                      <a:headEnd type="none" w="med" len="med"/>
-                      <a:tailEnd type="none" w="med" len="med"/>
-                    </a:lnR>
-                    <a:lnT w="12700" cap="flat" cmpd="sng" algn="ctr">
-                      <a:solidFill>
-                        <a:srgbClr val="000000"/>
-                      </a:solidFill>
-                      <a:prstDash val="solid"/>
-                      <a:round/>
-                      <a:headEnd type="none" w="med" len="med"/>
-                      <a:tailEnd type="none" w="med" len="med"/>
-                    </a:lnT>
-                    <a:lnB w="12700" cap="flat" cmpd="sng" algn="ctr">
-                      <a:solidFill>
-                        <a:srgbClr val="000000"/>
-                      </a:solidFill>
-                      <a:prstDash val="solid"/>
-                      <a:round/>
-                      <a:headEnd type="none" w="med" len="med"/>
-                      <a:tailEnd type="none" w="med" len="med"/>
-                    </a:lnB>
-                  </a:tcPr>
-                </a:tc>
-              </a:tr>
-              <a:tr h="0">
-                <a:tc>
-                  <a:txBody>
-                    <a:bodyPr/>
-                    <a:lstStyle/>
-                    <a:p>
-                      <a:pPr indent="457200" algn="ctr">
-                        <a:lnSpc>
-                          <a:spcPct val="150000"/>
-                        </a:lnSpc>
-                        <a:spcAft>
-                          <a:spcPts val="600"/>
-                        </a:spcAft>
-                      </a:pPr>
-                      <a:r>
-                        <a:rPr lang="ru-RU" sz="1400">
-                          <a:effectLst/>
-                          <a:latin typeface="Times New Roman"/>
-                          <a:ea typeface="Times New Roman"/>
-                        </a:rPr>
-                        <a:t>2</a:t>
-                      </a:r>
-                    </a:p>
-                  </a:txBody>
-                  <a:tcPr marL="68580" marR="68580" marT="0" marB="0">
-                    <a:lnL w="12700" cap="flat" cmpd="sng" algn="ctr">
-                      <a:solidFill>
-                        <a:srgbClr val="000000"/>
-                      </a:solidFill>
-                      <a:prstDash val="solid"/>
-                      <a:round/>
-                      <a:headEnd type="none" w="med" len="med"/>
-                      <a:tailEnd type="none" w="med" len="med"/>
-                    </a:lnL>
-                    <a:lnR w="12700" cap="flat" cmpd="sng" algn="ctr">
-                      <a:solidFill>
-                        <a:srgbClr val="000000"/>
-                      </a:solidFill>
-                      <a:prstDash val="solid"/>
-                      <a:round/>
-                      <a:headEnd type="none" w="med" len="med"/>
-                      <a:tailEnd type="none" w="med" len="med"/>
-                    </a:lnR>
-                    <a:lnT w="12700" cap="flat" cmpd="sng" algn="ctr">
-                      <a:solidFill>
-                        <a:srgbClr val="000000"/>
-                      </a:solidFill>
-                      <a:prstDash val="solid"/>
-                      <a:round/>
-                      <a:headEnd type="none" w="med" len="med"/>
-                      <a:tailEnd type="none" w="med" len="med"/>
-                    </a:lnT>
-                    <a:lnB w="12700" cap="flat" cmpd="sng" algn="ctr">
-                      <a:solidFill>
-                        <a:srgbClr val="000000"/>
-                      </a:solidFill>
-                      <a:prstDash val="solid"/>
-                      <a:round/>
-                      <a:headEnd type="none" w="med" len="med"/>
-                      <a:tailEnd type="none" w="med" len="med"/>
-                    </a:lnB>
-                  </a:tcPr>
-                </a:tc>
-                <a:tc>
-                  <a:txBody>
-                    <a:bodyPr/>
-                    <a:lstStyle/>
-                    <a:p>
-                      <a:pPr indent="457200" algn="ctr">
-                        <a:lnSpc>
-                          <a:spcPct val="150000"/>
-                        </a:lnSpc>
-                        <a:spcAft>
-                          <a:spcPts val="600"/>
-                        </a:spcAft>
-                      </a:pPr>
-                      <a:r>
-                        <a:rPr lang="ru-RU" sz="1400">
-                          <a:effectLst/>
-                          <a:latin typeface="Times New Roman"/>
-                          <a:ea typeface="Times New Roman"/>
-                        </a:rPr>
-                        <a:t>11,31</a:t>
-                      </a:r>
-                    </a:p>
-                  </a:txBody>
-                  <a:tcPr marL="68580" marR="68580" marT="0" marB="0">
-                    <a:lnL w="12700" cap="flat" cmpd="sng" algn="ctr">
-                      <a:solidFill>
-                        <a:srgbClr val="000000"/>
-                      </a:solidFill>
-                      <a:prstDash val="solid"/>
-                      <a:round/>
-                      <a:headEnd type="none" w="med" len="med"/>
-                      <a:tailEnd type="none" w="med" len="med"/>
-                    </a:lnL>
-                    <a:lnR w="12700" cap="flat" cmpd="sng" algn="ctr">
-                      <a:solidFill>
-                        <a:srgbClr val="000000"/>
-                      </a:solidFill>
-                      <a:prstDash val="solid"/>
-                      <a:round/>
-                      <a:headEnd type="none" w="med" len="med"/>
-                      <a:tailEnd type="none" w="med" len="med"/>
-                    </a:lnR>
-                    <a:lnT w="12700" cap="flat" cmpd="sng" algn="ctr">
-                      <a:solidFill>
-                        <a:srgbClr val="000000"/>
-                      </a:solidFill>
-                      <a:prstDash val="solid"/>
-                      <a:round/>
-                      <a:headEnd type="none" w="med" len="med"/>
-                      <a:tailEnd type="none" w="med" len="med"/>
-                    </a:lnT>
-                    <a:lnB w="12700" cap="flat" cmpd="sng" algn="ctr">
-                      <a:solidFill>
-                        <a:srgbClr val="000000"/>
-                      </a:solidFill>
-                      <a:prstDash val="solid"/>
-                      <a:round/>
-                      <a:headEnd type="none" w="med" len="med"/>
-                      <a:tailEnd type="none" w="med" len="med"/>
-                    </a:lnB>
-                  </a:tcPr>
-                </a:tc>
-                <a:tc>
-                  <a:txBody>
-                    <a:bodyPr/>
-                    <a:lstStyle/>
-                    <a:p>
-                      <a:pPr indent="457200" algn="ctr">
-                        <a:lnSpc>
-                          <a:spcPct val="150000"/>
-                        </a:lnSpc>
-                        <a:spcAft>
-                          <a:spcPts val="600"/>
-                        </a:spcAft>
-                      </a:pPr>
-                      <a:r>
-                        <a:rPr lang="ru-RU" sz="1400">
-                          <a:effectLst/>
-                          <a:latin typeface="Times New Roman"/>
-                          <a:ea typeface="Times New Roman"/>
-                        </a:rPr>
-                        <a:t>4</a:t>
-                      </a:r>
-                    </a:p>
-                  </a:txBody>
-                  <a:tcPr marL="68580" marR="68580" marT="0" marB="0">
-                    <a:lnL w="12700" cap="flat" cmpd="sng" algn="ctr">
-                      <a:solidFill>
-                        <a:srgbClr val="000000"/>
-                      </a:solidFill>
-                      <a:prstDash val="solid"/>
-                      <a:round/>
-                      <a:headEnd type="none" w="med" len="med"/>
-                      <a:tailEnd type="none" w="med" len="med"/>
-                    </a:lnL>
-                    <a:lnR w="12700" cap="flat" cmpd="sng" algn="ctr">
-                      <a:solidFill>
-                        <a:srgbClr val="000000"/>
-                      </a:solidFill>
-                      <a:prstDash val="solid"/>
-                      <a:round/>
-                      <a:headEnd type="none" w="med" len="med"/>
-                      <a:tailEnd type="none" w="med" len="med"/>
-                    </a:lnR>
-                    <a:lnT w="12700" cap="flat" cmpd="sng" algn="ctr">
-                      <a:solidFill>
-                        <a:srgbClr val="000000"/>
-                      </a:solidFill>
-                      <a:prstDash val="solid"/>
-                      <a:round/>
-                      <a:headEnd type="none" w="med" len="med"/>
-                      <a:tailEnd type="none" w="med" len="med"/>
-                    </a:lnT>
-                    <a:lnB w="12700" cap="flat" cmpd="sng" algn="ctr">
-                      <a:solidFill>
-                        <a:srgbClr val="000000"/>
-                      </a:solidFill>
-                      <a:prstDash val="solid"/>
-                      <a:round/>
-                      <a:headEnd type="none" w="med" len="med"/>
-                      <a:tailEnd type="none" w="med" len="med"/>
-                    </a:lnB>
-                  </a:tcPr>
-                </a:tc>
-                <a:tc>
-                  <a:txBody>
-                    <a:bodyPr/>
-                    <a:lstStyle/>
-                    <a:p>
-                      <a:pPr indent="457200" algn="ctr">
-                        <a:lnSpc>
-                          <a:spcPct val="150000"/>
-                        </a:lnSpc>
-                        <a:spcAft>
-                          <a:spcPts val="600"/>
-                        </a:spcAft>
-                      </a:pPr>
-                      <a:r>
-                        <a:rPr lang="en-US" sz="1400">
-                          <a:effectLst/>
-                          <a:latin typeface="Times New Roman"/>
-                          <a:ea typeface="Times New Roman"/>
-                        </a:rPr>
-                        <a:t>11,1</a:t>
-                      </a:r>
-                      <a:endParaRPr lang="ru-RU" sz="1400">
-                        <a:effectLst/>
-                        <a:latin typeface="Times New Roman"/>
-                        <a:ea typeface="Times New Roman"/>
-                      </a:endParaRPr>
-                    </a:p>
-                  </a:txBody>
-                  <a:tcPr marL="68580" marR="68580" marT="0" marB="0">
-                    <a:lnL w="12700" cap="flat" cmpd="sng" algn="ctr">
-                      <a:solidFill>
-                        <a:srgbClr val="000000"/>
-                      </a:solidFill>
-                      <a:prstDash val="solid"/>
-                      <a:round/>
-                      <a:headEnd type="none" w="med" len="med"/>
-                      <a:tailEnd type="none" w="med" len="med"/>
-                    </a:lnL>
-                    <a:lnR w="12700" cap="flat" cmpd="sng" algn="ctr">
-                      <a:solidFill>
-                        <a:srgbClr val="000000"/>
-                      </a:solidFill>
-                      <a:prstDash val="solid"/>
-                      <a:round/>
-                      <a:headEnd type="none" w="med" len="med"/>
-                      <a:tailEnd type="none" w="med" len="med"/>
-                    </a:lnR>
-                    <a:lnT w="12700" cap="flat" cmpd="sng" algn="ctr">
-                      <a:solidFill>
-                        <a:srgbClr val="000000"/>
-                      </a:solidFill>
-                      <a:prstDash val="solid"/>
-                      <a:round/>
-                      <a:headEnd type="none" w="med" len="med"/>
-                      <a:tailEnd type="none" w="med" len="med"/>
-                    </a:lnT>
-                    <a:lnB w="12700" cap="flat" cmpd="sng" algn="ctr">
-                      <a:solidFill>
-                        <a:srgbClr val="000000"/>
-                      </a:solidFill>
-                      <a:prstDash val="solid"/>
-                      <a:round/>
-                      <a:headEnd type="none" w="med" len="med"/>
-                      <a:tailEnd type="none" w="med" len="med"/>
-                    </a:lnB>
-                  </a:tcPr>
-                </a:tc>
-                <a:tc>
-                  <a:txBody>
-                    <a:bodyPr/>
-                    <a:lstStyle/>
-                    <a:p>
-                      <a:pPr indent="457200" algn="ctr">
-                        <a:lnSpc>
-                          <a:spcPct val="150000"/>
-                        </a:lnSpc>
-                        <a:spcAft>
-                          <a:spcPts val="600"/>
-                        </a:spcAft>
-                      </a:pPr>
-                      <a:r>
-                        <a:rPr lang="ru-RU" sz="1400">
-                          <a:effectLst/>
-                          <a:latin typeface="Times New Roman"/>
-                          <a:ea typeface="Times New Roman"/>
-                        </a:rPr>
-                        <a:t>3</a:t>
-                      </a:r>
-                    </a:p>
-                  </a:txBody>
-                  <a:tcPr marL="68580" marR="68580" marT="0" marB="0">
-                    <a:lnL w="12700" cap="flat" cmpd="sng" algn="ctr">
-                      <a:solidFill>
-                        <a:srgbClr val="000000"/>
-                      </a:solidFill>
-                      <a:prstDash val="solid"/>
-                      <a:round/>
-                      <a:headEnd type="none" w="med" len="med"/>
-                      <a:tailEnd type="none" w="med" len="med"/>
-                    </a:lnL>
-                    <a:lnR w="12700" cap="flat" cmpd="sng" algn="ctr">
-                      <a:solidFill>
-                        <a:srgbClr val="000000"/>
-                      </a:solidFill>
-                      <a:prstDash val="solid"/>
-                      <a:round/>
-                      <a:headEnd type="none" w="med" len="med"/>
-                      <a:tailEnd type="none" w="med" len="med"/>
-                    </a:lnR>
-                    <a:lnT w="12700" cap="flat" cmpd="sng" algn="ctr">
-                      <a:solidFill>
-                        <a:srgbClr val="000000"/>
-                      </a:solidFill>
-                      <a:prstDash val="solid"/>
-                      <a:round/>
-                      <a:headEnd type="none" w="med" len="med"/>
-                      <a:tailEnd type="none" w="med" len="med"/>
-                    </a:lnT>
-                    <a:lnB w="12700" cap="flat" cmpd="sng" algn="ctr">
-                      <a:solidFill>
-                        <a:srgbClr val="000000"/>
-                      </a:solidFill>
-                      <a:prstDash val="solid"/>
-                      <a:round/>
-                      <a:headEnd type="none" w="med" len="med"/>
-                      <a:tailEnd type="none" w="med" len="med"/>
-                    </a:lnB>
-                  </a:tcPr>
-                </a:tc>
-              </a:tr>
-              <a:tr h="0">
-                <a:tc>
-                  <a:txBody>
-                    <a:bodyPr/>
-                    <a:lstStyle/>
-                    <a:p>
-                      <a:pPr indent="457200" algn="ctr">
-                        <a:lnSpc>
-                          <a:spcPct val="150000"/>
-                        </a:lnSpc>
-                        <a:spcAft>
-                          <a:spcPts val="600"/>
-                        </a:spcAft>
-                      </a:pPr>
-                      <a:r>
-                        <a:rPr lang="ru-RU" sz="1400">
-                          <a:effectLst/>
-                          <a:latin typeface="Times New Roman"/>
-                          <a:ea typeface="Times New Roman"/>
-                        </a:rPr>
-                        <a:t>3</a:t>
-                      </a:r>
-                    </a:p>
-                  </a:txBody>
-                  <a:tcPr marL="68580" marR="68580" marT="0" marB="0">
-                    <a:lnL w="12700" cap="flat" cmpd="sng" algn="ctr">
-                      <a:solidFill>
-                        <a:srgbClr val="000000"/>
-                      </a:solidFill>
-                      <a:prstDash val="solid"/>
-                      <a:round/>
-                      <a:headEnd type="none" w="med" len="med"/>
-                      <a:tailEnd type="none" w="med" len="med"/>
-                    </a:lnL>
-                    <a:lnR w="12700" cap="flat" cmpd="sng" algn="ctr">
-                      <a:solidFill>
-                        <a:srgbClr val="000000"/>
-                      </a:solidFill>
-                      <a:prstDash val="solid"/>
-                      <a:round/>
-                      <a:headEnd type="none" w="med" len="med"/>
-                      <a:tailEnd type="none" w="med" len="med"/>
-                    </a:lnR>
-                    <a:lnT w="12700" cap="flat" cmpd="sng" algn="ctr">
-                      <a:solidFill>
-                        <a:srgbClr val="000000"/>
-                      </a:solidFill>
-                      <a:prstDash val="solid"/>
-                      <a:round/>
-                      <a:headEnd type="none" w="med" len="med"/>
-                      <a:tailEnd type="none" w="med" len="med"/>
-                    </a:lnT>
-                    <a:lnB w="12700" cap="flat" cmpd="sng" algn="ctr">
-                      <a:solidFill>
-                        <a:srgbClr val="000000"/>
-                      </a:solidFill>
-                      <a:prstDash val="solid"/>
-                      <a:round/>
-                      <a:headEnd type="none" w="med" len="med"/>
-                      <a:tailEnd type="none" w="med" len="med"/>
-                    </a:lnB>
-                  </a:tcPr>
-                </a:tc>
-                <a:tc>
-                  <a:txBody>
-                    <a:bodyPr/>
-                    <a:lstStyle/>
-                    <a:p>
-                      <a:pPr indent="457200" algn="ctr">
-                        <a:lnSpc>
-                          <a:spcPct val="150000"/>
-                        </a:lnSpc>
-                        <a:spcAft>
-                          <a:spcPts val="600"/>
-                        </a:spcAft>
-                      </a:pPr>
-                      <a:r>
-                        <a:rPr lang="ru-RU" sz="1400">
-                          <a:effectLst/>
-                          <a:latin typeface="Times New Roman"/>
-                          <a:ea typeface="Times New Roman"/>
-                        </a:rPr>
-                        <a:t>14,63</a:t>
-                      </a:r>
-                    </a:p>
-                  </a:txBody>
-                  <a:tcPr marL="68580" marR="68580" marT="0" marB="0">
-                    <a:lnL w="12700" cap="flat" cmpd="sng" algn="ctr">
-                      <a:solidFill>
-                        <a:srgbClr val="000000"/>
-                      </a:solidFill>
-                      <a:prstDash val="solid"/>
-                      <a:round/>
-                      <a:headEnd type="none" w="med" len="med"/>
-                      <a:tailEnd type="none" w="med" len="med"/>
-                    </a:lnL>
-                    <a:lnR w="12700" cap="flat" cmpd="sng" algn="ctr">
-                      <a:solidFill>
-                        <a:srgbClr val="000000"/>
-                      </a:solidFill>
-                      <a:prstDash val="solid"/>
-                      <a:round/>
-                      <a:headEnd type="none" w="med" len="med"/>
-                      <a:tailEnd type="none" w="med" len="med"/>
-                    </a:lnR>
-                    <a:lnT w="12700" cap="flat" cmpd="sng" algn="ctr">
-                      <a:solidFill>
-                        <a:srgbClr val="000000"/>
-                      </a:solidFill>
-                      <a:prstDash val="solid"/>
-                      <a:round/>
-                      <a:headEnd type="none" w="med" len="med"/>
-                      <a:tailEnd type="none" w="med" len="med"/>
-                    </a:lnT>
-                    <a:lnB w="12700" cap="flat" cmpd="sng" algn="ctr">
-                      <a:solidFill>
-                        <a:srgbClr val="000000"/>
-                      </a:solidFill>
-                      <a:prstDash val="solid"/>
-                      <a:round/>
-                      <a:headEnd type="none" w="med" len="med"/>
-                      <a:tailEnd type="none" w="med" len="med"/>
-                    </a:lnB>
-                  </a:tcPr>
-                </a:tc>
-                <a:tc>
-                  <a:txBody>
-                    <a:bodyPr/>
-                    <a:lstStyle/>
-                    <a:p>
-                      <a:pPr indent="457200" algn="ctr">
-                        <a:lnSpc>
-                          <a:spcPct val="150000"/>
-                        </a:lnSpc>
-                        <a:spcAft>
-                          <a:spcPts val="600"/>
-                        </a:spcAft>
-                      </a:pPr>
-                      <a:r>
-                        <a:rPr lang="ru-RU" sz="1400">
-                          <a:effectLst/>
-                          <a:latin typeface="Times New Roman"/>
-                          <a:ea typeface="Times New Roman"/>
-                        </a:rPr>
-                        <a:t>6</a:t>
-                      </a:r>
-                    </a:p>
-                  </a:txBody>
-                  <a:tcPr marL="68580" marR="68580" marT="0" marB="0">
-                    <a:lnL w="12700" cap="flat" cmpd="sng" algn="ctr">
-                      <a:solidFill>
-                        <a:srgbClr val="000000"/>
-                      </a:solidFill>
-                      <a:prstDash val="solid"/>
-                      <a:round/>
-                      <a:headEnd type="none" w="med" len="med"/>
-                      <a:tailEnd type="none" w="med" len="med"/>
-                    </a:lnL>
-                    <a:lnR w="12700" cap="flat" cmpd="sng" algn="ctr">
-                      <a:solidFill>
-                        <a:srgbClr val="000000"/>
-                      </a:solidFill>
-                      <a:prstDash val="solid"/>
-                      <a:round/>
-                      <a:headEnd type="none" w="med" len="med"/>
-                      <a:tailEnd type="none" w="med" len="med"/>
-                    </a:lnR>
-                    <a:lnT w="12700" cap="flat" cmpd="sng" algn="ctr">
-                      <a:solidFill>
-                        <a:srgbClr val="000000"/>
-                      </a:solidFill>
-                      <a:prstDash val="solid"/>
-                      <a:round/>
-                      <a:headEnd type="none" w="med" len="med"/>
-                      <a:tailEnd type="none" w="med" len="med"/>
-                    </a:lnT>
-                    <a:lnB w="12700" cap="flat" cmpd="sng" algn="ctr">
-                      <a:solidFill>
-                        <a:srgbClr val="000000"/>
-                      </a:solidFill>
-                      <a:prstDash val="solid"/>
-                      <a:round/>
-                      <a:headEnd type="none" w="med" len="med"/>
-                      <a:tailEnd type="none" w="med" len="med"/>
-                    </a:lnB>
-                  </a:tcPr>
-                </a:tc>
-                <a:tc>
-                  <a:txBody>
-                    <a:bodyPr/>
-                    <a:lstStyle/>
-                    <a:p>
-                      <a:pPr indent="457200" algn="ctr">
-                        <a:lnSpc>
-                          <a:spcPct val="150000"/>
-                        </a:lnSpc>
-                        <a:spcAft>
-                          <a:spcPts val="600"/>
-                        </a:spcAft>
-                      </a:pPr>
-                      <a:r>
-                        <a:rPr lang="en-US" sz="1400">
-                          <a:effectLst/>
-                          <a:latin typeface="Times New Roman"/>
-                          <a:ea typeface="Times New Roman"/>
-                        </a:rPr>
-                        <a:t>14,39</a:t>
-                      </a:r>
-                      <a:endParaRPr lang="ru-RU" sz="1400">
-                        <a:effectLst/>
-                        <a:latin typeface="Times New Roman"/>
-                        <a:ea typeface="Times New Roman"/>
-                      </a:endParaRPr>
-                    </a:p>
-                  </a:txBody>
-                  <a:tcPr marL="68580" marR="68580" marT="0" marB="0">
-                    <a:lnL w="12700" cap="flat" cmpd="sng" algn="ctr">
-                      <a:solidFill>
-                        <a:srgbClr val="000000"/>
-                      </a:solidFill>
-                      <a:prstDash val="solid"/>
-                      <a:round/>
-                      <a:headEnd type="none" w="med" len="med"/>
-                      <a:tailEnd type="none" w="med" len="med"/>
-                    </a:lnL>
-                    <a:lnR w="12700" cap="flat" cmpd="sng" algn="ctr">
-                      <a:solidFill>
-                        <a:srgbClr val="000000"/>
-                      </a:solidFill>
-                      <a:prstDash val="solid"/>
-                      <a:round/>
-                      <a:headEnd type="none" w="med" len="med"/>
-                      <a:tailEnd type="none" w="med" len="med"/>
-                    </a:lnR>
-                    <a:lnT w="12700" cap="flat" cmpd="sng" algn="ctr">
-                      <a:solidFill>
-                        <a:srgbClr val="000000"/>
-                      </a:solidFill>
-                      <a:prstDash val="solid"/>
-                      <a:round/>
-                      <a:headEnd type="none" w="med" len="med"/>
-                      <a:tailEnd type="none" w="med" len="med"/>
-                    </a:lnT>
-                    <a:lnB w="12700" cap="flat" cmpd="sng" algn="ctr">
-                      <a:solidFill>
-                        <a:srgbClr val="000000"/>
-                      </a:solidFill>
-                      <a:prstDash val="solid"/>
-                      <a:round/>
-                      <a:headEnd type="none" w="med" len="med"/>
-                      <a:tailEnd type="none" w="med" len="med"/>
-                    </a:lnB>
-                  </a:tcPr>
-                </a:tc>
-                <a:tc>
-                  <a:txBody>
-                    <a:bodyPr/>
-                    <a:lstStyle/>
-                    <a:p>
-                      <a:pPr indent="457200" algn="ctr">
-                        <a:lnSpc>
-                          <a:spcPct val="150000"/>
-                        </a:lnSpc>
-                        <a:spcAft>
-                          <a:spcPts val="600"/>
-                        </a:spcAft>
-                      </a:pPr>
-                      <a:r>
-                        <a:rPr lang="ru-RU" sz="1400">
-                          <a:effectLst/>
-                          <a:latin typeface="Times New Roman"/>
-                          <a:ea typeface="Times New Roman"/>
-                        </a:rPr>
-                        <a:t>5</a:t>
-                      </a:r>
-                    </a:p>
-                  </a:txBody>
-                  <a:tcPr marL="68580" marR="68580" marT="0" marB="0">
-                    <a:lnL w="12700" cap="flat" cmpd="sng" algn="ctr">
-                      <a:solidFill>
-                        <a:srgbClr val="000000"/>
-                      </a:solidFill>
-                      <a:prstDash val="solid"/>
-                      <a:round/>
-                      <a:headEnd type="none" w="med" len="med"/>
-                      <a:tailEnd type="none" w="med" len="med"/>
-                    </a:lnL>
-                    <a:lnR w="12700" cap="flat" cmpd="sng" algn="ctr">
-                      <a:solidFill>
-                        <a:srgbClr val="000000"/>
-                      </a:solidFill>
-                      <a:prstDash val="solid"/>
-                      <a:round/>
-                      <a:headEnd type="none" w="med" len="med"/>
-                      <a:tailEnd type="none" w="med" len="med"/>
-                    </a:lnR>
-                    <a:lnT w="12700" cap="flat" cmpd="sng" algn="ctr">
-                      <a:solidFill>
-                        <a:srgbClr val="000000"/>
-                      </a:solidFill>
-                      <a:prstDash val="solid"/>
-                      <a:round/>
-                      <a:headEnd type="none" w="med" len="med"/>
-                      <a:tailEnd type="none" w="med" len="med"/>
-                    </a:lnT>
-                    <a:lnB w="12700" cap="flat" cmpd="sng" algn="ctr">
-                      <a:solidFill>
-                        <a:srgbClr val="000000"/>
-                      </a:solidFill>
-                      <a:prstDash val="solid"/>
-                      <a:round/>
-                      <a:headEnd type="none" w="med" len="med"/>
-                      <a:tailEnd type="none" w="med" len="med"/>
-                    </a:lnB>
-                  </a:tcPr>
-                </a:tc>
-              </a:tr>
-              <a:tr h="0">
-                <a:tc>
-                  <a:txBody>
-                    <a:bodyPr/>
-                    <a:lstStyle/>
-                    <a:p>
-                      <a:pPr indent="457200" algn="ctr">
-                        <a:lnSpc>
-                          <a:spcPct val="150000"/>
-                        </a:lnSpc>
-                        <a:spcAft>
-                          <a:spcPts val="600"/>
-                        </a:spcAft>
-                      </a:pPr>
-                      <a:r>
-                        <a:rPr lang="ru-RU" sz="1400">
-                          <a:effectLst/>
-                          <a:latin typeface="Times New Roman"/>
-                          <a:ea typeface="Times New Roman"/>
-                        </a:rPr>
-                        <a:t>4</a:t>
-                      </a:r>
-                    </a:p>
-                  </a:txBody>
-                  <a:tcPr marL="68580" marR="68580" marT="0" marB="0">
-                    <a:lnL w="12700" cap="flat" cmpd="sng" algn="ctr">
-                      <a:solidFill>
-                        <a:srgbClr val="000000"/>
-                      </a:solidFill>
-                      <a:prstDash val="solid"/>
-                      <a:round/>
-                      <a:headEnd type="none" w="med" len="med"/>
-                      <a:tailEnd type="none" w="med" len="med"/>
-                    </a:lnL>
-                    <a:lnR w="12700" cap="flat" cmpd="sng" algn="ctr">
-                      <a:solidFill>
-                        <a:srgbClr val="000000"/>
-                      </a:solidFill>
-                      <a:prstDash val="solid"/>
-                      <a:round/>
-                      <a:headEnd type="none" w="med" len="med"/>
-                      <a:tailEnd type="none" w="med" len="med"/>
-                    </a:lnR>
-                    <a:lnT w="12700" cap="flat" cmpd="sng" algn="ctr">
-                      <a:solidFill>
-                        <a:srgbClr val="000000"/>
-                      </a:solidFill>
-                      <a:prstDash val="solid"/>
-                      <a:round/>
-                      <a:headEnd type="none" w="med" len="med"/>
-                      <a:tailEnd type="none" w="med" len="med"/>
-                    </a:lnT>
-                    <a:lnB w="12700" cap="flat" cmpd="sng" algn="ctr">
-                      <a:solidFill>
-                        <a:srgbClr val="000000"/>
-                      </a:solidFill>
-                      <a:prstDash val="solid"/>
-                      <a:round/>
-                      <a:headEnd type="none" w="med" len="med"/>
-                      <a:tailEnd type="none" w="med" len="med"/>
-                    </a:lnB>
-                  </a:tcPr>
-                </a:tc>
-                <a:tc>
-                  <a:txBody>
-                    <a:bodyPr/>
-                    <a:lstStyle/>
-                    <a:p>
-                      <a:pPr indent="457200" algn="ctr">
-                        <a:lnSpc>
-                          <a:spcPct val="150000"/>
-                        </a:lnSpc>
-                        <a:spcAft>
-                          <a:spcPts val="600"/>
-                        </a:spcAft>
-                      </a:pPr>
-                      <a:r>
-                        <a:rPr lang="ru-RU" sz="1400">
-                          <a:effectLst/>
-                          <a:latin typeface="Times New Roman"/>
-                          <a:ea typeface="Times New Roman"/>
-                        </a:rPr>
-                        <a:t>15,83</a:t>
-                      </a:r>
-                    </a:p>
-                  </a:txBody>
-                  <a:tcPr marL="68580" marR="68580" marT="0" marB="0">
-                    <a:lnL w="12700" cap="flat" cmpd="sng" algn="ctr">
-                      <a:solidFill>
-                        <a:srgbClr val="000000"/>
-                      </a:solidFill>
-                      <a:prstDash val="solid"/>
-                      <a:round/>
-                      <a:headEnd type="none" w="med" len="med"/>
-                      <a:tailEnd type="none" w="med" len="med"/>
-                    </a:lnL>
-                    <a:lnR w="12700" cap="flat" cmpd="sng" algn="ctr">
-                      <a:solidFill>
-                        <a:srgbClr val="000000"/>
-                      </a:solidFill>
-                      <a:prstDash val="solid"/>
-                      <a:round/>
-                      <a:headEnd type="none" w="med" len="med"/>
-                      <a:tailEnd type="none" w="med" len="med"/>
-                    </a:lnR>
-                    <a:lnT w="12700" cap="flat" cmpd="sng" algn="ctr">
-                      <a:solidFill>
-                        <a:srgbClr val="000000"/>
-                      </a:solidFill>
-                      <a:prstDash val="solid"/>
-                      <a:round/>
-                      <a:headEnd type="none" w="med" len="med"/>
-                      <a:tailEnd type="none" w="med" len="med"/>
-                    </a:lnT>
-                    <a:lnB w="12700" cap="flat" cmpd="sng" algn="ctr">
-                      <a:solidFill>
-                        <a:srgbClr val="000000"/>
-                      </a:solidFill>
-                      <a:prstDash val="solid"/>
-                      <a:round/>
-                      <a:headEnd type="none" w="med" len="med"/>
-                      <a:tailEnd type="none" w="med" len="med"/>
-                    </a:lnB>
-                  </a:tcPr>
-                </a:tc>
-                <a:tc>
-                  <a:txBody>
-                    <a:bodyPr/>
-                    <a:lstStyle/>
-                    <a:p>
-                      <a:pPr indent="457200" algn="ctr">
-                        <a:lnSpc>
-                          <a:spcPct val="150000"/>
-                        </a:lnSpc>
-                        <a:spcAft>
-                          <a:spcPts val="600"/>
-                        </a:spcAft>
-                      </a:pPr>
-                      <a:r>
-                        <a:rPr lang="ru-RU" sz="1400">
-                          <a:effectLst/>
-                          <a:latin typeface="Times New Roman"/>
-                          <a:ea typeface="Times New Roman"/>
-                        </a:rPr>
-                        <a:t>9</a:t>
-                      </a:r>
-                    </a:p>
-                  </a:txBody>
-                  <a:tcPr marL="68580" marR="68580" marT="0" marB="0">
-                    <a:lnL w="12700" cap="flat" cmpd="sng" algn="ctr">
-                      <a:solidFill>
-                        <a:srgbClr val="000000"/>
-                      </a:solidFill>
-                      <a:prstDash val="solid"/>
-                      <a:round/>
-                      <a:headEnd type="none" w="med" len="med"/>
-                      <a:tailEnd type="none" w="med" len="med"/>
-                    </a:lnL>
-                    <a:lnR w="12700" cap="flat" cmpd="sng" algn="ctr">
-                      <a:solidFill>
-                        <a:srgbClr val="000000"/>
-                      </a:solidFill>
-                      <a:prstDash val="solid"/>
-                      <a:round/>
-                      <a:headEnd type="none" w="med" len="med"/>
-                      <a:tailEnd type="none" w="med" len="med"/>
-                    </a:lnR>
-                    <a:lnT w="12700" cap="flat" cmpd="sng" algn="ctr">
-                      <a:solidFill>
-                        <a:srgbClr val="000000"/>
-                      </a:solidFill>
-                      <a:prstDash val="solid"/>
-                      <a:round/>
-                      <a:headEnd type="none" w="med" len="med"/>
-                      <a:tailEnd type="none" w="med" len="med"/>
-                    </a:lnT>
-                    <a:lnB w="12700" cap="flat" cmpd="sng" algn="ctr">
-                      <a:solidFill>
-                        <a:srgbClr val="000000"/>
-                      </a:solidFill>
-                      <a:prstDash val="solid"/>
-                      <a:round/>
-                      <a:headEnd type="none" w="med" len="med"/>
-                      <a:tailEnd type="none" w="med" len="med"/>
-                    </a:lnB>
-                  </a:tcPr>
-                </a:tc>
-                <a:tc>
-                  <a:txBody>
-                    <a:bodyPr/>
-                    <a:lstStyle/>
-                    <a:p>
-                      <a:pPr indent="457200" algn="ctr">
-                        <a:lnSpc>
-                          <a:spcPct val="150000"/>
-                        </a:lnSpc>
-                        <a:spcAft>
-                          <a:spcPts val="600"/>
-                        </a:spcAft>
-                      </a:pPr>
-                      <a:r>
-                        <a:rPr lang="en-US" sz="1400">
-                          <a:effectLst/>
-                          <a:latin typeface="Times New Roman"/>
-                          <a:ea typeface="Times New Roman"/>
-                        </a:rPr>
-                        <a:t>15,56</a:t>
-                      </a:r>
-                      <a:endParaRPr lang="ru-RU" sz="1400">
-                        <a:effectLst/>
-                        <a:latin typeface="Times New Roman"/>
-                        <a:ea typeface="Times New Roman"/>
-                      </a:endParaRPr>
-                    </a:p>
-                  </a:txBody>
-                  <a:tcPr marL="68580" marR="68580" marT="0" marB="0">
-                    <a:lnL w="12700" cap="flat" cmpd="sng" algn="ctr">
-                      <a:solidFill>
-                        <a:srgbClr val="000000"/>
-                      </a:solidFill>
-                      <a:prstDash val="solid"/>
-                      <a:round/>
-                      <a:headEnd type="none" w="med" len="med"/>
-                      <a:tailEnd type="none" w="med" len="med"/>
-                    </a:lnL>
-                    <a:lnR w="12700" cap="flat" cmpd="sng" algn="ctr">
-                      <a:solidFill>
-                        <a:srgbClr val="000000"/>
-                      </a:solidFill>
-                      <a:prstDash val="solid"/>
-                      <a:round/>
-                      <a:headEnd type="none" w="med" len="med"/>
-                      <a:tailEnd type="none" w="med" len="med"/>
-                    </a:lnR>
-                    <a:lnT w="12700" cap="flat" cmpd="sng" algn="ctr">
-                      <a:solidFill>
-                        <a:srgbClr val="000000"/>
-                      </a:solidFill>
-                      <a:prstDash val="solid"/>
-                      <a:round/>
-                      <a:headEnd type="none" w="med" len="med"/>
-                      <a:tailEnd type="none" w="med" len="med"/>
-                    </a:lnT>
-                    <a:lnB w="12700" cap="flat" cmpd="sng" algn="ctr">
-                      <a:solidFill>
-                        <a:srgbClr val="000000"/>
-                      </a:solidFill>
-                      <a:prstDash val="solid"/>
-                      <a:round/>
-                      <a:headEnd type="none" w="med" len="med"/>
-                      <a:tailEnd type="none" w="med" len="med"/>
-                    </a:lnB>
-                  </a:tcPr>
-                </a:tc>
-                <a:tc>
-                  <a:txBody>
-                    <a:bodyPr/>
-                    <a:lstStyle/>
-                    <a:p>
-                      <a:pPr indent="457200" algn="ctr">
-                        <a:lnSpc>
-                          <a:spcPct val="150000"/>
-                        </a:lnSpc>
-                        <a:spcAft>
-                          <a:spcPts val="600"/>
-                        </a:spcAft>
-                      </a:pPr>
-                      <a:r>
-                        <a:rPr lang="ru-RU" sz="1400">
-                          <a:effectLst/>
-                          <a:latin typeface="Times New Roman"/>
-                          <a:ea typeface="Times New Roman"/>
-                        </a:rPr>
-                        <a:t>7</a:t>
-                      </a:r>
-                    </a:p>
-                  </a:txBody>
-                  <a:tcPr marL="68580" marR="68580" marT="0" marB="0">
-                    <a:lnL w="12700" cap="flat" cmpd="sng" algn="ctr">
-                      <a:solidFill>
-                        <a:srgbClr val="000000"/>
-                      </a:solidFill>
-                      <a:prstDash val="solid"/>
-                      <a:round/>
-                      <a:headEnd type="none" w="med" len="med"/>
-                      <a:tailEnd type="none" w="med" len="med"/>
-                    </a:lnL>
-                    <a:lnR w="12700" cap="flat" cmpd="sng" algn="ctr">
-                      <a:solidFill>
-                        <a:srgbClr val="000000"/>
-                      </a:solidFill>
-                      <a:prstDash val="solid"/>
-                      <a:round/>
-                      <a:headEnd type="none" w="med" len="med"/>
-                      <a:tailEnd type="none" w="med" len="med"/>
-                    </a:lnR>
-                    <a:lnT w="12700" cap="flat" cmpd="sng" algn="ctr">
-                      <a:solidFill>
-                        <a:srgbClr val="000000"/>
-                      </a:solidFill>
-                      <a:prstDash val="solid"/>
-                      <a:round/>
-                      <a:headEnd type="none" w="med" len="med"/>
-                      <a:tailEnd type="none" w="med" len="med"/>
-                    </a:lnT>
-                    <a:lnB w="12700" cap="flat" cmpd="sng" algn="ctr">
-                      <a:solidFill>
-                        <a:srgbClr val="000000"/>
-                      </a:solidFill>
-                      <a:prstDash val="solid"/>
-                      <a:round/>
-                      <a:headEnd type="none" w="med" len="med"/>
-                      <a:tailEnd type="none" w="med" len="med"/>
-                    </a:lnB>
-                  </a:tcPr>
-                </a:tc>
-              </a:tr>
-              <a:tr h="0">
-                <a:tc>
-                  <a:txBody>
-                    <a:bodyPr/>
-                    <a:lstStyle/>
-                    <a:p>
-                      <a:pPr indent="457200" algn="ctr">
-                        <a:lnSpc>
-                          <a:spcPct val="150000"/>
-                        </a:lnSpc>
-                        <a:spcAft>
-                          <a:spcPts val="600"/>
-                        </a:spcAft>
-                      </a:pPr>
-                      <a:r>
-                        <a:rPr lang="ru-RU" sz="1400">
-                          <a:effectLst/>
-                          <a:latin typeface="Times New Roman"/>
-                          <a:ea typeface="Times New Roman"/>
-                        </a:rPr>
-                        <a:t>5</a:t>
-                      </a:r>
-                    </a:p>
-                  </a:txBody>
-                  <a:tcPr marL="68580" marR="68580" marT="0" marB="0">
-                    <a:lnL w="12700" cap="flat" cmpd="sng" algn="ctr">
-                      <a:solidFill>
-                        <a:srgbClr val="000000"/>
-                      </a:solidFill>
-                      <a:prstDash val="solid"/>
-                      <a:round/>
-                      <a:headEnd type="none" w="med" len="med"/>
-                      <a:tailEnd type="none" w="med" len="med"/>
-                    </a:lnL>
-                    <a:lnR w="12700" cap="flat" cmpd="sng" algn="ctr">
-                      <a:solidFill>
-                        <a:srgbClr val="000000"/>
-                      </a:solidFill>
-                      <a:prstDash val="solid"/>
-                      <a:round/>
-                      <a:headEnd type="none" w="med" len="med"/>
-                      <a:tailEnd type="none" w="med" len="med"/>
-                    </a:lnR>
-                    <a:lnT w="12700" cap="flat" cmpd="sng" algn="ctr">
-                      <a:solidFill>
-                        <a:srgbClr val="000000"/>
-                      </a:solidFill>
-                      <a:prstDash val="solid"/>
-                      <a:round/>
-                      <a:headEnd type="none" w="med" len="med"/>
-                      <a:tailEnd type="none" w="med" len="med"/>
-                    </a:lnT>
-                    <a:lnB w="12700" cap="flat" cmpd="sng" algn="ctr">
-                      <a:solidFill>
-                        <a:srgbClr val="000000"/>
-                      </a:solidFill>
-                      <a:prstDash val="solid"/>
-                      <a:round/>
-                      <a:headEnd type="none" w="med" len="med"/>
-                      <a:tailEnd type="none" w="med" len="med"/>
-                    </a:lnB>
-                  </a:tcPr>
-                </a:tc>
-                <a:tc>
-                  <a:txBody>
-                    <a:bodyPr/>
-                    <a:lstStyle/>
-                    <a:p>
-                      <a:pPr indent="457200" algn="ctr">
-                        <a:lnSpc>
-                          <a:spcPct val="150000"/>
-                        </a:lnSpc>
-                        <a:spcAft>
-                          <a:spcPts val="600"/>
-                        </a:spcAft>
-                      </a:pPr>
-                      <a:r>
-                        <a:rPr lang="ru-RU" sz="1400">
-                          <a:effectLst/>
-                          <a:latin typeface="Times New Roman"/>
-                          <a:ea typeface="Times New Roman"/>
-                        </a:rPr>
-                        <a:t>15,99</a:t>
-                      </a:r>
-                    </a:p>
-                  </a:txBody>
-                  <a:tcPr marL="68580" marR="68580" marT="0" marB="0">
-                    <a:lnL w="12700" cap="flat" cmpd="sng" algn="ctr">
-                      <a:solidFill>
-                        <a:srgbClr val="000000"/>
-                      </a:solidFill>
-                      <a:prstDash val="solid"/>
-                      <a:round/>
-                      <a:headEnd type="none" w="med" len="med"/>
-                      <a:tailEnd type="none" w="med" len="med"/>
-                    </a:lnL>
-                    <a:lnR w="12700" cap="flat" cmpd="sng" algn="ctr">
-                      <a:solidFill>
-                        <a:srgbClr val="000000"/>
-                      </a:solidFill>
-                      <a:prstDash val="solid"/>
-                      <a:round/>
-                      <a:headEnd type="none" w="med" len="med"/>
-                      <a:tailEnd type="none" w="med" len="med"/>
-                    </a:lnR>
-                    <a:lnT w="12700" cap="flat" cmpd="sng" algn="ctr">
-                      <a:solidFill>
-                        <a:srgbClr val="000000"/>
-                      </a:solidFill>
-                      <a:prstDash val="solid"/>
-                      <a:round/>
-                      <a:headEnd type="none" w="med" len="med"/>
-                      <a:tailEnd type="none" w="med" len="med"/>
-                    </a:lnT>
-                    <a:lnB w="12700" cap="flat" cmpd="sng" algn="ctr">
-                      <a:solidFill>
-                        <a:srgbClr val="000000"/>
-                      </a:solidFill>
-                      <a:prstDash val="solid"/>
-                      <a:round/>
-                      <a:headEnd type="none" w="med" len="med"/>
-                      <a:tailEnd type="none" w="med" len="med"/>
-                    </a:lnB>
-                  </a:tcPr>
-                </a:tc>
-                <a:tc>
-                  <a:txBody>
-                    <a:bodyPr/>
-                    <a:lstStyle/>
-                    <a:p>
-                      <a:pPr indent="457200" algn="ctr">
-                        <a:lnSpc>
-                          <a:spcPct val="150000"/>
-                        </a:lnSpc>
-                        <a:spcAft>
-                          <a:spcPts val="600"/>
-                        </a:spcAft>
-                      </a:pPr>
-                      <a:r>
-                        <a:rPr lang="ru-RU" sz="1400">
-                          <a:effectLst/>
-                          <a:latin typeface="Times New Roman"/>
-                          <a:ea typeface="Times New Roman"/>
-                        </a:rPr>
-                        <a:t>10</a:t>
-                      </a:r>
-                    </a:p>
-                  </a:txBody>
-                  <a:tcPr marL="68580" marR="68580" marT="0" marB="0">
-                    <a:lnL w="12700" cap="flat" cmpd="sng" algn="ctr">
-                      <a:solidFill>
-                        <a:srgbClr val="000000"/>
-                      </a:solidFill>
-                      <a:prstDash val="solid"/>
-                      <a:round/>
-                      <a:headEnd type="none" w="med" len="med"/>
-                      <a:tailEnd type="none" w="med" len="med"/>
-                    </a:lnL>
-                    <a:lnR w="12700" cap="flat" cmpd="sng" algn="ctr">
-                      <a:solidFill>
-                        <a:srgbClr val="000000"/>
-                      </a:solidFill>
-                      <a:prstDash val="solid"/>
-                      <a:round/>
-                      <a:headEnd type="none" w="med" len="med"/>
-                      <a:tailEnd type="none" w="med" len="med"/>
-                    </a:lnR>
-                    <a:lnT w="12700" cap="flat" cmpd="sng" algn="ctr">
-                      <a:solidFill>
-                        <a:srgbClr val="000000"/>
-                      </a:solidFill>
-                      <a:prstDash val="solid"/>
-                      <a:round/>
-                      <a:headEnd type="none" w="med" len="med"/>
-                      <a:tailEnd type="none" w="med" len="med"/>
-                    </a:lnT>
-                    <a:lnB w="12700" cap="flat" cmpd="sng" algn="ctr">
-                      <a:solidFill>
-                        <a:srgbClr val="000000"/>
-                      </a:solidFill>
-                      <a:prstDash val="solid"/>
-                      <a:round/>
-                      <a:headEnd type="none" w="med" len="med"/>
-                      <a:tailEnd type="none" w="med" len="med"/>
-                    </a:lnB>
-                  </a:tcPr>
-                </a:tc>
-                <a:tc>
-                  <a:txBody>
-                    <a:bodyPr/>
-                    <a:lstStyle/>
-                    <a:p>
-                      <a:pPr indent="457200" algn="ctr">
-                        <a:lnSpc>
-                          <a:spcPct val="150000"/>
-                        </a:lnSpc>
-                        <a:spcAft>
-                          <a:spcPts val="600"/>
-                        </a:spcAft>
-                      </a:pPr>
-                      <a:r>
-                        <a:rPr lang="en-US" sz="1400">
-                          <a:effectLst/>
-                          <a:latin typeface="Times New Roman"/>
-                          <a:ea typeface="Times New Roman"/>
-                        </a:rPr>
-                        <a:t>15,72</a:t>
-                      </a:r>
-                      <a:endParaRPr lang="ru-RU" sz="1400">
-                        <a:effectLst/>
-                        <a:latin typeface="Times New Roman"/>
-                        <a:ea typeface="Times New Roman"/>
-                      </a:endParaRPr>
-                    </a:p>
-                  </a:txBody>
-                  <a:tcPr marL="68580" marR="68580" marT="0" marB="0">
-                    <a:lnL w="12700" cap="flat" cmpd="sng" algn="ctr">
-                      <a:solidFill>
-                        <a:srgbClr val="000000"/>
-                      </a:solidFill>
-                      <a:prstDash val="solid"/>
-                      <a:round/>
-                      <a:headEnd type="none" w="med" len="med"/>
-                      <a:tailEnd type="none" w="med" len="med"/>
-                    </a:lnL>
-                    <a:lnR w="12700" cap="flat" cmpd="sng" algn="ctr">
-                      <a:solidFill>
-                        <a:srgbClr val="000000"/>
-                      </a:solidFill>
-                      <a:prstDash val="solid"/>
-                      <a:round/>
-                      <a:headEnd type="none" w="med" len="med"/>
-                      <a:tailEnd type="none" w="med" len="med"/>
-                    </a:lnR>
-                    <a:lnT w="12700" cap="flat" cmpd="sng" algn="ctr">
-                      <a:solidFill>
-                        <a:srgbClr val="000000"/>
-                      </a:solidFill>
-                      <a:prstDash val="solid"/>
-                      <a:round/>
-                      <a:headEnd type="none" w="med" len="med"/>
-                      <a:tailEnd type="none" w="med" len="med"/>
-                    </a:lnT>
-                    <a:lnB w="12700" cap="flat" cmpd="sng" algn="ctr">
-                      <a:solidFill>
-                        <a:srgbClr val="000000"/>
-                      </a:solidFill>
-                      <a:prstDash val="solid"/>
-                      <a:round/>
-                      <a:headEnd type="none" w="med" len="med"/>
-                      <a:tailEnd type="none" w="med" len="med"/>
-                    </a:lnB>
-                  </a:tcPr>
-                </a:tc>
-                <a:tc>
-                  <a:txBody>
-                    <a:bodyPr/>
-                    <a:lstStyle/>
-                    <a:p>
-                      <a:pPr indent="457200" algn="ctr">
-                        <a:lnSpc>
-                          <a:spcPct val="150000"/>
-                        </a:lnSpc>
-                        <a:spcAft>
-                          <a:spcPts val="600"/>
-                        </a:spcAft>
-                      </a:pPr>
-                      <a:r>
-                        <a:rPr lang="ru-RU" sz="1400">
-                          <a:effectLst/>
-                          <a:latin typeface="Times New Roman"/>
-                          <a:ea typeface="Times New Roman"/>
-                        </a:rPr>
-                        <a:t>8</a:t>
-                      </a:r>
-                    </a:p>
-                  </a:txBody>
-                  <a:tcPr marL="68580" marR="68580" marT="0" marB="0">
-                    <a:lnL w="12700" cap="flat" cmpd="sng" algn="ctr">
-                      <a:solidFill>
-                        <a:srgbClr val="000000"/>
-                      </a:solidFill>
-                      <a:prstDash val="solid"/>
-                      <a:round/>
-                      <a:headEnd type="none" w="med" len="med"/>
-                      <a:tailEnd type="none" w="med" len="med"/>
-                    </a:lnL>
-                    <a:lnR w="12700" cap="flat" cmpd="sng" algn="ctr">
-                      <a:solidFill>
-                        <a:srgbClr val="000000"/>
-                      </a:solidFill>
-                      <a:prstDash val="solid"/>
-                      <a:round/>
-                      <a:headEnd type="none" w="med" len="med"/>
-                      <a:tailEnd type="none" w="med" len="med"/>
-                    </a:lnR>
-                    <a:lnT w="12700" cap="flat" cmpd="sng" algn="ctr">
-                      <a:solidFill>
-                        <a:srgbClr val="000000"/>
-                      </a:solidFill>
-                      <a:prstDash val="solid"/>
-                      <a:round/>
-                      <a:headEnd type="none" w="med" len="med"/>
-                      <a:tailEnd type="none" w="med" len="med"/>
-                    </a:lnT>
-                    <a:lnB w="12700" cap="flat" cmpd="sng" algn="ctr">
-                      <a:solidFill>
-                        <a:srgbClr val="000000"/>
-                      </a:solidFill>
-                      <a:prstDash val="solid"/>
-                      <a:round/>
-                      <a:headEnd type="none" w="med" len="med"/>
-                      <a:tailEnd type="none" w="med" len="med"/>
-                    </a:lnB>
-                  </a:tcPr>
-                </a:tc>
-              </a:tr>
-              <a:tr h="0">
-                <a:tc>
-                  <a:txBody>
-                    <a:bodyPr/>
-                    <a:lstStyle/>
-                    <a:p>
-                      <a:pPr indent="457200" algn="ctr">
-                        <a:lnSpc>
-                          <a:spcPct val="150000"/>
-                        </a:lnSpc>
-                        <a:spcAft>
-                          <a:spcPts val="600"/>
-                        </a:spcAft>
-                      </a:pPr>
-                      <a:r>
-                        <a:rPr lang="ru-RU" sz="1400" dirty="0">
-                          <a:effectLst/>
-                          <a:latin typeface="Times New Roman"/>
-                          <a:ea typeface="Times New Roman"/>
-                        </a:rPr>
-                        <a:t>Сумма рангов</a:t>
-                      </a:r>
-                    </a:p>
-                  </a:txBody>
-                  <a:tcPr marL="68580" marR="68580" marT="0" marB="0">
-                    <a:lnL w="12700" cap="flat" cmpd="sng" algn="ctr">
-                      <a:solidFill>
-                        <a:srgbClr val="000000"/>
-                      </a:solidFill>
-                      <a:prstDash val="solid"/>
-                      <a:round/>
-                      <a:headEnd type="none" w="med" len="med"/>
-                      <a:tailEnd type="none" w="med" len="med"/>
-                    </a:lnL>
-                    <a:lnR w="12700" cap="flat" cmpd="sng" algn="ctr">
-                      <a:solidFill>
-                        <a:srgbClr val="000000"/>
-                      </a:solidFill>
-                      <a:prstDash val="solid"/>
-                      <a:round/>
-                      <a:headEnd type="none" w="med" len="med"/>
-                      <a:tailEnd type="none" w="med" len="med"/>
-                    </a:lnR>
-                    <a:lnT w="12700" cap="flat" cmpd="sng" algn="ctr">
-                      <a:solidFill>
-                        <a:srgbClr val="000000"/>
-                      </a:solidFill>
-                      <a:prstDash val="solid"/>
-                      <a:round/>
-                      <a:headEnd type="none" w="med" len="med"/>
-                      <a:tailEnd type="none" w="med" len="med"/>
-                    </a:lnT>
-                    <a:lnB w="12700" cap="flat" cmpd="sng" algn="ctr">
-                      <a:solidFill>
-                        <a:srgbClr val="000000"/>
-                      </a:solidFill>
-                      <a:prstDash val="solid"/>
-                      <a:round/>
-                      <a:headEnd type="none" w="med" len="med"/>
-                      <a:tailEnd type="none" w="med" len="med"/>
-                    </a:lnB>
-                  </a:tcPr>
-                </a:tc>
-                <a:tc>
-                  <a:txBody>
-                    <a:bodyPr/>
-                    <a:lstStyle/>
-                    <a:p>
-                      <a:pPr indent="457200" algn="ctr">
-                        <a:lnSpc>
-                          <a:spcPct val="150000"/>
-                        </a:lnSpc>
-                        <a:spcAft>
-                          <a:spcPts val="600"/>
-                        </a:spcAft>
-                      </a:pPr>
-                      <a:r>
-                        <a:rPr lang="ru-RU" sz="1400">
-                          <a:effectLst/>
-                          <a:latin typeface="Times New Roman"/>
-                          <a:ea typeface="Times New Roman"/>
-                        </a:rPr>
-                        <a:t> </a:t>
-                      </a:r>
-                    </a:p>
-                  </a:txBody>
-                  <a:tcPr marL="68580" marR="68580" marT="0" marB="0">
-                    <a:lnL w="12700" cap="flat" cmpd="sng" algn="ctr">
-                      <a:solidFill>
-                        <a:srgbClr val="000000"/>
-                      </a:solidFill>
-                      <a:prstDash val="solid"/>
-                      <a:round/>
-                      <a:headEnd type="none" w="med" len="med"/>
-                      <a:tailEnd type="none" w="med" len="med"/>
-                    </a:lnL>
-                    <a:lnR w="12700" cap="flat" cmpd="sng" algn="ctr">
-                      <a:solidFill>
-                        <a:srgbClr val="000000"/>
-                      </a:solidFill>
-                      <a:prstDash val="solid"/>
-                      <a:round/>
-                      <a:headEnd type="none" w="med" len="med"/>
-                      <a:tailEnd type="none" w="med" len="med"/>
-                    </a:lnR>
-                    <a:lnT w="12700" cap="flat" cmpd="sng" algn="ctr">
-                      <a:solidFill>
-                        <a:srgbClr val="000000"/>
-                      </a:solidFill>
-                      <a:prstDash val="solid"/>
-                      <a:round/>
-                      <a:headEnd type="none" w="med" len="med"/>
-                      <a:tailEnd type="none" w="med" len="med"/>
-                    </a:lnT>
-                    <a:lnB w="12700" cap="flat" cmpd="sng" algn="ctr">
-                      <a:solidFill>
-                        <a:srgbClr val="000000"/>
-                      </a:solidFill>
-                      <a:prstDash val="solid"/>
-                      <a:round/>
-                      <a:headEnd type="none" w="med" len="med"/>
-                      <a:tailEnd type="none" w="med" len="med"/>
-                    </a:lnB>
-                  </a:tcPr>
-                </a:tc>
-                <a:tc>
-                  <a:txBody>
-                    <a:bodyPr/>
-                    <a:lstStyle/>
-                    <a:p>
-                      <a:pPr indent="457200" algn="ctr">
-                        <a:lnSpc>
-                          <a:spcPct val="150000"/>
-                        </a:lnSpc>
-                        <a:spcAft>
-                          <a:spcPts val="600"/>
-                        </a:spcAft>
-                      </a:pPr>
-                      <a:r>
-                        <a:rPr lang="ru-RU" sz="1400" b="1">
-                          <a:effectLst/>
-                          <a:latin typeface="Times New Roman"/>
-                          <a:ea typeface="Times New Roman"/>
-                        </a:rPr>
-                        <a:t>31</a:t>
-                      </a:r>
-                      <a:endParaRPr lang="ru-RU" sz="1400">
-                        <a:effectLst/>
-                        <a:latin typeface="Times New Roman"/>
-                        <a:ea typeface="Times New Roman"/>
-                      </a:endParaRPr>
-                    </a:p>
-                  </a:txBody>
-                  <a:tcPr marL="68580" marR="68580" marT="0" marB="0">
-                    <a:lnL w="12700" cap="flat" cmpd="sng" algn="ctr">
-                      <a:solidFill>
-                        <a:srgbClr val="000000"/>
-                      </a:solidFill>
-                      <a:prstDash val="solid"/>
-                      <a:round/>
-                      <a:headEnd type="none" w="med" len="med"/>
-                      <a:tailEnd type="none" w="med" len="med"/>
-                    </a:lnL>
-                    <a:lnR w="12700" cap="flat" cmpd="sng" algn="ctr">
-                      <a:solidFill>
-                        <a:srgbClr val="000000"/>
-                      </a:solidFill>
-                      <a:prstDash val="solid"/>
-                      <a:round/>
-                      <a:headEnd type="none" w="med" len="med"/>
-                      <a:tailEnd type="none" w="med" len="med"/>
-                    </a:lnR>
-                    <a:lnT w="12700" cap="flat" cmpd="sng" algn="ctr">
-                      <a:solidFill>
-                        <a:srgbClr val="000000"/>
-                      </a:solidFill>
-                      <a:prstDash val="solid"/>
-                      <a:round/>
-                      <a:headEnd type="none" w="med" len="med"/>
-                      <a:tailEnd type="none" w="med" len="med"/>
-                    </a:lnT>
-                    <a:lnB w="12700" cap="flat" cmpd="sng" algn="ctr">
-                      <a:solidFill>
-                        <a:srgbClr val="000000"/>
-                      </a:solidFill>
-                      <a:prstDash val="solid"/>
-                      <a:round/>
-                      <a:headEnd type="none" w="med" len="med"/>
-                      <a:tailEnd type="none" w="med" len="med"/>
-                    </a:lnB>
-                  </a:tcPr>
-                </a:tc>
-                <a:tc>
-                  <a:txBody>
-                    <a:bodyPr/>
-                    <a:lstStyle/>
-                    <a:p>
-                      <a:pPr indent="457200" algn="ctr">
-                        <a:lnSpc>
-                          <a:spcPct val="150000"/>
-                        </a:lnSpc>
-                        <a:spcAft>
-                          <a:spcPts val="600"/>
-                        </a:spcAft>
-                      </a:pPr>
-                      <a:r>
-                        <a:rPr lang="ru-RU" sz="1400">
-                          <a:effectLst/>
-                          <a:latin typeface="Times New Roman"/>
-                          <a:ea typeface="Times New Roman"/>
-                        </a:rPr>
-                        <a:t> </a:t>
-                      </a:r>
-                    </a:p>
-                  </a:txBody>
-                  <a:tcPr marL="68580" marR="68580" marT="0" marB="0">
-                    <a:lnL w="12700" cap="flat" cmpd="sng" algn="ctr">
-                      <a:solidFill>
-                        <a:srgbClr val="000000"/>
-                      </a:solidFill>
-                      <a:prstDash val="solid"/>
-                      <a:round/>
-                      <a:headEnd type="none" w="med" len="med"/>
-                      <a:tailEnd type="none" w="med" len="med"/>
-                    </a:lnL>
-                    <a:lnR w="12700" cap="flat" cmpd="sng" algn="ctr">
-                      <a:solidFill>
-                        <a:srgbClr val="000000"/>
-                      </a:solidFill>
-                      <a:prstDash val="solid"/>
-                      <a:round/>
-                      <a:headEnd type="none" w="med" len="med"/>
-                      <a:tailEnd type="none" w="med" len="med"/>
-                    </a:lnR>
-                    <a:lnT w="12700" cap="flat" cmpd="sng" algn="ctr">
-                      <a:solidFill>
-                        <a:srgbClr val="000000"/>
-                      </a:solidFill>
-                      <a:prstDash val="solid"/>
-                      <a:round/>
-                      <a:headEnd type="none" w="med" len="med"/>
-                      <a:tailEnd type="none" w="med" len="med"/>
-                    </a:lnT>
-                    <a:lnB w="12700" cap="flat" cmpd="sng" algn="ctr">
-                      <a:solidFill>
-                        <a:srgbClr val="000000"/>
-                      </a:solidFill>
-                      <a:prstDash val="solid"/>
-                      <a:round/>
-                      <a:headEnd type="none" w="med" len="med"/>
-                      <a:tailEnd type="none" w="med" len="med"/>
-                    </a:lnB>
-                  </a:tcPr>
-                </a:tc>
-                <a:tc>
-                  <a:txBody>
-                    <a:bodyPr/>
-                    <a:lstStyle/>
-                    <a:p>
-                      <a:pPr indent="457200" algn="ctr">
-                        <a:lnSpc>
-                          <a:spcPct val="150000"/>
-                        </a:lnSpc>
-                        <a:spcAft>
-                          <a:spcPts val="600"/>
-                        </a:spcAft>
-                      </a:pPr>
-                      <a:r>
-                        <a:rPr lang="ru-RU" sz="1400" b="1" dirty="0">
-                          <a:effectLst/>
-                          <a:latin typeface="Times New Roman"/>
-                          <a:ea typeface="Times New Roman"/>
-                        </a:rPr>
-                        <a:t>24</a:t>
-                      </a:r>
-                      <a:endParaRPr lang="ru-RU" sz="1400" dirty="0">
-                        <a:effectLst/>
-                        <a:latin typeface="Times New Roman"/>
-                        <a:ea typeface="Times New Roman"/>
-                      </a:endParaRPr>
-                    </a:p>
-                  </a:txBody>
-                  <a:tcPr marL="68580" marR="68580" marT="0" marB="0">
-                    <a:lnL w="12700" cap="flat" cmpd="sng" algn="ctr">
-                      <a:solidFill>
-                        <a:srgbClr val="000000"/>
-                      </a:solidFill>
-                      <a:prstDash val="solid"/>
-                      <a:round/>
-                      <a:headEnd type="none" w="med" len="med"/>
-                      <a:tailEnd type="none" w="med" len="med"/>
-                    </a:lnL>
-                    <a:lnR w="12700" cap="flat" cmpd="sng" algn="ctr">
-                      <a:solidFill>
-                        <a:srgbClr val="000000"/>
-                      </a:solidFill>
-                      <a:prstDash val="solid"/>
-                      <a:round/>
-                      <a:headEnd type="none" w="med" len="med"/>
-                      <a:tailEnd type="none" w="med" len="med"/>
-                    </a:lnR>
-                    <a:lnT w="12700" cap="flat" cmpd="sng" algn="ctr">
-                      <a:solidFill>
-                        <a:srgbClr val="000000"/>
-                      </a:solidFill>
-                      <a:prstDash val="solid"/>
-                      <a:round/>
-                      <a:headEnd type="none" w="med" len="med"/>
-                      <a:tailEnd type="none" w="med" len="med"/>
-                    </a:lnT>
-                    <a:lnB w="12700" cap="flat" cmpd="sng" algn="ctr">
-                      <a:solidFill>
-                        <a:srgbClr val="000000"/>
-                      </a:solidFill>
-                      <a:prstDash val="solid"/>
-                      <a:round/>
-                      <a:headEnd type="none" w="med" len="med"/>
-                      <a:tailEnd type="none" w="med" len="med"/>
-                    </a:lnB>
-                  </a:tcPr>
-                </a:tc>
-              </a:tr>
-            </a:tbl>
-          </a:graphicData>
-        </a:graphic>
-      </p:graphicFrame>
-      <mc:AlternateContent xmlns:mc="http://schemas.openxmlformats.org/markup-compatibility/2006" xmlns:a14="http://schemas.microsoft.com/office/drawing/2010/main">
-        <mc:Choice Requires="a14">
+      <mc:AlternateContent xmlns:mc="http://schemas.openxmlformats.org/markup-compatibility/2006">
+        <mc:Choice xmlns:a14="http://schemas.microsoft.com/office/drawing/2010/main" Requires="a14">
           <p:sp>
             <p:nvSpPr>
               <p:cNvPr id="11" name="Прямоугольник 10"/>
@@ -13367,7 +10322,7 @@
             </p:nvSpPr>
             <p:spPr>
               <a:xfrm>
-                <a:off x="395536" y="5805264"/>
+                <a:off x="416991" y="3632229"/>
                 <a:ext cx="2207399" cy="369332"/>
               </a:xfrm>
               <a:prstGeom prst="rect">
@@ -13437,7 +10392,7 @@
             </p:txBody>
           </p:sp>
         </mc:Choice>
-        <mc:Fallback xmlns="">
+        <mc:Fallback>
           <p:sp>
             <p:nvSpPr>
               <p:cNvPr id="11" name="Прямоугольник 10"/>
@@ -13448,7 +10403,7 @@
             </p:nvSpPr>
             <p:spPr>
               <a:xfrm>
-                <a:off x="395536" y="5805264"/>
+                <a:off x="416991" y="3632229"/>
                 <a:ext cx="2207399" cy="369332"/>
               </a:xfrm>
               <a:prstGeom prst="rect">
@@ -13457,7 +10412,7 @@
               <a:blipFill rotWithShape="1">
                 <a:blip r:embed="rId3"/>
                 <a:stretch>
-                  <a:fillRect t="-8197" r="-1657" b="-24590"/>
+                  <a:fillRect t="-8333" r="-826" b="-26667"/>
                 </a:stretch>
               </a:blipFill>
             </p:spPr>
@@ -13476,8 +10431,8 @@
           </p:sp>
         </mc:Fallback>
       </mc:AlternateContent>
-      <mc:AlternateContent xmlns:mc="http://schemas.openxmlformats.org/markup-compatibility/2006" xmlns:a14="http://schemas.microsoft.com/office/drawing/2010/main">
-        <mc:Choice Requires="a14">
+      <mc:AlternateContent xmlns:mc="http://schemas.openxmlformats.org/markup-compatibility/2006">
+        <mc:Choice xmlns:a14="http://schemas.microsoft.com/office/drawing/2010/main" Requires="a14">
           <p:sp>
             <p:nvSpPr>
               <p:cNvPr id="12" name="Прямоугольник 11"/>
@@ -13486,7 +10441,7 @@
             </p:nvSpPr>
             <p:spPr>
               <a:xfrm>
-                <a:off x="395536" y="6184044"/>
+                <a:off x="416991" y="4005064"/>
                 <a:ext cx="1067856" cy="394210"/>
               </a:xfrm>
               <a:prstGeom prst="rect">
@@ -13545,7 +10500,7 @@
             </p:txBody>
           </p:sp>
         </mc:Choice>
-        <mc:Fallback xmlns="">
+        <mc:Fallback>
           <p:sp>
             <p:nvSpPr>
               <p:cNvPr id="12" name="Прямоугольник 11"/>
@@ -13556,7 +10511,7 @@
             </p:nvSpPr>
             <p:spPr>
               <a:xfrm>
-                <a:off x="395536" y="6184044"/>
+                <a:off x="416991" y="4005064"/>
                 <a:ext cx="1067856" cy="394210"/>
               </a:xfrm>
               <a:prstGeom prst="rect">
@@ -13584,8 +10539,8 @@
           </p:sp>
         </mc:Fallback>
       </mc:AlternateContent>
-      <mc:AlternateContent xmlns:mc="http://schemas.openxmlformats.org/markup-compatibility/2006" xmlns:a14="http://schemas.microsoft.com/office/drawing/2010/main">
-        <mc:Choice Requires="a14">
+      <mc:AlternateContent xmlns:mc="http://schemas.openxmlformats.org/markup-compatibility/2006">
+        <mc:Choice xmlns:a14="http://schemas.microsoft.com/office/drawing/2010/main" Requires="a14">
           <p:sp>
             <p:nvSpPr>
               <p:cNvPr id="13" name="Прямоугольник 12"/>
@@ -13594,7 +10549,7 @@
             </p:nvSpPr>
             <p:spPr>
               <a:xfrm>
-                <a:off x="3314078" y="5977491"/>
+                <a:off x="434034" y="4581128"/>
                 <a:ext cx="1069460" cy="394210"/>
               </a:xfrm>
               <a:prstGeom prst="rect">
@@ -13657,7 +10612,7 @@
             </p:txBody>
           </p:sp>
         </mc:Choice>
-        <mc:Fallback xmlns="">
+        <mc:Fallback>
           <p:sp>
             <p:nvSpPr>
               <p:cNvPr id="13" name="Прямоугольник 12"/>
@@ -13668,7 +10623,7 @@
             </p:nvSpPr>
             <p:spPr>
               <a:xfrm>
-                <a:off x="3314078" y="5977491"/>
+                <a:off x="434034" y="4581128"/>
                 <a:ext cx="1069460" cy="394210"/>
               </a:xfrm>
               <a:prstGeom prst="rect">
@@ -13677,7 +10632,7 @@
               <a:blipFill rotWithShape="1">
                 <a:blip r:embed="rId5"/>
                 <a:stretch>
-                  <a:fillRect b="-4688"/>
+                  <a:fillRect b="-3077"/>
                 </a:stretch>
               </a:blipFill>
             </p:spPr>
@@ -13698,14 +10653,44 @@
       </mc:AlternateContent>
       <p:sp>
         <p:nvSpPr>
-          <p:cNvPr id="9" name="Прямоугольник 5"/>
+          <p:cNvPr id="14" name="Заголовок 1"/>
+          <p:cNvSpPr>
+            <a:spLocks noGrp="1"/>
+          </p:cNvSpPr>
+          <p:nvPr>
+            <p:ph type="title"/>
+          </p:nvPr>
+        </p:nvSpPr>
+        <p:spPr>
+          <a:xfrm>
+            <a:off x="457200" y="274638"/>
+            <a:ext cx="8229600" cy="1143000"/>
+          </a:xfrm>
+        </p:spPr>
+        <p:txBody>
+          <a:bodyPr>
+            <a:noAutofit/>
+          </a:bodyPr>
+          <a:lstStyle/>
+          <a:p>
+            <a:r>
+              <a:rPr lang="ru-RU" sz="3600" dirty="0" smtClean="0"/>
+              <a:t>Результаты экспериментов по проверке адекватности предложенного метода</a:t>
+            </a:r>
+            <a:endParaRPr lang="ru-RU" sz="3600" dirty="0"/>
+          </a:p>
+        </p:txBody>
+      </p:sp>
+      <p:sp>
+        <p:nvSpPr>
+          <p:cNvPr id="3" name="Прямоугольник 2"/>
           <p:cNvSpPr/>
           <p:nvPr/>
         </p:nvSpPr>
         <p:spPr>
           <a:xfrm>
-            <a:off x="467544" y="2245824"/>
-            <a:ext cx="8136904" cy="338554"/>
+            <a:off x="107504" y="5373216"/>
+            <a:ext cx="8878439" cy="923330"/>
           </a:xfrm>
           <a:prstGeom prst="rect">
             <a:avLst/>
@@ -13717,12 +10702,85 @@
           </a:bodyPr>
           <a:lstStyle/>
           <a:p>
-            <a:pPr algn="just"/>
+            <a:r>
+              <a:rPr lang="ru-RU" b="1" dirty="0"/>
+              <a:t>	</a:t>
+            </a:r>
+            <a:r>
+              <a:rPr lang="ru-RU" dirty="0" smtClean="0"/>
+              <a:t>Значения, полученные с помощью разработанного программного комплекса по Критерию Манна-Уитни </a:t>
+            </a:r>
+            <a:r>
+              <a:rPr lang="ru-RU" b="1" dirty="0" smtClean="0"/>
+              <a:t>не менее значимы</a:t>
+            </a:r>
+            <a:r>
+              <a:rPr lang="ru-RU" dirty="0" smtClean="0"/>
+              <a:t>, чем  значения, полученные с помощью «</a:t>
+            </a:r>
+            <a:r>
+              <a:rPr lang="en-US" dirty="0" smtClean="0"/>
+              <a:t>I4Plan</a:t>
+            </a:r>
+            <a:r>
+              <a:rPr lang="ru-RU" dirty="0" smtClean="0"/>
+              <a:t>».</a:t>
+            </a:r>
+            <a:endParaRPr lang="ru-RU" dirty="0"/>
+          </a:p>
+        </p:txBody>
+      </p:sp>
+      <p:sp>
+        <p:nvSpPr>
+          <p:cNvPr id="6" name="Прямоугольник 5"/>
+          <p:cNvSpPr/>
+          <p:nvPr/>
+        </p:nvSpPr>
+        <p:spPr>
+          <a:xfrm>
+            <a:off x="416991" y="1556792"/>
+            <a:ext cx="8100679" cy="615553"/>
+          </a:xfrm>
+          <a:prstGeom prst="rect">
+            <a:avLst/>
+          </a:prstGeom>
+        </p:spPr>
+        <p:txBody>
+          <a:bodyPr wrap="none">
+            <a:spAutoFit/>
+          </a:bodyPr>
+          <a:lstStyle/>
+          <a:p>
+            <a:r>
+              <a:rPr lang="ru-RU" b="1" dirty="0"/>
+              <a:t>«</a:t>
+            </a:r>
+            <a:r>
+              <a:rPr lang="en-US" b="1" dirty="0"/>
+              <a:t>I4Plan</a:t>
+            </a:r>
+            <a:r>
+              <a:rPr lang="ru-RU" b="1" dirty="0" smtClean="0"/>
+              <a:t>» </a:t>
+            </a:r>
+            <a:r>
+              <a:rPr lang="ru-RU" dirty="0" smtClean="0"/>
+              <a:t>- </a:t>
+            </a:r>
             <a:r>
               <a:rPr lang="ru-RU" sz="1600" dirty="0" smtClean="0"/>
-              <a:t>Таблица 3. Расчет рангов для сравниваемых выборок</a:t>
-            </a:r>
-            <a:endParaRPr lang="ru-RU" sz="1600" dirty="0"/>
+              <a:t>система оптимизации режимов работы котельного отделения электростанции,</a:t>
+            </a:r>
+          </a:p>
+          <a:p>
+            <a:r>
+              <a:rPr lang="ru-RU" sz="1600" dirty="0" smtClean="0"/>
+              <a:t> </a:t>
+            </a:r>
+            <a:r>
+              <a:rPr lang="ru-RU" sz="1600" dirty="0"/>
+              <a:t>(ЗАО «Крок инкорпорейтед», 2012).</a:t>
+            </a:r>
           </a:p>
         </p:txBody>
       </p:sp>
@@ -13746,7 +10804,7 @@
 </p:sld>
 </file>
 
-<file path=ppt/slides/slide21.xml><?xml version="1.0" encoding="utf-8"?>
+<file path=ppt/slides/slide18.xml><?xml version="1.0" encoding="utf-8"?>
 <p:sld xmlns:a="http://schemas.openxmlformats.org/drawingml/2006/main" xmlns:r="http://schemas.openxmlformats.org/officeDocument/2006/relationships" xmlns:p="http://schemas.openxmlformats.org/presentationml/2006/main">
   <p:cSld>
     <p:spTree>
@@ -13780,7 +10838,7 @@
           <a:p>
             <a:fld id="{B19B0651-EE4F-4900-A07F-96A6BFA9D0F0}" type="slidenum">
               <a:rPr lang="ru-RU" smtClean="0"/>
-              <a:t>21</a:t>
+              <a:t>18</a:t>
             </a:fld>
             <a:endParaRPr lang="ru-RU"/>
           </a:p>
@@ -13961,7 +11019,7 @@
 </p:sld>
 </file>
 
-<file path=ppt/slides/slide22.xml><?xml version="1.0" encoding="utf-8"?>
+<file path=ppt/slides/slide19.xml><?xml version="1.0" encoding="utf-8"?>
 <p:sld xmlns:a="http://schemas.openxmlformats.org/drawingml/2006/main" xmlns:r="http://schemas.openxmlformats.org/officeDocument/2006/relationships" xmlns:p="http://schemas.openxmlformats.org/presentationml/2006/main">
   <p:cSld>
     <p:spTree>
@@ -13995,7 +11053,7 @@
           <a:p>
             <a:fld id="{B19B0651-EE4F-4900-A07F-96A6BFA9D0F0}" type="slidenum">
               <a:rPr lang="ru-RU" smtClean="0"/>
-              <a:t>22</a:t>
+              <a:t>19</a:t>
             </a:fld>
             <a:endParaRPr lang="ru-RU"/>
           </a:p>
@@ -14040,27 +11098,27 @@
           <p:nvPr>
             <p:extLst>
               <p:ext uri="{D42A27DB-BD31-4B8C-83A1-F6EECF244321}">
-                <p14:modId xmlns:p14="http://schemas.microsoft.com/office/powerpoint/2010/main" val="2874276895"/>
+                <p14:modId xmlns:p14="http://schemas.microsoft.com/office/powerpoint/2010/main" val="3747561491"/>
               </p:ext>
             </p:extLst>
           </p:nvPr>
         </p:nvGraphicFramePr>
         <p:xfrm>
           <a:off x="431540" y="1988841"/>
-          <a:ext cx="8496944" cy="4464495"/>
+          <a:ext cx="8496944" cy="3873076"/>
         </p:xfrm>
         <a:graphic>
           <a:graphicData uri="http://schemas.openxmlformats.org/drawingml/2006/table">
             <a:tbl>
               <a:tblPr firstRow="1" firstCol="1" bandRow="1"/>
               <a:tblGrid>
-                <a:gridCol w="2556284"/>
-                <a:gridCol w="1512168"/>
-                <a:gridCol w="1296144"/>
-                <a:gridCol w="1655970"/>
-                <a:gridCol w="1476378"/>
+                <a:gridCol w="2844316"/>
+                <a:gridCol w="1440160"/>
+                <a:gridCol w="1728192"/>
+                <a:gridCol w="1440160"/>
+                <a:gridCol w="1044116"/>
               </a:tblGrid>
-              <a:tr h="454597">
+              <a:tr h="347630">
                 <a:tc>
                   <a:txBody>
                     <a:bodyPr/>
@@ -14142,7 +11200,7 @@
                         </a:spcAft>
                       </a:pPr>
                       <a:r>
-                        <a:rPr lang="ru-RU" sz="1400" b="1">
+                        <a:rPr lang="ru-RU" sz="1400" b="1" dirty="0">
                           <a:effectLst/>
                           <a:latin typeface="Times New Roman"/>
                           <a:ea typeface="Times New Roman"/>
@@ -14150,7 +11208,7 @@
                         <a:t>Режим работы («</a:t>
                       </a:r>
                       <a:r>
-                        <a:rPr lang="en-US" sz="1400" b="1">
+                        <a:rPr lang="en-US" sz="1400" b="1" dirty="0">
                           <a:effectLst/>
                           <a:latin typeface="Times New Roman"/>
                           <a:ea typeface="Times New Roman"/>
@@ -14158,14 +11216,14 @@
                         <a:t>I4Plan</a:t>
                       </a:r>
                       <a:r>
-                        <a:rPr lang="ru-RU" sz="1400" b="1">
+                        <a:rPr lang="ru-RU" sz="1400" b="1" dirty="0">
                           <a:effectLst/>
                           <a:latin typeface="Times New Roman"/>
                           <a:ea typeface="Times New Roman"/>
                         </a:rPr>
                         <a:t>»)</a:t>
                       </a:r>
-                      <a:endParaRPr lang="ru-RU" sz="1400">
+                      <a:endParaRPr lang="ru-RU" sz="1400" dirty="0">
                         <a:effectLst/>
                         <a:latin typeface="Times New Roman"/>
                         <a:ea typeface="Times New Roman"/>
@@ -14299,7 +11357,7 @@
                   <a:tcPr/>
                 </a:tc>
               </a:tr>
-              <a:tr h="681896">
+              <a:tr h="695261">
                 <a:tc>
                   <a:txBody>
                     <a:bodyPr/>
@@ -14606,7 +11664,7 @@
                         </a:spcAft>
                       </a:pPr>
                       <a:r>
-                        <a:rPr lang="ru-RU" sz="1400" b="1">
+                        <a:rPr lang="ru-RU" sz="1400" b="1" dirty="0">
                           <a:effectLst/>
                           <a:latin typeface="Times New Roman"/>
                           <a:ea typeface="Times New Roman"/>
@@ -14614,7 +11672,7 @@
                         <a:t>Паровая нагрузка, </a:t>
                       </a:r>
                       <a:r>
-                        <a:rPr lang="en-US" sz="1400" b="1">
+                        <a:rPr lang="en-US" sz="1400" b="1" dirty="0">
                           <a:effectLst/>
                           <a:latin typeface="Times New Roman"/>
                           <a:ea typeface="Times New Roman"/>
@@ -14622,7 +11680,7 @@
                         <a:t>[</a:t>
                       </a:r>
                       <a:r>
-                        <a:rPr lang="ru-RU" sz="1400" b="1">
+                        <a:rPr lang="ru-RU" sz="1400" b="1" dirty="0">
                           <a:effectLst/>
                           <a:latin typeface="Times New Roman"/>
                           <a:ea typeface="Times New Roman"/>
@@ -14630,14 +11688,14 @@
                         <a:t>тонн/час</a:t>
                       </a:r>
                       <a:r>
-                        <a:rPr lang="en-US" sz="1400" b="1">
+                        <a:rPr lang="en-US" sz="1400" b="1" dirty="0">
                           <a:effectLst/>
                           <a:latin typeface="Times New Roman"/>
                           <a:ea typeface="Times New Roman"/>
                         </a:rPr>
                         <a:t>]</a:t>
                       </a:r>
-                      <a:endParaRPr lang="ru-RU" sz="1400">
+                      <a:endParaRPr lang="ru-RU" sz="1400" dirty="0">
                         <a:effectLst/>
                         <a:latin typeface="Times New Roman"/>
                         <a:ea typeface="Times New Roman"/>
@@ -14684,7 +11742,7 @@
                   </a:tcPr>
                 </a:tc>
               </a:tr>
-              <a:tr h="272006">
+              <a:tr h="173815">
                 <a:tc>
                   <a:txBody>
                     <a:bodyPr/>
@@ -14996,7 +12054,7 @@
                   </a:tcPr>
                 </a:tc>
               </a:tr>
-              <a:tr h="272006">
+              <a:tr h="173815">
                 <a:tc>
                   <a:txBody>
                     <a:bodyPr/>
@@ -15308,7 +12366,7 @@
                   </a:tcPr>
                 </a:tc>
               </a:tr>
-              <a:tr h="272006">
+              <a:tr h="173815">
                 <a:tc>
                   <a:txBody>
                     <a:bodyPr/>
@@ -15620,7 +12678,7 @@
                   </a:tcPr>
                 </a:tc>
               </a:tr>
-              <a:tr h="227299">
+              <a:tr h="173815">
                 <a:tc>
                   <a:txBody>
                     <a:bodyPr/>
@@ -15932,7 +12990,7 @@
                   </a:tcPr>
                 </a:tc>
               </a:tr>
-              <a:tr h="227299">
+              <a:tr h="173815">
                 <a:tc>
                   <a:txBody>
                     <a:bodyPr/>
@@ -16244,7 +13302,7 @@
                   </a:tcPr>
                 </a:tc>
               </a:tr>
-              <a:tr h="227299">
+              <a:tr h="173815">
                 <a:tc>
                   <a:txBody>
                     <a:bodyPr/>
@@ -16556,7 +13614,7 @@
                   </a:tcPr>
                 </a:tc>
               </a:tr>
-              <a:tr h="454597">
+              <a:tr h="229658">
                 <a:tc>
                   <a:txBody>
                     <a:bodyPr/>
@@ -16795,7 +13853,7 @@
                   <a:tcPr/>
                 </a:tc>
               </a:tr>
-              <a:tr h="454597">
+              <a:tr h="229658">
                 <a:tc>
                   <a:txBody>
                     <a:bodyPr/>
@@ -17042,7 +14100,7 @@
                   <a:tcPr/>
                 </a:tc>
               </a:tr>
-              <a:tr h="454597">
+              <a:tr h="347630">
                 <a:tc>
                   <a:txBody>
                     <a:bodyPr/>
@@ -17265,7 +14323,7 @@
                   <a:tcPr/>
                 </a:tc>
               </a:tr>
-              <a:tr h="466296">
+              <a:tr h="347630">
                 <a:tc>
                   <a:txBody>
                     <a:bodyPr/>
@@ -17598,7 +14656,385 @@
 </p:sld>
 </file>
 
-<file path=ppt/slides/slide23.xml><?xml version="1.0" encoding="utf-8"?>
+<file path=ppt/slides/slide2.xml><?xml version="1.0" encoding="utf-8"?>
+<p:sld xmlns:a="http://schemas.openxmlformats.org/drawingml/2006/main" xmlns:r="http://schemas.openxmlformats.org/officeDocument/2006/relationships" xmlns:p="http://schemas.openxmlformats.org/presentationml/2006/main">
+  <p:cSld>
+    <p:spTree>
+      <p:nvGrpSpPr>
+        <p:cNvPr id="1" name=""/>
+        <p:cNvGrpSpPr/>
+        <p:nvPr/>
+      </p:nvGrpSpPr>
+      <p:grpSpPr>
+        <a:xfrm>
+          <a:off x="0" y="0"/>
+          <a:ext cx="0" cy="0"/>
+          <a:chOff x="0" y="0"/>
+          <a:chExt cx="0" cy="0"/>
+        </a:xfrm>
+      </p:grpSpPr>
+      <p:sp>
+        <p:nvSpPr>
+          <p:cNvPr id="4" name="Заголовок 1"/>
+          <p:cNvSpPr>
+            <a:spLocks noGrp="1"/>
+          </p:cNvSpPr>
+          <p:nvPr>
+            <p:ph type="title"/>
+          </p:nvPr>
+        </p:nvSpPr>
+        <p:spPr>
+          <a:xfrm>
+            <a:off x="457200" y="274638"/>
+            <a:ext cx="8229600" cy="1143000"/>
+          </a:xfrm>
+        </p:spPr>
+        <p:txBody>
+          <a:bodyPr>
+            <a:normAutofit/>
+          </a:bodyPr>
+          <a:lstStyle/>
+          <a:p>
+            <a:r>
+              <a:rPr lang="ru-RU" dirty="0" smtClean="0"/>
+              <a:t>Цель и задачи работы</a:t>
+            </a:r>
+            <a:endParaRPr lang="ru-RU" dirty="0"/>
+          </a:p>
+        </p:txBody>
+      </p:sp>
+      <p:sp>
+        <p:nvSpPr>
+          <p:cNvPr id="6" name="Объект 2"/>
+          <p:cNvSpPr txBox="1">
+            <a:spLocks/>
+          </p:cNvSpPr>
+          <p:nvPr/>
+        </p:nvSpPr>
+        <p:spPr>
+          <a:xfrm>
+            <a:off x="609600" y="1412776"/>
+            <a:ext cx="8229600" cy="5112568"/>
+          </a:xfrm>
+          <a:prstGeom prst="rect">
+            <a:avLst/>
+          </a:prstGeom>
+        </p:spPr>
+        <p:txBody>
+          <a:bodyPr vert="horz" lIns="91440" tIns="45720" rIns="91440" bIns="45720" rtlCol="0">
+            <a:normAutofit fontScale="62500" lnSpcReduction="20000"/>
+          </a:bodyPr>
+          <a:lstStyle>
+            <a:lvl1pPr marL="342900" indent="-342900" algn="l" defTabSz="914400" rtl="0" eaLnBrk="1" latinLnBrk="0" hangingPunct="1">
+              <a:spcBef>
+                <a:spcPct val="20000"/>
+              </a:spcBef>
+              <a:buFont typeface="Arial" pitchFamily="34" charset="0"/>
+              <a:buChar char="•"/>
+              <a:defRPr sz="3200" kern="1200">
+                <a:solidFill>
+                  <a:schemeClr val="tx1"/>
+                </a:solidFill>
+                <a:latin typeface="+mn-lt"/>
+                <a:ea typeface="+mn-ea"/>
+                <a:cs typeface="+mn-cs"/>
+              </a:defRPr>
+            </a:lvl1pPr>
+            <a:lvl2pPr marL="742950" indent="-285750" algn="l" defTabSz="914400" rtl="0" eaLnBrk="1" latinLnBrk="0" hangingPunct="1">
+              <a:spcBef>
+                <a:spcPct val="20000"/>
+              </a:spcBef>
+              <a:buFont typeface="Arial" pitchFamily="34" charset="0"/>
+              <a:buChar char="–"/>
+              <a:defRPr sz="2800" kern="1200">
+                <a:solidFill>
+                  <a:schemeClr val="tx1"/>
+                </a:solidFill>
+                <a:latin typeface="+mn-lt"/>
+                <a:ea typeface="+mn-ea"/>
+                <a:cs typeface="+mn-cs"/>
+              </a:defRPr>
+            </a:lvl2pPr>
+            <a:lvl3pPr marL="1143000" indent="-228600" algn="l" defTabSz="914400" rtl="0" eaLnBrk="1" latinLnBrk="0" hangingPunct="1">
+              <a:spcBef>
+                <a:spcPct val="20000"/>
+              </a:spcBef>
+              <a:buFont typeface="Arial" pitchFamily="34" charset="0"/>
+              <a:buChar char="•"/>
+              <a:defRPr sz="2400" kern="1200">
+                <a:solidFill>
+                  <a:schemeClr val="tx1"/>
+                </a:solidFill>
+                <a:latin typeface="+mn-lt"/>
+                <a:ea typeface="+mn-ea"/>
+                <a:cs typeface="+mn-cs"/>
+              </a:defRPr>
+            </a:lvl3pPr>
+            <a:lvl4pPr marL="1600200" indent="-228600" algn="l" defTabSz="914400" rtl="0" eaLnBrk="1" latinLnBrk="0" hangingPunct="1">
+              <a:spcBef>
+                <a:spcPct val="20000"/>
+              </a:spcBef>
+              <a:buFont typeface="Arial" pitchFamily="34" charset="0"/>
+              <a:buChar char="–"/>
+              <a:defRPr sz="2000" kern="1200">
+                <a:solidFill>
+                  <a:schemeClr val="tx1"/>
+                </a:solidFill>
+                <a:latin typeface="+mn-lt"/>
+                <a:ea typeface="+mn-ea"/>
+                <a:cs typeface="+mn-cs"/>
+              </a:defRPr>
+            </a:lvl4pPr>
+            <a:lvl5pPr marL="2057400" indent="-228600" algn="l" defTabSz="914400" rtl="0" eaLnBrk="1" latinLnBrk="0" hangingPunct="1">
+              <a:spcBef>
+                <a:spcPct val="20000"/>
+              </a:spcBef>
+              <a:buFont typeface="Arial" pitchFamily="34" charset="0"/>
+              <a:buChar char="»"/>
+              <a:defRPr sz="2000" kern="1200">
+                <a:solidFill>
+                  <a:schemeClr val="tx1"/>
+                </a:solidFill>
+                <a:latin typeface="+mn-lt"/>
+                <a:ea typeface="+mn-ea"/>
+                <a:cs typeface="+mn-cs"/>
+              </a:defRPr>
+            </a:lvl5pPr>
+            <a:lvl6pPr marL="2514600" indent="-228600" algn="l" defTabSz="914400" rtl="0" eaLnBrk="1" latinLnBrk="0" hangingPunct="1">
+              <a:spcBef>
+                <a:spcPct val="20000"/>
+              </a:spcBef>
+              <a:buFont typeface="Arial" pitchFamily="34" charset="0"/>
+              <a:buChar char="•"/>
+              <a:defRPr sz="2000" kern="1200">
+                <a:solidFill>
+                  <a:schemeClr val="tx1"/>
+                </a:solidFill>
+                <a:latin typeface="+mn-lt"/>
+                <a:ea typeface="+mn-ea"/>
+                <a:cs typeface="+mn-cs"/>
+              </a:defRPr>
+            </a:lvl6pPr>
+            <a:lvl7pPr marL="2971800" indent="-228600" algn="l" defTabSz="914400" rtl="0" eaLnBrk="1" latinLnBrk="0" hangingPunct="1">
+              <a:spcBef>
+                <a:spcPct val="20000"/>
+              </a:spcBef>
+              <a:buFont typeface="Arial" pitchFamily="34" charset="0"/>
+              <a:buChar char="•"/>
+              <a:defRPr sz="2000" kern="1200">
+                <a:solidFill>
+                  <a:schemeClr val="tx1"/>
+                </a:solidFill>
+                <a:latin typeface="+mn-lt"/>
+                <a:ea typeface="+mn-ea"/>
+                <a:cs typeface="+mn-cs"/>
+              </a:defRPr>
+            </a:lvl7pPr>
+            <a:lvl8pPr marL="3429000" indent="-228600" algn="l" defTabSz="914400" rtl="0" eaLnBrk="1" latinLnBrk="0" hangingPunct="1">
+              <a:spcBef>
+                <a:spcPct val="20000"/>
+              </a:spcBef>
+              <a:buFont typeface="Arial" pitchFamily="34" charset="0"/>
+              <a:buChar char="•"/>
+              <a:defRPr sz="2000" kern="1200">
+                <a:solidFill>
+                  <a:schemeClr val="tx1"/>
+                </a:solidFill>
+                <a:latin typeface="+mn-lt"/>
+                <a:ea typeface="+mn-ea"/>
+                <a:cs typeface="+mn-cs"/>
+              </a:defRPr>
+            </a:lvl8pPr>
+            <a:lvl9pPr marL="3886200" indent="-228600" algn="l" defTabSz="914400" rtl="0" eaLnBrk="1" latinLnBrk="0" hangingPunct="1">
+              <a:spcBef>
+                <a:spcPct val="20000"/>
+              </a:spcBef>
+              <a:buFont typeface="Arial" pitchFamily="34" charset="0"/>
+              <a:buChar char="•"/>
+              <a:defRPr sz="2000" kern="1200">
+                <a:solidFill>
+                  <a:schemeClr val="tx1"/>
+                </a:solidFill>
+                <a:latin typeface="+mn-lt"/>
+                <a:ea typeface="+mn-ea"/>
+                <a:cs typeface="+mn-cs"/>
+              </a:defRPr>
+            </a:lvl9pPr>
+          </a:lstStyle>
+          <a:p>
+            <a:pPr marL="0" indent="0" algn="just">
+              <a:buNone/>
+            </a:pPr>
+            <a:r>
+              <a:rPr lang="ru-RU" sz="3400" b="1" dirty="0" smtClean="0"/>
+              <a:t>Цель работы – </a:t>
+            </a:r>
+            <a:r>
+              <a:rPr lang="ru-RU" sz="3400" dirty="0" smtClean="0"/>
+              <a:t>разработка метода многокритериальной оптимизации режимов работы котельного отделения электростанции и его исследование на примере котельного отделения ТЭЦ-20 Мосэнерго .</a:t>
+            </a:r>
+            <a:endParaRPr lang="ru-RU" sz="3400" dirty="0" smtClean="0">
+              <a:solidFill>
+                <a:srgbClr val="FF0000"/>
+              </a:solidFill>
+            </a:endParaRPr>
+          </a:p>
+          <a:p>
+            <a:pPr marL="0" indent="0">
+              <a:buFont typeface="Arial" pitchFamily="34" charset="0"/>
+              <a:buNone/>
+            </a:pPr>
+            <a:endParaRPr lang="ru-RU" sz="3400" b="1" dirty="0" smtClean="0"/>
+          </a:p>
+          <a:p>
+            <a:pPr marL="0" indent="0">
+              <a:buFont typeface="Arial" pitchFamily="34" charset="0"/>
+              <a:buNone/>
+            </a:pPr>
+            <a:r>
+              <a:rPr lang="ru-RU" sz="3400" b="1" dirty="0" smtClean="0"/>
+              <a:t>Решаемые задачи:</a:t>
+            </a:r>
+          </a:p>
+          <a:p>
+            <a:pPr marL="514350" indent="-514350" algn="just">
+              <a:buFont typeface="+mj-lt"/>
+              <a:buAutoNum type="arabicPeriod"/>
+            </a:pPr>
+            <a:r>
+              <a:rPr lang="ru-RU" sz="3400" dirty="0" smtClean="0"/>
+              <a:t>Анализ существующих оптимизационных продуктов и решений;</a:t>
+            </a:r>
+          </a:p>
+          <a:p>
+            <a:pPr marL="514350" indent="-514350" algn="just">
+              <a:buFont typeface="+mj-lt"/>
+              <a:buAutoNum type="arabicPeriod"/>
+            </a:pPr>
+            <a:r>
+              <a:rPr lang="ru-RU" sz="3400" dirty="0" smtClean="0"/>
+              <a:t>Анализ существующих алгоритмов оптимизации и выбор одного из них для реализации;</a:t>
+            </a:r>
+          </a:p>
+          <a:p>
+            <a:pPr marL="514350" indent="-514350" algn="just">
+              <a:buFont typeface="+mj-lt"/>
+              <a:buAutoNum type="arabicPeriod"/>
+            </a:pPr>
+            <a:r>
+              <a:rPr lang="ru-RU" sz="3400" dirty="0" smtClean="0"/>
+              <a:t>Разработка математической модели многокритериальной оптимизации;</a:t>
+            </a:r>
+            <a:endParaRPr lang="ru-RU" sz="3400" dirty="0" smtClean="0"/>
+          </a:p>
+          <a:p>
+            <a:pPr marL="514350" indent="-514350" algn="just">
+              <a:buFont typeface="+mj-lt"/>
+              <a:buAutoNum type="arabicPeriod"/>
+            </a:pPr>
+            <a:r>
+              <a:rPr lang="ru-RU" sz="3400" dirty="0" smtClean="0"/>
+              <a:t>Разработка метода многокритериальной оптимизации;</a:t>
+            </a:r>
+          </a:p>
+          <a:p>
+            <a:pPr marL="514350" indent="-514350" algn="just">
+              <a:buFont typeface="+mj-lt"/>
+              <a:buAutoNum type="arabicPeriod"/>
+            </a:pPr>
+            <a:r>
+              <a:rPr lang="ru-RU" sz="3400" dirty="0" smtClean="0"/>
+              <a:t>Разработка программного продукта на основе данного метода;</a:t>
+            </a:r>
+            <a:endParaRPr lang="en-US" sz="3400" dirty="0" smtClean="0"/>
+          </a:p>
+          <a:p>
+            <a:pPr marL="514350" indent="-514350" algn="just">
+              <a:buFont typeface="+mj-lt"/>
+              <a:buAutoNum type="arabicPeriod"/>
+            </a:pPr>
+            <a:r>
+              <a:rPr lang="ru-RU" sz="3400" dirty="0" smtClean="0"/>
+              <a:t>Исследование разработанного метода и сравнение полученных результатов с другими известными </a:t>
+            </a:r>
+            <a:r>
+              <a:rPr lang="ru-RU" sz="3400" dirty="0" smtClean="0"/>
+              <a:t>результатами.</a:t>
+            </a:r>
+            <a:endParaRPr lang="ru-RU" sz="3400" dirty="0" smtClean="0"/>
+          </a:p>
+          <a:p>
+            <a:pPr marL="514350" indent="-514350" algn="just">
+              <a:buFont typeface="+mj-lt"/>
+              <a:buAutoNum type="arabicPeriod"/>
+            </a:pPr>
+            <a:endParaRPr lang="ru-RU" sz="3400" dirty="0" smtClean="0"/>
+          </a:p>
+          <a:p>
+            <a:pPr marL="514350" indent="-514350" algn="just">
+              <a:buFont typeface="+mj-lt"/>
+              <a:buAutoNum type="arabicPeriod"/>
+            </a:pPr>
+            <a:endParaRPr lang="ru-RU" b="1" dirty="0" smtClean="0"/>
+          </a:p>
+          <a:p>
+            <a:pPr marL="0" indent="0">
+              <a:buFont typeface="Arial" pitchFamily="34" charset="0"/>
+              <a:buNone/>
+            </a:pPr>
+            <a:endParaRPr lang="ru-RU" b="1" dirty="0"/>
+          </a:p>
+        </p:txBody>
+      </p:sp>
+      <p:sp>
+        <p:nvSpPr>
+          <p:cNvPr id="5" name="Номер слайда 3"/>
+          <p:cNvSpPr>
+            <a:spLocks noGrp="1"/>
+          </p:cNvSpPr>
+          <p:nvPr>
+            <p:ph type="sldNum" sz="quarter" idx="12"/>
+          </p:nvPr>
+        </p:nvSpPr>
+        <p:spPr>
+          <a:xfrm>
+            <a:off x="6553200" y="6356350"/>
+            <a:ext cx="2133600" cy="365125"/>
+          </a:xfrm>
+        </p:spPr>
+        <p:txBody>
+          <a:bodyPr/>
+          <a:lstStyle/>
+          <a:p>
+            <a:fld id="{B19B0651-EE4F-4900-A07F-96A6BFA9D0F0}" type="slidenum">
+              <a:rPr lang="ru-RU" smtClean="0"/>
+              <a:t>2</a:t>
+            </a:fld>
+            <a:endParaRPr lang="ru-RU" dirty="0"/>
+          </a:p>
+        </p:txBody>
+      </p:sp>
+    </p:spTree>
+    <p:extLst>
+      <p:ext uri="{BB962C8B-B14F-4D97-AF65-F5344CB8AC3E}">
+        <p14:creationId xmlns:p14="http://schemas.microsoft.com/office/powerpoint/2010/main" val="1596185814"/>
+      </p:ext>
+    </p:extLst>
+  </p:cSld>
+  <p:clrMapOvr>
+    <a:masterClrMapping/>
+  </p:clrMapOvr>
+  <p:timing>
+    <p:tnLst>
+      <p:par>
+        <p:cTn id="1" dur="indefinite" restart="never" nodeType="tmRoot"/>
+      </p:par>
+    </p:tnLst>
+  </p:timing>
+</p:sld>
+</file>
+
+<file path=ppt/slides/slide20.xml><?xml version="1.0" encoding="utf-8"?>
 <p:sld xmlns:a="http://schemas.openxmlformats.org/drawingml/2006/main" xmlns:r="http://schemas.openxmlformats.org/officeDocument/2006/relationships" xmlns:p="http://schemas.openxmlformats.org/presentationml/2006/main">
   <p:cSld>
     <p:spTree>
@@ -17632,7 +15068,348 @@
           <a:p>
             <a:fld id="{B19B0651-EE4F-4900-A07F-96A6BFA9D0F0}" type="slidenum">
               <a:rPr lang="ru-RU" smtClean="0"/>
-              <a:t>23</a:t>
+              <a:t>20</a:t>
+            </a:fld>
+            <a:endParaRPr lang="ru-RU"/>
+          </a:p>
+        </p:txBody>
+      </p:sp>
+      <p:sp>
+        <p:nvSpPr>
+          <p:cNvPr id="5" name="Заголовок 1"/>
+          <p:cNvSpPr>
+            <a:spLocks noGrp="1"/>
+          </p:cNvSpPr>
+          <p:nvPr>
+            <p:ph type="title"/>
+          </p:nvPr>
+        </p:nvSpPr>
+        <p:spPr>
+          <a:xfrm>
+            <a:off x="457200" y="274638"/>
+            <a:ext cx="8229600" cy="1143000"/>
+          </a:xfrm>
+        </p:spPr>
+        <p:txBody>
+          <a:bodyPr>
+            <a:noAutofit/>
+          </a:bodyPr>
+          <a:lstStyle/>
+          <a:p>
+            <a:r>
+              <a:rPr lang="ru-RU" sz="3600" dirty="0" smtClean="0"/>
+              <a:t>Результаты экспериментов по проверке адекватности предложенного метода</a:t>
+            </a:r>
+            <a:endParaRPr lang="ru-RU" sz="3600" dirty="0"/>
+          </a:p>
+        </p:txBody>
+      </p:sp>
+      <p:graphicFrame>
+        <p:nvGraphicFramePr>
+          <p:cNvPr id="6" name="Диаграмма 5"/>
+          <p:cNvGraphicFramePr/>
+          <p:nvPr>
+            <p:extLst>
+              <p:ext uri="{D42A27DB-BD31-4B8C-83A1-F6EECF244321}">
+                <p14:modId xmlns:p14="http://schemas.microsoft.com/office/powerpoint/2010/main" val="1056781502"/>
+              </p:ext>
+            </p:extLst>
+          </p:nvPr>
+        </p:nvGraphicFramePr>
+        <p:xfrm>
+          <a:off x="899592" y="1772816"/>
+          <a:ext cx="7272808" cy="3168352"/>
+        </p:xfrm>
+        <a:graphic>
+          <a:graphicData uri="http://schemas.openxmlformats.org/drawingml/2006/chart">
+            <c:chart xmlns:c="http://schemas.openxmlformats.org/drawingml/2006/chart" xmlns:r="http://schemas.openxmlformats.org/officeDocument/2006/relationships" r:id="rId2"/>
+          </a:graphicData>
+        </a:graphic>
+      </p:graphicFrame>
+      <p:sp>
+        <p:nvSpPr>
+          <p:cNvPr id="8" name="Прямоугольник 7"/>
+          <p:cNvSpPr/>
+          <p:nvPr/>
+        </p:nvSpPr>
+        <p:spPr>
+          <a:xfrm>
+            <a:off x="1137063" y="5013176"/>
+            <a:ext cx="6840760" cy="369332"/>
+          </a:xfrm>
+          <a:prstGeom prst="rect">
+            <a:avLst/>
+          </a:prstGeom>
+        </p:spPr>
+        <p:txBody>
+          <a:bodyPr wrap="square">
+            <a:spAutoFit/>
+          </a:bodyPr>
+          <a:lstStyle/>
+          <a:p>
+            <a:r>
+              <a:rPr lang="ru-RU" dirty="0" smtClean="0"/>
+              <a:t>Рис. 3. Зависимости </a:t>
+            </a:r>
+            <a:r>
+              <a:rPr lang="ru-RU" dirty="0"/>
+              <a:t>расхода газа котлом «К4» от паровой нагрузки.</a:t>
+            </a:r>
+          </a:p>
+        </p:txBody>
+      </p:sp>
+      <p:sp>
+        <p:nvSpPr>
+          <p:cNvPr id="7" name="Прямоугольник 6"/>
+          <p:cNvSpPr/>
+          <p:nvPr/>
+        </p:nvSpPr>
+        <p:spPr>
+          <a:xfrm>
+            <a:off x="1153269" y="5511399"/>
+            <a:ext cx="6840760" cy="369332"/>
+          </a:xfrm>
+          <a:prstGeom prst="rect">
+            <a:avLst/>
+          </a:prstGeom>
+        </p:spPr>
+        <p:txBody>
+          <a:bodyPr wrap="square">
+            <a:spAutoFit/>
+          </a:bodyPr>
+          <a:lstStyle/>
+          <a:p>
+            <a:r>
+              <a:rPr lang="ru-RU" b="1" dirty="0" smtClean="0"/>
+              <a:t>Средний процент расхождения: 1.7%</a:t>
+            </a:r>
+            <a:endParaRPr lang="ru-RU" b="1" dirty="0"/>
+          </a:p>
+        </p:txBody>
+      </p:sp>
+    </p:spTree>
+    <p:extLst>
+      <p:ext uri="{BB962C8B-B14F-4D97-AF65-F5344CB8AC3E}">
+        <p14:creationId xmlns:p14="http://schemas.microsoft.com/office/powerpoint/2010/main" val="4006677646"/>
+      </p:ext>
+    </p:extLst>
+  </p:cSld>
+  <p:clrMapOvr>
+    <a:masterClrMapping/>
+  </p:clrMapOvr>
+</p:sld>
+</file>
+
+<file path=ppt/slides/slide21.xml><?xml version="1.0" encoding="utf-8"?>
+<p:sld xmlns:a="http://schemas.openxmlformats.org/drawingml/2006/main" xmlns:r="http://schemas.openxmlformats.org/officeDocument/2006/relationships" xmlns:p="http://schemas.openxmlformats.org/presentationml/2006/main">
+  <p:cSld>
+    <p:spTree>
+      <p:nvGrpSpPr>
+        <p:cNvPr id="1" name=""/>
+        <p:cNvGrpSpPr/>
+        <p:nvPr/>
+      </p:nvGrpSpPr>
+      <p:grpSpPr>
+        <a:xfrm>
+          <a:off x="0" y="0"/>
+          <a:ext cx="0" cy="0"/>
+          <a:chOff x="0" y="0"/>
+          <a:chExt cx="0" cy="0"/>
+        </a:xfrm>
+      </p:grpSpPr>
+      <p:sp>
+        <p:nvSpPr>
+          <p:cNvPr id="4" name="Номер слайда 3"/>
+          <p:cNvSpPr>
+            <a:spLocks noGrp="1"/>
+          </p:cNvSpPr>
+          <p:nvPr>
+            <p:ph type="sldNum" sz="quarter" idx="12"/>
+          </p:nvPr>
+        </p:nvSpPr>
+        <p:spPr/>
+        <p:txBody>
+          <a:bodyPr/>
+          <a:lstStyle/>
+          <a:p>
+            <a:fld id="{B19B0651-EE4F-4900-A07F-96A6BFA9D0F0}" type="slidenum">
+              <a:rPr lang="ru-RU" smtClean="0"/>
+              <a:t>21</a:t>
+            </a:fld>
+            <a:endParaRPr lang="ru-RU"/>
+          </a:p>
+        </p:txBody>
+      </p:sp>
+      <p:sp>
+        <p:nvSpPr>
+          <p:cNvPr id="5" name="Заголовок 1"/>
+          <p:cNvSpPr>
+            <a:spLocks noGrp="1"/>
+          </p:cNvSpPr>
+          <p:nvPr>
+            <p:ph type="title"/>
+          </p:nvPr>
+        </p:nvSpPr>
+        <p:spPr>
+          <a:xfrm>
+            <a:off x="457200" y="274638"/>
+            <a:ext cx="8229600" cy="1143000"/>
+          </a:xfrm>
+        </p:spPr>
+        <p:txBody>
+          <a:bodyPr>
+            <a:normAutofit/>
+          </a:bodyPr>
+          <a:lstStyle/>
+          <a:p>
+            <a:r>
+              <a:rPr lang="ru-RU" dirty="0" smtClean="0"/>
+              <a:t>Исследование</a:t>
+            </a:r>
+            <a:endParaRPr lang="ru-RU" dirty="0"/>
+          </a:p>
+        </p:txBody>
+      </p:sp>
+      <p:pic>
+        <p:nvPicPr>
+          <p:cNvPr id="6" name="Рисунок 5" descr="C:\Users\ArKuzmin\Desktop\Снимок.PNG"/>
+          <p:cNvPicPr/>
+          <p:nvPr/>
+        </p:nvPicPr>
+        <p:blipFill>
+          <a:blip r:embed="rId2">
+            <a:extLst>
+              <a:ext uri="{28A0092B-C50C-407E-A947-70E740481C1C}">
+                <a14:useLocalDpi xmlns:a14="http://schemas.microsoft.com/office/drawing/2010/main" val="0"/>
+              </a:ext>
+            </a:extLst>
+          </a:blip>
+          <a:srcRect/>
+          <a:stretch>
+            <a:fillRect/>
+          </a:stretch>
+        </p:blipFill>
+        <p:spPr bwMode="auto">
+          <a:xfrm>
+            <a:off x="1043608" y="1700808"/>
+            <a:ext cx="7416824" cy="4464496"/>
+          </a:xfrm>
+          <a:prstGeom prst="rect">
+            <a:avLst/>
+          </a:prstGeom>
+          <a:noFill/>
+          <a:ln>
+            <a:noFill/>
+          </a:ln>
+        </p:spPr>
+      </p:pic>
+      <p:sp>
+        <p:nvSpPr>
+          <p:cNvPr id="7" name="Rectangle 6"/>
+          <p:cNvSpPr/>
+          <p:nvPr/>
+        </p:nvSpPr>
+        <p:spPr>
+          <a:xfrm>
+            <a:off x="1259632" y="6165304"/>
+            <a:ext cx="4176464" cy="338554"/>
+          </a:xfrm>
+          <a:prstGeom prst="rect">
+            <a:avLst/>
+          </a:prstGeom>
+        </p:spPr>
+        <p:txBody>
+          <a:bodyPr wrap="square">
+            <a:spAutoFit/>
+          </a:bodyPr>
+          <a:lstStyle/>
+          <a:p>
+            <a:r>
+              <a:rPr lang="ru-RU" sz="1600" dirty="0" smtClean="0"/>
+              <a:t>Рис.4. Схема сравнения средних</a:t>
+            </a:r>
+            <a:endParaRPr lang="ru-RU" sz="1600" dirty="0"/>
+          </a:p>
+        </p:txBody>
+      </p:sp>
+      <p:sp>
+        <p:nvSpPr>
+          <p:cNvPr id="8" name="Прямоугольник 5"/>
+          <p:cNvSpPr/>
+          <p:nvPr/>
+        </p:nvSpPr>
+        <p:spPr>
+          <a:xfrm>
+            <a:off x="467544" y="1356197"/>
+            <a:ext cx="8136904" cy="338554"/>
+          </a:xfrm>
+          <a:prstGeom prst="rect">
+            <a:avLst/>
+          </a:prstGeom>
+        </p:spPr>
+        <p:txBody>
+          <a:bodyPr wrap="square">
+            <a:spAutoFit/>
+          </a:bodyPr>
+          <a:lstStyle/>
+          <a:p>
+            <a:pPr algn="just"/>
+            <a:r>
+              <a:rPr lang="ru-RU" sz="1600" b="1" dirty="0" smtClean="0"/>
+              <a:t>Дисперсионный анализ – исследование значимости различий в средних значениях.</a:t>
+            </a:r>
+            <a:endParaRPr lang="ru-RU" sz="1600" b="1" dirty="0"/>
+          </a:p>
+        </p:txBody>
+      </p:sp>
+    </p:spTree>
+    <p:extLst>
+      <p:ext uri="{BB962C8B-B14F-4D97-AF65-F5344CB8AC3E}">
+        <p14:creationId xmlns:p14="http://schemas.microsoft.com/office/powerpoint/2010/main" val="4008201987"/>
+      </p:ext>
+    </p:extLst>
+  </p:cSld>
+  <p:clrMapOvr>
+    <a:masterClrMapping/>
+  </p:clrMapOvr>
+</p:sld>
+</file>
+
+<file path=ppt/slides/slide22.xml><?xml version="1.0" encoding="utf-8"?>
+<p:sld xmlns:a="http://schemas.openxmlformats.org/drawingml/2006/main" xmlns:r="http://schemas.openxmlformats.org/officeDocument/2006/relationships" xmlns:p="http://schemas.openxmlformats.org/presentationml/2006/main">
+  <p:cSld>
+    <p:spTree>
+      <p:nvGrpSpPr>
+        <p:cNvPr id="1" name=""/>
+        <p:cNvGrpSpPr/>
+        <p:nvPr/>
+      </p:nvGrpSpPr>
+      <p:grpSpPr>
+        <a:xfrm>
+          <a:off x="0" y="0"/>
+          <a:ext cx="0" cy="0"/>
+          <a:chOff x="0" y="0"/>
+          <a:chExt cx="0" cy="0"/>
+        </a:xfrm>
+      </p:grpSpPr>
+      <p:sp>
+        <p:nvSpPr>
+          <p:cNvPr id="4" name="Номер слайда 3"/>
+          <p:cNvSpPr>
+            <a:spLocks noGrp="1"/>
+          </p:cNvSpPr>
+          <p:nvPr>
+            <p:ph type="sldNum" sz="quarter" idx="12"/>
+          </p:nvPr>
+        </p:nvSpPr>
+        <p:spPr/>
+        <p:txBody>
+          <a:bodyPr/>
+          <a:lstStyle/>
+          <a:p>
+            <a:fld id="{B19B0651-EE4F-4900-A07F-96A6BFA9D0F0}" type="slidenum">
+              <a:rPr lang="ru-RU" smtClean="0"/>
+              <a:t>22</a:t>
             </a:fld>
             <a:endParaRPr lang="ru-RU"/>
           </a:p>
@@ -17886,7 +15663,7 @@
 </p:sld>
 </file>
 
-<file path=ppt/slides/slide24.xml><?xml version="1.0" encoding="utf-8"?>
+<file path=ppt/slides/slide23.xml><?xml version="1.0" encoding="utf-8"?>
 <p:sld xmlns:a="http://schemas.openxmlformats.org/drawingml/2006/main" xmlns:r="http://schemas.openxmlformats.org/officeDocument/2006/relationships" xmlns:p="http://schemas.openxmlformats.org/presentationml/2006/main">
   <p:cSld>
     <p:spTree>
@@ -17920,7 +15697,7 @@
           <a:p>
             <a:fld id="{B19B0651-EE4F-4900-A07F-96A6BFA9D0F0}" type="slidenum">
               <a:rPr lang="ru-RU" smtClean="0"/>
-              <a:t>24</a:t>
+              <a:t>23</a:t>
             </a:fld>
             <a:endParaRPr lang="ru-RU" dirty="0"/>
           </a:p>
@@ -18023,7 +15800,7 @@
 </p:sld>
 </file>
 
-<file path=ppt/slides/slide25.xml><?xml version="1.0" encoding="utf-8"?>
+<file path=ppt/slides/slide24.xml><?xml version="1.0" encoding="utf-8"?>
 <p:sld xmlns:a="http://schemas.openxmlformats.org/drawingml/2006/main" xmlns:r="http://schemas.openxmlformats.org/officeDocument/2006/relationships" xmlns:p="http://schemas.openxmlformats.org/presentationml/2006/main">
   <p:cSld>
     <p:spTree>
@@ -18057,7 +15834,7 @@
           <a:p>
             <a:fld id="{B19B0651-EE4F-4900-A07F-96A6BFA9D0F0}" type="slidenum">
               <a:rPr lang="ru-RU" smtClean="0"/>
-              <a:t>25</a:t>
+              <a:t>24</a:t>
             </a:fld>
             <a:endParaRPr lang="ru-RU" dirty="0"/>
           </a:p>
@@ -18160,7 +15937,7 @@
 </p:sld>
 </file>
 
-<file path=ppt/slides/slide26.xml><?xml version="1.0" encoding="utf-8"?>
+<file path=ppt/slides/slide25.xml><?xml version="1.0" encoding="utf-8"?>
 <p:sld xmlns:a="http://schemas.openxmlformats.org/drawingml/2006/main" xmlns:r="http://schemas.openxmlformats.org/officeDocument/2006/relationships" xmlns:p="http://schemas.openxmlformats.org/presentationml/2006/main">
   <p:cSld>
     <p:spTree>
@@ -18429,7 +16206,7 @@
           <a:p>
             <a:fld id="{B19B0651-EE4F-4900-A07F-96A6BFA9D0F0}" type="slidenum">
               <a:rPr lang="ru-RU" smtClean="0"/>
-              <a:t>26</a:t>
+              <a:t>25</a:t>
             </a:fld>
             <a:endParaRPr lang="ru-RU" dirty="0"/>
           </a:p>
@@ -18537,7 +16314,7 @@
         </p:nvSpPr>
         <p:spPr>
           <a:xfrm>
-            <a:off x="0" y="1406185"/>
+            <a:off x="0" y="1556793"/>
             <a:ext cx="3096344" cy="4248471"/>
           </a:xfrm>
           <a:ln w="3175"/>
@@ -18676,7 +16453,7 @@
         </p:nvSpPr>
         <p:spPr>
           <a:xfrm>
-            <a:off x="3059832" y="1406185"/>
+            <a:off x="3059832" y="1556793"/>
             <a:ext cx="3096344" cy="4248471"/>
           </a:xfrm>
           <a:prstGeom prst="rect">
@@ -18904,7 +16681,7 @@
         </p:nvSpPr>
         <p:spPr>
           <a:xfrm>
-            <a:off x="6156176" y="1406184"/>
+            <a:off x="6156176" y="1556792"/>
             <a:ext cx="2987824" cy="4248471"/>
           </a:xfrm>
           <a:prstGeom prst="rect">
@@ -19295,6 +17072,36 @@
           </a:p>
         </p:txBody>
       </p:sp>
+      <p:sp>
+        <p:nvSpPr>
+          <p:cNvPr id="2" name="TextBox 1"/>
+          <p:cNvSpPr txBox="1"/>
+          <p:nvPr/>
+        </p:nvSpPr>
+        <p:spPr>
+          <a:xfrm>
+            <a:off x="0" y="1218238"/>
+            <a:ext cx="3372526" cy="338554"/>
+          </a:xfrm>
+          <a:prstGeom prst="rect">
+            <a:avLst/>
+          </a:prstGeom>
+          <a:noFill/>
+        </p:spPr>
+        <p:txBody>
+          <a:bodyPr wrap="none" rtlCol="0">
+            <a:spAutoFit/>
+          </a:bodyPr>
+          <a:lstStyle/>
+          <a:p>
+            <a:r>
+              <a:rPr lang="ru-RU" sz="1600" dirty="0" smtClean="0"/>
+              <a:t>Таблица 1 – Существующие решения</a:t>
+            </a:r>
+            <a:endParaRPr lang="ru-RU" sz="1600" dirty="0"/>
+          </a:p>
+        </p:txBody>
+      </p:sp>
     </p:spTree>
     <p:extLst>
       <p:ext uri="{BB962C8B-B14F-4D97-AF65-F5344CB8AC3E}">
@@ -19360,7 +17167,7 @@
         </p:nvSpPr>
         <p:spPr>
           <a:xfrm>
-            <a:off x="457200" y="274638"/>
+            <a:off x="421196" y="93813"/>
             <a:ext cx="8229600" cy="1143000"/>
           </a:xfrm>
         </p:spPr>
@@ -20037,17 +17844,55 @@
             </a:pPr>
             <a:r>
               <a:rPr lang="ru-RU" sz="1900" b="1" dirty="0" smtClean="0"/>
-              <a:t>	Был выбран метод прямых выборочных процедур с уменьшением интервала поиска, остальные метод</a:t>
-            </a:r>
-            <a:r>
-              <a:rPr lang="ru-RU" sz="1900" b="1" dirty="0"/>
-              <a:t>ы</a:t>
+              <a:t>	</a:t>
             </a:r>
             <a:r>
               <a:rPr lang="ru-RU" sz="1900" b="1" dirty="0" smtClean="0"/>
-              <a:t> направлены, в основном, на поиска локального экстремума функции.</a:t>
+              <a:t>Выбран метод </a:t>
+            </a:r>
+            <a:r>
+              <a:rPr lang="ru-RU" sz="1900" b="1" dirty="0" smtClean="0"/>
+              <a:t>прямых выборочных процедур с уменьшением интервала </a:t>
+            </a:r>
+            <a:r>
+              <a:rPr lang="ru-RU" sz="1900" b="1" dirty="0" smtClean="0"/>
+              <a:t>поиска. Остальные рассмотренные методы </a:t>
+            </a:r>
+            <a:r>
+              <a:rPr lang="ru-RU" sz="1900" b="1" dirty="0" smtClean="0"/>
+              <a:t>направлены, в основном, на поиска локального экстремума функции.</a:t>
             </a:r>
             <a:endParaRPr lang="ru-RU" sz="1900" b="1" dirty="0"/>
+          </a:p>
+        </p:txBody>
+      </p:sp>
+      <p:sp>
+        <p:nvSpPr>
+          <p:cNvPr id="10" name="TextBox 9"/>
+          <p:cNvSpPr txBox="1"/>
+          <p:nvPr/>
+        </p:nvSpPr>
+        <p:spPr>
+          <a:xfrm>
+            <a:off x="0" y="1052548"/>
+            <a:ext cx="4829720" cy="338554"/>
+          </a:xfrm>
+          <a:prstGeom prst="rect">
+            <a:avLst/>
+          </a:prstGeom>
+          <a:noFill/>
+        </p:spPr>
+        <p:txBody>
+          <a:bodyPr wrap="none" rtlCol="0">
+            <a:spAutoFit/>
+          </a:bodyPr>
+          <a:lstStyle/>
+          <a:p>
+            <a:r>
+              <a:rPr lang="ru-RU" sz="1600" dirty="0" smtClean="0"/>
+              <a:t>Таблица 2 – Рассмотренные алгоритмы оптимизации</a:t>
+            </a:r>
+            <a:endParaRPr lang="ru-RU" sz="1600" dirty="0"/>
           </a:p>
         </p:txBody>
       </p:sp>
@@ -20366,972 +18211,6 @@
 </file>
 
 <file path=ppt/slides/slide6.xml><?xml version="1.0" encoding="utf-8"?>
-<p:sld xmlns:a="http://schemas.openxmlformats.org/drawingml/2006/main" xmlns:r="http://schemas.openxmlformats.org/officeDocument/2006/relationships" xmlns:p="http://schemas.openxmlformats.org/presentationml/2006/main">
-  <p:cSld>
-    <p:spTree>
-      <p:nvGrpSpPr>
-        <p:cNvPr id="1" name=""/>
-        <p:cNvGrpSpPr/>
-        <p:nvPr/>
-      </p:nvGrpSpPr>
-      <p:grpSpPr>
-        <a:xfrm>
-          <a:off x="0" y="0"/>
-          <a:ext cx="0" cy="0"/>
-          <a:chOff x="0" y="0"/>
-          <a:chExt cx="0" cy="0"/>
-        </a:xfrm>
-      </p:grpSpPr>
-      <p:sp>
-        <p:nvSpPr>
-          <p:cNvPr id="2" name="Заголовок 1"/>
-          <p:cNvSpPr>
-            <a:spLocks noGrp="1"/>
-          </p:cNvSpPr>
-          <p:nvPr>
-            <p:ph type="title"/>
-          </p:nvPr>
-        </p:nvSpPr>
-        <p:spPr>
-          <a:xfrm>
-            <a:off x="107504" y="332656"/>
-            <a:ext cx="8928992" cy="1143000"/>
-          </a:xfrm>
-        </p:spPr>
-        <p:txBody>
-          <a:bodyPr>
-            <a:normAutofit/>
-          </a:bodyPr>
-          <a:lstStyle/>
-          <a:p>
-            <a:r>
-              <a:rPr lang="ru-RU" dirty="0" smtClean="0"/>
-              <a:t>Ограничения</a:t>
-            </a:r>
-            <a:endParaRPr lang="ru-RU" dirty="0"/>
-          </a:p>
-        </p:txBody>
-      </p:sp>
-      <p:sp>
-        <p:nvSpPr>
-          <p:cNvPr id="3" name="Прямоугольник 2"/>
-          <p:cNvSpPr/>
-          <p:nvPr/>
-        </p:nvSpPr>
-        <p:spPr>
-          <a:xfrm>
-            <a:off x="395536" y="1700808"/>
-            <a:ext cx="8424936" cy="369332"/>
-          </a:xfrm>
-          <a:prstGeom prst="rect">
-            <a:avLst/>
-          </a:prstGeom>
-        </p:spPr>
-        <p:txBody>
-          <a:bodyPr wrap="square">
-            <a:spAutoFit/>
-          </a:bodyPr>
-          <a:lstStyle/>
-          <a:p>
-            <a:r>
-              <a:rPr lang="ru-RU" b="1" dirty="0" smtClean="0"/>
-              <a:t>1. Диапазоны рабочей производительности для каждого из котлоагрегатов</a:t>
-            </a:r>
-            <a:endParaRPr lang="ru-RU" dirty="0"/>
-          </a:p>
-        </p:txBody>
-      </p:sp>
-      <mc:AlternateContent xmlns:mc="http://schemas.openxmlformats.org/markup-compatibility/2006" xmlns:a14="http://schemas.microsoft.com/office/drawing/2010/main">
-        <mc:Choice Requires="a14">
-          <p:sp>
-            <p:nvSpPr>
-              <p:cNvPr id="5" name="Прямоугольник 4"/>
-              <p:cNvSpPr/>
-              <p:nvPr/>
-            </p:nvSpPr>
-            <p:spPr>
-              <a:xfrm>
-                <a:off x="2396180" y="2420888"/>
-                <a:ext cx="4423647" cy="390300"/>
-              </a:xfrm>
-              <a:prstGeom prst="rect">
-                <a:avLst/>
-              </a:prstGeom>
-            </p:spPr>
-            <p:txBody>
-              <a:bodyPr wrap="none">
-                <a:spAutoFit/>
-              </a:bodyPr>
-              <a:lstStyle/>
-              <a:p>
-                <a:pPr/>
-                <a14:m>
-                  <m:oMathPara xmlns:m="http://schemas.openxmlformats.org/officeDocument/2006/math">
-                    <m:oMathParaPr>
-                      <m:jc m:val="centerGroup"/>
-                    </m:oMathParaPr>
-                    <m:oMath xmlns:m="http://schemas.openxmlformats.org/officeDocument/2006/math">
-                      <m:sSubSup>
-                        <m:sSubSupPr>
-                          <m:ctrlPr>
-                            <a:rPr lang="ru-RU" i="1">
-                              <a:latin typeface="Cambria Math"/>
-                            </a:rPr>
-                          </m:ctrlPr>
-                        </m:sSubSupPr>
-                        <m:e>
-                          <m:r>
-                            <a:rPr lang="en-US" i="1">
-                              <a:latin typeface="Cambria Math"/>
-                            </a:rPr>
-                            <m:t>𝐷</m:t>
-                          </m:r>
-                        </m:e>
-                        <m:sub>
-                          <m:r>
-                            <a:rPr lang="en-US" i="1">
-                              <a:latin typeface="Cambria Math"/>
-                            </a:rPr>
-                            <m:t>𝐾𝑖</m:t>
-                          </m:r>
-                        </m:sub>
-                        <m:sup>
-                          <m:r>
-                            <a:rPr lang="en-US" i="1">
-                              <a:latin typeface="Cambria Math"/>
-                            </a:rPr>
-                            <m:t>𝑚𝑖𝑛</m:t>
-                          </m:r>
-                        </m:sup>
-                      </m:sSubSup>
-                      <m:r>
-                        <a:rPr lang="en-US" i="1">
-                          <a:latin typeface="Cambria Math"/>
-                        </a:rPr>
-                        <m:t> ≤ </m:t>
-                      </m:r>
-                      <m:sSub>
-                        <m:sSubPr>
-                          <m:ctrlPr>
-                            <a:rPr lang="ru-RU" i="1">
-                              <a:latin typeface="Cambria Math"/>
-                            </a:rPr>
-                          </m:ctrlPr>
-                        </m:sSubPr>
-                        <m:e>
-                          <m:r>
-                            <a:rPr lang="en-US" i="1">
-                              <a:latin typeface="Cambria Math"/>
-                            </a:rPr>
-                            <m:t>𝐷</m:t>
-                          </m:r>
-                        </m:e>
-                        <m:sub>
-                          <m:r>
-                            <a:rPr lang="en-US" i="1">
-                              <a:latin typeface="Cambria Math"/>
-                            </a:rPr>
-                            <m:t>𝐾𝑖</m:t>
-                          </m:r>
-                        </m:sub>
-                      </m:sSub>
-                      <m:r>
-                        <a:rPr lang="en-US" i="1">
-                          <a:latin typeface="Cambria Math"/>
-                        </a:rPr>
-                        <m:t> ≤ </m:t>
-                      </m:r>
-                      <m:sSubSup>
-                        <m:sSubSupPr>
-                          <m:ctrlPr>
-                            <a:rPr lang="ru-RU" i="1">
-                              <a:latin typeface="Cambria Math"/>
-                            </a:rPr>
-                          </m:ctrlPr>
-                        </m:sSubSupPr>
-                        <m:e>
-                          <m:r>
-                            <a:rPr lang="en-US" i="1">
-                              <a:latin typeface="Cambria Math"/>
-                            </a:rPr>
-                            <m:t>𝐷</m:t>
-                          </m:r>
-                        </m:e>
-                        <m:sub>
-                          <m:r>
-                            <a:rPr lang="en-US" i="1">
-                              <a:latin typeface="Cambria Math"/>
-                            </a:rPr>
-                            <m:t>𝐾𝑖</m:t>
-                          </m:r>
-                        </m:sub>
-                        <m:sup>
-                          <m:r>
-                            <a:rPr lang="en-US" i="1">
-                              <a:latin typeface="Cambria Math"/>
-                            </a:rPr>
-                            <m:t>𝑚𝑎𝑥</m:t>
-                          </m:r>
-                        </m:sup>
-                      </m:sSubSup>
-                      <m:r>
-                        <a:rPr lang="en-US" i="1">
-                          <a:latin typeface="Cambria Math"/>
-                        </a:rPr>
-                        <m:t>,   </m:t>
-                      </m:r>
-                      <m:r>
-                        <a:rPr lang="en-US" i="1">
-                          <a:latin typeface="Cambria Math"/>
-                        </a:rPr>
-                        <m:t>𝑖</m:t>
-                      </m:r>
-                      <m:r>
-                        <a:rPr lang="en-US" i="1">
-                          <a:latin typeface="Cambria Math"/>
-                        </a:rPr>
-                        <m:t>=1 .. </m:t>
-                      </m:r>
-                      <m:d>
-                        <m:dPr>
-                          <m:ctrlPr>
-                            <a:rPr lang="ru-RU" i="1">
-                              <a:latin typeface="Cambria Math"/>
-                            </a:rPr>
-                          </m:ctrlPr>
-                        </m:dPr>
-                        <m:e>
-                          <m:r>
-                            <a:rPr lang="en-US" i="1">
-                              <a:latin typeface="Cambria Math"/>
-                            </a:rPr>
-                            <m:t>𝑛</m:t>
-                          </m:r>
-                          <m:r>
-                            <a:rPr lang="en-US" i="1">
-                              <a:latin typeface="Cambria Math"/>
-                            </a:rPr>
-                            <m:t>+</m:t>
-                          </m:r>
-                          <m:r>
-                            <a:rPr lang="en-US" i="1">
-                              <a:latin typeface="Cambria Math"/>
-                            </a:rPr>
-                            <m:t>𝑚</m:t>
-                          </m:r>
-                        </m:e>
-                      </m:d>
-                    </m:oMath>
-                  </m:oMathPara>
-                </a14:m>
-                <a:endParaRPr lang="ru-RU" dirty="0"/>
-              </a:p>
-            </p:txBody>
-          </p:sp>
-        </mc:Choice>
-        <mc:Fallback xmlns="">
-          <p:sp>
-            <p:nvSpPr>
-              <p:cNvPr id="5" name="Прямоугольник 4"/>
-              <p:cNvSpPr>
-                <a:spLocks noRot="1" noChangeAspect="1" noMove="1" noResize="1" noEditPoints="1" noAdjustHandles="1" noChangeArrowheads="1" noChangeShapeType="1" noTextEdit="1"/>
-              </p:cNvSpPr>
-              <p:nvPr/>
-            </p:nvSpPr>
-            <p:spPr>
-              <a:xfrm>
-                <a:off x="2396180" y="2420888"/>
-                <a:ext cx="4423647" cy="390300"/>
-              </a:xfrm>
-              <a:prstGeom prst="rect">
-                <a:avLst/>
-              </a:prstGeom>
-              <a:blipFill rotWithShape="1">
-                <a:blip r:embed="rId2"/>
-                <a:stretch>
-                  <a:fillRect/>
-                </a:stretch>
-              </a:blipFill>
-            </p:spPr>
-            <p:txBody>
-              <a:bodyPr/>
-              <a:lstStyle/>
-              <a:p>
-                <a:r>
-                  <a:rPr lang="ru-RU">
-                    <a:noFill/>
-                  </a:rPr>
-                  <a:t> </a:t>
-                </a:r>
-              </a:p>
-            </p:txBody>
-          </p:sp>
-        </mc:Fallback>
-      </mc:AlternateContent>
-      <mc:AlternateContent xmlns:mc="http://schemas.openxmlformats.org/markup-compatibility/2006" xmlns:a14="http://schemas.microsoft.com/office/drawing/2010/main">
-        <mc:Choice Requires="a14">
-          <p:sp>
-            <p:nvSpPr>
-              <p:cNvPr id="6" name="Прямоугольник 5"/>
-              <p:cNvSpPr/>
-              <p:nvPr/>
-            </p:nvSpPr>
-            <p:spPr>
-              <a:xfrm>
-                <a:off x="395536" y="3068960"/>
-                <a:ext cx="8424936" cy="944297"/>
-              </a:xfrm>
-              <a:prstGeom prst="rect">
-                <a:avLst/>
-              </a:prstGeom>
-            </p:spPr>
-            <p:txBody>
-              <a:bodyPr wrap="square">
-                <a:spAutoFit/>
-              </a:bodyPr>
-              <a:lstStyle/>
-              <a:p>
-                <a:r>
-                  <a:rPr lang="ru-RU" dirty="0"/>
-                  <a:t>Где </a:t>
-                </a:r>
-                <a14:m>
-                  <m:oMath xmlns:m="http://schemas.openxmlformats.org/officeDocument/2006/math">
-                    <m:sSubSup>
-                      <m:sSubSupPr>
-                        <m:ctrlPr>
-                          <a:rPr lang="ru-RU" i="1">
-                            <a:latin typeface="Cambria Math"/>
-                          </a:rPr>
-                        </m:ctrlPr>
-                      </m:sSubSupPr>
-                      <m:e>
-                        <m:r>
-                          <a:rPr lang="en-US" i="1">
-                            <a:latin typeface="Cambria Math"/>
-                          </a:rPr>
-                          <m:t>𝐷</m:t>
-                        </m:r>
-                      </m:e>
-                      <m:sub>
-                        <m:r>
-                          <a:rPr lang="en-US" i="1">
-                            <a:latin typeface="Cambria Math"/>
-                          </a:rPr>
-                          <m:t>𝐾𝑖</m:t>
-                        </m:r>
-                      </m:sub>
-                      <m:sup>
-                        <m:r>
-                          <a:rPr lang="en-US" i="1">
-                            <a:latin typeface="Cambria Math"/>
-                          </a:rPr>
-                          <m:t>𝑚𝑖𝑛</m:t>
-                        </m:r>
-                      </m:sup>
-                    </m:sSubSup>
-                  </m:oMath>
-                </a14:m>
-                <a:r>
-                  <a:rPr lang="ru-RU" dirty="0"/>
-                  <a:t> – минимально возможная </a:t>
-                </a:r>
-                <a:r>
-                  <a:rPr lang="ru-RU" dirty="0" err="1"/>
-                  <a:t>паропроизводительность</a:t>
-                </a:r>
-                <a:r>
-                  <a:rPr lang="ru-RU" dirty="0"/>
-                  <a:t> </a:t>
-                </a:r>
-                <a:r>
-                  <a:rPr lang="en-US" dirty="0" err="1"/>
-                  <a:t>i</a:t>
-                </a:r>
-                <a:r>
-                  <a:rPr lang="ru-RU" dirty="0"/>
-                  <a:t>-го котлоагрегата; </a:t>
-                </a:r>
-                <a14:m>
-                  <m:oMath xmlns:m="http://schemas.openxmlformats.org/officeDocument/2006/math">
-                    <m:sSubSup>
-                      <m:sSubSupPr>
-                        <m:ctrlPr>
-                          <a:rPr lang="ru-RU" i="1">
-                            <a:latin typeface="Cambria Math"/>
-                          </a:rPr>
-                        </m:ctrlPr>
-                      </m:sSubSupPr>
-                      <m:e>
-                        <m:r>
-                          <a:rPr lang="en-US" i="1">
-                            <a:latin typeface="Cambria Math"/>
-                          </a:rPr>
-                          <m:t>𝐷</m:t>
-                        </m:r>
-                      </m:e>
-                      <m:sub>
-                        <m:r>
-                          <a:rPr lang="en-US" i="1">
-                            <a:latin typeface="Cambria Math"/>
-                          </a:rPr>
-                          <m:t>𝐾𝑖</m:t>
-                        </m:r>
-                      </m:sub>
-                      <m:sup>
-                        <m:r>
-                          <a:rPr lang="en-US" i="1">
-                            <a:latin typeface="Cambria Math"/>
-                          </a:rPr>
-                          <m:t>𝑚𝑎𝑥</m:t>
-                        </m:r>
-                      </m:sup>
-                    </m:sSubSup>
-                  </m:oMath>
-                </a14:m>
-                <a:r>
-                  <a:rPr lang="en-US" dirty="0"/>
-                  <a:t> </a:t>
-                </a:r>
-                <a:r>
-                  <a:rPr lang="ru-RU" dirty="0"/>
-                  <a:t>– максимально возможная </a:t>
-                </a:r>
-                <a:r>
-                  <a:rPr lang="ru-RU" dirty="0" err="1"/>
-                  <a:t>паропроизводительность</a:t>
-                </a:r>
-                <a:r>
-                  <a:rPr lang="ru-RU" dirty="0"/>
-                  <a:t> </a:t>
-                </a:r>
-                <a:r>
-                  <a:rPr lang="en-US" dirty="0" err="1"/>
-                  <a:t>i</a:t>
-                </a:r>
-                <a:r>
-                  <a:rPr lang="ru-RU" dirty="0"/>
-                  <a:t>-го котлоагрегата; </a:t>
-                </a:r>
-                <a14:m>
-                  <m:oMath xmlns:m="http://schemas.openxmlformats.org/officeDocument/2006/math">
-                    <m:sSub>
-                      <m:sSubPr>
-                        <m:ctrlPr>
-                          <a:rPr lang="ru-RU" i="1">
-                            <a:latin typeface="Cambria Math"/>
-                          </a:rPr>
-                        </m:ctrlPr>
-                      </m:sSubPr>
-                      <m:e>
-                        <m:r>
-                          <a:rPr lang="en-US" i="1">
-                            <a:latin typeface="Cambria Math"/>
-                          </a:rPr>
-                          <m:t>𝐷</m:t>
-                        </m:r>
-                      </m:e>
-                      <m:sub>
-                        <m:r>
-                          <a:rPr lang="en-US" i="1">
-                            <a:latin typeface="Cambria Math"/>
-                          </a:rPr>
-                          <m:t>𝐾𝑖</m:t>
-                        </m:r>
-                      </m:sub>
-                    </m:sSub>
-                  </m:oMath>
-                </a14:m>
-                <a:r>
-                  <a:rPr lang="ru-RU" dirty="0"/>
-                  <a:t> – текущая </a:t>
-                </a:r>
-                <a:r>
-                  <a:rPr lang="ru-RU" dirty="0" err="1"/>
-                  <a:t>паропроизводительность</a:t>
-                </a:r>
-                <a:r>
-                  <a:rPr lang="ru-RU" dirty="0"/>
-                  <a:t> </a:t>
-                </a:r>
-                <a:r>
-                  <a:rPr lang="en-US" dirty="0" err="1"/>
-                  <a:t>i</a:t>
-                </a:r>
-                <a:r>
-                  <a:rPr lang="ru-RU" dirty="0"/>
-                  <a:t>-го котлоагрегата.</a:t>
-                </a:r>
-              </a:p>
-            </p:txBody>
-          </p:sp>
-        </mc:Choice>
-        <mc:Fallback xmlns="">
-          <p:sp>
-            <p:nvSpPr>
-              <p:cNvPr id="6" name="Прямоугольник 5"/>
-              <p:cNvSpPr>
-                <a:spLocks noRot="1" noChangeAspect="1" noMove="1" noResize="1" noEditPoints="1" noAdjustHandles="1" noChangeArrowheads="1" noChangeShapeType="1" noTextEdit="1"/>
-              </p:cNvSpPr>
-              <p:nvPr/>
-            </p:nvSpPr>
-            <p:spPr>
-              <a:xfrm>
-                <a:off x="395536" y="3068960"/>
-                <a:ext cx="8424936" cy="944297"/>
-              </a:xfrm>
-              <a:prstGeom prst="rect">
-                <a:avLst/>
-              </a:prstGeom>
-              <a:blipFill rotWithShape="1">
-                <a:blip r:embed="rId3"/>
-                <a:stretch>
-                  <a:fillRect l="-651" t="-645" b="-9677"/>
-                </a:stretch>
-              </a:blipFill>
-            </p:spPr>
-            <p:txBody>
-              <a:bodyPr/>
-              <a:lstStyle/>
-              <a:p>
-                <a:r>
-                  <a:rPr lang="ru-RU">
-                    <a:noFill/>
-                  </a:rPr>
-                  <a:t> </a:t>
-                </a:r>
-              </a:p>
-            </p:txBody>
-          </p:sp>
-        </mc:Fallback>
-      </mc:AlternateContent>
-      <p:sp>
-        <p:nvSpPr>
-          <p:cNvPr id="8" name="Прямоугольник 7"/>
-          <p:cNvSpPr/>
-          <p:nvPr/>
-        </p:nvSpPr>
-        <p:spPr>
-          <a:xfrm>
-            <a:off x="539552" y="4075343"/>
-            <a:ext cx="8064896" cy="369332"/>
-          </a:xfrm>
-          <a:prstGeom prst="rect">
-            <a:avLst/>
-          </a:prstGeom>
-        </p:spPr>
-        <p:txBody>
-          <a:bodyPr wrap="square">
-            <a:spAutoFit/>
-          </a:bodyPr>
-          <a:lstStyle/>
-          <a:p>
-            <a:pPr lvl="0"/>
-            <a:r>
-              <a:rPr lang="ru-RU" b="1" dirty="0" smtClean="0"/>
-              <a:t>2. Суммарная </a:t>
-            </a:r>
-            <a:r>
-              <a:rPr lang="ru-RU" b="1" dirty="0" err="1"/>
-              <a:t>паропроизводительность</a:t>
-            </a:r>
-            <a:r>
-              <a:rPr lang="ru-RU" b="1" dirty="0"/>
-              <a:t> группы котлоагрегатов</a:t>
-            </a:r>
-            <a:endParaRPr lang="ru-RU" dirty="0"/>
-          </a:p>
-        </p:txBody>
-      </p:sp>
-      <mc:AlternateContent xmlns:mc="http://schemas.openxmlformats.org/markup-compatibility/2006" xmlns:a14="http://schemas.microsoft.com/office/drawing/2010/main">
-        <mc:Choice Requires="a14">
-          <p:sp>
-            <p:nvSpPr>
-              <p:cNvPr id="9" name="Прямоугольник 8"/>
-              <p:cNvSpPr/>
-              <p:nvPr/>
-            </p:nvSpPr>
-            <p:spPr>
-              <a:xfrm>
-                <a:off x="3563888" y="4581128"/>
-                <a:ext cx="1595180" cy="865365"/>
-              </a:xfrm>
-              <a:prstGeom prst="rect">
-                <a:avLst/>
-              </a:prstGeom>
-            </p:spPr>
-            <p:txBody>
-              <a:bodyPr wrap="none">
-                <a:spAutoFit/>
-              </a:bodyPr>
-              <a:lstStyle/>
-              <a:p>
-                <a:pPr/>
-                <a14:m>
-                  <m:oMathPara xmlns:m="http://schemas.openxmlformats.org/officeDocument/2006/math">
-                    <m:oMathParaPr>
-                      <m:jc m:val="centerGroup"/>
-                    </m:oMathParaPr>
-                    <m:oMath xmlns:m="http://schemas.openxmlformats.org/officeDocument/2006/math">
-                      <m:nary>
-                        <m:naryPr>
-                          <m:chr m:val="∑"/>
-                          <m:limLoc m:val="undOvr"/>
-                          <m:ctrlPr>
-                            <a:rPr lang="ru-RU" i="1">
-                              <a:latin typeface="Cambria Math"/>
-                            </a:rPr>
-                          </m:ctrlPr>
-                        </m:naryPr>
-                        <m:sub>
-                          <m:r>
-                            <a:rPr lang="ru-RU" i="1">
-                              <a:latin typeface="Cambria Math"/>
-                            </a:rPr>
-                            <m:t>𝑖</m:t>
-                          </m:r>
-                          <m:r>
-                            <a:rPr lang="ru-RU" i="1">
-                              <a:latin typeface="Cambria Math"/>
-                            </a:rPr>
-                            <m:t>=1</m:t>
-                          </m:r>
-                        </m:sub>
-                        <m:sup>
-                          <m:r>
-                            <a:rPr lang="en-US" i="1">
-                              <a:latin typeface="Cambria Math"/>
-                            </a:rPr>
-                            <m:t>𝑛</m:t>
-                          </m:r>
-                          <m:r>
-                            <a:rPr lang="en-US" i="1">
-                              <a:latin typeface="Cambria Math"/>
-                            </a:rPr>
-                            <m:t>+</m:t>
-                          </m:r>
-                          <m:r>
-                            <a:rPr lang="en-US" i="1">
-                              <a:latin typeface="Cambria Math"/>
-                            </a:rPr>
-                            <m:t>𝑚</m:t>
-                          </m:r>
-                        </m:sup>
-                        <m:e>
-                          <m:sSub>
-                            <m:sSubPr>
-                              <m:ctrlPr>
-                                <a:rPr lang="ru-RU" i="1">
-                                  <a:latin typeface="Cambria Math"/>
-                                </a:rPr>
-                              </m:ctrlPr>
-                            </m:sSubPr>
-                            <m:e>
-                              <m:r>
-                                <a:rPr lang="ru-RU" i="1">
-                                  <a:latin typeface="Cambria Math"/>
-                                </a:rPr>
-                                <m:t>𝐷</m:t>
-                              </m:r>
-                            </m:e>
-                            <m:sub>
-                              <m:r>
-                                <a:rPr lang="ru-RU" i="1">
-                                  <a:latin typeface="Cambria Math"/>
-                                </a:rPr>
-                                <m:t>𝐾𝑖</m:t>
-                              </m:r>
-                            </m:sub>
-                          </m:sSub>
-                        </m:e>
-                      </m:nary>
-                      <m:r>
-                        <a:rPr lang="ru-RU" i="1">
-                          <a:latin typeface="Cambria Math"/>
-                        </a:rPr>
-                        <m:t>= </m:t>
-                      </m:r>
-                      <m:sSub>
-                        <m:sSubPr>
-                          <m:ctrlPr>
-                            <a:rPr lang="ru-RU" i="1">
-                              <a:latin typeface="Cambria Math"/>
-                            </a:rPr>
-                          </m:ctrlPr>
-                        </m:sSubPr>
-                        <m:e>
-                          <m:r>
-                            <a:rPr lang="ru-RU" i="1">
-                              <a:latin typeface="Cambria Math"/>
-                            </a:rPr>
-                            <m:t>𝐷</m:t>
-                          </m:r>
-                        </m:e>
-                        <m:sub>
-                          <m:r>
-                            <a:rPr lang="ru-RU" i="1">
-                              <a:latin typeface="Cambria Math"/>
-                            </a:rPr>
-                            <m:t>𝑘</m:t>
-                          </m:r>
-                        </m:sub>
-                      </m:sSub>
-                    </m:oMath>
-                  </m:oMathPara>
-                </a14:m>
-                <a:endParaRPr lang="ru-RU" dirty="0"/>
-              </a:p>
-            </p:txBody>
-          </p:sp>
-        </mc:Choice>
-        <mc:Fallback xmlns="">
-          <p:sp>
-            <p:nvSpPr>
-              <p:cNvPr id="9" name="Прямоугольник 8"/>
-              <p:cNvSpPr>
-                <a:spLocks noRot="1" noChangeAspect="1" noMove="1" noResize="1" noEditPoints="1" noAdjustHandles="1" noChangeArrowheads="1" noChangeShapeType="1" noTextEdit="1"/>
-              </p:cNvSpPr>
-              <p:nvPr/>
-            </p:nvSpPr>
-            <p:spPr>
-              <a:xfrm>
-                <a:off x="3563888" y="4581128"/>
-                <a:ext cx="1595180" cy="865365"/>
-              </a:xfrm>
-              <a:prstGeom prst="rect">
-                <a:avLst/>
-              </a:prstGeom>
-              <a:blipFill rotWithShape="1">
-                <a:blip r:embed="rId4"/>
-                <a:stretch>
-                  <a:fillRect/>
-                </a:stretch>
-              </a:blipFill>
-            </p:spPr>
-            <p:txBody>
-              <a:bodyPr/>
-              <a:lstStyle/>
-              <a:p>
-                <a:r>
-                  <a:rPr lang="ru-RU">
-                    <a:noFill/>
-                  </a:rPr>
-                  <a:t> </a:t>
-                </a:r>
-              </a:p>
-            </p:txBody>
-          </p:sp>
-        </mc:Fallback>
-      </mc:AlternateContent>
-      <mc:AlternateContent xmlns:mc="http://schemas.openxmlformats.org/markup-compatibility/2006" xmlns:a14="http://schemas.microsoft.com/office/drawing/2010/main">
-        <mc:Choice Requires="a14">
-          <p:sp>
-            <p:nvSpPr>
-              <p:cNvPr id="10" name="Прямоугольник 9"/>
-              <p:cNvSpPr/>
-              <p:nvPr/>
-            </p:nvSpPr>
-            <p:spPr>
-              <a:xfrm>
-                <a:off x="512862" y="5589240"/>
-                <a:ext cx="8280920" cy="646331"/>
-              </a:xfrm>
-              <a:prstGeom prst="rect">
-                <a:avLst/>
-              </a:prstGeom>
-            </p:spPr>
-            <p:txBody>
-              <a:bodyPr wrap="square">
-                <a:spAutoFit/>
-              </a:bodyPr>
-              <a:lstStyle/>
-              <a:p>
-                <a:r>
-                  <a:rPr lang="ru-RU" dirty="0"/>
-                  <a:t>Где </a:t>
-                </a:r>
-                <a14:m>
-                  <m:oMath xmlns:m="http://schemas.openxmlformats.org/officeDocument/2006/math">
-                    <m:sSub>
-                      <m:sSubPr>
-                        <m:ctrlPr>
-                          <a:rPr lang="ru-RU" i="1">
-                            <a:latin typeface="Cambria Math"/>
-                          </a:rPr>
-                        </m:ctrlPr>
-                      </m:sSubPr>
-                      <m:e>
-                        <m:r>
-                          <a:rPr lang="en-US" i="1">
-                            <a:latin typeface="Cambria Math"/>
-                          </a:rPr>
-                          <m:t>𝐷</m:t>
-                        </m:r>
-                      </m:e>
-                      <m:sub>
-                        <m:r>
-                          <a:rPr lang="en-US" i="1">
-                            <a:latin typeface="Cambria Math"/>
-                          </a:rPr>
-                          <m:t>𝐾𝑖</m:t>
-                        </m:r>
-                      </m:sub>
-                    </m:sSub>
-                  </m:oMath>
-                </a14:m>
-                <a:r>
-                  <a:rPr lang="ru-RU" dirty="0"/>
-                  <a:t> – </a:t>
-                </a:r>
-                <a:r>
-                  <a:rPr lang="ru-RU" dirty="0" err="1"/>
-                  <a:t>паропроизводительность</a:t>
-                </a:r>
-                <a:r>
-                  <a:rPr lang="ru-RU" dirty="0"/>
-                  <a:t> </a:t>
-                </a:r>
-                <a:r>
-                  <a:rPr lang="en-US" dirty="0" err="1"/>
-                  <a:t>i</a:t>
-                </a:r>
-                <a:r>
-                  <a:rPr lang="ru-RU" dirty="0"/>
-                  <a:t>-го котлоагрегата; </a:t>
-                </a:r>
-                <a14:m>
-                  <m:oMath xmlns:m="http://schemas.openxmlformats.org/officeDocument/2006/math">
-                    <m:sSub>
-                      <m:sSubPr>
-                        <m:ctrlPr>
-                          <a:rPr lang="ru-RU" i="1">
-                            <a:latin typeface="Cambria Math"/>
-                          </a:rPr>
-                        </m:ctrlPr>
-                      </m:sSubPr>
-                      <m:e>
-                        <m:r>
-                          <a:rPr lang="ru-RU" i="1">
-                            <a:latin typeface="Cambria Math"/>
-                          </a:rPr>
-                          <m:t>𝐷</m:t>
-                        </m:r>
-                      </m:e>
-                      <m:sub>
-                        <m:r>
-                          <a:rPr lang="ru-RU" i="1">
-                            <a:latin typeface="Cambria Math"/>
-                          </a:rPr>
-                          <m:t>𝑘</m:t>
-                        </m:r>
-                      </m:sub>
-                    </m:sSub>
-                  </m:oMath>
-                </a14:m>
-                <a:r>
-                  <a:rPr lang="ru-RU" dirty="0"/>
-                  <a:t> – суммарная </a:t>
-                </a:r>
-                <a:r>
-                  <a:rPr lang="ru-RU" dirty="0" err="1"/>
-                  <a:t>паропроизводительность</a:t>
-                </a:r>
-                <a:r>
-                  <a:rPr lang="ru-RU" dirty="0"/>
-                  <a:t> группы работающих котлоагрегатов.</a:t>
-                </a:r>
-              </a:p>
-            </p:txBody>
-          </p:sp>
-        </mc:Choice>
-        <mc:Fallback xmlns="">
-          <p:sp>
-            <p:nvSpPr>
-              <p:cNvPr id="10" name="Прямоугольник 9"/>
-              <p:cNvSpPr>
-                <a:spLocks noRot="1" noChangeAspect="1" noMove="1" noResize="1" noEditPoints="1" noAdjustHandles="1" noChangeArrowheads="1" noChangeShapeType="1" noTextEdit="1"/>
-              </p:cNvSpPr>
-              <p:nvPr/>
-            </p:nvSpPr>
-            <p:spPr>
-              <a:xfrm>
-                <a:off x="512862" y="5589240"/>
-                <a:ext cx="8280920" cy="646331"/>
-              </a:xfrm>
-              <a:prstGeom prst="rect">
-                <a:avLst/>
-              </a:prstGeom>
-              <a:blipFill rotWithShape="1">
-                <a:blip r:embed="rId5"/>
-                <a:stretch>
-                  <a:fillRect l="-589" t="-4717" b="-14151"/>
-                </a:stretch>
-              </a:blipFill>
-            </p:spPr>
-            <p:txBody>
-              <a:bodyPr/>
-              <a:lstStyle/>
-              <a:p>
-                <a:r>
-                  <a:rPr lang="ru-RU">
-                    <a:noFill/>
-                  </a:rPr>
-                  <a:t> </a:t>
-                </a:r>
-              </a:p>
-            </p:txBody>
-          </p:sp>
-        </mc:Fallback>
-      </mc:AlternateContent>
-      <p:sp>
-        <p:nvSpPr>
-          <p:cNvPr id="11" name="Номер слайда 3"/>
-          <p:cNvSpPr>
-            <a:spLocks noGrp="1"/>
-          </p:cNvSpPr>
-          <p:nvPr>
-            <p:ph type="sldNum" sz="quarter" idx="12"/>
-          </p:nvPr>
-        </p:nvSpPr>
-        <p:spPr>
-          <a:xfrm>
-            <a:off x="6553200" y="6356350"/>
-            <a:ext cx="2133600" cy="365125"/>
-          </a:xfrm>
-        </p:spPr>
-        <p:txBody>
-          <a:bodyPr/>
-          <a:lstStyle/>
-          <a:p>
-            <a:fld id="{B19B0651-EE4F-4900-A07F-96A6BFA9D0F0}" type="slidenum">
-              <a:rPr lang="ru-RU" smtClean="0"/>
-              <a:t>6</a:t>
-            </a:fld>
-            <a:endParaRPr lang="ru-RU" dirty="0"/>
-          </a:p>
-        </p:txBody>
-      </p:sp>
-    </p:spTree>
-    <p:extLst>
-      <p:ext uri="{BB962C8B-B14F-4D97-AF65-F5344CB8AC3E}">
-        <p14:creationId xmlns:p14="http://schemas.microsoft.com/office/powerpoint/2010/main" val="1335362798"/>
-      </p:ext>
-    </p:extLst>
-  </p:cSld>
-  <p:clrMapOvr>
-    <a:masterClrMapping/>
-  </p:clrMapOvr>
-  <p:timing>
-    <p:tnLst>
-      <p:par>
-        <p:cTn id="1" dur="indefinite" restart="never" nodeType="tmRoot"/>
-      </p:par>
-    </p:tnLst>
-  </p:timing>
-</p:sld>
-</file>
-
-<file path=ppt/slides/slide7.xml><?xml version="1.0" encoding="utf-8"?>
 <p:sld xmlns:a="http://schemas.openxmlformats.org/drawingml/2006/main" xmlns:r="http://schemas.openxmlformats.org/officeDocument/2006/relationships" xmlns:p="http://schemas.openxmlformats.org/presentationml/2006/main">
   <p:cSld>
     <p:spTree>
@@ -23819,7 +20698,7 @@
           <a:p>
             <a:fld id="{B19B0651-EE4F-4900-A07F-96A6BFA9D0F0}" type="slidenum">
               <a:rPr lang="ru-RU" smtClean="0"/>
-              <a:t>7</a:t>
+              <a:t>6</a:t>
             </a:fld>
             <a:endParaRPr lang="ru-RU" dirty="0"/>
           </a:p>
@@ -23829,6 +20708,980 @@
     <p:extLst>
       <p:ext uri="{BB962C8B-B14F-4D97-AF65-F5344CB8AC3E}">
         <p14:creationId xmlns:p14="http://schemas.microsoft.com/office/powerpoint/2010/main" val="180982248"/>
+      </p:ext>
+    </p:extLst>
+  </p:cSld>
+  <p:clrMapOvr>
+    <a:masterClrMapping/>
+  </p:clrMapOvr>
+  <p:timing>
+    <p:tnLst>
+      <p:par>
+        <p:cTn id="1" dur="indefinite" restart="never" nodeType="tmRoot"/>
+      </p:par>
+    </p:tnLst>
+  </p:timing>
+</p:sld>
+</file>
+
+<file path=ppt/slides/slide7.xml><?xml version="1.0" encoding="utf-8"?>
+<p:sld xmlns:a="http://schemas.openxmlformats.org/drawingml/2006/main" xmlns:r="http://schemas.openxmlformats.org/officeDocument/2006/relationships" xmlns:p="http://schemas.openxmlformats.org/presentationml/2006/main">
+  <p:cSld>
+    <p:spTree>
+      <p:nvGrpSpPr>
+        <p:cNvPr id="1" name=""/>
+        <p:cNvGrpSpPr/>
+        <p:nvPr/>
+      </p:nvGrpSpPr>
+      <p:grpSpPr>
+        <a:xfrm>
+          <a:off x="0" y="0"/>
+          <a:ext cx="0" cy="0"/>
+          <a:chOff x="0" y="0"/>
+          <a:chExt cx="0" cy="0"/>
+        </a:xfrm>
+      </p:grpSpPr>
+      <p:sp>
+        <p:nvSpPr>
+          <p:cNvPr id="2" name="Заголовок 1"/>
+          <p:cNvSpPr>
+            <a:spLocks noGrp="1"/>
+          </p:cNvSpPr>
+          <p:nvPr>
+            <p:ph type="title"/>
+          </p:nvPr>
+        </p:nvSpPr>
+        <p:spPr>
+          <a:xfrm>
+            <a:off x="107504" y="332656"/>
+            <a:ext cx="8928992" cy="1143000"/>
+          </a:xfrm>
+        </p:spPr>
+        <p:txBody>
+          <a:bodyPr>
+            <a:normAutofit/>
+          </a:bodyPr>
+          <a:lstStyle/>
+          <a:p>
+            <a:r>
+              <a:rPr lang="ru-RU" dirty="0" smtClean="0"/>
+              <a:t>Ограничения</a:t>
+            </a:r>
+            <a:endParaRPr lang="ru-RU" dirty="0"/>
+          </a:p>
+        </p:txBody>
+      </p:sp>
+      <p:sp>
+        <p:nvSpPr>
+          <p:cNvPr id="3" name="Прямоугольник 2"/>
+          <p:cNvSpPr/>
+          <p:nvPr/>
+        </p:nvSpPr>
+        <p:spPr>
+          <a:xfrm>
+            <a:off x="395536" y="1700808"/>
+            <a:ext cx="8424936" cy="369332"/>
+          </a:xfrm>
+          <a:prstGeom prst="rect">
+            <a:avLst/>
+          </a:prstGeom>
+        </p:spPr>
+        <p:txBody>
+          <a:bodyPr wrap="square">
+            <a:spAutoFit/>
+          </a:bodyPr>
+          <a:lstStyle/>
+          <a:p>
+            <a:r>
+              <a:rPr lang="ru-RU" b="1" dirty="0" smtClean="0"/>
+              <a:t>1. Диапазоны рабочей производительности для каждого из котлоагрегатов</a:t>
+            </a:r>
+            <a:endParaRPr lang="ru-RU" dirty="0"/>
+          </a:p>
+        </p:txBody>
+      </p:sp>
+      <mc:AlternateContent xmlns:mc="http://schemas.openxmlformats.org/markup-compatibility/2006" xmlns:a14="http://schemas.microsoft.com/office/drawing/2010/main">
+        <mc:Choice Requires="a14">
+          <p:sp>
+            <p:nvSpPr>
+              <p:cNvPr id="5" name="Прямоугольник 4"/>
+              <p:cNvSpPr/>
+              <p:nvPr/>
+            </p:nvSpPr>
+            <p:spPr>
+              <a:xfrm>
+                <a:off x="2396180" y="2420888"/>
+                <a:ext cx="4423647" cy="390300"/>
+              </a:xfrm>
+              <a:prstGeom prst="rect">
+                <a:avLst/>
+              </a:prstGeom>
+            </p:spPr>
+            <p:txBody>
+              <a:bodyPr wrap="none">
+                <a:spAutoFit/>
+              </a:bodyPr>
+              <a:lstStyle/>
+              <a:p>
+                <a:pPr/>
+                <a14:m>
+                  <m:oMathPara xmlns:m="http://schemas.openxmlformats.org/officeDocument/2006/math">
+                    <m:oMathParaPr>
+                      <m:jc m:val="centerGroup"/>
+                    </m:oMathParaPr>
+                    <m:oMath xmlns:m="http://schemas.openxmlformats.org/officeDocument/2006/math">
+                      <m:sSubSup>
+                        <m:sSubSupPr>
+                          <m:ctrlPr>
+                            <a:rPr lang="ru-RU" i="1">
+                              <a:latin typeface="Cambria Math"/>
+                            </a:rPr>
+                          </m:ctrlPr>
+                        </m:sSubSupPr>
+                        <m:e>
+                          <m:r>
+                            <a:rPr lang="en-US" i="1">
+                              <a:latin typeface="Cambria Math"/>
+                            </a:rPr>
+                            <m:t>𝐷</m:t>
+                          </m:r>
+                        </m:e>
+                        <m:sub>
+                          <m:r>
+                            <a:rPr lang="en-US" i="1">
+                              <a:latin typeface="Cambria Math"/>
+                            </a:rPr>
+                            <m:t>𝐾𝑖</m:t>
+                          </m:r>
+                        </m:sub>
+                        <m:sup>
+                          <m:r>
+                            <a:rPr lang="en-US" i="1">
+                              <a:latin typeface="Cambria Math"/>
+                            </a:rPr>
+                            <m:t>𝑚𝑖𝑛</m:t>
+                          </m:r>
+                        </m:sup>
+                      </m:sSubSup>
+                      <m:r>
+                        <a:rPr lang="en-US" i="1">
+                          <a:latin typeface="Cambria Math"/>
+                        </a:rPr>
+                        <m:t> ≤ </m:t>
+                      </m:r>
+                      <m:sSub>
+                        <m:sSubPr>
+                          <m:ctrlPr>
+                            <a:rPr lang="ru-RU" i="1">
+                              <a:latin typeface="Cambria Math"/>
+                            </a:rPr>
+                          </m:ctrlPr>
+                        </m:sSubPr>
+                        <m:e>
+                          <m:r>
+                            <a:rPr lang="en-US" i="1">
+                              <a:latin typeface="Cambria Math"/>
+                            </a:rPr>
+                            <m:t>𝐷</m:t>
+                          </m:r>
+                        </m:e>
+                        <m:sub>
+                          <m:r>
+                            <a:rPr lang="en-US" i="1">
+                              <a:latin typeface="Cambria Math"/>
+                            </a:rPr>
+                            <m:t>𝐾𝑖</m:t>
+                          </m:r>
+                        </m:sub>
+                      </m:sSub>
+                      <m:r>
+                        <a:rPr lang="en-US" i="1">
+                          <a:latin typeface="Cambria Math"/>
+                        </a:rPr>
+                        <m:t> ≤ </m:t>
+                      </m:r>
+                      <m:sSubSup>
+                        <m:sSubSupPr>
+                          <m:ctrlPr>
+                            <a:rPr lang="ru-RU" i="1">
+                              <a:latin typeface="Cambria Math"/>
+                            </a:rPr>
+                          </m:ctrlPr>
+                        </m:sSubSupPr>
+                        <m:e>
+                          <m:r>
+                            <a:rPr lang="en-US" i="1">
+                              <a:latin typeface="Cambria Math"/>
+                            </a:rPr>
+                            <m:t>𝐷</m:t>
+                          </m:r>
+                        </m:e>
+                        <m:sub>
+                          <m:r>
+                            <a:rPr lang="en-US" i="1">
+                              <a:latin typeface="Cambria Math"/>
+                            </a:rPr>
+                            <m:t>𝐾𝑖</m:t>
+                          </m:r>
+                        </m:sub>
+                        <m:sup>
+                          <m:r>
+                            <a:rPr lang="en-US" i="1">
+                              <a:latin typeface="Cambria Math"/>
+                            </a:rPr>
+                            <m:t>𝑚𝑎𝑥</m:t>
+                          </m:r>
+                        </m:sup>
+                      </m:sSubSup>
+                      <m:r>
+                        <a:rPr lang="en-US" i="1">
+                          <a:latin typeface="Cambria Math"/>
+                        </a:rPr>
+                        <m:t>,   </m:t>
+                      </m:r>
+                      <m:r>
+                        <a:rPr lang="en-US" i="1">
+                          <a:latin typeface="Cambria Math"/>
+                        </a:rPr>
+                        <m:t>𝑖</m:t>
+                      </m:r>
+                      <m:r>
+                        <a:rPr lang="en-US" i="1">
+                          <a:latin typeface="Cambria Math"/>
+                        </a:rPr>
+                        <m:t>=1 .. </m:t>
+                      </m:r>
+                      <m:d>
+                        <m:dPr>
+                          <m:ctrlPr>
+                            <a:rPr lang="ru-RU" i="1">
+                              <a:latin typeface="Cambria Math"/>
+                            </a:rPr>
+                          </m:ctrlPr>
+                        </m:dPr>
+                        <m:e>
+                          <m:r>
+                            <a:rPr lang="en-US" i="1">
+                              <a:latin typeface="Cambria Math"/>
+                            </a:rPr>
+                            <m:t>𝑛</m:t>
+                          </m:r>
+                          <m:r>
+                            <a:rPr lang="en-US" i="1">
+                              <a:latin typeface="Cambria Math"/>
+                            </a:rPr>
+                            <m:t>+</m:t>
+                          </m:r>
+                          <m:r>
+                            <a:rPr lang="en-US" i="1">
+                              <a:latin typeface="Cambria Math"/>
+                            </a:rPr>
+                            <m:t>𝑚</m:t>
+                          </m:r>
+                        </m:e>
+                      </m:d>
+                    </m:oMath>
+                  </m:oMathPara>
+                </a14:m>
+                <a:endParaRPr lang="ru-RU" dirty="0"/>
+              </a:p>
+            </p:txBody>
+          </p:sp>
+        </mc:Choice>
+        <mc:Fallback xmlns="">
+          <p:sp>
+            <p:nvSpPr>
+              <p:cNvPr id="5" name="Прямоугольник 4"/>
+              <p:cNvSpPr>
+                <a:spLocks noRot="1" noChangeAspect="1" noMove="1" noResize="1" noEditPoints="1" noAdjustHandles="1" noChangeArrowheads="1" noChangeShapeType="1" noTextEdit="1"/>
+              </p:cNvSpPr>
+              <p:nvPr/>
+            </p:nvSpPr>
+            <p:spPr>
+              <a:xfrm>
+                <a:off x="2396180" y="2420888"/>
+                <a:ext cx="4423647" cy="390300"/>
+              </a:xfrm>
+              <a:prstGeom prst="rect">
+                <a:avLst/>
+              </a:prstGeom>
+              <a:blipFill rotWithShape="1">
+                <a:blip r:embed="rId2"/>
+                <a:stretch>
+                  <a:fillRect/>
+                </a:stretch>
+              </a:blipFill>
+            </p:spPr>
+            <p:txBody>
+              <a:bodyPr/>
+              <a:lstStyle/>
+              <a:p>
+                <a:r>
+                  <a:rPr lang="ru-RU">
+                    <a:noFill/>
+                  </a:rPr>
+                  <a:t> </a:t>
+                </a:r>
+              </a:p>
+            </p:txBody>
+          </p:sp>
+        </mc:Fallback>
+      </mc:AlternateContent>
+      <mc:AlternateContent xmlns:mc="http://schemas.openxmlformats.org/markup-compatibility/2006">
+        <mc:Choice xmlns:a14="http://schemas.microsoft.com/office/drawing/2010/main" Requires="a14">
+          <p:sp>
+            <p:nvSpPr>
+              <p:cNvPr id="6" name="Прямоугольник 5"/>
+              <p:cNvSpPr/>
+              <p:nvPr/>
+            </p:nvSpPr>
+            <p:spPr>
+              <a:xfrm>
+                <a:off x="395536" y="3068960"/>
+                <a:ext cx="8424936" cy="854336"/>
+              </a:xfrm>
+              <a:prstGeom prst="rect">
+                <a:avLst/>
+              </a:prstGeom>
+            </p:spPr>
+            <p:txBody>
+              <a:bodyPr wrap="square">
+                <a:spAutoFit/>
+              </a:bodyPr>
+              <a:lstStyle/>
+              <a:p>
+                <a:r>
+                  <a:rPr lang="ru-RU" sz="1600" dirty="0"/>
+                  <a:t>г</a:t>
+                </a:r>
+                <a:r>
+                  <a:rPr lang="ru-RU" sz="1600" dirty="0" smtClean="0"/>
+                  <a:t>де </a:t>
+                </a:r>
+                <a14:m>
+                  <m:oMath xmlns:m="http://schemas.openxmlformats.org/officeDocument/2006/math">
+                    <m:sSubSup>
+                      <m:sSubSupPr>
+                        <m:ctrlPr>
+                          <a:rPr lang="ru-RU" sz="1600" i="1">
+                            <a:latin typeface="Cambria Math"/>
+                          </a:rPr>
+                        </m:ctrlPr>
+                      </m:sSubSupPr>
+                      <m:e>
+                        <m:r>
+                          <a:rPr lang="en-US" sz="1600" i="1">
+                            <a:latin typeface="Cambria Math"/>
+                          </a:rPr>
+                          <m:t>𝐷</m:t>
+                        </m:r>
+                      </m:e>
+                      <m:sub>
+                        <m:r>
+                          <a:rPr lang="en-US" sz="1600" i="1">
+                            <a:latin typeface="Cambria Math"/>
+                          </a:rPr>
+                          <m:t>𝐾𝑖</m:t>
+                        </m:r>
+                      </m:sub>
+                      <m:sup>
+                        <m:r>
+                          <a:rPr lang="en-US" sz="1600" i="1">
+                            <a:latin typeface="Cambria Math"/>
+                          </a:rPr>
+                          <m:t>𝑚𝑖𝑛</m:t>
+                        </m:r>
+                      </m:sup>
+                    </m:sSubSup>
+                  </m:oMath>
+                </a14:m>
+                <a:r>
+                  <a:rPr lang="ru-RU" sz="1600" dirty="0"/>
+                  <a:t> – минимально возможная </a:t>
+                </a:r>
+                <a:r>
+                  <a:rPr lang="ru-RU" sz="1600" dirty="0" err="1"/>
+                  <a:t>паропроизводительность</a:t>
+                </a:r>
+                <a:r>
+                  <a:rPr lang="ru-RU" sz="1600" dirty="0"/>
+                  <a:t> </a:t>
+                </a:r>
+                <a:r>
+                  <a:rPr lang="en-US" sz="1600" dirty="0" err="1"/>
+                  <a:t>i</a:t>
+                </a:r>
+                <a:r>
+                  <a:rPr lang="ru-RU" sz="1600" dirty="0"/>
+                  <a:t>-го котлоагрегата; </a:t>
+                </a:r>
+                <a14:m>
+                  <m:oMath xmlns:m="http://schemas.openxmlformats.org/officeDocument/2006/math">
+                    <m:sSubSup>
+                      <m:sSubSupPr>
+                        <m:ctrlPr>
+                          <a:rPr lang="ru-RU" sz="1600" i="1">
+                            <a:latin typeface="Cambria Math"/>
+                          </a:rPr>
+                        </m:ctrlPr>
+                      </m:sSubSupPr>
+                      <m:e>
+                        <m:r>
+                          <a:rPr lang="en-US" sz="1600" i="1">
+                            <a:latin typeface="Cambria Math"/>
+                          </a:rPr>
+                          <m:t>𝐷</m:t>
+                        </m:r>
+                      </m:e>
+                      <m:sub>
+                        <m:r>
+                          <a:rPr lang="en-US" sz="1600" i="1">
+                            <a:latin typeface="Cambria Math"/>
+                          </a:rPr>
+                          <m:t>𝐾𝑖</m:t>
+                        </m:r>
+                      </m:sub>
+                      <m:sup>
+                        <m:r>
+                          <a:rPr lang="en-US" sz="1600" i="1">
+                            <a:latin typeface="Cambria Math"/>
+                          </a:rPr>
+                          <m:t>𝑚𝑎𝑥</m:t>
+                        </m:r>
+                      </m:sup>
+                    </m:sSubSup>
+                  </m:oMath>
+                </a14:m>
+                <a:r>
+                  <a:rPr lang="en-US" sz="1600" dirty="0"/>
+                  <a:t> </a:t>
+                </a:r>
+                <a:r>
+                  <a:rPr lang="ru-RU" sz="1600" dirty="0"/>
+                  <a:t>– максимально возможная </a:t>
+                </a:r>
+                <a:r>
+                  <a:rPr lang="ru-RU" sz="1600" dirty="0" err="1"/>
+                  <a:t>паропроизводительность</a:t>
+                </a:r>
+                <a:r>
+                  <a:rPr lang="ru-RU" sz="1600" dirty="0"/>
+                  <a:t> </a:t>
+                </a:r>
+                <a:r>
+                  <a:rPr lang="en-US" sz="1600" dirty="0" err="1"/>
+                  <a:t>i</a:t>
+                </a:r>
+                <a:r>
+                  <a:rPr lang="ru-RU" sz="1600" dirty="0"/>
+                  <a:t>-го котлоагрегата; </a:t>
+                </a:r>
+                <a14:m>
+                  <m:oMath xmlns:m="http://schemas.openxmlformats.org/officeDocument/2006/math">
+                    <m:sSub>
+                      <m:sSubPr>
+                        <m:ctrlPr>
+                          <a:rPr lang="ru-RU" sz="1600" i="1">
+                            <a:latin typeface="Cambria Math"/>
+                          </a:rPr>
+                        </m:ctrlPr>
+                      </m:sSubPr>
+                      <m:e>
+                        <m:r>
+                          <a:rPr lang="en-US" sz="1600" i="1">
+                            <a:latin typeface="Cambria Math"/>
+                          </a:rPr>
+                          <m:t>𝐷</m:t>
+                        </m:r>
+                      </m:e>
+                      <m:sub>
+                        <m:r>
+                          <a:rPr lang="en-US" sz="1600" i="1">
+                            <a:latin typeface="Cambria Math"/>
+                          </a:rPr>
+                          <m:t>𝐾𝑖</m:t>
+                        </m:r>
+                      </m:sub>
+                    </m:sSub>
+                  </m:oMath>
+                </a14:m>
+                <a:r>
+                  <a:rPr lang="ru-RU" sz="1600" dirty="0"/>
+                  <a:t> – текущая </a:t>
+                </a:r>
+                <a:r>
+                  <a:rPr lang="ru-RU" sz="1600" dirty="0" err="1"/>
+                  <a:t>паропроизводительность</a:t>
+                </a:r>
+                <a:r>
+                  <a:rPr lang="ru-RU" sz="1600" dirty="0"/>
+                  <a:t> </a:t>
+                </a:r>
+                <a:r>
+                  <a:rPr lang="en-US" sz="1600" dirty="0" err="1"/>
+                  <a:t>i</a:t>
+                </a:r>
+                <a:r>
+                  <a:rPr lang="ru-RU" sz="1600" dirty="0"/>
+                  <a:t>-го котлоагрегата.</a:t>
+                </a:r>
+              </a:p>
+            </p:txBody>
+          </p:sp>
+        </mc:Choice>
+        <mc:Fallback>
+          <p:sp>
+            <p:nvSpPr>
+              <p:cNvPr id="6" name="Прямоугольник 5"/>
+              <p:cNvSpPr>
+                <a:spLocks noRot="1" noChangeAspect="1" noMove="1" noResize="1" noEditPoints="1" noAdjustHandles="1" noChangeArrowheads="1" noChangeShapeType="1" noTextEdit="1"/>
+              </p:cNvSpPr>
+              <p:nvPr/>
+            </p:nvSpPr>
+            <p:spPr>
+              <a:xfrm>
+                <a:off x="395536" y="3068960"/>
+                <a:ext cx="8424936" cy="854336"/>
+              </a:xfrm>
+              <a:prstGeom prst="rect">
+                <a:avLst/>
+              </a:prstGeom>
+              <a:blipFill rotWithShape="1">
+                <a:blip r:embed="rId3"/>
+                <a:stretch>
+                  <a:fillRect l="-434" b="-7801"/>
+                </a:stretch>
+              </a:blipFill>
+            </p:spPr>
+            <p:txBody>
+              <a:bodyPr/>
+              <a:lstStyle/>
+              <a:p>
+                <a:r>
+                  <a:rPr lang="ru-RU">
+                    <a:noFill/>
+                  </a:rPr>
+                  <a:t> </a:t>
+                </a:r>
+              </a:p>
+            </p:txBody>
+          </p:sp>
+        </mc:Fallback>
+      </mc:AlternateContent>
+      <p:sp>
+        <p:nvSpPr>
+          <p:cNvPr id="8" name="Прямоугольник 7"/>
+          <p:cNvSpPr/>
+          <p:nvPr/>
+        </p:nvSpPr>
+        <p:spPr>
+          <a:xfrm>
+            <a:off x="539552" y="4075343"/>
+            <a:ext cx="8064896" cy="369332"/>
+          </a:xfrm>
+          <a:prstGeom prst="rect">
+            <a:avLst/>
+          </a:prstGeom>
+        </p:spPr>
+        <p:txBody>
+          <a:bodyPr wrap="square">
+            <a:spAutoFit/>
+          </a:bodyPr>
+          <a:lstStyle/>
+          <a:p>
+            <a:pPr lvl="0"/>
+            <a:r>
+              <a:rPr lang="ru-RU" b="1" dirty="0" smtClean="0"/>
+              <a:t>2. Суммарная </a:t>
+            </a:r>
+            <a:r>
+              <a:rPr lang="ru-RU" b="1" dirty="0" err="1"/>
+              <a:t>паропроизводительность</a:t>
+            </a:r>
+            <a:r>
+              <a:rPr lang="ru-RU" b="1" dirty="0"/>
+              <a:t> группы котлоагрегатов</a:t>
+            </a:r>
+            <a:endParaRPr lang="ru-RU" dirty="0"/>
+          </a:p>
+        </p:txBody>
+      </p:sp>
+      <mc:AlternateContent xmlns:mc="http://schemas.openxmlformats.org/markup-compatibility/2006" xmlns:a14="http://schemas.microsoft.com/office/drawing/2010/main">
+        <mc:Choice Requires="a14">
+          <p:sp>
+            <p:nvSpPr>
+              <p:cNvPr id="9" name="Прямоугольник 8"/>
+              <p:cNvSpPr/>
+              <p:nvPr/>
+            </p:nvSpPr>
+            <p:spPr>
+              <a:xfrm>
+                <a:off x="3563888" y="4581128"/>
+                <a:ext cx="1595180" cy="865365"/>
+              </a:xfrm>
+              <a:prstGeom prst="rect">
+                <a:avLst/>
+              </a:prstGeom>
+            </p:spPr>
+            <p:txBody>
+              <a:bodyPr wrap="none">
+                <a:spAutoFit/>
+              </a:bodyPr>
+              <a:lstStyle/>
+              <a:p>
+                <a:pPr/>
+                <a14:m>
+                  <m:oMathPara xmlns:m="http://schemas.openxmlformats.org/officeDocument/2006/math">
+                    <m:oMathParaPr>
+                      <m:jc m:val="centerGroup"/>
+                    </m:oMathParaPr>
+                    <m:oMath xmlns:m="http://schemas.openxmlformats.org/officeDocument/2006/math">
+                      <m:nary>
+                        <m:naryPr>
+                          <m:chr m:val="∑"/>
+                          <m:limLoc m:val="undOvr"/>
+                          <m:ctrlPr>
+                            <a:rPr lang="ru-RU" i="1">
+                              <a:latin typeface="Cambria Math"/>
+                            </a:rPr>
+                          </m:ctrlPr>
+                        </m:naryPr>
+                        <m:sub>
+                          <m:r>
+                            <a:rPr lang="ru-RU" i="1">
+                              <a:latin typeface="Cambria Math"/>
+                            </a:rPr>
+                            <m:t>𝑖</m:t>
+                          </m:r>
+                          <m:r>
+                            <a:rPr lang="ru-RU" i="1">
+                              <a:latin typeface="Cambria Math"/>
+                            </a:rPr>
+                            <m:t>=1</m:t>
+                          </m:r>
+                        </m:sub>
+                        <m:sup>
+                          <m:r>
+                            <a:rPr lang="en-US" i="1">
+                              <a:latin typeface="Cambria Math"/>
+                            </a:rPr>
+                            <m:t>𝑛</m:t>
+                          </m:r>
+                          <m:r>
+                            <a:rPr lang="en-US" i="1">
+                              <a:latin typeface="Cambria Math"/>
+                            </a:rPr>
+                            <m:t>+</m:t>
+                          </m:r>
+                          <m:r>
+                            <a:rPr lang="en-US" i="1">
+                              <a:latin typeface="Cambria Math"/>
+                            </a:rPr>
+                            <m:t>𝑚</m:t>
+                          </m:r>
+                        </m:sup>
+                        <m:e>
+                          <m:sSub>
+                            <m:sSubPr>
+                              <m:ctrlPr>
+                                <a:rPr lang="ru-RU" i="1">
+                                  <a:latin typeface="Cambria Math"/>
+                                </a:rPr>
+                              </m:ctrlPr>
+                            </m:sSubPr>
+                            <m:e>
+                              <m:r>
+                                <a:rPr lang="ru-RU" i="1">
+                                  <a:latin typeface="Cambria Math"/>
+                                </a:rPr>
+                                <m:t>𝐷</m:t>
+                              </m:r>
+                            </m:e>
+                            <m:sub>
+                              <m:r>
+                                <a:rPr lang="ru-RU" i="1">
+                                  <a:latin typeface="Cambria Math"/>
+                                </a:rPr>
+                                <m:t>𝐾𝑖</m:t>
+                              </m:r>
+                            </m:sub>
+                          </m:sSub>
+                        </m:e>
+                      </m:nary>
+                      <m:r>
+                        <a:rPr lang="ru-RU" i="1">
+                          <a:latin typeface="Cambria Math"/>
+                        </a:rPr>
+                        <m:t>= </m:t>
+                      </m:r>
+                      <m:sSub>
+                        <m:sSubPr>
+                          <m:ctrlPr>
+                            <a:rPr lang="ru-RU" i="1">
+                              <a:latin typeface="Cambria Math"/>
+                            </a:rPr>
+                          </m:ctrlPr>
+                        </m:sSubPr>
+                        <m:e>
+                          <m:r>
+                            <a:rPr lang="ru-RU" i="1">
+                              <a:latin typeface="Cambria Math"/>
+                            </a:rPr>
+                            <m:t>𝐷</m:t>
+                          </m:r>
+                        </m:e>
+                        <m:sub>
+                          <m:r>
+                            <a:rPr lang="ru-RU" i="1">
+                              <a:latin typeface="Cambria Math"/>
+                            </a:rPr>
+                            <m:t>𝑘</m:t>
+                          </m:r>
+                        </m:sub>
+                      </m:sSub>
+                    </m:oMath>
+                  </m:oMathPara>
+                </a14:m>
+                <a:endParaRPr lang="ru-RU" dirty="0"/>
+              </a:p>
+            </p:txBody>
+          </p:sp>
+        </mc:Choice>
+        <mc:Fallback xmlns="">
+          <p:sp>
+            <p:nvSpPr>
+              <p:cNvPr id="9" name="Прямоугольник 8"/>
+              <p:cNvSpPr>
+                <a:spLocks noRot="1" noChangeAspect="1" noMove="1" noResize="1" noEditPoints="1" noAdjustHandles="1" noChangeArrowheads="1" noChangeShapeType="1" noTextEdit="1"/>
+              </p:cNvSpPr>
+              <p:nvPr/>
+            </p:nvSpPr>
+            <p:spPr>
+              <a:xfrm>
+                <a:off x="3563888" y="4581128"/>
+                <a:ext cx="1595180" cy="865365"/>
+              </a:xfrm>
+              <a:prstGeom prst="rect">
+                <a:avLst/>
+              </a:prstGeom>
+              <a:blipFill rotWithShape="1">
+                <a:blip r:embed="rId4"/>
+                <a:stretch>
+                  <a:fillRect/>
+                </a:stretch>
+              </a:blipFill>
+            </p:spPr>
+            <p:txBody>
+              <a:bodyPr/>
+              <a:lstStyle/>
+              <a:p>
+                <a:r>
+                  <a:rPr lang="ru-RU">
+                    <a:noFill/>
+                  </a:rPr>
+                  <a:t> </a:t>
+                </a:r>
+              </a:p>
+            </p:txBody>
+          </p:sp>
+        </mc:Fallback>
+      </mc:AlternateContent>
+      <mc:AlternateContent xmlns:mc="http://schemas.openxmlformats.org/markup-compatibility/2006">
+        <mc:Choice xmlns:a14="http://schemas.microsoft.com/office/drawing/2010/main" Requires="a14">
+          <p:sp>
+            <p:nvSpPr>
+              <p:cNvPr id="10" name="Прямоугольник 9"/>
+              <p:cNvSpPr/>
+              <p:nvPr/>
+            </p:nvSpPr>
+            <p:spPr>
+              <a:xfrm>
+                <a:off x="512862" y="5589240"/>
+                <a:ext cx="8280920" cy="584775"/>
+              </a:xfrm>
+              <a:prstGeom prst="rect">
+                <a:avLst/>
+              </a:prstGeom>
+            </p:spPr>
+            <p:txBody>
+              <a:bodyPr wrap="square">
+                <a:spAutoFit/>
+              </a:bodyPr>
+              <a:lstStyle/>
+              <a:p>
+                <a:r>
+                  <a:rPr lang="ru-RU" sz="1600" dirty="0"/>
+                  <a:t>г</a:t>
+                </a:r>
+                <a:r>
+                  <a:rPr lang="ru-RU" sz="1600" dirty="0" smtClean="0"/>
+                  <a:t>де </a:t>
+                </a:r>
+                <a14:m>
+                  <m:oMath xmlns:m="http://schemas.openxmlformats.org/officeDocument/2006/math">
+                    <m:sSub>
+                      <m:sSubPr>
+                        <m:ctrlPr>
+                          <a:rPr lang="ru-RU" sz="1600" i="1">
+                            <a:latin typeface="Cambria Math"/>
+                          </a:rPr>
+                        </m:ctrlPr>
+                      </m:sSubPr>
+                      <m:e>
+                        <m:r>
+                          <a:rPr lang="en-US" sz="1600" i="1">
+                            <a:latin typeface="Cambria Math"/>
+                          </a:rPr>
+                          <m:t>𝐷</m:t>
+                        </m:r>
+                      </m:e>
+                      <m:sub>
+                        <m:r>
+                          <a:rPr lang="en-US" sz="1600" i="1">
+                            <a:latin typeface="Cambria Math"/>
+                          </a:rPr>
+                          <m:t>𝐾𝑖</m:t>
+                        </m:r>
+                      </m:sub>
+                    </m:sSub>
+                  </m:oMath>
+                </a14:m>
+                <a:r>
+                  <a:rPr lang="ru-RU" sz="1600" dirty="0"/>
+                  <a:t> – </a:t>
+                </a:r>
+                <a:r>
+                  <a:rPr lang="ru-RU" sz="1600" dirty="0" err="1"/>
+                  <a:t>паропроизводительность</a:t>
+                </a:r>
+                <a:r>
+                  <a:rPr lang="ru-RU" sz="1600" dirty="0"/>
+                  <a:t> </a:t>
+                </a:r>
+                <a:r>
+                  <a:rPr lang="en-US" sz="1600" dirty="0" err="1"/>
+                  <a:t>i</a:t>
+                </a:r>
+                <a:r>
+                  <a:rPr lang="ru-RU" sz="1600" dirty="0"/>
+                  <a:t>-го котлоагрегата; </a:t>
+                </a:r>
+                <a14:m>
+                  <m:oMath xmlns:m="http://schemas.openxmlformats.org/officeDocument/2006/math">
+                    <m:sSub>
+                      <m:sSubPr>
+                        <m:ctrlPr>
+                          <a:rPr lang="ru-RU" sz="1600" i="1">
+                            <a:latin typeface="Cambria Math"/>
+                          </a:rPr>
+                        </m:ctrlPr>
+                      </m:sSubPr>
+                      <m:e>
+                        <m:r>
+                          <a:rPr lang="ru-RU" sz="1600" i="1">
+                            <a:latin typeface="Cambria Math"/>
+                          </a:rPr>
+                          <m:t>𝐷</m:t>
+                        </m:r>
+                      </m:e>
+                      <m:sub>
+                        <m:r>
+                          <a:rPr lang="ru-RU" sz="1600" i="1">
+                            <a:latin typeface="Cambria Math"/>
+                          </a:rPr>
+                          <m:t>𝑘</m:t>
+                        </m:r>
+                      </m:sub>
+                    </m:sSub>
+                  </m:oMath>
+                </a14:m>
+                <a:r>
+                  <a:rPr lang="ru-RU" sz="1600" dirty="0"/>
+                  <a:t> – суммарная </a:t>
+                </a:r>
+                <a:r>
+                  <a:rPr lang="ru-RU" sz="1600" dirty="0" err="1"/>
+                  <a:t>паропроизводительность</a:t>
+                </a:r>
+                <a:r>
+                  <a:rPr lang="ru-RU" sz="1600" dirty="0"/>
+                  <a:t> группы работающих котлоагрегатов.</a:t>
+                </a:r>
+              </a:p>
+            </p:txBody>
+          </p:sp>
+        </mc:Choice>
+        <mc:Fallback>
+          <p:sp>
+            <p:nvSpPr>
+              <p:cNvPr id="10" name="Прямоугольник 9"/>
+              <p:cNvSpPr>
+                <a:spLocks noRot="1" noChangeAspect="1" noMove="1" noResize="1" noEditPoints="1" noAdjustHandles="1" noChangeArrowheads="1" noChangeShapeType="1" noTextEdit="1"/>
+              </p:cNvSpPr>
+              <p:nvPr/>
+            </p:nvSpPr>
+            <p:spPr>
+              <a:xfrm>
+                <a:off x="512862" y="5589240"/>
+                <a:ext cx="8280920" cy="584775"/>
+              </a:xfrm>
+              <a:prstGeom prst="rect">
+                <a:avLst/>
+              </a:prstGeom>
+              <a:blipFill rotWithShape="1">
+                <a:blip r:embed="rId5"/>
+                <a:stretch>
+                  <a:fillRect l="-368" t="-3125" b="-12500"/>
+                </a:stretch>
+              </a:blipFill>
+            </p:spPr>
+            <p:txBody>
+              <a:bodyPr/>
+              <a:lstStyle/>
+              <a:p>
+                <a:r>
+                  <a:rPr lang="ru-RU">
+                    <a:noFill/>
+                  </a:rPr>
+                  <a:t> </a:t>
+                </a:r>
+              </a:p>
+            </p:txBody>
+          </p:sp>
+        </mc:Fallback>
+      </mc:AlternateContent>
+      <p:sp>
+        <p:nvSpPr>
+          <p:cNvPr id="11" name="Номер слайда 3"/>
+          <p:cNvSpPr>
+            <a:spLocks noGrp="1"/>
+          </p:cNvSpPr>
+          <p:nvPr>
+            <p:ph type="sldNum" sz="quarter" idx="12"/>
+          </p:nvPr>
+        </p:nvSpPr>
+        <p:spPr>
+          <a:xfrm>
+            <a:off x="6553200" y="6356350"/>
+            <a:ext cx="2133600" cy="365125"/>
+          </a:xfrm>
+        </p:spPr>
+        <p:txBody>
+          <a:bodyPr/>
+          <a:lstStyle/>
+          <a:p>
+            <a:fld id="{B19B0651-EE4F-4900-A07F-96A6BFA9D0F0}" type="slidenum">
+              <a:rPr lang="ru-RU" smtClean="0"/>
+              <a:t>7</a:t>
+            </a:fld>
+            <a:endParaRPr lang="ru-RU" dirty="0"/>
+          </a:p>
+        </p:txBody>
+      </p:sp>
+    </p:spTree>
+    <p:extLst>
+      <p:ext uri="{BB962C8B-B14F-4D97-AF65-F5344CB8AC3E}">
+        <p14:creationId xmlns:p14="http://schemas.microsoft.com/office/powerpoint/2010/main" val="1335362798"/>
       </p:ext>
     </p:extLst>
   </p:cSld>
@@ -23896,7 +21749,7 @@
         <p:spPr>
           <a:xfrm>
             <a:off x="419572" y="1772816"/>
-            <a:ext cx="8352928" cy="1631216"/>
+            <a:ext cx="8352928" cy="1231106"/>
           </a:xfrm>
           <a:prstGeom prst="rect">
             <a:avLst/>
@@ -23910,8 +21763,16 @@
           <a:p>
             <a:pPr algn="just"/>
             <a:r>
-              <a:rPr lang="ru-RU" sz="2000" i="1" dirty="0" smtClean="0"/>
-              <a:t>Разработанный метод состоит из двух шагов:</a:t>
+              <a:rPr lang="ru-RU" i="1" dirty="0" smtClean="0"/>
+              <a:t>Разработанный метод состоит из </a:t>
+            </a:r>
+            <a:r>
+              <a:rPr lang="ru-RU" i="1" dirty="0" smtClean="0"/>
+              <a:t>шагов</a:t>
+            </a:r>
+            <a:r>
+              <a:rPr lang="ru-RU" i="1" dirty="0" smtClean="0"/>
+              <a:t>:</a:t>
             </a:r>
           </a:p>
           <a:p>
@@ -23924,25 +21785,14 @@
               <a:buChar char="•"/>
             </a:pPr>
             <a:r>
-              <a:rPr lang="ru-RU" sz="2000" dirty="0"/>
+              <a:rPr lang="ru-RU" dirty="0"/>
               <a:t>формирование множества возможных </a:t>
             </a:r>
             <a:r>
-              <a:rPr lang="ru-RU" sz="2000" dirty="0" smtClean="0"/>
-              <a:t>вектор</a:t>
-            </a:r>
-            <a:r>
-              <a:rPr lang="ru-RU" sz="2000" dirty="0"/>
-              <a:t>н</a:t>
-            </a:r>
-            <a:r>
-              <a:rPr lang="ru-RU" sz="2000" dirty="0" smtClean="0"/>
-              <a:t>ых </a:t>
-            </a:r>
-            <a:r>
-              <a:rPr lang="ru-RU" sz="2000" dirty="0"/>
-              <a:t>критериев;</a:t>
-            </a:r>
+              <a:rPr lang="ru-RU" dirty="0" smtClean="0"/>
+              <a:t>решений;</a:t>
+            </a:r>
+            <a:endParaRPr lang="ru-RU" dirty="0"/>
           </a:p>
           <a:p>
             <a:pPr marL="342900" lvl="0" indent="-342900">
@@ -23950,13 +21800,22 @@
               <a:buChar char="•"/>
             </a:pPr>
             <a:r>
-              <a:rPr lang="ru-RU" sz="2000" dirty="0"/>
-              <a:t>выбор наилучшего векторного критерия из множества возможных.</a:t>
-            </a:r>
-          </a:p>
-          <a:p>
-            <a:pPr algn="just"/>
-            <a:endParaRPr lang="ru-RU" sz="2000" dirty="0"/>
+              <a:rPr lang="ru-RU" dirty="0"/>
+              <a:t>выбор наилучшего </a:t>
+            </a:r>
+            <a:r>
+              <a:rPr lang="ru-RU" dirty="0" smtClean="0"/>
+              <a:t>решения </a:t>
+            </a:r>
+            <a:r>
+              <a:rPr lang="ru-RU" dirty="0"/>
+              <a:t>из множества возможных</a:t>
+            </a:r>
+            <a:r>
+              <a:rPr lang="ru-RU" dirty="0" smtClean="0"/>
+              <a:t>.</a:t>
+            </a:r>
+            <a:endParaRPr lang="ru-RU" dirty="0"/>
           </a:p>
         </p:txBody>
       </p:sp>
@@ -24048,8 +21907,13 @@
             </a:r>
             <a:r>
               <a:rPr lang="ru-RU" dirty="0"/>
-              <a:t>множества возможных векторных критериев</a:t>
-            </a:r>
+              <a:t>множества возможных </a:t>
+            </a:r>
+            <a:r>
+              <a:rPr lang="ru-RU" dirty="0" smtClean="0"/>
+              <a:t>решений</a:t>
+            </a:r>
+            <a:endParaRPr lang="ru-RU" dirty="0"/>
           </a:p>
         </p:txBody>
       </p:sp>
@@ -24062,7 +21926,7 @@
         <p:spPr>
           <a:xfrm>
             <a:off x="419572" y="1772816"/>
-            <a:ext cx="8352928" cy="3262432"/>
+            <a:ext cx="8352928" cy="2985433"/>
           </a:xfrm>
           <a:prstGeom prst="rect">
             <a:avLst/>
@@ -24076,19 +21940,19 @@
           <a:p>
             <a:pPr algn="just"/>
             <a:r>
-              <a:rPr lang="ru-RU" sz="2200" dirty="0" smtClean="0"/>
+              <a:rPr lang="ru-RU" sz="2000" dirty="0" smtClean="0"/>
               <a:t>	</a:t>
             </a:r>
             <a:r>
-              <a:rPr lang="ru-RU" sz="2000" i="1" dirty="0" smtClean="0"/>
+              <a:rPr lang="ru-RU" i="1" dirty="0" smtClean="0"/>
               <a:t>Каждый из </a:t>
             </a:r>
             <a:r>
-              <a:rPr lang="en-US" sz="2000" i="1" dirty="0" smtClean="0"/>
+              <a:rPr lang="en-US" i="1" dirty="0" smtClean="0"/>
               <a:t>n </a:t>
             </a:r>
             <a:r>
-              <a:rPr lang="ru-RU" sz="2000" i="1" dirty="0" smtClean="0"/>
+              <a:rPr lang="ru-RU" i="1" dirty="0" smtClean="0"/>
               <a:t>котлоагрегатов может находиться в одном из состояний:</a:t>
             </a:r>
           </a:p>
@@ -24098,7 +21962,7 @@
               <a:buChar char="•"/>
             </a:pPr>
             <a:r>
-              <a:rPr lang="ru-RU" sz="2200" dirty="0" smtClean="0"/>
+              <a:rPr lang="ru-RU" dirty="0" smtClean="0"/>
               <a:t>Выключен;</a:t>
             </a:r>
           </a:p>
@@ -24108,7 +21972,7 @@
               <a:buChar char="•"/>
             </a:pPr>
             <a:r>
-              <a:rPr lang="ru-RU" sz="2200" dirty="0" smtClean="0"/>
+              <a:rPr lang="ru-RU" dirty="0" smtClean="0"/>
               <a:t>Работает на газе;</a:t>
             </a:r>
           </a:p>
@@ -24118,8 +21982,12 @@
               <a:buChar char="•"/>
             </a:pPr>
             <a:r>
+              <a:rPr lang="ru-RU" dirty="0" smtClean="0"/>
+              <a:t>Работает на мазуте;</a:t>
+            </a:r>
+            <a:r>
               <a:rPr lang="ru-RU" sz="2200" dirty="0" smtClean="0"/>
-              <a:t>Работает на мазуте;	</a:t>
+              <a:t>	</a:t>
             </a:r>
           </a:p>
           <a:p>
@@ -24157,11 +22025,11 @@
           <a:p>
             <a:pPr algn="just"/>
             <a:r>
-              <a:rPr lang="ru-RU" sz="2000" dirty="0" smtClean="0"/>
+              <a:rPr lang="ru-RU" dirty="0" smtClean="0"/>
               <a:t>	Для каждой из комбинаций проверяется, может ли она обеспечить выполнение </a:t>
             </a:r>
             <a:r>
-              <a:rPr lang="ru-RU" sz="2000" dirty="0"/>
+              <a:rPr lang="ru-RU" dirty="0"/>
               <a:t>заданной суммарной паропроизводительности:</a:t>
             </a:r>
           </a:p>
@@ -24203,8 +22071,8 @@
           </a:p>
         </p:txBody>
       </p:sp>
-      <mc:AlternateContent xmlns:mc="http://schemas.openxmlformats.org/markup-compatibility/2006" xmlns:a14="http://schemas.microsoft.com/office/drawing/2010/main">
-        <mc:Choice Requires="a14">
+      <mc:AlternateContent xmlns:mc="http://schemas.openxmlformats.org/markup-compatibility/2006">
+        <mc:Choice xmlns:a14="http://schemas.microsoft.com/office/drawing/2010/main" Requires="a14">
           <p:sp>
             <p:nvSpPr>
               <p:cNvPr id="3" name="Прямоугольник 2"/>
@@ -24213,7 +22081,7 @@
             </p:nvSpPr>
             <p:spPr>
               <a:xfrm>
-                <a:off x="3100744" y="5035248"/>
+                <a:off x="3100744" y="4758249"/>
                 <a:ext cx="3081741" cy="848566"/>
               </a:xfrm>
               <a:prstGeom prst="rect">
@@ -24420,7 +22288,7 @@
             </p:txBody>
           </p:sp>
         </mc:Choice>
-        <mc:Fallback xmlns="">
+        <mc:Fallback>
           <p:sp>
             <p:nvSpPr>
               <p:cNvPr id="3" name="Прямоугольник 2"/>
@@ -24431,7 +22299,7 @@
             </p:nvSpPr>
             <p:spPr>
               <a:xfrm>
-                <a:off x="3100744" y="5035248"/>
+                <a:off x="3100744" y="4758249"/>
                 <a:ext cx="3081741" cy="848566"/>
               </a:xfrm>
               <a:prstGeom prst="rect">

--- a/optimization/4 семестр/РПЗ/Презентация_v2.0.pptx
+++ b/optimization/4 семестр/РПЗ/Презентация_v2.0.pptx
@@ -5,7 +5,7 @@
     <p:sldMasterId id="2147483648" r:id="rId1"/>
   </p:sldMasterIdLst>
   <p:notesMasterIdLst>
-    <p:notesMasterId r:id="rId27"/>
+    <p:notesMasterId r:id="rId29"/>
   </p:notesMasterIdLst>
   <p:sldIdLst>
     <p:sldId id="256" r:id="rId2"/>
@@ -24,15 +24,17 @@
     <p:sldId id="281" r:id="rId15"/>
     <p:sldId id="286" r:id="rId16"/>
     <p:sldId id="283" r:id="rId17"/>
-    <p:sldId id="293" r:id="rId18"/>
-    <p:sldId id="295" r:id="rId19"/>
-    <p:sldId id="294" r:id="rId20"/>
-    <p:sldId id="291" r:id="rId21"/>
-    <p:sldId id="292" r:id="rId22"/>
-    <p:sldId id="296" r:id="rId23"/>
-    <p:sldId id="299" r:id="rId24"/>
-    <p:sldId id="300" r:id="rId25"/>
-    <p:sldId id="273" r:id="rId26"/>
+    <p:sldId id="304" r:id="rId18"/>
+    <p:sldId id="305" r:id="rId19"/>
+    <p:sldId id="293" r:id="rId20"/>
+    <p:sldId id="295" r:id="rId21"/>
+    <p:sldId id="294" r:id="rId22"/>
+    <p:sldId id="291" r:id="rId23"/>
+    <p:sldId id="292" r:id="rId24"/>
+    <p:sldId id="296" r:id="rId25"/>
+    <p:sldId id="299" r:id="rId26"/>
+    <p:sldId id="300" r:id="rId27"/>
+    <p:sldId id="273" r:id="rId28"/>
   </p:sldIdLst>
   <p:sldSz cx="9144000" cy="6858000" type="screen4x3"/>
   <p:notesSz cx="6797675" cy="9874250"/>
@@ -141,6 +143,435 @@
 </file>
 
 <file path=ppt/charts/chart1.xml><?xml version="1.0" encoding="utf-8"?>
+<c:chartSpace xmlns:c="http://schemas.openxmlformats.org/drawingml/2006/chart" xmlns:a="http://schemas.openxmlformats.org/drawingml/2006/main" xmlns:r="http://schemas.openxmlformats.org/officeDocument/2006/relationships">
+  <c:date1904 val="0"/>
+  <c:lang val="ru-RU"/>
+  <c:roundedCorners val="0"/>
+  <mc:AlternateContent xmlns:mc="http://schemas.openxmlformats.org/markup-compatibility/2006">
+    <mc:Choice xmlns:c14="http://schemas.microsoft.com/office/drawing/2007/8/2/chart" Requires="c14">
+      <c14:style val="102"/>
+    </mc:Choice>
+    <mc:Fallback>
+      <c:style val="2"/>
+    </mc:Fallback>
+  </mc:AlternateContent>
+  <c:chart>
+    <c:title>
+      <c:tx>
+        <c:rich>
+          <a:bodyPr/>
+          <a:lstStyle/>
+          <a:p>
+            <a:pPr>
+              <a:defRPr/>
+            </a:pPr>
+            <a:r>
+              <a:rPr lang="ru-RU" sz="1400" dirty="0"/>
+              <a:t>Зависимости</a:t>
+            </a:r>
+            <a:r>
+              <a:rPr lang="ru-RU" sz="1400" baseline="0" dirty="0"/>
+              <a:t> расхода </a:t>
+            </a:r>
+            <a:r>
+              <a:rPr lang="ru-RU" sz="1400" baseline="0" dirty="0" smtClean="0"/>
+              <a:t>топлива от </a:t>
+            </a:r>
+            <a:r>
+              <a:rPr lang="ru-RU" sz="1400" baseline="0" dirty="0"/>
+              <a:t>суммарной паропроизводительности </a:t>
+            </a:r>
+            <a:endParaRPr lang="ru-RU" sz="1400" dirty="0"/>
+          </a:p>
+        </c:rich>
+      </c:tx>
+      <c:layout/>
+      <c:overlay val="0"/>
+    </c:title>
+    <c:autoTitleDeleted val="0"/>
+    <c:plotArea>
+      <c:layout/>
+      <c:barChart>
+        <c:barDir val="col"/>
+        <c:grouping val="clustered"/>
+        <c:varyColors val="0"/>
+        <c:ser>
+          <c:idx val="1"/>
+          <c:order val="0"/>
+          <c:tx>
+            <c:strRef>
+              <c:f>Лист4!$B$1</c:f>
+              <c:strCache>
+                <c:ptCount val="1"/>
+                <c:pt idx="0">
+                  <c:v>Разработанный ПК</c:v>
+                </c:pt>
+              </c:strCache>
+            </c:strRef>
+          </c:tx>
+          <c:spPr>
+            <a:solidFill>
+              <a:schemeClr val="accent2"/>
+            </a:solidFill>
+            <a:ln w="25400" cap="flat" cmpd="sng" algn="ctr">
+              <a:solidFill>
+                <a:schemeClr val="accent2">
+                  <a:shade val="50000"/>
+                </a:schemeClr>
+              </a:solidFill>
+              <a:prstDash val="solid"/>
+            </a:ln>
+            <a:effectLst/>
+          </c:spPr>
+          <c:invertIfNegative val="0"/>
+          <c:cat>
+            <c:numRef>
+              <c:f>Лист4!$A$2:$A$12</c:f>
+              <c:numCache>
+                <c:formatCode>General</c:formatCode>
+                <c:ptCount val="11"/>
+                <c:pt idx="0">
+                  <c:v>100</c:v>
+                </c:pt>
+                <c:pt idx="1">
+                  <c:v>150</c:v>
+                </c:pt>
+                <c:pt idx="2">
+                  <c:v>200</c:v>
+                </c:pt>
+                <c:pt idx="3">
+                  <c:v>250</c:v>
+                </c:pt>
+                <c:pt idx="4">
+                  <c:v>300</c:v>
+                </c:pt>
+                <c:pt idx="5">
+                  <c:v>350</c:v>
+                </c:pt>
+                <c:pt idx="6">
+                  <c:v>400</c:v>
+                </c:pt>
+                <c:pt idx="7">
+                  <c:v>450</c:v>
+                </c:pt>
+                <c:pt idx="8">
+                  <c:v>500</c:v>
+                </c:pt>
+                <c:pt idx="9">
+                  <c:v>550</c:v>
+                </c:pt>
+                <c:pt idx="10">
+                  <c:v>600</c:v>
+                </c:pt>
+              </c:numCache>
+            </c:numRef>
+          </c:cat>
+          <c:val>
+            <c:numRef>
+              <c:f>Лист4!$B$2:$B$12</c:f>
+              <c:numCache>
+                <c:formatCode>0.00</c:formatCode>
+                <c:ptCount val="11"/>
+                <c:pt idx="0">
+                  <c:v>7.87</c:v>
+                </c:pt>
+                <c:pt idx="1">
+                  <c:v>11.75</c:v>
+                </c:pt>
+                <c:pt idx="2">
+                  <c:v>15.63</c:v>
+                </c:pt>
+                <c:pt idx="3">
+                  <c:v>18.89</c:v>
+                </c:pt>
+                <c:pt idx="4">
+                  <c:v>22.48</c:v>
+                </c:pt>
+                <c:pt idx="5">
+                  <c:v>27.38</c:v>
+                </c:pt>
+                <c:pt idx="6">
+                  <c:v>31.34</c:v>
+                </c:pt>
+                <c:pt idx="7">
+                  <c:v>35.277999999999999</c:v>
+                </c:pt>
+                <c:pt idx="8">
+                  <c:v>39.18</c:v>
+                </c:pt>
+                <c:pt idx="9">
+                  <c:v>43.1</c:v>
+                </c:pt>
+                <c:pt idx="10">
+                  <c:v>47.03</c:v>
+                </c:pt>
+              </c:numCache>
+            </c:numRef>
+          </c:val>
+        </c:ser>
+        <c:ser>
+          <c:idx val="2"/>
+          <c:order val="1"/>
+          <c:tx>
+            <c:strRef>
+              <c:f>Лист4!$C$1</c:f>
+              <c:strCache>
+                <c:ptCount val="1"/>
+                <c:pt idx="0">
+                  <c:v>ПК "I4Plan"</c:v>
+                </c:pt>
+              </c:strCache>
+            </c:strRef>
+          </c:tx>
+          <c:spPr>
+            <a:solidFill>
+              <a:schemeClr val="lt1"/>
+            </a:solidFill>
+            <a:ln w="25400" cap="flat" cmpd="sng" algn="ctr">
+              <a:solidFill>
+                <a:schemeClr val="dk1"/>
+              </a:solidFill>
+              <a:prstDash val="sysDash"/>
+            </a:ln>
+            <a:effectLst/>
+          </c:spPr>
+          <c:invertIfNegative val="0"/>
+          <c:cat>
+            <c:numRef>
+              <c:f>Лист4!$A$2:$A$12</c:f>
+              <c:numCache>
+                <c:formatCode>General</c:formatCode>
+                <c:ptCount val="11"/>
+                <c:pt idx="0">
+                  <c:v>100</c:v>
+                </c:pt>
+                <c:pt idx="1">
+                  <c:v>150</c:v>
+                </c:pt>
+                <c:pt idx="2">
+                  <c:v>200</c:v>
+                </c:pt>
+                <c:pt idx="3">
+                  <c:v>250</c:v>
+                </c:pt>
+                <c:pt idx="4">
+                  <c:v>300</c:v>
+                </c:pt>
+                <c:pt idx="5">
+                  <c:v>350</c:v>
+                </c:pt>
+                <c:pt idx="6">
+                  <c:v>400</c:v>
+                </c:pt>
+                <c:pt idx="7">
+                  <c:v>450</c:v>
+                </c:pt>
+                <c:pt idx="8">
+                  <c:v>500</c:v>
+                </c:pt>
+                <c:pt idx="9">
+                  <c:v>550</c:v>
+                </c:pt>
+                <c:pt idx="10">
+                  <c:v>600</c:v>
+                </c:pt>
+              </c:numCache>
+            </c:numRef>
+          </c:cat>
+          <c:val>
+            <c:numRef>
+              <c:f>Лист4!$C$2:$C$12</c:f>
+              <c:numCache>
+                <c:formatCode>General</c:formatCode>
+                <c:ptCount val="11"/>
+                <c:pt idx="0">
+                  <c:v>8.0061510000000009</c:v>
+                </c:pt>
+                <c:pt idx="1">
+                  <c:v>13.128275</c:v>
+                </c:pt>
+                <c:pt idx="2">
+                  <c:v>17.172681000000001</c:v>
+                </c:pt>
+                <c:pt idx="3">
+                  <c:v>20.752554</c:v>
+                </c:pt>
+                <c:pt idx="4">
+                  <c:v>25.341704</c:v>
+                </c:pt>
+                <c:pt idx="5">
+                  <c:v>29.535627399999999</c:v>
+                </c:pt>
+                <c:pt idx="6">
+                  <c:v>32.0210182</c:v>
+                </c:pt>
+                <c:pt idx="7">
+                  <c:v>39.768889399999999</c:v>
+                </c:pt>
+                <c:pt idx="8">
+                  <c:v>42.992213999999997</c:v>
+                </c:pt>
+                <c:pt idx="9">
+                  <c:v>48.155630000000002</c:v>
+                </c:pt>
+                <c:pt idx="10">
+                  <c:v>47.843619000000004</c:v>
+                </c:pt>
+              </c:numCache>
+            </c:numRef>
+          </c:val>
+        </c:ser>
+        <c:dLbls>
+          <c:showLegendKey val="0"/>
+          <c:showVal val="0"/>
+          <c:showCatName val="0"/>
+          <c:showSerName val="0"/>
+          <c:showPercent val="0"/>
+          <c:showBubbleSize val="0"/>
+        </c:dLbls>
+        <c:gapWidth val="75"/>
+        <c:overlap val="-25"/>
+        <c:axId val="107269504"/>
+        <c:axId val="108611840"/>
+      </c:barChart>
+      <c:catAx>
+        <c:axId val="107269504"/>
+        <c:scaling>
+          <c:orientation val="minMax"/>
+        </c:scaling>
+        <c:delete val="0"/>
+        <c:axPos val="b"/>
+        <c:title>
+          <c:tx>
+            <c:rich>
+              <a:bodyPr/>
+              <a:lstStyle/>
+              <a:p>
+                <a:pPr>
+                  <a:defRPr/>
+                </a:pPr>
+                <a:r>
+                  <a:rPr lang="ru-RU" b="0"/>
+                  <a:t>Суммарная</a:t>
+                </a:r>
+                <a:r>
+                  <a:rPr lang="ru-RU" b="0" baseline="0"/>
+                  <a:t> паропроизводительность очереди котлоагрегатов, </a:t>
+                </a:r>
+                <a:r>
+                  <a:rPr lang="en-US" b="0" baseline="0"/>
+                  <a:t>[</a:t>
+                </a:r>
+                <a:r>
+                  <a:rPr lang="ru-RU" b="0" baseline="0"/>
+                  <a:t>т/час</a:t>
+                </a:r>
+                <a:r>
+                  <a:rPr lang="en-US" b="0" baseline="0"/>
+                  <a:t>]</a:t>
+                </a:r>
+                <a:endParaRPr lang="ru-RU" b="0"/>
+              </a:p>
+            </c:rich>
+          </c:tx>
+          <c:layout/>
+          <c:overlay val="0"/>
+        </c:title>
+        <c:numFmt formatCode="General" sourceLinked="1"/>
+        <c:majorTickMark val="none"/>
+        <c:minorTickMark val="none"/>
+        <c:tickLblPos val="nextTo"/>
+        <c:crossAx val="108611840"/>
+        <c:crosses val="autoZero"/>
+        <c:auto val="1"/>
+        <c:lblAlgn val="ctr"/>
+        <c:lblOffset val="100"/>
+        <c:noMultiLvlLbl val="0"/>
+      </c:catAx>
+      <c:valAx>
+        <c:axId val="108611840"/>
+        <c:scaling>
+          <c:orientation val="minMax"/>
+          <c:max val="55"/>
+        </c:scaling>
+        <c:delete val="0"/>
+        <c:axPos val="l"/>
+        <c:majorGridlines/>
+        <c:title>
+          <c:tx>
+            <c:rich>
+              <a:bodyPr rot="-5400000" vert="horz"/>
+              <a:lstStyle/>
+              <a:p>
+                <a:pPr>
+                  <a:defRPr/>
+                </a:pPr>
+                <a:r>
+                  <a:rPr lang="ru-RU" b="0" dirty="0"/>
+                  <a:t>Расход</a:t>
+                </a:r>
+                <a:r>
+                  <a:rPr lang="ru-RU" b="0" baseline="0" dirty="0"/>
+                  <a:t> </a:t>
+                </a:r>
+                <a:r>
+                  <a:rPr lang="ru-RU" b="0" baseline="0" dirty="0" smtClean="0"/>
+                  <a:t>топлива, </a:t>
+                </a:r>
+                <a:r>
+                  <a:rPr lang="en-US" b="0" baseline="0" dirty="0"/>
+                  <a:t>[</a:t>
+                </a:r>
+                <a:r>
+                  <a:rPr lang="ru-RU" b="0" baseline="0" dirty="0" err="1" smtClean="0"/>
+                  <a:t>тт</a:t>
+                </a:r>
+                <a:r>
+                  <a:rPr lang="ru-RU" b="0" baseline="0" dirty="0" smtClean="0"/>
+                  <a:t>/час</a:t>
+                </a:r>
+                <a:r>
+                  <a:rPr lang="en-US" b="0" baseline="0" dirty="0"/>
+                  <a:t>]</a:t>
+                </a:r>
+                <a:endParaRPr lang="ru-RU" b="0" dirty="0"/>
+              </a:p>
+            </c:rich>
+          </c:tx>
+          <c:layout/>
+          <c:overlay val="0"/>
+        </c:title>
+        <c:numFmt formatCode="0.00" sourceLinked="1"/>
+        <c:majorTickMark val="none"/>
+        <c:minorTickMark val="none"/>
+        <c:tickLblPos val="nextTo"/>
+        <c:spPr>
+          <a:ln w="9525">
+            <a:noFill/>
+          </a:ln>
+        </c:spPr>
+        <c:crossAx val="107269504"/>
+        <c:crosses val="autoZero"/>
+        <c:crossBetween val="between"/>
+        <c:majorUnit val="5"/>
+      </c:valAx>
+    </c:plotArea>
+    <c:legend>
+      <c:legendPos val="b"/>
+      <c:layout/>
+      <c:overlay val="0"/>
+    </c:legend>
+    <c:plotVisOnly val="1"/>
+    <c:dispBlanksAs val="gap"/>
+    <c:showDLblsOverMax val="0"/>
+  </c:chart>
+  <c:externalData r:id="rId1">
+    <c:autoUpdate val="0"/>
+  </c:externalData>
+</c:chartSpace>
+</file>
+
+<file path=ppt/charts/chart2.xml><?xml version="1.0" encoding="utf-8"?>
 <c:chartSpace xmlns:c="http://schemas.openxmlformats.org/drawingml/2006/chart" xmlns:a="http://schemas.openxmlformats.org/drawingml/2006/main" xmlns:r="http://schemas.openxmlformats.org/officeDocument/2006/relationships">
   <c:date1904 val="0"/>
   <c:lang val="ru-RU"/>
@@ -302,11 +733,11 @@
           <c:showPercent val="0"/>
           <c:showBubbleSize val="0"/>
         </c:dLbls>
-        <c:axId val="85929984"/>
-        <c:axId val="85931904"/>
+        <c:axId val="160414720"/>
+        <c:axId val="160416896"/>
       </c:scatterChart>
       <c:valAx>
-        <c:axId val="85929984"/>
+        <c:axId val="160414720"/>
         <c:scaling>
           <c:orientation val="minMax"/>
           <c:max val="201"/>
@@ -342,13 +773,13 @@
         <c:majorTickMark val="out"/>
         <c:minorTickMark val="none"/>
         <c:tickLblPos val="nextTo"/>
-        <c:crossAx val="85931904"/>
+        <c:crossAx val="160416896"/>
         <c:crosses val="autoZero"/>
         <c:crossBetween val="midCat"/>
         <c:majorUnit val="5"/>
       </c:valAx>
       <c:valAx>
-        <c:axId val="85931904"/>
+        <c:axId val="160416896"/>
         <c:scaling>
           <c:orientation val="minMax"/>
           <c:max val="17"/>
@@ -403,7 +834,7 @@
         <c:majorTickMark val="out"/>
         <c:minorTickMark val="none"/>
         <c:tickLblPos val="nextTo"/>
-        <c:crossAx val="85929984"/>
+        <c:crossAx val="160414720"/>
         <c:crosses val="autoZero"/>
         <c:crossBetween val="midCat"/>
         <c:majorUnit val="0.8"/>
@@ -424,7 +855,7 @@
 </c:chartSpace>
 </file>
 
-<file path=ppt/charts/chart2.xml><?xml version="1.0" encoding="utf-8"?>
+<file path=ppt/charts/chart3.xml><?xml version="1.0" encoding="utf-8"?>
 <c:chartSpace xmlns:c="http://schemas.openxmlformats.org/drawingml/2006/chart" xmlns:a="http://schemas.openxmlformats.org/drawingml/2006/main" xmlns:r="http://schemas.openxmlformats.org/officeDocument/2006/relationships">
   <c:date1904 val="0"/>
   <c:lang val="ru-RU"/>
@@ -634,11 +1065,11 @@
           <c:showPercent val="0"/>
           <c:showBubbleSize val="0"/>
         </c:dLbls>
-        <c:axId val="85987328"/>
-        <c:axId val="85989248"/>
+        <c:axId val="160727040"/>
+        <c:axId val="160728960"/>
       </c:scatterChart>
       <c:valAx>
-        <c:axId val="85987328"/>
+        <c:axId val="160727040"/>
         <c:scaling>
           <c:orientation val="minMax"/>
         </c:scaling>
@@ -676,12 +1107,12 @@
         <c:majorTickMark val="out"/>
         <c:minorTickMark val="none"/>
         <c:tickLblPos val="nextTo"/>
-        <c:crossAx val="85989248"/>
+        <c:crossAx val="160728960"/>
         <c:crosses val="autoZero"/>
         <c:crossBetween val="midCat"/>
       </c:valAx>
       <c:valAx>
-        <c:axId val="85989248"/>
+        <c:axId val="160728960"/>
         <c:scaling>
           <c:orientation val="minMax"/>
         </c:scaling>
@@ -692,7 +1123,7 @@
         <c:majorTickMark val="out"/>
         <c:minorTickMark val="none"/>
         <c:tickLblPos val="nextTo"/>
-        <c:crossAx val="85987328"/>
+        <c:crossAx val="160727040"/>
         <c:crosses val="autoZero"/>
         <c:crossBetween val="midCat"/>
       </c:valAx>
@@ -712,7 +1143,7 @@
 </c:chartSpace>
 </file>
 
-<file path=ppt/charts/chart3.xml><?xml version="1.0" encoding="utf-8"?>
+<file path=ppt/charts/chart4.xml><?xml version="1.0" encoding="utf-8"?>
 <c:chartSpace xmlns:c="http://schemas.openxmlformats.org/drawingml/2006/chart" xmlns:a="http://schemas.openxmlformats.org/drawingml/2006/main" xmlns:r="http://schemas.openxmlformats.org/officeDocument/2006/relationships">
   <c:date1904 val="0"/>
   <c:lang val="ru-RU"/>
@@ -831,11 +1262,11 @@
           <c:showPercent val="0"/>
           <c:showBubbleSize val="0"/>
         </c:dLbls>
-        <c:axId val="86028288"/>
-        <c:axId val="86030208"/>
+        <c:axId val="160755712"/>
+        <c:axId val="160757632"/>
       </c:scatterChart>
       <c:valAx>
-        <c:axId val="86028288"/>
+        <c:axId val="160755712"/>
         <c:scaling>
           <c:orientation val="minMax"/>
         </c:scaling>
@@ -875,13 +1306,13 @@
         <c:majorTickMark val="out"/>
         <c:minorTickMark val="none"/>
         <c:tickLblPos val="nextTo"/>
-        <c:crossAx val="86030208"/>
+        <c:crossAx val="160757632"/>
         <c:crosses val="autoZero"/>
         <c:crossBetween val="midCat"/>
         <c:majorUnit val="10"/>
       </c:valAx>
       <c:valAx>
-        <c:axId val="86030208"/>
+        <c:axId val="160757632"/>
         <c:scaling>
           <c:orientation val="minMax"/>
           <c:max val="255"/>
@@ -926,7 +1357,7 @@
         <c:majorTickMark val="out"/>
         <c:minorTickMark val="none"/>
         <c:tickLblPos val="nextTo"/>
-        <c:crossAx val="86028288"/>
+        <c:crossAx val="160755712"/>
         <c:crosses val="autoZero"/>
         <c:crossBetween val="midCat"/>
         <c:majorUnit val="5"/>
@@ -947,7 +1378,7 @@
 </c:chartSpace>
 </file>
 
-<file path=ppt/charts/chart4.xml><?xml version="1.0" encoding="utf-8"?>
+<file path=ppt/charts/chart5.xml><?xml version="1.0" encoding="utf-8"?>
 <c:chartSpace xmlns:c="http://schemas.openxmlformats.org/drawingml/2006/chart" xmlns:a="http://schemas.openxmlformats.org/drawingml/2006/main" xmlns:r="http://schemas.openxmlformats.org/officeDocument/2006/relationships">
   <c:date1904 val="0"/>
   <c:lang val="ru-RU"/>
@@ -1066,11 +1497,11 @@
           <c:showPercent val="0"/>
           <c:showBubbleSize val="0"/>
         </c:dLbls>
-        <c:axId val="86060416"/>
-        <c:axId val="86066688"/>
+        <c:axId val="163405184"/>
+        <c:axId val="163419648"/>
       </c:scatterChart>
       <c:valAx>
-        <c:axId val="86060416"/>
+        <c:axId val="163405184"/>
         <c:scaling>
           <c:orientation val="minMax"/>
         </c:scaling>
@@ -1110,13 +1541,13 @@
         <c:majorTickMark val="out"/>
         <c:minorTickMark val="none"/>
         <c:tickLblPos val="nextTo"/>
-        <c:crossAx val="86066688"/>
+        <c:crossAx val="163419648"/>
         <c:crosses val="autoZero"/>
         <c:crossBetween val="midCat"/>
         <c:majorUnit val="10"/>
       </c:valAx>
       <c:valAx>
-        <c:axId val="86066688"/>
+        <c:axId val="163419648"/>
         <c:scaling>
           <c:orientation val="minMax"/>
         </c:scaling>
@@ -1151,7 +1582,7 @@
         <c:majorTickMark val="out"/>
         <c:minorTickMark val="none"/>
         <c:tickLblPos val="nextTo"/>
-        <c:crossAx val="86060416"/>
+        <c:crossAx val="163405184"/>
         <c:crosses val="autoZero"/>
         <c:crossBetween val="midCat"/>
         <c:majorUnit val="0.1"/>
@@ -4678,15 +5109,7 @@
             </a:r>
             <a:r>
               <a:rPr lang="ru-RU" sz="2400" b="1" dirty="0" smtClean="0"/>
-              <a:t>Кузьмин </a:t>
-            </a:r>
-            <a:r>
-              <a:rPr lang="ru-RU" sz="2400" b="1" dirty="0" smtClean="0"/>
-              <a:t>Артем </a:t>
-            </a:r>
-            <a:r>
-              <a:rPr lang="ru-RU" sz="2400" b="1" dirty="0" smtClean="0"/>
-              <a:t>Юрьевич,</a:t>
+              <a:t>Кузьмин Артем Юрьевич,</a:t>
             </a:r>
           </a:p>
           <a:p>
@@ -4701,11 +5124,7 @@
             </a:r>
             <a:r>
               <a:rPr lang="ru-RU" sz="2000" dirty="0" smtClean="0"/>
-              <a:t>             </a:t>
-            </a:r>
-            <a:r>
-              <a:rPr lang="ru-RU" sz="2000" dirty="0" smtClean="0"/>
-              <a:t>студент группы ИУ7-49</a:t>
+              <a:t>             студент группы ИУ7-49</a:t>
             </a:r>
             <a:endParaRPr lang="ru-RU" sz="2000" b="1" dirty="0" smtClean="0"/>
           </a:p>
@@ -4717,15 +5136,7 @@
             </a:r>
             <a:r>
               <a:rPr lang="ru-RU" sz="2400" b="1" dirty="0" smtClean="0"/>
-              <a:t>Романова </a:t>
-            </a:r>
-            <a:r>
-              <a:rPr lang="ru-RU" sz="2400" b="1" dirty="0" smtClean="0"/>
-              <a:t>Татьяна </a:t>
-            </a:r>
-            <a:r>
-              <a:rPr lang="ru-RU" sz="2400" b="1" dirty="0" smtClean="0"/>
-              <a:t>Николаевна</a:t>
+              <a:t>Романова Татьяна Николаевна</a:t>
             </a:r>
             <a:r>
               <a:rPr lang="en-US" sz="2400" dirty="0" smtClean="0"/>
@@ -4828,7 +5239,6 @@
               <a:rPr lang="ru-RU" dirty="0"/>
               <a:t> Московский Государственный Технический Университет имени Н.Э. Баумана</a:t>
             </a:r>
-            <a:endParaRPr lang="ru-RU" dirty="0"/>
           </a:p>
         </p:txBody>
       </p:sp>
@@ -4862,7 +5272,6 @@
               <a:rPr lang="ru-RU" sz="2000" dirty="0"/>
               <a:t> Москва, 2014</a:t>
             </a:r>
-            <a:endParaRPr lang="ru-RU" sz="2000" dirty="0"/>
           </a:p>
         </p:txBody>
       </p:sp>
@@ -5528,8 +5937,8 @@
           </a:p>
         </p:txBody>
       </p:sp>
-      <mc:AlternateContent xmlns:mc="http://schemas.openxmlformats.org/markup-compatibility/2006">
-        <mc:Choice xmlns:a14="http://schemas.microsoft.com/office/drawing/2010/main" Requires="a14">
+      <mc:AlternateContent xmlns:mc="http://schemas.openxmlformats.org/markup-compatibility/2006" xmlns:a14="http://schemas.microsoft.com/office/drawing/2010/main">
+        <mc:Choice Requires="a14">
           <p:sp>
             <p:nvSpPr>
               <p:cNvPr id="5" name="TextBox 4"/>
@@ -5869,7 +6278,7 @@
             </p:txBody>
           </p:sp>
         </mc:Choice>
-        <mc:Fallback>
+        <mc:Fallback xmlns="">
           <p:sp>
             <p:nvSpPr>
               <p:cNvPr id="5" name="TextBox 4"/>
@@ -5996,8 +6405,8 @@
           </a:p>
         </p:txBody>
       </p:sp>
-      <mc:AlternateContent xmlns:mc="http://schemas.openxmlformats.org/markup-compatibility/2006">
-        <mc:Choice xmlns:a14="http://schemas.microsoft.com/office/drawing/2010/main" Requires="a14">
+      <mc:AlternateContent xmlns:mc="http://schemas.openxmlformats.org/markup-compatibility/2006" xmlns:a14="http://schemas.microsoft.com/office/drawing/2010/main">
+        <mc:Choice Requires="a14">
           <p:sp>
             <p:nvSpPr>
               <p:cNvPr id="6" name="TextBox 5"/>
@@ -6224,11 +6633,7 @@
                 </a:r>
                 <a:r>
                   <a:rPr lang="ru-RU" sz="2000" b="1" dirty="0" smtClean="0"/>
-                  <a:t>не подходит</a:t>
-                </a:r>
-                <a:r>
-                  <a:rPr lang="ru-RU" sz="2000" b="1" dirty="0" smtClean="0"/>
-                  <a:t>. </a:t>
+                  <a:t>не подходит. </a:t>
                 </a:r>
                 <a:r>
                   <a:rPr lang="ru-RU" sz="2000" dirty="0" smtClean="0"/>
@@ -6238,7 +6643,6 @@
                   <a:rPr lang="ru-RU" sz="2000" b="1" dirty="0" smtClean="0"/>
                   <a:t> </a:t>
                 </a:r>
-                <a:endParaRPr lang="ru-RU" sz="2000" b="1" dirty="0" smtClean="0"/>
               </a:p>
               <a:p>
                 <a:pPr algn="just"/>
@@ -6271,7 +6675,7 @@
             </p:txBody>
           </p:sp>
         </mc:Choice>
-        <mc:Fallback>
+        <mc:Fallback xmlns="">
           <p:sp>
             <p:nvSpPr>
               <p:cNvPr id="6" name="TextBox 5"/>
@@ -6477,7 +6881,7 @@
           <a:graphicData uri="http://schemas.openxmlformats.org/presentationml/2006/ole">
             <mc:AlternateContent xmlns:mc="http://schemas.openxmlformats.org/markup-compatibility/2006">
               <mc:Choice xmlns:v="urn:schemas-microsoft-com:vml" Requires="v">
-                <p:oleObj spid="_x0000_s1155" name="Visio" r:id="rId3" imgW="6853259" imgH="8759885" progId="Visio.Drawing.11">
+                <p:oleObj spid="_x0000_s1161" name="Visio" r:id="rId3" imgW="6853259" imgH="8759885" progId="Visio.Drawing.11">
                   <p:embed/>
                 </p:oleObj>
               </mc:Choice>
@@ -6612,8 +7016,8 @@
           </a:p>
         </p:txBody>
       </p:sp>
-      <mc:AlternateContent xmlns:mc="http://schemas.openxmlformats.org/markup-compatibility/2006">
-        <mc:Choice xmlns:a14="http://schemas.microsoft.com/office/drawing/2010/main" Requires="a14">
+      <mc:AlternateContent xmlns:mc="http://schemas.openxmlformats.org/markup-compatibility/2006" xmlns:a14="http://schemas.microsoft.com/office/drawing/2010/main">
+        <mc:Choice Requires="a14">
           <p:sp>
             <p:nvSpPr>
               <p:cNvPr id="2" name="Прямоугольник 1"/>
@@ -6637,11 +7041,7 @@
               <a:p>
                 <a:r>
                   <a:rPr lang="ru-RU" dirty="0" smtClean="0"/>
-                  <a:t>	После </a:t>
-                </a:r>
-                <a:r>
-                  <a:rPr lang="ru-RU" dirty="0" smtClean="0"/>
-                  <a:t>расчета всех комбинаций, получим множество возможных решений:</a:t>
+                  <a:t>	После расчета всех комбинаций, получим множество возможных решений:</a:t>
                 </a:r>
               </a:p>
               <a:p>
@@ -7821,7 +8221,7 @@
             </p:txBody>
           </p:sp>
         </mc:Choice>
-        <mc:Fallback>
+        <mc:Fallback xmlns="">
           <p:sp>
             <p:nvSpPr>
               <p:cNvPr id="2" name="Прямоугольник 1"/>
@@ -8811,7 +9211,7 @@
           <a:graphicData uri="http://schemas.openxmlformats.org/presentationml/2006/ole">
             <mc:AlternateContent xmlns:mc="http://schemas.openxmlformats.org/markup-compatibility/2006">
               <mc:Choice xmlns:v="urn:schemas-microsoft-com:vml" Requires="v">
-                <p:oleObj spid="_x0000_s2168" name="Visio" r:id="rId6" imgW="3802117" imgH="4529755" progId="Visio.Drawing.11">
+                <p:oleObj spid="_x0000_s2174" name="Visio" r:id="rId6" imgW="3802117" imgH="4529755" progId="Visio.Drawing.11">
                   <p:embed/>
                 </p:oleObj>
               </mc:Choice>
@@ -8885,8 +9285,8 @@
           </a:p>
         </p:txBody>
       </p:sp>
-      <mc:AlternateContent xmlns:mc="http://schemas.openxmlformats.org/markup-compatibility/2006">
-        <mc:Choice xmlns:a14="http://schemas.microsoft.com/office/drawing/2010/main" Requires="a14">
+      <mc:AlternateContent xmlns:mc="http://schemas.openxmlformats.org/markup-compatibility/2006" xmlns:a14="http://schemas.microsoft.com/office/drawing/2010/main">
+        <mc:Choice Requires="a14">
           <p:sp>
             <p:nvSpPr>
               <p:cNvPr id="13" name="Прямоугольник 12"/>
@@ -8910,11 +9310,7 @@
               <a:p>
                 <a:r>
                   <a:rPr lang="ru-RU" sz="1600" dirty="0" smtClean="0"/>
-                  <a:t>	г</a:t>
-                </a:r>
-                <a:r>
-                  <a:rPr lang="ru-RU" sz="1600" dirty="0" smtClean="0"/>
-                  <a:t>де </a:t>
+                  <a:t>	где </a:t>
                 </a:r>
                 <a14:m>
                   <m:oMath xmlns:m="http://schemas.openxmlformats.org/officeDocument/2006/math">
@@ -9003,7 +9399,7 @@
             </p:txBody>
           </p:sp>
         </mc:Choice>
-        <mc:Fallback>
+        <mc:Fallback xmlns="">
           <p:sp>
             <p:nvSpPr>
               <p:cNvPr id="13" name="Прямоугольник 12"/>
@@ -10001,6 +10397,31 @@
       </p:grpSpPr>
       <p:sp>
         <p:nvSpPr>
+          <p:cNvPr id="2" name="Заголовок 1"/>
+          <p:cNvSpPr>
+            <a:spLocks noGrp="1"/>
+          </p:cNvSpPr>
+          <p:nvPr>
+            <p:ph type="title"/>
+          </p:nvPr>
+        </p:nvSpPr>
+        <p:spPr/>
+        <p:txBody>
+          <a:bodyPr>
+            <a:normAutofit fontScale="90000"/>
+          </a:bodyPr>
+          <a:lstStyle/>
+          <a:p>
+            <a:r>
+              <a:rPr lang="ru-RU" dirty="0" smtClean="0"/>
+              <a:t>Модульная структура программного комплекса</a:t>
+            </a:r>
+            <a:endParaRPr lang="ru-RU" dirty="0"/>
+          </a:p>
+        </p:txBody>
+      </p:sp>
+      <p:sp>
+        <p:nvSpPr>
           <p:cNvPr id="4" name="Номер слайда 3"/>
           <p:cNvSpPr>
             <a:spLocks noGrp="1"/>
@@ -10022,8 +10443,457 @@
           </a:p>
         </p:txBody>
       </p:sp>
-      <mc:AlternateContent xmlns:mc="http://schemas.openxmlformats.org/markup-compatibility/2006">
-        <mc:Choice xmlns:a14="http://schemas.microsoft.com/office/drawing/2010/main" Requires="a14">
+      <p:pic>
+        <p:nvPicPr>
+          <p:cNvPr id="3074" name="Picture 2"/>
+          <p:cNvPicPr>
+            <a:picLocks noChangeAspect="1" noChangeArrowheads="1"/>
+          </p:cNvPicPr>
+          <p:nvPr/>
+        </p:nvPicPr>
+        <p:blipFill>
+          <a:blip r:embed="rId2">
+            <a:extLst>
+              <a:ext uri="{28A0092B-C50C-407E-A947-70E740481C1C}">
+                <a14:useLocalDpi xmlns:a14="http://schemas.microsoft.com/office/drawing/2010/main" val="0"/>
+              </a:ext>
+            </a:extLst>
+          </a:blip>
+          <a:srcRect/>
+          <a:stretch>
+            <a:fillRect/>
+          </a:stretch>
+        </p:blipFill>
+        <p:spPr bwMode="auto">
+          <a:xfrm>
+            <a:off x="467544" y="1700808"/>
+            <a:ext cx="8424936" cy="4429848"/>
+          </a:xfrm>
+          <a:prstGeom prst="rect">
+            <a:avLst/>
+          </a:prstGeom>
+          <a:noFill/>
+          <a:ln>
+            <a:noFill/>
+          </a:ln>
+          <a:extLst>
+            <a:ext uri="{909E8E84-426E-40DD-AFC4-6F175D3DCCD1}">
+              <a14:hiddenFill xmlns:a14="http://schemas.microsoft.com/office/drawing/2010/main">
+                <a:solidFill>
+                  <a:schemeClr val="accent1"/>
+                </a:solidFill>
+              </a14:hiddenFill>
+            </a:ext>
+            <a:ext uri="{91240B29-F687-4F45-9708-019B960494DF}">
+              <a14:hiddenLine xmlns:a14="http://schemas.microsoft.com/office/drawing/2010/main" w="9525">
+                <a:solidFill>
+                  <a:schemeClr val="tx1"/>
+                </a:solidFill>
+                <a:miter lim="800000"/>
+                <a:headEnd/>
+                <a:tailEnd/>
+              </a14:hiddenLine>
+            </a:ext>
+          </a:extLst>
+        </p:spPr>
+      </p:pic>
+    </p:spTree>
+    <p:extLst>
+      <p:ext uri="{BB962C8B-B14F-4D97-AF65-F5344CB8AC3E}">
+        <p14:creationId xmlns:p14="http://schemas.microsoft.com/office/powerpoint/2010/main" val="2118343682"/>
+      </p:ext>
+    </p:extLst>
+  </p:cSld>
+  <p:clrMapOvr>
+    <a:masterClrMapping/>
+  </p:clrMapOvr>
+</p:sld>
+</file>
+
+<file path=ppt/slides/slide18.xml><?xml version="1.0" encoding="utf-8"?>
+<p:sld xmlns:a="http://schemas.openxmlformats.org/drawingml/2006/main" xmlns:r="http://schemas.openxmlformats.org/officeDocument/2006/relationships" xmlns:p="http://schemas.openxmlformats.org/presentationml/2006/main">
+  <p:cSld>
+    <p:spTree>
+      <p:nvGrpSpPr>
+        <p:cNvPr id="1" name=""/>
+        <p:cNvGrpSpPr/>
+        <p:nvPr/>
+      </p:nvGrpSpPr>
+      <p:grpSpPr>
+        <a:xfrm>
+          <a:off x="0" y="0"/>
+          <a:ext cx="0" cy="0"/>
+          <a:chOff x="0" y="0"/>
+          <a:chExt cx="0" cy="0"/>
+        </a:xfrm>
+      </p:grpSpPr>
+      <p:sp>
+        <p:nvSpPr>
+          <p:cNvPr id="4" name="Номер слайда 3"/>
+          <p:cNvSpPr>
+            <a:spLocks noGrp="1"/>
+          </p:cNvSpPr>
+          <p:nvPr>
+            <p:ph type="sldNum" sz="quarter" idx="12"/>
+          </p:nvPr>
+        </p:nvSpPr>
+        <p:spPr/>
+        <p:txBody>
+          <a:bodyPr/>
+          <a:lstStyle/>
+          <a:p>
+            <a:fld id="{B19B0651-EE4F-4900-A07F-96A6BFA9D0F0}" type="slidenum">
+              <a:rPr lang="ru-RU" smtClean="0"/>
+              <a:t>18</a:t>
+            </a:fld>
+            <a:endParaRPr lang="ru-RU"/>
+          </a:p>
+        </p:txBody>
+      </p:sp>
+      <p:graphicFrame>
+        <p:nvGraphicFramePr>
+          <p:cNvPr id="6" name="Диаграмма 5"/>
+          <p:cNvGraphicFramePr>
+            <a:graphicFrameLocks/>
+          </p:cNvGraphicFramePr>
+          <p:nvPr>
+            <p:extLst>
+              <p:ext uri="{D42A27DB-BD31-4B8C-83A1-F6EECF244321}">
+                <p14:modId xmlns:p14="http://schemas.microsoft.com/office/powerpoint/2010/main" val="2065940025"/>
+              </p:ext>
+            </p:extLst>
+          </p:nvPr>
+        </p:nvGraphicFramePr>
+        <p:xfrm>
+          <a:off x="251520" y="980728"/>
+          <a:ext cx="8424936" cy="3467099"/>
+        </p:xfrm>
+        <a:graphic>
+          <a:graphicData uri="http://schemas.openxmlformats.org/drawingml/2006/chart">
+            <c:chart xmlns:c="http://schemas.openxmlformats.org/drawingml/2006/chart" xmlns:r="http://schemas.openxmlformats.org/officeDocument/2006/relationships" r:id="rId2"/>
+          </a:graphicData>
+        </a:graphic>
+      </p:graphicFrame>
+      <p:graphicFrame>
+        <p:nvGraphicFramePr>
+          <p:cNvPr id="7" name="Таблица 6"/>
+          <p:cNvGraphicFramePr>
+            <a:graphicFrameLocks noGrp="1"/>
+          </p:cNvGraphicFramePr>
+          <p:nvPr>
+            <p:extLst>
+              <p:ext uri="{D42A27DB-BD31-4B8C-83A1-F6EECF244321}">
+                <p14:modId xmlns:p14="http://schemas.microsoft.com/office/powerpoint/2010/main" val="2989365346"/>
+              </p:ext>
+            </p:extLst>
+          </p:nvPr>
+        </p:nvGraphicFramePr>
+        <p:xfrm>
+          <a:off x="323528" y="4509120"/>
+          <a:ext cx="8352928" cy="1005840"/>
+        </p:xfrm>
+        <a:graphic>
+          <a:graphicData uri="http://schemas.openxmlformats.org/drawingml/2006/table">
+            <a:tbl>
+              <a:tblPr firstRow="1" bandRow="1">
+                <a:tableStyleId>{2D5ABB26-0587-4C30-8999-92F81FD0307C}</a:tableStyleId>
+              </a:tblPr>
+              <a:tblGrid>
+                <a:gridCol w="4176464"/>
+                <a:gridCol w="4176464"/>
+              </a:tblGrid>
+              <a:tr h="240027">
+                <a:tc>
+                  <a:txBody>
+                    <a:bodyPr/>
+                    <a:lstStyle/>
+                    <a:p>
+                      <a:r>
+                        <a:rPr lang="ru-RU" sz="1600" b="1" dirty="0" smtClean="0"/>
+                        <a:t>Максимальный</a:t>
+                      </a:r>
+                      <a:r>
+                        <a:rPr lang="ru-RU" sz="1600" dirty="0" smtClean="0"/>
+                        <a:t> процент</a:t>
+                      </a:r>
+                      <a:r>
+                        <a:rPr lang="ru-RU" sz="1600" baseline="0" dirty="0" smtClean="0"/>
+                        <a:t> выигрыша:</a:t>
+                      </a:r>
+                      <a:endParaRPr lang="ru-RU" sz="1600" dirty="0"/>
+                    </a:p>
+                  </a:txBody>
+                  <a:tcPr/>
+                </a:tc>
+                <a:tc>
+                  <a:txBody>
+                    <a:bodyPr/>
+                    <a:lstStyle/>
+                    <a:p>
+                      <a:r>
+                        <a:rPr lang="ru-RU" sz="1600" dirty="0" smtClean="0"/>
+                        <a:t>12%</a:t>
+                      </a:r>
+                      <a:endParaRPr lang="ru-RU" sz="1600" dirty="0"/>
+                    </a:p>
+                  </a:txBody>
+                  <a:tcPr/>
+                </a:tc>
+              </a:tr>
+              <a:tr h="240027">
+                <a:tc>
+                  <a:txBody>
+                    <a:bodyPr/>
+                    <a:lstStyle/>
+                    <a:p>
+                      <a:r>
+                        <a:rPr lang="ru-RU" sz="1600" b="1" dirty="0" smtClean="0"/>
+                        <a:t>Минимальный</a:t>
+                      </a:r>
+                      <a:r>
+                        <a:rPr lang="ru-RU" sz="1600" baseline="0" dirty="0" smtClean="0"/>
+                        <a:t> процент выигрыша:</a:t>
+                      </a:r>
+                      <a:endParaRPr lang="ru-RU" sz="1600" dirty="0"/>
+                    </a:p>
+                  </a:txBody>
+                  <a:tcPr/>
+                </a:tc>
+                <a:tc>
+                  <a:txBody>
+                    <a:bodyPr/>
+                    <a:lstStyle/>
+                    <a:p>
+                      <a:r>
+                        <a:rPr lang="ru-RU" sz="1600" dirty="0" smtClean="0"/>
+                        <a:t>0,5%</a:t>
+                      </a:r>
+                      <a:endParaRPr lang="ru-RU" sz="1600" dirty="0"/>
+                    </a:p>
+                  </a:txBody>
+                  <a:tcPr/>
+                </a:tc>
+              </a:tr>
+              <a:tr h="240027">
+                <a:tc>
+                  <a:txBody>
+                    <a:bodyPr/>
+                    <a:lstStyle/>
+                    <a:p>
+                      <a:r>
+                        <a:rPr lang="ru-RU" sz="1600" b="1" dirty="0" smtClean="0"/>
+                        <a:t>Средний</a:t>
+                      </a:r>
+                      <a:r>
+                        <a:rPr lang="ru-RU" sz="1600" dirty="0" smtClean="0"/>
+                        <a:t> процент выигрыша:</a:t>
+                      </a:r>
+                      <a:endParaRPr lang="ru-RU" sz="1600" dirty="0"/>
+                    </a:p>
+                  </a:txBody>
+                  <a:tcPr/>
+                </a:tc>
+                <a:tc>
+                  <a:txBody>
+                    <a:bodyPr/>
+                    <a:lstStyle/>
+                    <a:p>
+                      <a:r>
+                        <a:rPr lang="ru-RU" sz="1600" dirty="0" smtClean="0"/>
+                        <a:t>1.7%</a:t>
+                      </a:r>
+                      <a:endParaRPr lang="ru-RU" sz="1600" dirty="0"/>
+                    </a:p>
+                  </a:txBody>
+                  <a:tcPr/>
+                </a:tc>
+              </a:tr>
+            </a:tbl>
+          </a:graphicData>
+        </a:graphic>
+      </p:graphicFrame>
+      <p:graphicFrame>
+        <p:nvGraphicFramePr>
+          <p:cNvPr id="8" name="Таблица 7"/>
+          <p:cNvGraphicFramePr>
+            <a:graphicFrameLocks noGrp="1"/>
+          </p:cNvGraphicFramePr>
+          <p:nvPr>
+            <p:extLst>
+              <p:ext uri="{D42A27DB-BD31-4B8C-83A1-F6EECF244321}">
+                <p14:modId xmlns:p14="http://schemas.microsoft.com/office/powerpoint/2010/main" val="1024052928"/>
+              </p:ext>
+            </p:extLst>
+          </p:nvPr>
+        </p:nvGraphicFramePr>
+        <p:xfrm>
+          <a:off x="323528" y="5661248"/>
+          <a:ext cx="8352928" cy="1127760"/>
+        </p:xfrm>
+        <a:graphic>
+          <a:graphicData uri="http://schemas.openxmlformats.org/drawingml/2006/table">
+            <a:tbl>
+              <a:tblPr firstRow="1" bandRow="1">
+                <a:tableStyleId>{2D5ABB26-0587-4C30-8999-92F81FD0307C}</a:tableStyleId>
+              </a:tblPr>
+              <a:tblGrid>
+                <a:gridCol w="4176464"/>
+                <a:gridCol w="4176464"/>
+              </a:tblGrid>
+              <a:tr h="432048">
+                <a:tc>
+                  <a:txBody>
+                    <a:bodyPr/>
+                    <a:lstStyle/>
+                    <a:p>
+                      <a:r>
+                        <a:rPr lang="ru-RU" sz="2400" b="1" dirty="0" smtClean="0"/>
+                        <a:t>Экономия</a:t>
+                      </a:r>
+                      <a:r>
+                        <a:rPr lang="ru-RU" sz="2400" b="1" baseline="0" dirty="0" smtClean="0"/>
+                        <a:t> до</a:t>
+                      </a:r>
+                      <a:r>
+                        <a:rPr lang="ru-RU" sz="2400" baseline="0" dirty="0" smtClean="0"/>
+                        <a:t>:</a:t>
+                      </a:r>
+                      <a:endParaRPr lang="ru-RU" sz="2400" dirty="0"/>
+                    </a:p>
+                  </a:txBody>
+                  <a:tcPr/>
+                </a:tc>
+                <a:tc>
+                  <a:txBody>
+                    <a:bodyPr/>
+                    <a:lstStyle/>
+                    <a:p>
+                      <a:r>
+                        <a:rPr lang="ru-RU" sz="2400" dirty="0" smtClean="0"/>
+                        <a:t>124</a:t>
+                      </a:r>
+                      <a:r>
+                        <a:rPr lang="ru-RU" sz="2400" baseline="0" dirty="0" smtClean="0"/>
+                        <a:t> тыс. руб./месяц*</a:t>
+                      </a:r>
+                    </a:p>
+                  </a:txBody>
+                  <a:tcPr/>
+                </a:tc>
+              </a:tr>
+              <a:tr h="432048">
+                <a:tc>
+                  <a:txBody>
+                    <a:bodyPr/>
+                    <a:lstStyle/>
+                    <a:p>
+                      <a:endParaRPr lang="ru-RU" sz="2400" dirty="0"/>
+                    </a:p>
+                  </a:txBody>
+                  <a:tcPr/>
+                </a:tc>
+                <a:tc>
+                  <a:txBody>
+                    <a:bodyPr/>
+                    <a:lstStyle/>
+                    <a:p>
+                      <a:pPr marL="0" marR="0" indent="0" algn="l" defTabSz="914400" rtl="0" eaLnBrk="1" fontAlgn="auto" latinLnBrk="0" hangingPunct="1">
+                        <a:lnSpc>
+                          <a:spcPct val="100000"/>
+                        </a:lnSpc>
+                        <a:spcBef>
+                          <a:spcPts val="0"/>
+                        </a:spcBef>
+                        <a:spcAft>
+                          <a:spcPts val="0"/>
+                        </a:spcAft>
+                        <a:buClrTx/>
+                        <a:buSzTx/>
+                        <a:buFontTx/>
+                        <a:buNone/>
+                        <a:tabLst/>
+                        <a:defRPr/>
+                      </a:pPr>
+                      <a:r>
+                        <a:rPr lang="ru-RU" sz="1400" baseline="0" dirty="0" smtClean="0"/>
+                        <a:t>*при цене на газ = 3482 руб./</a:t>
+                      </a:r>
+                      <a:r>
+                        <a:rPr lang="ru-RU" sz="1400" baseline="0" dirty="0" err="1" smtClean="0"/>
+                        <a:t>тыс.нм</a:t>
+                      </a:r>
+                      <a:r>
+                        <a:rPr lang="en-US" sz="1200" baseline="0" dirty="0" smtClean="0"/>
+                        <a:t>3</a:t>
+                      </a:r>
+                      <a:endParaRPr lang="ru-RU" sz="1400" dirty="0" smtClean="0"/>
+                    </a:p>
+                    <a:p>
+                      <a:endParaRPr lang="ru-RU" sz="2400" baseline="0" dirty="0" smtClean="0"/>
+                    </a:p>
+                  </a:txBody>
+                  <a:tcPr/>
+                </a:tc>
+              </a:tr>
+            </a:tbl>
+          </a:graphicData>
+        </a:graphic>
+      </p:graphicFrame>
+    </p:spTree>
+    <p:extLst>
+      <p:ext uri="{BB962C8B-B14F-4D97-AF65-F5344CB8AC3E}">
+        <p14:creationId xmlns:p14="http://schemas.microsoft.com/office/powerpoint/2010/main" val="3365904517"/>
+      </p:ext>
+    </p:extLst>
+  </p:cSld>
+  <p:clrMapOvr>
+    <a:masterClrMapping/>
+  </p:clrMapOvr>
+</p:sld>
+</file>
+
+<file path=ppt/slides/slide19.xml><?xml version="1.0" encoding="utf-8"?>
+<p:sld xmlns:a="http://schemas.openxmlformats.org/drawingml/2006/main" xmlns:r="http://schemas.openxmlformats.org/officeDocument/2006/relationships" xmlns:p="http://schemas.openxmlformats.org/presentationml/2006/main">
+  <p:cSld>
+    <p:spTree>
+      <p:nvGrpSpPr>
+        <p:cNvPr id="1" name=""/>
+        <p:cNvGrpSpPr/>
+        <p:nvPr/>
+      </p:nvGrpSpPr>
+      <p:grpSpPr>
+        <a:xfrm>
+          <a:off x="0" y="0"/>
+          <a:ext cx="0" cy="0"/>
+          <a:chOff x="0" y="0"/>
+          <a:chExt cx="0" cy="0"/>
+        </a:xfrm>
+      </p:grpSpPr>
+      <p:sp>
+        <p:nvSpPr>
+          <p:cNvPr id="4" name="Номер слайда 3"/>
+          <p:cNvSpPr>
+            <a:spLocks noGrp="1"/>
+          </p:cNvSpPr>
+          <p:nvPr>
+            <p:ph type="sldNum" sz="quarter" idx="12"/>
+          </p:nvPr>
+        </p:nvSpPr>
+        <p:spPr/>
+        <p:txBody>
+          <a:bodyPr/>
+          <a:lstStyle/>
+          <a:p>
+            <a:fld id="{B19B0651-EE4F-4900-A07F-96A6BFA9D0F0}" type="slidenum">
+              <a:rPr lang="ru-RU" smtClean="0"/>
+              <a:t>19</a:t>
+            </a:fld>
+            <a:endParaRPr lang="ru-RU"/>
+          </a:p>
+        </p:txBody>
+      </p:sp>
+      <mc:AlternateContent xmlns:mc="http://schemas.openxmlformats.org/markup-compatibility/2006" xmlns:a14="http://schemas.microsoft.com/office/drawing/2010/main">
+        <mc:Choice Requires="a14">
           <p:sp>
             <p:nvSpPr>
               <p:cNvPr id="7" name="Прямоугольник 6"/>
@@ -10273,7 +11143,7 @@
             </p:txBody>
           </p:sp>
         </mc:Choice>
-        <mc:Fallback>
+        <mc:Fallback xmlns="">
           <p:sp>
             <p:nvSpPr>
               <p:cNvPr id="7" name="Прямоугольник 6"/>
@@ -10312,8 +11182,8 @@
           </p:sp>
         </mc:Fallback>
       </mc:AlternateContent>
-      <mc:AlternateContent xmlns:mc="http://schemas.openxmlformats.org/markup-compatibility/2006">
-        <mc:Choice xmlns:a14="http://schemas.microsoft.com/office/drawing/2010/main" Requires="a14">
+      <mc:AlternateContent xmlns:mc="http://schemas.openxmlformats.org/markup-compatibility/2006" xmlns:a14="http://schemas.microsoft.com/office/drawing/2010/main">
+        <mc:Choice Requires="a14">
           <p:sp>
             <p:nvSpPr>
               <p:cNvPr id="11" name="Прямоугольник 10"/>
@@ -10392,7 +11262,7 @@
             </p:txBody>
           </p:sp>
         </mc:Choice>
-        <mc:Fallback>
+        <mc:Fallback xmlns="">
           <p:sp>
             <p:nvSpPr>
               <p:cNvPr id="11" name="Прямоугольник 10"/>
@@ -10431,8 +11301,8 @@
           </p:sp>
         </mc:Fallback>
       </mc:AlternateContent>
-      <mc:AlternateContent xmlns:mc="http://schemas.openxmlformats.org/markup-compatibility/2006">
-        <mc:Choice xmlns:a14="http://schemas.microsoft.com/office/drawing/2010/main" Requires="a14">
+      <mc:AlternateContent xmlns:mc="http://schemas.openxmlformats.org/markup-compatibility/2006" xmlns:a14="http://schemas.microsoft.com/office/drawing/2010/main">
+        <mc:Choice Requires="a14">
           <p:sp>
             <p:nvSpPr>
               <p:cNvPr id="12" name="Прямоугольник 11"/>
@@ -10500,7 +11370,7 @@
             </p:txBody>
           </p:sp>
         </mc:Choice>
-        <mc:Fallback>
+        <mc:Fallback xmlns="">
           <p:sp>
             <p:nvSpPr>
               <p:cNvPr id="12" name="Прямоугольник 11"/>
@@ -10539,8 +11409,8 @@
           </p:sp>
         </mc:Fallback>
       </mc:AlternateContent>
-      <mc:AlternateContent xmlns:mc="http://schemas.openxmlformats.org/markup-compatibility/2006">
-        <mc:Choice xmlns:a14="http://schemas.microsoft.com/office/drawing/2010/main" Requires="a14">
+      <mc:AlternateContent xmlns:mc="http://schemas.openxmlformats.org/markup-compatibility/2006" xmlns:a14="http://schemas.microsoft.com/office/drawing/2010/main">
+        <mc:Choice Requires="a14">
           <p:sp>
             <p:nvSpPr>
               <p:cNvPr id="13" name="Прямоугольник 12"/>
@@ -10612,7 +11482,7 @@
             </p:txBody>
           </p:sp>
         </mc:Choice>
-        <mc:Fallback>
+        <mc:Fallback xmlns="">
           <p:sp>
             <p:nvSpPr>
               <p:cNvPr id="13" name="Прямоугольник 12"/>
@@ -10804,7 +11674,379 @@
 </p:sld>
 </file>
 
-<file path=ppt/slides/slide18.xml><?xml version="1.0" encoding="utf-8"?>
+<file path=ppt/slides/slide2.xml><?xml version="1.0" encoding="utf-8"?>
+<p:sld xmlns:a="http://schemas.openxmlformats.org/drawingml/2006/main" xmlns:r="http://schemas.openxmlformats.org/officeDocument/2006/relationships" xmlns:p="http://schemas.openxmlformats.org/presentationml/2006/main">
+  <p:cSld>
+    <p:spTree>
+      <p:nvGrpSpPr>
+        <p:cNvPr id="1" name=""/>
+        <p:cNvGrpSpPr/>
+        <p:nvPr/>
+      </p:nvGrpSpPr>
+      <p:grpSpPr>
+        <a:xfrm>
+          <a:off x="0" y="0"/>
+          <a:ext cx="0" cy="0"/>
+          <a:chOff x="0" y="0"/>
+          <a:chExt cx="0" cy="0"/>
+        </a:xfrm>
+      </p:grpSpPr>
+      <p:sp>
+        <p:nvSpPr>
+          <p:cNvPr id="4" name="Заголовок 1"/>
+          <p:cNvSpPr>
+            <a:spLocks noGrp="1"/>
+          </p:cNvSpPr>
+          <p:nvPr>
+            <p:ph type="title"/>
+          </p:nvPr>
+        </p:nvSpPr>
+        <p:spPr>
+          <a:xfrm>
+            <a:off x="457200" y="274638"/>
+            <a:ext cx="8229600" cy="1143000"/>
+          </a:xfrm>
+        </p:spPr>
+        <p:txBody>
+          <a:bodyPr>
+            <a:normAutofit/>
+          </a:bodyPr>
+          <a:lstStyle/>
+          <a:p>
+            <a:r>
+              <a:rPr lang="ru-RU" dirty="0" smtClean="0"/>
+              <a:t>Цель и задачи работы</a:t>
+            </a:r>
+            <a:endParaRPr lang="ru-RU" dirty="0"/>
+          </a:p>
+        </p:txBody>
+      </p:sp>
+      <p:sp>
+        <p:nvSpPr>
+          <p:cNvPr id="6" name="Объект 2"/>
+          <p:cNvSpPr txBox="1">
+            <a:spLocks/>
+          </p:cNvSpPr>
+          <p:nvPr/>
+        </p:nvSpPr>
+        <p:spPr>
+          <a:xfrm>
+            <a:off x="609600" y="1412776"/>
+            <a:ext cx="8229600" cy="5112568"/>
+          </a:xfrm>
+          <a:prstGeom prst="rect">
+            <a:avLst/>
+          </a:prstGeom>
+        </p:spPr>
+        <p:txBody>
+          <a:bodyPr vert="horz" lIns="91440" tIns="45720" rIns="91440" bIns="45720" rtlCol="0">
+            <a:normAutofit fontScale="62500" lnSpcReduction="20000"/>
+          </a:bodyPr>
+          <a:lstStyle>
+            <a:lvl1pPr marL="342900" indent="-342900" algn="l" defTabSz="914400" rtl="0" eaLnBrk="1" latinLnBrk="0" hangingPunct="1">
+              <a:spcBef>
+                <a:spcPct val="20000"/>
+              </a:spcBef>
+              <a:buFont typeface="Arial" pitchFamily="34" charset="0"/>
+              <a:buChar char="•"/>
+              <a:defRPr sz="3200" kern="1200">
+                <a:solidFill>
+                  <a:schemeClr val="tx1"/>
+                </a:solidFill>
+                <a:latin typeface="+mn-lt"/>
+                <a:ea typeface="+mn-ea"/>
+                <a:cs typeface="+mn-cs"/>
+              </a:defRPr>
+            </a:lvl1pPr>
+            <a:lvl2pPr marL="742950" indent="-285750" algn="l" defTabSz="914400" rtl="0" eaLnBrk="1" latinLnBrk="0" hangingPunct="1">
+              <a:spcBef>
+                <a:spcPct val="20000"/>
+              </a:spcBef>
+              <a:buFont typeface="Arial" pitchFamily="34" charset="0"/>
+              <a:buChar char="–"/>
+              <a:defRPr sz="2800" kern="1200">
+                <a:solidFill>
+                  <a:schemeClr val="tx1"/>
+                </a:solidFill>
+                <a:latin typeface="+mn-lt"/>
+                <a:ea typeface="+mn-ea"/>
+                <a:cs typeface="+mn-cs"/>
+              </a:defRPr>
+            </a:lvl2pPr>
+            <a:lvl3pPr marL="1143000" indent="-228600" algn="l" defTabSz="914400" rtl="0" eaLnBrk="1" latinLnBrk="0" hangingPunct="1">
+              <a:spcBef>
+                <a:spcPct val="20000"/>
+              </a:spcBef>
+              <a:buFont typeface="Arial" pitchFamily="34" charset="0"/>
+              <a:buChar char="•"/>
+              <a:defRPr sz="2400" kern="1200">
+                <a:solidFill>
+                  <a:schemeClr val="tx1"/>
+                </a:solidFill>
+                <a:latin typeface="+mn-lt"/>
+                <a:ea typeface="+mn-ea"/>
+                <a:cs typeface="+mn-cs"/>
+              </a:defRPr>
+            </a:lvl3pPr>
+            <a:lvl4pPr marL="1600200" indent="-228600" algn="l" defTabSz="914400" rtl="0" eaLnBrk="1" latinLnBrk="0" hangingPunct="1">
+              <a:spcBef>
+                <a:spcPct val="20000"/>
+              </a:spcBef>
+              <a:buFont typeface="Arial" pitchFamily="34" charset="0"/>
+              <a:buChar char="–"/>
+              <a:defRPr sz="2000" kern="1200">
+                <a:solidFill>
+                  <a:schemeClr val="tx1"/>
+                </a:solidFill>
+                <a:latin typeface="+mn-lt"/>
+                <a:ea typeface="+mn-ea"/>
+                <a:cs typeface="+mn-cs"/>
+              </a:defRPr>
+            </a:lvl4pPr>
+            <a:lvl5pPr marL="2057400" indent="-228600" algn="l" defTabSz="914400" rtl="0" eaLnBrk="1" latinLnBrk="0" hangingPunct="1">
+              <a:spcBef>
+                <a:spcPct val="20000"/>
+              </a:spcBef>
+              <a:buFont typeface="Arial" pitchFamily="34" charset="0"/>
+              <a:buChar char="»"/>
+              <a:defRPr sz="2000" kern="1200">
+                <a:solidFill>
+                  <a:schemeClr val="tx1"/>
+                </a:solidFill>
+                <a:latin typeface="+mn-lt"/>
+                <a:ea typeface="+mn-ea"/>
+                <a:cs typeface="+mn-cs"/>
+              </a:defRPr>
+            </a:lvl5pPr>
+            <a:lvl6pPr marL="2514600" indent="-228600" algn="l" defTabSz="914400" rtl="0" eaLnBrk="1" latinLnBrk="0" hangingPunct="1">
+              <a:spcBef>
+                <a:spcPct val="20000"/>
+              </a:spcBef>
+              <a:buFont typeface="Arial" pitchFamily="34" charset="0"/>
+              <a:buChar char="•"/>
+              <a:defRPr sz="2000" kern="1200">
+                <a:solidFill>
+                  <a:schemeClr val="tx1"/>
+                </a:solidFill>
+                <a:latin typeface="+mn-lt"/>
+                <a:ea typeface="+mn-ea"/>
+                <a:cs typeface="+mn-cs"/>
+              </a:defRPr>
+            </a:lvl6pPr>
+            <a:lvl7pPr marL="2971800" indent="-228600" algn="l" defTabSz="914400" rtl="0" eaLnBrk="1" latinLnBrk="0" hangingPunct="1">
+              <a:spcBef>
+                <a:spcPct val="20000"/>
+              </a:spcBef>
+              <a:buFont typeface="Arial" pitchFamily="34" charset="0"/>
+              <a:buChar char="•"/>
+              <a:defRPr sz="2000" kern="1200">
+                <a:solidFill>
+                  <a:schemeClr val="tx1"/>
+                </a:solidFill>
+                <a:latin typeface="+mn-lt"/>
+                <a:ea typeface="+mn-ea"/>
+                <a:cs typeface="+mn-cs"/>
+              </a:defRPr>
+            </a:lvl7pPr>
+            <a:lvl8pPr marL="3429000" indent="-228600" algn="l" defTabSz="914400" rtl="0" eaLnBrk="1" latinLnBrk="0" hangingPunct="1">
+              <a:spcBef>
+                <a:spcPct val="20000"/>
+              </a:spcBef>
+              <a:buFont typeface="Arial" pitchFamily="34" charset="0"/>
+              <a:buChar char="•"/>
+              <a:defRPr sz="2000" kern="1200">
+                <a:solidFill>
+                  <a:schemeClr val="tx1"/>
+                </a:solidFill>
+                <a:latin typeface="+mn-lt"/>
+                <a:ea typeface="+mn-ea"/>
+                <a:cs typeface="+mn-cs"/>
+              </a:defRPr>
+            </a:lvl8pPr>
+            <a:lvl9pPr marL="3886200" indent="-228600" algn="l" defTabSz="914400" rtl="0" eaLnBrk="1" latinLnBrk="0" hangingPunct="1">
+              <a:spcBef>
+                <a:spcPct val="20000"/>
+              </a:spcBef>
+              <a:buFont typeface="Arial" pitchFamily="34" charset="0"/>
+              <a:buChar char="•"/>
+              <a:defRPr sz="2000" kern="1200">
+                <a:solidFill>
+                  <a:schemeClr val="tx1"/>
+                </a:solidFill>
+                <a:latin typeface="+mn-lt"/>
+                <a:ea typeface="+mn-ea"/>
+                <a:cs typeface="+mn-cs"/>
+              </a:defRPr>
+            </a:lvl9pPr>
+          </a:lstStyle>
+          <a:p>
+            <a:pPr marL="0" indent="0" algn="just">
+              <a:buNone/>
+            </a:pPr>
+            <a:r>
+              <a:rPr lang="ru-RU" sz="3400" b="1" dirty="0" smtClean="0"/>
+              <a:t>Цель работы – </a:t>
+            </a:r>
+            <a:r>
+              <a:rPr lang="ru-RU" sz="3400" dirty="0" smtClean="0"/>
+              <a:t>разработка метода многокритериальной оптимизации режимов работы котельного отделения электростанции и его исследование на примере котельного отделения ТЭЦ-20 Мосэнерго .</a:t>
+            </a:r>
+            <a:endParaRPr lang="ru-RU" sz="3400" dirty="0" smtClean="0">
+              <a:solidFill>
+                <a:srgbClr val="FF0000"/>
+              </a:solidFill>
+            </a:endParaRPr>
+          </a:p>
+          <a:p>
+            <a:pPr marL="0" indent="0">
+              <a:buFont typeface="Arial" pitchFamily="34" charset="0"/>
+              <a:buNone/>
+            </a:pPr>
+            <a:endParaRPr lang="ru-RU" sz="3400" b="1" dirty="0" smtClean="0"/>
+          </a:p>
+          <a:p>
+            <a:pPr marL="0" indent="0">
+              <a:buFont typeface="Arial" pitchFamily="34" charset="0"/>
+              <a:buNone/>
+            </a:pPr>
+            <a:r>
+              <a:rPr lang="ru-RU" sz="3400" b="1" dirty="0" smtClean="0"/>
+              <a:t>Решаемые задачи:</a:t>
+            </a:r>
+          </a:p>
+          <a:p>
+            <a:pPr marL="514350" indent="-514350" algn="just">
+              <a:buFont typeface="+mj-lt"/>
+              <a:buAutoNum type="arabicPeriod"/>
+            </a:pPr>
+            <a:r>
+              <a:rPr lang="ru-RU" sz="3400" dirty="0" smtClean="0"/>
+              <a:t>Анализ существующих оптимизационных продуктов и решений;</a:t>
+            </a:r>
+          </a:p>
+          <a:p>
+            <a:pPr marL="514350" indent="-514350" algn="just">
+              <a:buFont typeface="+mj-lt"/>
+              <a:buAutoNum type="arabicPeriod"/>
+            </a:pPr>
+            <a:r>
+              <a:rPr lang="ru-RU" sz="3400" dirty="0" smtClean="0"/>
+              <a:t>Анализ существующих алгоритмов оптимизации и выбор одного из них для реализации;</a:t>
+            </a:r>
+          </a:p>
+          <a:p>
+            <a:pPr marL="514350" indent="-514350" algn="just">
+              <a:buFont typeface="+mj-lt"/>
+              <a:buAutoNum type="arabicPeriod"/>
+            </a:pPr>
+            <a:r>
+              <a:rPr lang="ru-RU" sz="3400" dirty="0" smtClean="0"/>
+              <a:t>Разработка математической модели многокритериальной оптимизации;</a:t>
+            </a:r>
+          </a:p>
+          <a:p>
+            <a:pPr marL="514350" indent="-514350" algn="just">
+              <a:buFont typeface="+mj-lt"/>
+              <a:buAutoNum type="arabicPeriod"/>
+            </a:pPr>
+            <a:r>
+              <a:rPr lang="ru-RU" sz="3400" dirty="0" smtClean="0"/>
+              <a:t>Разработка метода многокритериальной оптимизации;</a:t>
+            </a:r>
+          </a:p>
+          <a:p>
+            <a:pPr marL="514350" indent="-514350" algn="just">
+              <a:buFont typeface="+mj-lt"/>
+              <a:buAutoNum type="arabicPeriod"/>
+            </a:pPr>
+            <a:r>
+              <a:rPr lang="ru-RU" sz="3400" dirty="0" smtClean="0"/>
+              <a:t>Разработка программного продукта на основе данного метода;</a:t>
+            </a:r>
+            <a:endParaRPr lang="en-US" sz="3400" dirty="0" smtClean="0"/>
+          </a:p>
+          <a:p>
+            <a:pPr marL="514350" indent="-514350" algn="just">
+              <a:buFont typeface="+mj-lt"/>
+              <a:buAutoNum type="arabicPeriod"/>
+            </a:pPr>
+            <a:r>
+              <a:rPr lang="ru-RU" sz="3400" dirty="0" smtClean="0"/>
+              <a:t>Исследование разработанного метода и сравнение полученных результатов с другими известными результатами.</a:t>
+            </a:r>
+          </a:p>
+          <a:p>
+            <a:pPr marL="514350" indent="-514350" algn="just">
+              <a:buFont typeface="+mj-lt"/>
+              <a:buAutoNum type="arabicPeriod"/>
+            </a:pPr>
+            <a:endParaRPr lang="ru-RU" sz="3400" dirty="0" smtClean="0"/>
+          </a:p>
+          <a:p>
+            <a:pPr marL="514350" indent="-514350" algn="just">
+              <a:buFont typeface="+mj-lt"/>
+              <a:buAutoNum type="arabicPeriod"/>
+            </a:pPr>
+            <a:endParaRPr lang="ru-RU" b="1" dirty="0" smtClean="0"/>
+          </a:p>
+          <a:p>
+            <a:pPr marL="0" indent="0">
+              <a:buFont typeface="Arial" pitchFamily="34" charset="0"/>
+              <a:buNone/>
+            </a:pPr>
+            <a:endParaRPr lang="ru-RU" b="1" dirty="0"/>
+          </a:p>
+        </p:txBody>
+      </p:sp>
+      <p:sp>
+        <p:nvSpPr>
+          <p:cNvPr id="5" name="Номер слайда 3"/>
+          <p:cNvSpPr>
+            <a:spLocks noGrp="1"/>
+          </p:cNvSpPr>
+          <p:nvPr>
+            <p:ph type="sldNum" sz="quarter" idx="12"/>
+          </p:nvPr>
+        </p:nvSpPr>
+        <p:spPr>
+          <a:xfrm>
+            <a:off x="6553200" y="6356350"/>
+            <a:ext cx="2133600" cy="365125"/>
+          </a:xfrm>
+        </p:spPr>
+        <p:txBody>
+          <a:bodyPr/>
+          <a:lstStyle/>
+          <a:p>
+            <a:fld id="{B19B0651-EE4F-4900-A07F-96A6BFA9D0F0}" type="slidenum">
+              <a:rPr lang="ru-RU" smtClean="0"/>
+              <a:t>2</a:t>
+            </a:fld>
+            <a:endParaRPr lang="ru-RU" dirty="0"/>
+          </a:p>
+        </p:txBody>
+      </p:sp>
+    </p:spTree>
+    <p:extLst>
+      <p:ext uri="{BB962C8B-B14F-4D97-AF65-F5344CB8AC3E}">
+        <p14:creationId xmlns:p14="http://schemas.microsoft.com/office/powerpoint/2010/main" val="1596185814"/>
+      </p:ext>
+    </p:extLst>
+  </p:cSld>
+  <p:clrMapOvr>
+    <a:masterClrMapping/>
+  </p:clrMapOvr>
+  <p:timing>
+    <p:tnLst>
+      <p:par>
+        <p:cTn id="1" dur="indefinite" restart="never" nodeType="tmRoot"/>
+      </p:par>
+    </p:tnLst>
+  </p:timing>
+</p:sld>
+</file>
+
+<file path=ppt/slides/slide20.xml><?xml version="1.0" encoding="utf-8"?>
 <p:sld xmlns:a="http://schemas.openxmlformats.org/drawingml/2006/main" xmlns:r="http://schemas.openxmlformats.org/officeDocument/2006/relationships" xmlns:p="http://schemas.openxmlformats.org/presentationml/2006/main">
   <p:cSld>
     <p:spTree>
@@ -10838,7 +12080,7 @@
           <a:p>
             <a:fld id="{B19B0651-EE4F-4900-A07F-96A6BFA9D0F0}" type="slidenum">
               <a:rPr lang="ru-RU" smtClean="0"/>
-              <a:t>18</a:t>
+              <a:t>20</a:t>
             </a:fld>
             <a:endParaRPr lang="ru-RU"/>
           </a:p>
@@ -11019,7 +12261,7 @@
 </p:sld>
 </file>
 
-<file path=ppt/slides/slide19.xml><?xml version="1.0" encoding="utf-8"?>
+<file path=ppt/slides/slide21.xml><?xml version="1.0" encoding="utf-8"?>
 <p:sld xmlns:a="http://schemas.openxmlformats.org/drawingml/2006/main" xmlns:r="http://schemas.openxmlformats.org/officeDocument/2006/relationships" xmlns:p="http://schemas.openxmlformats.org/presentationml/2006/main">
   <p:cSld>
     <p:spTree>
@@ -11053,7 +12295,7 @@
           <a:p>
             <a:fld id="{B19B0651-EE4F-4900-A07F-96A6BFA9D0F0}" type="slidenum">
               <a:rPr lang="ru-RU" smtClean="0"/>
-              <a:t>19</a:t>
+              <a:t>21</a:t>
             </a:fld>
             <a:endParaRPr lang="ru-RU"/>
           </a:p>
@@ -14656,385 +15898,7 @@
 </p:sld>
 </file>
 
-<file path=ppt/slides/slide2.xml><?xml version="1.0" encoding="utf-8"?>
-<p:sld xmlns:a="http://schemas.openxmlformats.org/drawingml/2006/main" xmlns:r="http://schemas.openxmlformats.org/officeDocument/2006/relationships" xmlns:p="http://schemas.openxmlformats.org/presentationml/2006/main">
-  <p:cSld>
-    <p:spTree>
-      <p:nvGrpSpPr>
-        <p:cNvPr id="1" name=""/>
-        <p:cNvGrpSpPr/>
-        <p:nvPr/>
-      </p:nvGrpSpPr>
-      <p:grpSpPr>
-        <a:xfrm>
-          <a:off x="0" y="0"/>
-          <a:ext cx="0" cy="0"/>
-          <a:chOff x="0" y="0"/>
-          <a:chExt cx="0" cy="0"/>
-        </a:xfrm>
-      </p:grpSpPr>
-      <p:sp>
-        <p:nvSpPr>
-          <p:cNvPr id="4" name="Заголовок 1"/>
-          <p:cNvSpPr>
-            <a:spLocks noGrp="1"/>
-          </p:cNvSpPr>
-          <p:nvPr>
-            <p:ph type="title"/>
-          </p:nvPr>
-        </p:nvSpPr>
-        <p:spPr>
-          <a:xfrm>
-            <a:off x="457200" y="274638"/>
-            <a:ext cx="8229600" cy="1143000"/>
-          </a:xfrm>
-        </p:spPr>
-        <p:txBody>
-          <a:bodyPr>
-            <a:normAutofit/>
-          </a:bodyPr>
-          <a:lstStyle/>
-          <a:p>
-            <a:r>
-              <a:rPr lang="ru-RU" dirty="0" smtClean="0"/>
-              <a:t>Цель и задачи работы</a:t>
-            </a:r>
-            <a:endParaRPr lang="ru-RU" dirty="0"/>
-          </a:p>
-        </p:txBody>
-      </p:sp>
-      <p:sp>
-        <p:nvSpPr>
-          <p:cNvPr id="6" name="Объект 2"/>
-          <p:cNvSpPr txBox="1">
-            <a:spLocks/>
-          </p:cNvSpPr>
-          <p:nvPr/>
-        </p:nvSpPr>
-        <p:spPr>
-          <a:xfrm>
-            <a:off x="609600" y="1412776"/>
-            <a:ext cx="8229600" cy="5112568"/>
-          </a:xfrm>
-          <a:prstGeom prst="rect">
-            <a:avLst/>
-          </a:prstGeom>
-        </p:spPr>
-        <p:txBody>
-          <a:bodyPr vert="horz" lIns="91440" tIns="45720" rIns="91440" bIns="45720" rtlCol="0">
-            <a:normAutofit fontScale="62500" lnSpcReduction="20000"/>
-          </a:bodyPr>
-          <a:lstStyle>
-            <a:lvl1pPr marL="342900" indent="-342900" algn="l" defTabSz="914400" rtl="0" eaLnBrk="1" latinLnBrk="0" hangingPunct="1">
-              <a:spcBef>
-                <a:spcPct val="20000"/>
-              </a:spcBef>
-              <a:buFont typeface="Arial" pitchFamily="34" charset="0"/>
-              <a:buChar char="•"/>
-              <a:defRPr sz="3200" kern="1200">
-                <a:solidFill>
-                  <a:schemeClr val="tx1"/>
-                </a:solidFill>
-                <a:latin typeface="+mn-lt"/>
-                <a:ea typeface="+mn-ea"/>
-                <a:cs typeface="+mn-cs"/>
-              </a:defRPr>
-            </a:lvl1pPr>
-            <a:lvl2pPr marL="742950" indent="-285750" algn="l" defTabSz="914400" rtl="0" eaLnBrk="1" latinLnBrk="0" hangingPunct="1">
-              <a:spcBef>
-                <a:spcPct val="20000"/>
-              </a:spcBef>
-              <a:buFont typeface="Arial" pitchFamily="34" charset="0"/>
-              <a:buChar char="–"/>
-              <a:defRPr sz="2800" kern="1200">
-                <a:solidFill>
-                  <a:schemeClr val="tx1"/>
-                </a:solidFill>
-                <a:latin typeface="+mn-lt"/>
-                <a:ea typeface="+mn-ea"/>
-                <a:cs typeface="+mn-cs"/>
-              </a:defRPr>
-            </a:lvl2pPr>
-            <a:lvl3pPr marL="1143000" indent="-228600" algn="l" defTabSz="914400" rtl="0" eaLnBrk="1" latinLnBrk="0" hangingPunct="1">
-              <a:spcBef>
-                <a:spcPct val="20000"/>
-              </a:spcBef>
-              <a:buFont typeface="Arial" pitchFamily="34" charset="0"/>
-              <a:buChar char="•"/>
-              <a:defRPr sz="2400" kern="1200">
-                <a:solidFill>
-                  <a:schemeClr val="tx1"/>
-                </a:solidFill>
-                <a:latin typeface="+mn-lt"/>
-                <a:ea typeface="+mn-ea"/>
-                <a:cs typeface="+mn-cs"/>
-              </a:defRPr>
-            </a:lvl3pPr>
-            <a:lvl4pPr marL="1600200" indent="-228600" algn="l" defTabSz="914400" rtl="0" eaLnBrk="1" latinLnBrk="0" hangingPunct="1">
-              <a:spcBef>
-                <a:spcPct val="20000"/>
-              </a:spcBef>
-              <a:buFont typeface="Arial" pitchFamily="34" charset="0"/>
-              <a:buChar char="–"/>
-              <a:defRPr sz="2000" kern="1200">
-                <a:solidFill>
-                  <a:schemeClr val="tx1"/>
-                </a:solidFill>
-                <a:latin typeface="+mn-lt"/>
-                <a:ea typeface="+mn-ea"/>
-                <a:cs typeface="+mn-cs"/>
-              </a:defRPr>
-            </a:lvl4pPr>
-            <a:lvl5pPr marL="2057400" indent="-228600" algn="l" defTabSz="914400" rtl="0" eaLnBrk="1" latinLnBrk="0" hangingPunct="1">
-              <a:spcBef>
-                <a:spcPct val="20000"/>
-              </a:spcBef>
-              <a:buFont typeface="Arial" pitchFamily="34" charset="0"/>
-              <a:buChar char="»"/>
-              <a:defRPr sz="2000" kern="1200">
-                <a:solidFill>
-                  <a:schemeClr val="tx1"/>
-                </a:solidFill>
-                <a:latin typeface="+mn-lt"/>
-                <a:ea typeface="+mn-ea"/>
-                <a:cs typeface="+mn-cs"/>
-              </a:defRPr>
-            </a:lvl5pPr>
-            <a:lvl6pPr marL="2514600" indent="-228600" algn="l" defTabSz="914400" rtl="0" eaLnBrk="1" latinLnBrk="0" hangingPunct="1">
-              <a:spcBef>
-                <a:spcPct val="20000"/>
-              </a:spcBef>
-              <a:buFont typeface="Arial" pitchFamily="34" charset="0"/>
-              <a:buChar char="•"/>
-              <a:defRPr sz="2000" kern="1200">
-                <a:solidFill>
-                  <a:schemeClr val="tx1"/>
-                </a:solidFill>
-                <a:latin typeface="+mn-lt"/>
-                <a:ea typeface="+mn-ea"/>
-                <a:cs typeface="+mn-cs"/>
-              </a:defRPr>
-            </a:lvl6pPr>
-            <a:lvl7pPr marL="2971800" indent="-228600" algn="l" defTabSz="914400" rtl="0" eaLnBrk="1" latinLnBrk="0" hangingPunct="1">
-              <a:spcBef>
-                <a:spcPct val="20000"/>
-              </a:spcBef>
-              <a:buFont typeface="Arial" pitchFamily="34" charset="0"/>
-              <a:buChar char="•"/>
-              <a:defRPr sz="2000" kern="1200">
-                <a:solidFill>
-                  <a:schemeClr val="tx1"/>
-                </a:solidFill>
-                <a:latin typeface="+mn-lt"/>
-                <a:ea typeface="+mn-ea"/>
-                <a:cs typeface="+mn-cs"/>
-              </a:defRPr>
-            </a:lvl7pPr>
-            <a:lvl8pPr marL="3429000" indent="-228600" algn="l" defTabSz="914400" rtl="0" eaLnBrk="1" latinLnBrk="0" hangingPunct="1">
-              <a:spcBef>
-                <a:spcPct val="20000"/>
-              </a:spcBef>
-              <a:buFont typeface="Arial" pitchFamily="34" charset="0"/>
-              <a:buChar char="•"/>
-              <a:defRPr sz="2000" kern="1200">
-                <a:solidFill>
-                  <a:schemeClr val="tx1"/>
-                </a:solidFill>
-                <a:latin typeface="+mn-lt"/>
-                <a:ea typeface="+mn-ea"/>
-                <a:cs typeface="+mn-cs"/>
-              </a:defRPr>
-            </a:lvl8pPr>
-            <a:lvl9pPr marL="3886200" indent="-228600" algn="l" defTabSz="914400" rtl="0" eaLnBrk="1" latinLnBrk="0" hangingPunct="1">
-              <a:spcBef>
-                <a:spcPct val="20000"/>
-              </a:spcBef>
-              <a:buFont typeface="Arial" pitchFamily="34" charset="0"/>
-              <a:buChar char="•"/>
-              <a:defRPr sz="2000" kern="1200">
-                <a:solidFill>
-                  <a:schemeClr val="tx1"/>
-                </a:solidFill>
-                <a:latin typeface="+mn-lt"/>
-                <a:ea typeface="+mn-ea"/>
-                <a:cs typeface="+mn-cs"/>
-              </a:defRPr>
-            </a:lvl9pPr>
-          </a:lstStyle>
-          <a:p>
-            <a:pPr marL="0" indent="0" algn="just">
-              <a:buNone/>
-            </a:pPr>
-            <a:r>
-              <a:rPr lang="ru-RU" sz="3400" b="1" dirty="0" smtClean="0"/>
-              <a:t>Цель работы – </a:t>
-            </a:r>
-            <a:r>
-              <a:rPr lang="ru-RU" sz="3400" dirty="0" smtClean="0"/>
-              <a:t>разработка метода многокритериальной оптимизации режимов работы котельного отделения электростанции и его исследование на примере котельного отделения ТЭЦ-20 Мосэнерго .</a:t>
-            </a:r>
-            <a:endParaRPr lang="ru-RU" sz="3400" dirty="0" smtClean="0">
-              <a:solidFill>
-                <a:srgbClr val="FF0000"/>
-              </a:solidFill>
-            </a:endParaRPr>
-          </a:p>
-          <a:p>
-            <a:pPr marL="0" indent="0">
-              <a:buFont typeface="Arial" pitchFamily="34" charset="0"/>
-              <a:buNone/>
-            </a:pPr>
-            <a:endParaRPr lang="ru-RU" sz="3400" b="1" dirty="0" smtClean="0"/>
-          </a:p>
-          <a:p>
-            <a:pPr marL="0" indent="0">
-              <a:buFont typeface="Arial" pitchFamily="34" charset="0"/>
-              <a:buNone/>
-            </a:pPr>
-            <a:r>
-              <a:rPr lang="ru-RU" sz="3400" b="1" dirty="0" smtClean="0"/>
-              <a:t>Решаемые задачи:</a:t>
-            </a:r>
-          </a:p>
-          <a:p>
-            <a:pPr marL="514350" indent="-514350" algn="just">
-              <a:buFont typeface="+mj-lt"/>
-              <a:buAutoNum type="arabicPeriod"/>
-            </a:pPr>
-            <a:r>
-              <a:rPr lang="ru-RU" sz="3400" dirty="0" smtClean="0"/>
-              <a:t>Анализ существующих оптимизационных продуктов и решений;</a:t>
-            </a:r>
-          </a:p>
-          <a:p>
-            <a:pPr marL="514350" indent="-514350" algn="just">
-              <a:buFont typeface="+mj-lt"/>
-              <a:buAutoNum type="arabicPeriod"/>
-            </a:pPr>
-            <a:r>
-              <a:rPr lang="ru-RU" sz="3400" dirty="0" smtClean="0"/>
-              <a:t>Анализ существующих алгоритмов оптимизации и выбор одного из них для реализации;</a:t>
-            </a:r>
-          </a:p>
-          <a:p>
-            <a:pPr marL="514350" indent="-514350" algn="just">
-              <a:buFont typeface="+mj-lt"/>
-              <a:buAutoNum type="arabicPeriod"/>
-            </a:pPr>
-            <a:r>
-              <a:rPr lang="ru-RU" sz="3400" dirty="0" smtClean="0"/>
-              <a:t>Разработка математической модели многокритериальной оптимизации;</a:t>
-            </a:r>
-            <a:endParaRPr lang="ru-RU" sz="3400" dirty="0" smtClean="0"/>
-          </a:p>
-          <a:p>
-            <a:pPr marL="514350" indent="-514350" algn="just">
-              <a:buFont typeface="+mj-lt"/>
-              <a:buAutoNum type="arabicPeriod"/>
-            </a:pPr>
-            <a:r>
-              <a:rPr lang="ru-RU" sz="3400" dirty="0" smtClean="0"/>
-              <a:t>Разработка метода многокритериальной оптимизации;</a:t>
-            </a:r>
-          </a:p>
-          <a:p>
-            <a:pPr marL="514350" indent="-514350" algn="just">
-              <a:buFont typeface="+mj-lt"/>
-              <a:buAutoNum type="arabicPeriod"/>
-            </a:pPr>
-            <a:r>
-              <a:rPr lang="ru-RU" sz="3400" dirty="0" smtClean="0"/>
-              <a:t>Разработка программного продукта на основе данного метода;</a:t>
-            </a:r>
-            <a:endParaRPr lang="en-US" sz="3400" dirty="0" smtClean="0"/>
-          </a:p>
-          <a:p>
-            <a:pPr marL="514350" indent="-514350" algn="just">
-              <a:buFont typeface="+mj-lt"/>
-              <a:buAutoNum type="arabicPeriod"/>
-            </a:pPr>
-            <a:r>
-              <a:rPr lang="ru-RU" sz="3400" dirty="0" smtClean="0"/>
-              <a:t>Исследование разработанного метода и сравнение полученных результатов с другими известными </a:t>
-            </a:r>
-            <a:r>
-              <a:rPr lang="ru-RU" sz="3400" dirty="0" smtClean="0"/>
-              <a:t>результатами.</a:t>
-            </a:r>
-            <a:endParaRPr lang="ru-RU" sz="3400" dirty="0" smtClean="0"/>
-          </a:p>
-          <a:p>
-            <a:pPr marL="514350" indent="-514350" algn="just">
-              <a:buFont typeface="+mj-lt"/>
-              <a:buAutoNum type="arabicPeriod"/>
-            </a:pPr>
-            <a:endParaRPr lang="ru-RU" sz="3400" dirty="0" smtClean="0"/>
-          </a:p>
-          <a:p>
-            <a:pPr marL="514350" indent="-514350" algn="just">
-              <a:buFont typeface="+mj-lt"/>
-              <a:buAutoNum type="arabicPeriod"/>
-            </a:pPr>
-            <a:endParaRPr lang="ru-RU" b="1" dirty="0" smtClean="0"/>
-          </a:p>
-          <a:p>
-            <a:pPr marL="0" indent="0">
-              <a:buFont typeface="Arial" pitchFamily="34" charset="0"/>
-              <a:buNone/>
-            </a:pPr>
-            <a:endParaRPr lang="ru-RU" b="1" dirty="0"/>
-          </a:p>
-        </p:txBody>
-      </p:sp>
-      <p:sp>
-        <p:nvSpPr>
-          <p:cNvPr id="5" name="Номер слайда 3"/>
-          <p:cNvSpPr>
-            <a:spLocks noGrp="1"/>
-          </p:cNvSpPr>
-          <p:nvPr>
-            <p:ph type="sldNum" sz="quarter" idx="12"/>
-          </p:nvPr>
-        </p:nvSpPr>
-        <p:spPr>
-          <a:xfrm>
-            <a:off x="6553200" y="6356350"/>
-            <a:ext cx="2133600" cy="365125"/>
-          </a:xfrm>
-        </p:spPr>
-        <p:txBody>
-          <a:bodyPr/>
-          <a:lstStyle/>
-          <a:p>
-            <a:fld id="{B19B0651-EE4F-4900-A07F-96A6BFA9D0F0}" type="slidenum">
-              <a:rPr lang="ru-RU" smtClean="0"/>
-              <a:t>2</a:t>
-            </a:fld>
-            <a:endParaRPr lang="ru-RU" dirty="0"/>
-          </a:p>
-        </p:txBody>
-      </p:sp>
-    </p:spTree>
-    <p:extLst>
-      <p:ext uri="{BB962C8B-B14F-4D97-AF65-F5344CB8AC3E}">
-        <p14:creationId xmlns:p14="http://schemas.microsoft.com/office/powerpoint/2010/main" val="1596185814"/>
-      </p:ext>
-    </p:extLst>
-  </p:cSld>
-  <p:clrMapOvr>
-    <a:masterClrMapping/>
-  </p:clrMapOvr>
-  <p:timing>
-    <p:tnLst>
-      <p:par>
-        <p:cTn id="1" dur="indefinite" restart="never" nodeType="tmRoot"/>
-      </p:par>
-    </p:tnLst>
-  </p:timing>
-</p:sld>
-</file>
-
-<file path=ppt/slides/slide20.xml><?xml version="1.0" encoding="utf-8"?>
+<file path=ppt/slides/slide22.xml><?xml version="1.0" encoding="utf-8"?>
 <p:sld xmlns:a="http://schemas.openxmlformats.org/drawingml/2006/main" xmlns:r="http://schemas.openxmlformats.org/officeDocument/2006/relationships" xmlns:p="http://schemas.openxmlformats.org/presentationml/2006/main">
   <p:cSld>
     <p:spTree>
@@ -15068,7 +15932,7 @@
           <a:p>
             <a:fld id="{B19B0651-EE4F-4900-A07F-96A6BFA9D0F0}" type="slidenum">
               <a:rPr lang="ru-RU" smtClean="0"/>
-              <a:t>20</a:t>
+              <a:t>22</a:t>
             </a:fld>
             <a:endParaRPr lang="ru-RU"/>
           </a:p>
@@ -15200,7 +16064,7 @@
 </p:sld>
 </file>
 
-<file path=ppt/slides/slide21.xml><?xml version="1.0" encoding="utf-8"?>
+<file path=ppt/slides/slide23.xml><?xml version="1.0" encoding="utf-8"?>
 <p:sld xmlns:a="http://schemas.openxmlformats.org/drawingml/2006/main" xmlns:r="http://schemas.openxmlformats.org/officeDocument/2006/relationships" xmlns:p="http://schemas.openxmlformats.org/presentationml/2006/main">
   <p:cSld>
     <p:spTree>
@@ -15234,7 +16098,7 @@
           <a:p>
             <a:fld id="{B19B0651-EE4F-4900-A07F-96A6BFA9D0F0}" type="slidenum">
               <a:rPr lang="ru-RU" smtClean="0"/>
-              <a:t>21</a:t>
+              <a:t>23</a:t>
             </a:fld>
             <a:endParaRPr lang="ru-RU"/>
           </a:p>
@@ -15375,7 +16239,7 @@
 </p:sld>
 </file>
 
-<file path=ppt/slides/slide22.xml><?xml version="1.0" encoding="utf-8"?>
+<file path=ppt/slides/slide24.xml><?xml version="1.0" encoding="utf-8"?>
 <p:sld xmlns:a="http://schemas.openxmlformats.org/drawingml/2006/main" xmlns:r="http://schemas.openxmlformats.org/officeDocument/2006/relationships" xmlns:p="http://schemas.openxmlformats.org/presentationml/2006/main">
   <p:cSld>
     <p:spTree>
@@ -15409,7 +16273,7 @@
           <a:p>
             <a:fld id="{B19B0651-EE4F-4900-A07F-96A6BFA9D0F0}" type="slidenum">
               <a:rPr lang="ru-RU" smtClean="0"/>
-              <a:t>22</a:t>
+              <a:t>24</a:t>
             </a:fld>
             <a:endParaRPr lang="ru-RU"/>
           </a:p>
@@ -15663,7 +16527,7 @@
 </p:sld>
 </file>
 
-<file path=ppt/slides/slide23.xml><?xml version="1.0" encoding="utf-8"?>
+<file path=ppt/slides/slide25.xml><?xml version="1.0" encoding="utf-8"?>
 <p:sld xmlns:a="http://schemas.openxmlformats.org/drawingml/2006/main" xmlns:r="http://schemas.openxmlformats.org/officeDocument/2006/relationships" xmlns:p="http://schemas.openxmlformats.org/presentationml/2006/main">
   <p:cSld>
     <p:spTree>
@@ -15697,7 +16561,7 @@
           <a:p>
             <a:fld id="{B19B0651-EE4F-4900-A07F-96A6BFA9D0F0}" type="slidenum">
               <a:rPr lang="ru-RU" smtClean="0"/>
-              <a:t>23</a:t>
+              <a:t>25</a:t>
             </a:fld>
             <a:endParaRPr lang="ru-RU" dirty="0"/>
           </a:p>
@@ -15800,7 +16664,7 @@
 </p:sld>
 </file>
 
-<file path=ppt/slides/slide24.xml><?xml version="1.0" encoding="utf-8"?>
+<file path=ppt/slides/slide26.xml><?xml version="1.0" encoding="utf-8"?>
 <p:sld xmlns:a="http://schemas.openxmlformats.org/drawingml/2006/main" xmlns:r="http://schemas.openxmlformats.org/officeDocument/2006/relationships" xmlns:p="http://schemas.openxmlformats.org/presentationml/2006/main">
   <p:cSld>
     <p:spTree>
@@ -15834,7 +16698,7 @@
           <a:p>
             <a:fld id="{B19B0651-EE4F-4900-A07F-96A6BFA9D0F0}" type="slidenum">
               <a:rPr lang="ru-RU" smtClean="0"/>
-              <a:t>24</a:t>
+              <a:t>26</a:t>
             </a:fld>
             <a:endParaRPr lang="ru-RU" dirty="0"/>
           </a:p>
@@ -15937,7 +16801,7 @@
 </p:sld>
 </file>
 
-<file path=ppt/slides/slide25.xml><?xml version="1.0" encoding="utf-8"?>
+<file path=ppt/slides/slide27.xml><?xml version="1.0" encoding="utf-8"?>
 <p:sld xmlns:a="http://schemas.openxmlformats.org/drawingml/2006/main" xmlns:r="http://schemas.openxmlformats.org/officeDocument/2006/relationships" xmlns:p="http://schemas.openxmlformats.org/presentationml/2006/main">
   <p:cSld>
     <p:spTree>
@@ -16206,7 +17070,7 @@
           <a:p>
             <a:fld id="{B19B0651-EE4F-4900-A07F-96A6BFA9D0F0}" type="slidenum">
               <a:rPr lang="ru-RU" smtClean="0"/>
-              <a:t>25</a:t>
+              <a:t>27</a:t>
             </a:fld>
             <a:endParaRPr lang="ru-RU" dirty="0"/>
           </a:p>
@@ -17844,23 +18708,7 @@
             </a:pPr>
             <a:r>
               <a:rPr lang="ru-RU" sz="1900" b="1" dirty="0" smtClean="0"/>
-              <a:t>	</a:t>
-            </a:r>
-            <a:r>
-              <a:rPr lang="ru-RU" sz="1900" b="1" dirty="0" smtClean="0"/>
-              <a:t>Выбран метод </a:t>
-            </a:r>
-            <a:r>
-              <a:rPr lang="ru-RU" sz="1900" b="1" dirty="0" smtClean="0"/>
-              <a:t>прямых выборочных процедур с уменьшением интервала </a:t>
-            </a:r>
-            <a:r>
-              <a:rPr lang="ru-RU" sz="1900" b="1" dirty="0" smtClean="0"/>
-              <a:t>поиска. Остальные рассмотренные методы </a:t>
-            </a:r>
-            <a:r>
-              <a:rPr lang="ru-RU" sz="1900" b="1" dirty="0" smtClean="0"/>
-              <a:t>направлены, в основном, на поиска локального экстремума функции.</a:t>
+              <a:t>	Выбран метод прямых выборочных процедур с уменьшением интервала поиска. Остальные рассмотренные методы направлены, в основном, на поиска локального экстремума функции.</a:t>
             </a:r>
             <a:endParaRPr lang="ru-RU" sz="1900" b="1" dirty="0"/>
           </a:p>
@@ -21027,8 +21875,8 @@
           </p:sp>
         </mc:Fallback>
       </mc:AlternateContent>
-      <mc:AlternateContent xmlns:mc="http://schemas.openxmlformats.org/markup-compatibility/2006">
-        <mc:Choice xmlns:a14="http://schemas.microsoft.com/office/drawing/2010/main" Requires="a14">
+      <mc:AlternateContent xmlns:mc="http://schemas.openxmlformats.org/markup-compatibility/2006" xmlns:a14="http://schemas.microsoft.com/office/drawing/2010/main">
+        <mc:Choice Requires="a14">
           <p:sp>
             <p:nvSpPr>
               <p:cNvPr id="6" name="Прямоугольник 5"/>
@@ -21229,7 +22077,7 @@
             </p:txBody>
           </p:sp>
         </mc:Choice>
-        <mc:Fallback>
+        <mc:Fallback xmlns="">
           <p:sp>
             <p:nvSpPr>
               <p:cNvPr id="6" name="Прямоугольник 5"/>
@@ -21486,8 +22334,8 @@
           </p:sp>
         </mc:Fallback>
       </mc:AlternateContent>
-      <mc:AlternateContent xmlns:mc="http://schemas.openxmlformats.org/markup-compatibility/2006">
-        <mc:Choice xmlns:a14="http://schemas.microsoft.com/office/drawing/2010/main" Requires="a14">
+      <mc:AlternateContent xmlns:mc="http://schemas.openxmlformats.org/markup-compatibility/2006" xmlns:a14="http://schemas.microsoft.com/office/drawing/2010/main">
+        <mc:Choice Requires="a14">
           <p:sp>
             <p:nvSpPr>
               <p:cNvPr id="10" name="Прямоугольник 9"/>
@@ -21611,7 +22459,7 @@
             </p:txBody>
           </p:sp>
         </mc:Choice>
-        <mc:Fallback>
+        <mc:Fallback xmlns="">
           <p:sp>
             <p:nvSpPr>
               <p:cNvPr id="10" name="Прямоугольник 9"/>
@@ -21764,15 +22612,7 @@
             <a:pPr algn="just"/>
             <a:r>
               <a:rPr lang="ru-RU" i="1" dirty="0" smtClean="0"/>
-              <a:t>Разработанный метод состоит из </a:t>
-            </a:r>
-            <a:r>
-              <a:rPr lang="ru-RU" i="1" dirty="0" smtClean="0"/>
-              <a:t>шагов</a:t>
-            </a:r>
-            <a:r>
-              <a:rPr lang="ru-RU" i="1" dirty="0" smtClean="0"/>
-              <a:t>:</a:t>
+              <a:t>Разработанный метод состоит из шагов:</a:t>
             </a:r>
           </a:p>
           <a:p>
@@ -22071,8 +22911,8 @@
           </a:p>
         </p:txBody>
       </p:sp>
-      <mc:AlternateContent xmlns:mc="http://schemas.openxmlformats.org/markup-compatibility/2006">
-        <mc:Choice xmlns:a14="http://schemas.microsoft.com/office/drawing/2010/main" Requires="a14">
+      <mc:AlternateContent xmlns:mc="http://schemas.openxmlformats.org/markup-compatibility/2006" xmlns:a14="http://schemas.microsoft.com/office/drawing/2010/main">
+        <mc:Choice Requires="a14">
           <p:sp>
             <p:nvSpPr>
               <p:cNvPr id="3" name="Прямоугольник 2"/>
@@ -22288,7 +23128,7 @@
             </p:txBody>
           </p:sp>
         </mc:Choice>
-        <mc:Fallback>
+        <mc:Fallback xmlns="">
           <p:sp>
             <p:nvSpPr>
               <p:cNvPr id="3" name="Прямоугольник 2"/>

--- a/optimization/4 семестр/РПЗ/Презентация_v2.0.pptx
+++ b/optimization/4 семестр/РПЗ/Презентация_v2.0.pptx
@@ -169,7 +169,7 @@
             </a:r>
             <a:r>
               <a:rPr lang="ru-RU" sz="1400" baseline="0" dirty="0" smtClean="0"/>
-              <a:t>топлива от </a:t>
+              <a:t>газа от </a:t>
             </a:r>
             <a:r>
               <a:rPr lang="ru-RU" sz="1400" baseline="0" dirty="0"/>
@@ -425,11 +425,11 @@
         </c:dLbls>
         <c:gapWidth val="75"/>
         <c:overlap val="-25"/>
-        <c:axId val="157806592"/>
-        <c:axId val="157808128"/>
+        <c:axId val="160416128"/>
+        <c:axId val="160418048"/>
       </c:barChart>
       <c:catAx>
-        <c:axId val="157806592"/>
+        <c:axId val="160416128"/>
         <c:scaling>
           <c:orientation val="minMax"/>
         </c:scaling>
@@ -475,7 +475,7 @@
         <c:majorTickMark val="none"/>
         <c:minorTickMark val="none"/>
         <c:tickLblPos val="nextTo"/>
-        <c:crossAx val="157808128"/>
+        <c:crossAx val="160418048"/>
         <c:crosses val="autoZero"/>
         <c:auto val="1"/>
         <c:lblAlgn val="ctr"/>
@@ -483,7 +483,7 @@
         <c:noMultiLvlLbl val="0"/>
       </c:catAx>
       <c:valAx>
-        <c:axId val="157808128"/>
+        <c:axId val="160418048"/>
         <c:scaling>
           <c:orientation val="minMax"/>
           <c:max val="55"/>
@@ -540,7 +540,7 @@
             <a:noFill/>
           </a:ln>
         </c:spPr>
-        <c:crossAx val="157806592"/>
+        <c:crossAx val="160416128"/>
         <c:crosses val="autoZero"/>
         <c:crossBetween val="between"/>
         <c:majorUnit val="5"/>
@@ -717,11 +717,11 @@
           <c:showPercent val="0"/>
           <c:showBubbleSize val="0"/>
         </c:dLbls>
-        <c:axId val="110589056"/>
-        <c:axId val="110590976"/>
+        <c:axId val="160432896"/>
+        <c:axId val="160481664"/>
       </c:scatterChart>
       <c:valAx>
-        <c:axId val="110589056"/>
+        <c:axId val="160432896"/>
         <c:scaling>
           <c:orientation val="minMax"/>
         </c:scaling>
@@ -755,13 +755,13 @@
         <c:majorTickMark val="out"/>
         <c:minorTickMark val="none"/>
         <c:tickLblPos val="nextTo"/>
-        <c:crossAx val="110590976"/>
+        <c:crossAx val="160481664"/>
         <c:crosses val="autoZero"/>
         <c:crossBetween val="midCat"/>
         <c:majorUnit val="10"/>
       </c:valAx>
       <c:valAx>
-        <c:axId val="110590976"/>
+        <c:axId val="160481664"/>
         <c:scaling>
           <c:orientation val="minMax"/>
         </c:scaling>
@@ -796,7 +796,7 @@
         <c:majorTickMark val="out"/>
         <c:minorTickMark val="none"/>
         <c:tickLblPos val="nextTo"/>
-        <c:crossAx val="110589056"/>
+        <c:crossAx val="160432896"/>
         <c:crosses val="autoZero"/>
         <c:crossBetween val="midCat"/>
       </c:valAx>
@@ -1068,8 +1068,8 @@
           <c:showPercent val="0"/>
           <c:showBubbleSize val="0"/>
         </c:dLbls>
-        <c:axId val="149103744"/>
-        <c:axId val="149106048"/>
+        <c:axId val="161051776"/>
+        <c:axId val="161053696"/>
       </c:scatterChart>
       <c:scatterChart>
         <c:scatterStyle val="lineMarker"/>
@@ -1182,11 +1182,11 @@
           <c:showPercent val="0"/>
           <c:showBubbleSize val="0"/>
         </c:dLbls>
-        <c:axId val="161191808"/>
-        <c:axId val="149112320"/>
+        <c:axId val="161061888"/>
+        <c:axId val="161059968"/>
       </c:scatterChart>
       <c:valAx>
-        <c:axId val="149103744"/>
+        <c:axId val="161051776"/>
         <c:scaling>
           <c:orientation val="minMax"/>
         </c:scaling>
@@ -1224,12 +1224,12 @@
         <c:majorTickMark val="out"/>
         <c:minorTickMark val="none"/>
         <c:tickLblPos val="nextTo"/>
-        <c:crossAx val="149106048"/>
+        <c:crossAx val="161053696"/>
         <c:crosses val="autoZero"/>
         <c:crossBetween val="midCat"/>
       </c:valAx>
       <c:valAx>
-        <c:axId val="149106048"/>
+        <c:axId val="161053696"/>
         <c:scaling>
           <c:orientation val="minMax"/>
         </c:scaling>
@@ -1276,12 +1276,12 @@
         <c:majorTickMark val="out"/>
         <c:minorTickMark val="none"/>
         <c:tickLblPos val="nextTo"/>
-        <c:crossAx val="149103744"/>
+        <c:crossAx val="161051776"/>
         <c:crosses val="autoZero"/>
         <c:crossBetween val="midCat"/>
       </c:valAx>
       <c:valAx>
-        <c:axId val="149112320"/>
+        <c:axId val="161059968"/>
         <c:scaling>
           <c:orientation val="minMax"/>
           <c:max val="260"/>
@@ -1329,12 +1329,12 @@
         <c:majorTickMark val="out"/>
         <c:minorTickMark val="none"/>
         <c:tickLblPos val="nextTo"/>
-        <c:crossAx val="161191808"/>
+        <c:crossAx val="161061888"/>
         <c:crosses val="max"/>
         <c:crossBetween val="midCat"/>
       </c:valAx>
       <c:valAx>
-        <c:axId val="161191808"/>
+        <c:axId val="161061888"/>
         <c:scaling>
           <c:orientation val="minMax"/>
         </c:scaling>
@@ -1344,7 +1344,7 @@
         <c:majorTickMark val="out"/>
         <c:minorTickMark val="none"/>
         <c:tickLblPos val="nextTo"/>
-        <c:crossAx val="149112320"/>
+        <c:crossAx val="161059968"/>
         <c:crosses val="autoZero"/>
         <c:crossBetween val="midCat"/>
       </c:valAx>
@@ -5190,7 +5190,31 @@
                 </a14:m>
                 <a:r>
                   <a:rPr lang="ru-RU" sz="2000" dirty="0"/>
-                  <a:t> – суммарная паропроизводительность, которую должна обеспечивать очередь </a:t>
+                  <a:t> – суммарная </a:t>
+                </a:r>
+                <a:r>
+                  <a:rPr lang="ru-RU" sz="2000" dirty="0" smtClean="0"/>
+                  <a:t>паропроизводительность</a:t>
+                </a:r>
+                <a:r>
+                  <a:rPr lang="en-US" sz="2000" dirty="0" smtClean="0"/>
+                  <a:t> [</a:t>
+                </a:r>
+                <a:r>
+                  <a:rPr lang="ru-RU" sz="2000" dirty="0" smtClean="0"/>
+                  <a:t>т/час</a:t>
+                </a:r>
+                <a:r>
+                  <a:rPr lang="en-US" sz="2000" dirty="0" smtClean="0"/>
+                  <a:t>]</a:t>
+                </a:r>
+                <a:r>
+                  <a:rPr lang="ru-RU" sz="2000" dirty="0" smtClean="0"/>
+                  <a:t>, </a:t>
+                </a:r>
+                <a:r>
+                  <a:rPr lang="ru-RU" sz="2000" dirty="0"/>
+                  <a:t>которую должна обеспечивать очередь </a:t>
                 </a:r>
                 <a:r>
                   <a:rPr lang="ru-RU" sz="2000" dirty="0" smtClean="0"/>
@@ -5271,7 +5295,23 @@
                 </a:r>
                 <a:r>
                   <a:rPr lang="ru-RU" sz="2000" dirty="0" smtClean="0"/>
-                  <a:t>котлоагрегата), </a:t>
+                  <a:t>котлоагрегата </a:t>
+                </a:r>
+                <a:r>
+                  <a:rPr lang="en-US" sz="2000" dirty="0" smtClean="0"/>
+                  <a:t>[</a:t>
+                </a:r>
+                <a:r>
+                  <a:rPr lang="ru-RU" sz="2000" dirty="0" smtClean="0"/>
+                  <a:t>т/час</a:t>
+                </a:r>
+                <a:r>
+                  <a:rPr lang="en-US" sz="2000" dirty="0" smtClean="0"/>
+                  <a:t>]</a:t>
+                </a:r>
+                <a:r>
+                  <a:rPr lang="ru-RU" sz="2000" dirty="0" smtClean="0"/>
+                  <a:t>), </a:t>
                 </a:r>
                 <a:r>
                   <a:rPr lang="ru-RU" sz="2000" dirty="0" smtClean="0"/>
@@ -7167,7 +7207,7 @@
           <a:graphicData uri="http://schemas.openxmlformats.org/presentationml/2006/ole">
             <mc:AlternateContent xmlns:mc="http://schemas.openxmlformats.org/markup-compatibility/2006">
               <mc:Choice xmlns:v="urn:schemas-microsoft-com:vml" Requires="v">
-                <p:oleObj spid="_x0000_s2210" name="Visio" r:id="rId6" imgW="3802117" imgH="4529755" progId="Visio.Drawing.11">
+                <p:oleObj spid="_x0000_s2215" name="Visio" r:id="rId6" imgW="3802117" imgH="4529755" progId="Visio.Drawing.11">
                   <p:embed/>
                 </p:oleObj>
               </mc:Choice>
@@ -7212,35 +7252,6 @@
           </a:graphicData>
         </a:graphic>
       </p:graphicFrame>
-      <p:sp>
-        <p:nvSpPr>
-          <p:cNvPr id="12" name="Rectangle 11"/>
-          <p:cNvSpPr/>
-          <p:nvPr/>
-        </p:nvSpPr>
-        <p:spPr>
-          <a:xfrm>
-            <a:off x="4396008" y="6453634"/>
-            <a:ext cx="4176464" cy="338554"/>
-          </a:xfrm>
-          <a:prstGeom prst="rect">
-            <a:avLst/>
-          </a:prstGeom>
-        </p:spPr>
-        <p:txBody>
-          <a:bodyPr wrap="square">
-            <a:spAutoFit/>
-          </a:bodyPr>
-          <a:lstStyle/>
-          <a:p>
-            <a:r>
-              <a:rPr lang="ru-RU" sz="1600" dirty="0" smtClean="0"/>
-              <a:t>Рис.2 Алгоритм сужения множества Парето</a:t>
-            </a:r>
-            <a:endParaRPr lang="ru-RU" sz="1600" dirty="0"/>
-          </a:p>
-        </p:txBody>
-      </p:sp>
       <mc:AlternateContent xmlns:mc="http://schemas.openxmlformats.org/markup-compatibility/2006" xmlns:a14="http://schemas.microsoft.com/office/drawing/2010/main">
         <mc:Choice Requires="a14">
           <p:sp>
@@ -7484,8 +7495,8 @@
           </a:p>
         </p:txBody>
       </p:sp>
-      <mc:AlternateContent xmlns:mc="http://schemas.openxmlformats.org/markup-compatibility/2006">
-        <mc:Choice xmlns:a14="http://schemas.microsoft.com/office/drawing/2010/main" Requires="a14">
+      <mc:AlternateContent xmlns:mc="http://schemas.openxmlformats.org/markup-compatibility/2006" xmlns:a14="http://schemas.microsoft.com/office/drawing/2010/main">
+        <mc:Choice Requires="a14">
           <p:graphicFrame>
             <p:nvGraphicFramePr>
               <p:cNvPr id="3" name="Таблица 2"/>
@@ -7546,7 +7557,9 @@
                           <a14:m>
                             <m:oMath xmlns:m="http://schemas.openxmlformats.org/officeDocument/2006/math">
                               <m:r>
-                                <a:rPr lang="ru-RU" sz="1800" smtClean="0"/>
+                                <a:rPr lang="ru-RU" sz="1800" smtClean="0">
+                                  <a:latin typeface="Cambria Math"/>
+                                </a:rPr>
                                 <m:t>𝑦</m:t>
                               </m:r>
                             </m:oMath>
@@ -7610,6 +7623,7 @@
                         <a:bodyPr/>
                         <a:lstStyle/>
                         <a:p>
+                          <a:pPr/>
                           <a14:m>
                             <m:oMathPara xmlns:m="http://schemas.openxmlformats.org/officeDocument/2006/math">
                               <m:oMathParaPr>
@@ -7617,40 +7631,56 @@
                               </m:oMathParaPr>
                               <m:oMath xmlns:m="http://schemas.openxmlformats.org/officeDocument/2006/math">
                                 <m:r>
-                                  <a:rPr lang="ru-RU" sz="1800" smtClean="0"/>
+                                  <a:rPr lang="ru-RU" sz="1800" smtClean="0">
+                                    <a:latin typeface="Cambria Math"/>
+                                  </a:rPr>
                                   <m:t>𝜌</m:t>
                                 </m:r>
                                 <m:r>
-                                  <a:rPr lang="ru-RU" sz="1800" smtClean="0"/>
+                                  <a:rPr lang="ru-RU" sz="1800" smtClean="0">
+                                    <a:latin typeface="Cambria Math"/>
+                                  </a:rPr>
                                   <m:t>= </m:t>
                                 </m:r>
                                 <m:r>
-                                  <a:rPr lang="ru-RU" sz="1800" smtClean="0"/>
+                                  <a:rPr lang="ru-RU" sz="1800" smtClean="0">
+                                    <a:latin typeface="Cambria Math"/>
+                                  </a:rPr>
                                   <m:t>𝜌</m:t>
                                 </m:r>
                                 <m:d>
                                   <m:dPr>
                                     <m:ctrlPr>
-                                      <a:rPr lang="ru-RU" sz="1800"/>
+                                      <a:rPr lang="ru-RU" sz="1800" i="1">
+                                        <a:latin typeface="Cambria Math"/>
+                                      </a:rPr>
                                     </m:ctrlPr>
                                   </m:dPr>
                                   <m:e>
                                     <m:r>
-                                      <a:rPr lang="ru-RU" sz="1800"/>
+                                      <a:rPr lang="ru-RU" sz="1800">
+                                        <a:latin typeface="Cambria Math"/>
+                                      </a:rPr>
                                       <m:t>𝑦</m:t>
                                     </m:r>
                                     <m:r>
-                                      <a:rPr lang="ru-RU" sz="1800"/>
+                                      <a:rPr lang="ru-RU" sz="1800">
+                                        <a:latin typeface="Cambria Math"/>
+                                      </a:rPr>
                                       <m:t>,</m:t>
                                     </m:r>
                                     <m:r>
-                                      <a:rPr lang="ru-RU" sz="1800"/>
+                                      <a:rPr lang="ru-RU" sz="1800">
+                                        <a:latin typeface="Cambria Math"/>
+                                      </a:rPr>
                                       <m:t>𝑧</m:t>
                                     </m:r>
                                   </m:e>
                                 </m:d>
                                 <m:r>
-                                  <a:rPr lang="ru-RU" sz="1800" smtClean="0"/>
+                                  <a:rPr lang="ru-RU" sz="1800" smtClean="0">
+                                    <a:latin typeface="Cambria Math"/>
+                                  </a:rPr>
                                   <m:t>;</m:t>
                                 </m:r>
                               </m:oMath>
@@ -7669,15 +7699,21 @@
                           <a14:m>
                             <m:oMath xmlns:m="http://schemas.openxmlformats.org/officeDocument/2006/math">
                               <m:r>
-                                <a:rPr lang="ru-RU" sz="1800" smtClean="0"/>
+                                <a:rPr lang="ru-RU" sz="1800" smtClean="0">
+                                  <a:latin typeface="Cambria Math"/>
+                                </a:rPr>
                                 <m:t>𝑦</m:t>
                               </m:r>
                               <m:r>
-                                <a:rPr lang="ru-RU" sz="1800" smtClean="0"/>
+                                <a:rPr lang="ru-RU" sz="1800" smtClean="0">
+                                  <a:latin typeface="Cambria Math"/>
+                                </a:rPr>
                                 <m:t>,</m:t>
                               </m:r>
                               <m:r>
-                                <a:rPr lang="ru-RU" sz="1800" smtClean="0"/>
+                                <a:rPr lang="ru-RU" sz="1800" smtClean="0">
+                                  <a:latin typeface="Cambria Math"/>
+                                </a:rPr>
                                 <m:t>𝑧</m:t>
                               </m:r>
                             </m:oMath>
@@ -7705,7 +7741,7 @@
             </a:graphic>
           </p:graphicFrame>
         </mc:Choice>
-        <mc:Fallback>
+        <mc:Fallback xmlns="">
           <p:graphicFrame>
             <p:nvGraphicFramePr>
               <p:cNvPr id="3" name="Таблица 2"/>
@@ -8127,7 +8163,6 @@
               <a:rPr lang="ru-RU" sz="2400" b="1" dirty="0"/>
               <a:t>адекватности разработанного метода</a:t>
             </a:r>
-            <a:endParaRPr lang="ru-RU" sz="2400" b="1" dirty="0"/>
           </a:p>
         </p:txBody>
       </p:sp>
@@ -8893,7 +8928,7 @@
           <p:nvPr>
             <p:extLst>
               <p:ext uri="{D42A27DB-BD31-4B8C-83A1-F6EECF244321}">
-                <p14:modId xmlns:p14="http://schemas.microsoft.com/office/powerpoint/2010/main" val="1961683603"/>
+                <p14:modId xmlns:p14="http://schemas.microsoft.com/office/powerpoint/2010/main" val="2182436137"/>
               </p:ext>
             </p:extLst>
           </p:nvPr>
@@ -8942,7 +8977,7 @@
                     <a:p>
                       <a:r>
                         <a:rPr lang="ru-RU" dirty="0" smtClean="0"/>
-                        <a:t>1.7%</a:t>
+                        <a:t>1.7%;</a:t>
                       </a:r>
                       <a:endParaRPr lang="ru-RU" dirty="0"/>
                     </a:p>
@@ -8984,7 +9019,11 @@
                       </a:r>
                       <a:r>
                         <a:rPr lang="ru-RU" baseline="0" dirty="0" smtClean="0"/>
-                        <a:t>, чем сравниваемые значения</a:t>
+                        <a:t>, чем сравниваемые </a:t>
+                      </a:r>
+                      <a:r>
+                        <a:rPr lang="ru-RU" baseline="0" dirty="0" smtClean="0"/>
+                        <a:t>значения.</a:t>
                       </a:r>
                       <a:endParaRPr lang="ru-RU" dirty="0" smtClean="0"/>
                     </a:p>
@@ -9061,7 +9100,7 @@
           <p:nvPr>
             <p:extLst>
               <p:ext uri="{D42A27DB-BD31-4B8C-83A1-F6EECF244321}">
-                <p14:modId xmlns:p14="http://schemas.microsoft.com/office/powerpoint/2010/main" val="2989972539"/>
+                <p14:modId xmlns:p14="http://schemas.microsoft.com/office/powerpoint/2010/main" val="2498958362"/>
               </p:ext>
             </p:extLst>
           </p:nvPr>
@@ -9254,11 +9293,7 @@
                       </a:r>
                       <a:r>
                         <a:rPr lang="ru-RU" sz="2400" b="1" baseline="0" dirty="0" smtClean="0"/>
-                        <a:t> </a:t>
-                      </a:r>
-                      <a:r>
-                        <a:rPr lang="ru-RU" sz="2400" b="1" baseline="0" dirty="0" smtClean="0"/>
-                        <a:t>до</a:t>
+                        <a:t> до</a:t>
                       </a:r>
                       <a:endParaRPr lang="ru-RU" sz="2400" dirty="0"/>
                     </a:p>
@@ -9276,13 +9311,8 @@
                       </a:r>
                       <a:r>
                         <a:rPr lang="ru-RU" sz="2400" baseline="0" dirty="0" smtClean="0"/>
-                        <a:t> тыс. руб./</a:t>
+                        <a:t> тыс. руб./месяц</a:t>
                       </a:r>
-                      <a:r>
-                        <a:rPr lang="ru-RU" sz="2400" baseline="0" dirty="0" smtClean="0"/>
-                        <a:t>месяц</a:t>
-                      </a:r>
-                      <a:endParaRPr lang="ru-RU" sz="2400" baseline="0" dirty="0" smtClean="0"/>
                     </a:p>
                   </a:txBody>
                   <a:tcPr/>
@@ -10135,11 +10165,7 @@
             </a:pPr>
             <a:r>
               <a:rPr lang="ru-RU" sz="2400" dirty="0" smtClean="0"/>
-              <a:t>Разработан </a:t>
-            </a:r>
-            <a:r>
-              <a:rPr lang="ru-RU" sz="2400" dirty="0" smtClean="0"/>
-              <a:t>программный комплекс, реализующий </a:t>
+              <a:t>Разработан программный комплекс, реализующий </a:t>
             </a:r>
             <a:r>
               <a:rPr lang="ru-RU" sz="2400" dirty="0"/>
@@ -11095,11 +11121,7 @@
           <a:p>
             <a:r>
               <a:rPr lang="ru-RU" sz="1600" dirty="0" smtClean="0"/>
-              <a:t>Таблица 1 – Существующие </a:t>
-            </a:r>
-            <a:r>
-              <a:rPr lang="ru-RU" sz="1600" dirty="0" smtClean="0"/>
-              <a:t>оптимизационные продукты</a:t>
+              <a:t>Таблица 1 – Существующие оптимизационные продукты</a:t>
             </a:r>
             <a:endParaRPr lang="ru-RU" sz="1600" dirty="0"/>
           </a:p>
@@ -12007,13 +12029,8 @@
             </a:pPr>
             <a:r>
               <a:rPr lang="ru-RU" dirty="0" smtClean="0"/>
-              <a:t>паровых нагрузок для каждого из </a:t>
-            </a:r>
-            <a:r>
-              <a:rPr lang="ru-RU" dirty="0" smtClean="0"/>
-              <a:t>котлоагрегатов, </a:t>
-            </a:r>
-            <a:endParaRPr lang="ru-RU" dirty="0" smtClean="0"/>
+              <a:t>паровых нагрузок для каждого из котлоагрегатов, </a:t>
+            </a:r>
           </a:p>
           <a:p>
             <a:pPr marL="800100" lvl="1" indent="-342900" algn="just">
@@ -12022,17 +12039,8 @@
             </a:pPr>
             <a:r>
               <a:rPr lang="ru-RU" dirty="0" smtClean="0"/>
-              <a:t>вида топлива</a:t>
-            </a:r>
-            <a:r>
-              <a:rPr lang="ru-RU" dirty="0" smtClean="0"/>
-              <a:t>, используемого каждым из </a:t>
-            </a:r>
-            <a:r>
-              <a:rPr lang="ru-RU" dirty="0" smtClean="0"/>
-              <a:t>котлоагрегатов.</a:t>
-            </a:r>
-            <a:endParaRPr lang="ru-RU" dirty="0" smtClean="0"/>
+              <a:t>вида топлива, используемого каждым из котлоагрегатов.</a:t>
+            </a:r>
           </a:p>
           <a:p>
             <a:pPr algn="just"/>
@@ -14811,8 +14819,8 @@
           </a:p>
         </p:txBody>
       </p:sp>
-      <mc:AlternateContent xmlns:mc="http://schemas.openxmlformats.org/markup-compatibility/2006">
-        <mc:Choice xmlns:a14="http://schemas.microsoft.com/office/drawing/2010/main" Requires="a14">
+      <mc:AlternateContent xmlns:mc="http://schemas.openxmlformats.org/markup-compatibility/2006" xmlns:a14="http://schemas.microsoft.com/office/drawing/2010/main">
+        <mc:Choice Requires="a14">
           <p:sp>
             <p:nvSpPr>
               <p:cNvPr id="5" name="Прямоугольник 4"/>
@@ -14976,7 +14984,7 @@
             </p:txBody>
           </p:sp>
         </mc:Choice>
-        <mc:Fallback>
+        <mc:Fallback xmlns="">
           <p:sp>
             <p:nvSpPr>
               <p:cNvPr id="5" name="Прямоугольник 4"/>
@@ -15015,8 +15023,8 @@
           </p:sp>
         </mc:Fallback>
       </mc:AlternateContent>
-      <mc:AlternateContent xmlns:mc="http://schemas.openxmlformats.org/markup-compatibility/2006">
-        <mc:Choice xmlns:a14="http://schemas.microsoft.com/office/drawing/2010/main" Requires="a14">
+      <mc:AlternateContent xmlns:mc="http://schemas.openxmlformats.org/markup-compatibility/2006" xmlns:a14="http://schemas.microsoft.com/office/drawing/2010/main">
+        <mc:Choice Requires="a14">
           <p:sp>
             <p:nvSpPr>
               <p:cNvPr id="6" name="Прямоугольник 5"/>
@@ -15089,11 +15097,7 @@
                 </a:r>
                 <a:r>
                   <a:rPr lang="ru-RU" sz="1600" dirty="0" smtClean="0"/>
-                  <a:t>допустимая </a:t>
-                </a:r>
-                <a:r>
-                  <a:rPr lang="ru-RU" sz="1600" dirty="0" smtClean="0"/>
-                  <a:t>паропроизводительность </a:t>
+                  <a:t>допустимая паропроизводительность </a:t>
                 </a:r>
                 <a:r>
                   <a:rPr lang="en-US" sz="1600" dirty="0" err="1"/>
@@ -15211,11 +15215,7 @@
                 </a:r>
                 <a:r>
                   <a:rPr lang="ru-RU" sz="1600" dirty="0" smtClean="0"/>
-                  <a:t>котлоагрегата</a:t>
-                </a:r>
-                <a:r>
-                  <a:rPr lang="ru-RU" sz="1600" dirty="0" smtClean="0"/>
-                  <a:t>, </a:t>
+                  <a:t>котлоагрегата, </a:t>
                 </a:r>
                 <a:r>
                   <a:rPr lang="en-US" sz="1600" i="1" dirty="0" smtClean="0"/>
@@ -15234,7 +15234,7 @@
             </p:txBody>
           </p:sp>
         </mc:Choice>
-        <mc:Fallback>
+        <mc:Fallback xmlns="">
           <p:sp>
             <p:nvSpPr>
               <p:cNvPr id="6" name="Прямоугольник 5"/>
@@ -15311,8 +15311,8 @@
           </a:p>
         </p:txBody>
       </p:sp>
-      <mc:AlternateContent xmlns:mc="http://schemas.openxmlformats.org/markup-compatibility/2006">
-        <mc:Choice xmlns:a14="http://schemas.microsoft.com/office/drawing/2010/main" Requires="a14">
+      <mc:AlternateContent xmlns:mc="http://schemas.openxmlformats.org/markup-compatibility/2006" xmlns:a14="http://schemas.microsoft.com/office/drawing/2010/main">
+        <mc:Choice Requires="a14">
           <p:sp>
             <p:nvSpPr>
               <p:cNvPr id="9" name="Прямоугольник 8"/>
@@ -15440,7 +15440,7 @@
             </p:txBody>
           </p:sp>
         </mc:Choice>
-        <mc:Fallback>
+        <mc:Fallback xmlns="">
           <p:sp>
             <p:nvSpPr>
               <p:cNvPr id="9" name="Прямоугольник 8"/>
@@ -15479,8 +15479,8 @@
           </p:sp>
         </mc:Fallback>
       </mc:AlternateContent>
-      <mc:AlternateContent xmlns:mc="http://schemas.openxmlformats.org/markup-compatibility/2006">
-        <mc:Choice xmlns:a14="http://schemas.microsoft.com/office/drawing/2010/main" Requires="a14">
+      <mc:AlternateContent xmlns:mc="http://schemas.openxmlformats.org/markup-compatibility/2006" xmlns:a14="http://schemas.microsoft.com/office/drawing/2010/main">
+        <mc:Choice Requires="a14">
           <p:sp>
             <p:nvSpPr>
               <p:cNvPr id="10" name="Прямоугольник 9"/>
@@ -15613,7 +15613,7 @@
             </p:txBody>
           </p:sp>
         </mc:Choice>
-        <mc:Fallback>
+        <mc:Fallback xmlns="">
           <p:sp>
             <p:nvSpPr>
               <p:cNvPr id="10" name="Прямоугольник 9"/>
@@ -15814,7 +15814,6 @@
               <a:rPr lang="ru-RU" dirty="0" smtClean="0"/>
               <a:t>«Локальная» оптимизация каждой из допустимых комбинаций.</a:t>
             </a:r>
-            <a:endParaRPr lang="ru-RU" dirty="0" smtClean="0"/>
           </a:p>
           <a:p>
             <a:pPr lvl="0"/>
